--- a/skateshop-baku.pptx
+++ b/skateshop-baku.pptx
@@ -4513,7 +4513,7 @@
           <a:p>
             <a:fld id="{2E9D0A29-368F-4A33-B1F4-0EF4ACC5C815}" type="datetimeFigureOut">
               <a:rPr lang="en-GB" smtClean="0"/>
-              <a:t>07/11/2021</a:t>
+              <a:t>09/11/2021</a:t>
             </a:fld>
             <a:endParaRPr lang="en-GB"/>
           </a:p>
@@ -4751,7 +4751,7 @@
           <a:p>
             <a:fld id="{2E9D0A29-368F-4A33-B1F4-0EF4ACC5C815}" type="datetimeFigureOut">
               <a:rPr lang="en-GB" smtClean="0"/>
-              <a:t>07/11/2021</a:t>
+              <a:t>09/11/2021</a:t>
             </a:fld>
             <a:endParaRPr lang="en-GB"/>
           </a:p>
@@ -4931,7 +4931,7 @@
           <a:p>
             <a:fld id="{2E9D0A29-368F-4A33-B1F4-0EF4ACC5C815}" type="datetimeFigureOut">
               <a:rPr lang="en-GB" smtClean="0"/>
-              <a:t>07/11/2021</a:t>
+              <a:t>09/11/2021</a:t>
             </a:fld>
             <a:endParaRPr lang="en-GB"/>
           </a:p>
@@ -5101,7 +5101,7 @@
           <a:p>
             <a:fld id="{2E9D0A29-368F-4A33-B1F4-0EF4ACC5C815}" type="datetimeFigureOut">
               <a:rPr lang="en-GB" smtClean="0"/>
-              <a:t>07/11/2021</a:t>
+              <a:t>09/11/2021</a:t>
             </a:fld>
             <a:endParaRPr lang="en-GB"/>
           </a:p>
@@ -5377,7 +5377,7 @@
           <a:p>
             <a:fld id="{2E9D0A29-368F-4A33-B1F4-0EF4ACC5C815}" type="datetimeFigureOut">
               <a:rPr lang="en-GB" smtClean="0"/>
-              <a:t>07/11/2021</a:t>
+              <a:t>09/11/2021</a:t>
             </a:fld>
             <a:endParaRPr lang="en-GB"/>
           </a:p>
@@ -6578,7 +6578,7 @@
           <a:p>
             <a:fld id="{2E9D0A29-368F-4A33-B1F4-0EF4ACC5C815}" type="datetimeFigureOut">
               <a:rPr lang="en-GB" smtClean="0"/>
-              <a:t>07/11/2021</a:t>
+              <a:t>09/11/2021</a:t>
             </a:fld>
             <a:endParaRPr lang="en-GB"/>
           </a:p>
@@ -6968,7 +6968,7 @@
           <a:p>
             <a:fld id="{2E9D0A29-368F-4A33-B1F4-0EF4ACC5C815}" type="datetimeFigureOut">
               <a:rPr lang="en-GB" smtClean="0"/>
-              <a:t>07/11/2021</a:t>
+              <a:t>09/11/2021</a:t>
             </a:fld>
             <a:endParaRPr lang="en-GB"/>
           </a:p>
@@ -7091,7 +7091,7 @@
           <a:p>
             <a:fld id="{2E9D0A29-368F-4A33-B1F4-0EF4ACC5C815}" type="datetimeFigureOut">
               <a:rPr lang="en-GB" smtClean="0"/>
-              <a:t>07/11/2021</a:t>
+              <a:t>09/11/2021</a:t>
             </a:fld>
             <a:endParaRPr lang="en-GB"/>
           </a:p>
@@ -7186,7 +7186,7 @@
           <a:p>
             <a:fld id="{2E9D0A29-368F-4A33-B1F4-0EF4ACC5C815}" type="datetimeFigureOut">
               <a:rPr lang="en-GB" smtClean="0"/>
-              <a:t>07/11/2021</a:t>
+              <a:t>09/11/2021</a:t>
             </a:fld>
             <a:endParaRPr lang="en-GB"/>
           </a:p>
@@ -7949,7 +7949,7 @@
           <a:p>
             <a:fld id="{2E9D0A29-368F-4A33-B1F4-0EF4ACC5C815}" type="datetimeFigureOut">
               <a:rPr lang="en-GB" smtClean="0"/>
-              <a:t>07/11/2021</a:t>
+              <a:t>09/11/2021</a:t>
             </a:fld>
             <a:endParaRPr lang="en-GB"/>
           </a:p>
@@ -8789,7 +8789,7 @@
           <a:p>
             <a:fld id="{2E9D0A29-368F-4A33-B1F4-0EF4ACC5C815}" type="datetimeFigureOut">
               <a:rPr lang="en-GB" smtClean="0"/>
-              <a:t>07/11/2021</a:t>
+              <a:t>09/11/2021</a:t>
             </a:fld>
             <a:endParaRPr lang="en-GB"/>
           </a:p>
@@ -9016,7 +9016,7 @@
           <a:p>
             <a:fld id="{2E9D0A29-368F-4A33-B1F4-0EF4ACC5C815}" type="datetimeFigureOut">
               <a:rPr lang="en-GB" smtClean="0"/>
-              <a:t>07/11/2021</a:t>
+              <a:t>09/11/2021</a:t>
             </a:fld>
             <a:endParaRPr lang="en-GB"/>
           </a:p>
@@ -11535,8 +11535,36 @@
           <a:lstStyle/>
           <a:p>
             <a:r>
-              <a:rPr lang="en-US" sz="4300"/>
-              <a:t>Какие возможности были использованы?</a:t>
+              <a:rPr lang="en-US" sz="4300" dirty="0" err="1"/>
+              <a:t>Какие</a:t>
+            </a:r>
+            <a:r>
+              <a:rPr lang="en-US" sz="4300" dirty="0"/>
+              <a:t> </a:t>
+            </a:r>
+            <a:r>
+              <a:rPr lang="en-US" sz="4300" dirty="0" err="1"/>
+              <a:t>возможности</a:t>
+            </a:r>
+            <a:r>
+              <a:rPr lang="en-US" sz="4300" dirty="0"/>
+              <a:t> </a:t>
+            </a:r>
+            <a:r>
+              <a:rPr lang="en-US" sz="4300" dirty="0" err="1"/>
+              <a:t>были</a:t>
+            </a:r>
+            <a:r>
+              <a:rPr lang="en-US" sz="4300" dirty="0"/>
+              <a:t> </a:t>
+            </a:r>
+            <a:r>
+              <a:rPr lang="en-US" sz="4300" dirty="0" err="1"/>
+              <a:t>использованы</a:t>
+            </a:r>
+            <a:r>
+              <a:rPr lang="en-US" sz="4300" dirty="0"/>
+              <a:t>?</a:t>
             </a:r>
           </a:p>
         </p:txBody>
@@ -11619,21 +11647,23 @@
         </p:spPr>
         <p:txBody>
           <a:bodyPr vert="horz" lIns="91440" tIns="45720" rIns="91440" bIns="45720" rtlCol="0">
-            <a:normAutofit/>
+            <a:normAutofit fontScale="85000" lnSpcReduction="20000"/>
           </a:bodyPr>
           <a:lstStyle/>
           <a:p>
-            <a:pPr indent="-228600" defTabSz="914400">
+            <a:pPr marL="57150" indent="-285750" defTabSz="914400">
               <a:spcBef>
                 <a:spcPts val="700"/>
               </a:spcBef>
               <a:buClr>
                 <a:schemeClr val="tx2"/>
               </a:buClr>
+              <a:buFont typeface="Arial" panose="020B0604020202020204" pitchFamily="34" charset="0"/>
+              <a:buChar char="•"/>
             </a:pPr>
             <a:r>
               <a:rPr lang="en-US" sz="1700" dirty="0"/>
-              <a:t>* ANGULAR</a:t>
+              <a:t>ANGULAR</a:t>
             </a:r>
           </a:p>
           <a:p>
@@ -11648,100 +11678,64 @@
             <a:endParaRPr lang="en-US" sz="1700" dirty="0"/>
           </a:p>
           <a:p>
-            <a:pPr indent="-228600" defTabSz="914400">
+            <a:pPr marL="57150" indent="-285750" defTabSz="914400">
               <a:spcBef>
                 <a:spcPts val="700"/>
               </a:spcBef>
               <a:buClr>
                 <a:schemeClr val="tx2"/>
               </a:buClr>
+              <a:buFont typeface="Arial" panose="020B0604020202020204" pitchFamily="34" charset="0"/>
+              <a:buChar char="•"/>
             </a:pPr>
             <a:r>
               <a:rPr lang="en-US" sz="1700" dirty="0"/>
-              <a:t>* HTML, CSS</a:t>
+              <a:t>HTML, CSS</a:t>
             </a:r>
           </a:p>
           <a:p>
-            <a:pPr indent="-228600" defTabSz="914400">
+            <a:pPr marL="57150" indent="-285750" defTabSz="914400">
               <a:spcBef>
                 <a:spcPts val="700"/>
               </a:spcBef>
               <a:buClr>
                 <a:schemeClr val="tx2"/>
               </a:buClr>
+              <a:buFont typeface="Arial" panose="020B0604020202020204" pitchFamily="34" charset="0"/>
+              <a:buChar char="•"/>
             </a:pPr>
             <a:r>
               <a:rPr lang="en-US" sz="1700" dirty="0"/>
-              <a:t>* BOOTSTRAP</a:t>
+              <a:t>BOOTSTRAP</a:t>
             </a:r>
           </a:p>
           <a:p>
-            <a:pPr indent="-228600" defTabSz="914400">
+            <a:pPr marL="57150" indent="-285750" defTabSz="914400">
               <a:spcBef>
                 <a:spcPts val="700"/>
               </a:spcBef>
               <a:buClr>
                 <a:schemeClr val="tx2"/>
               </a:buClr>
+              <a:buFont typeface="Arial" panose="020B0604020202020204" pitchFamily="34" charset="0"/>
+              <a:buChar char="•"/>
             </a:pPr>
-            <a:endParaRPr lang="en-US" sz="1700" dirty="0"/>
+            <a:r>
+              <a:rPr lang="en-US" sz="1700" dirty="0"/>
+              <a:t>ng-bootstrap</a:t>
+            </a:r>
           </a:p>
           <a:p>
-            <a:pPr indent="-228600" defTabSz="914400">
+            <a:pPr marL="57150" indent="-285750" defTabSz="914400">
               <a:spcBef>
                 <a:spcPts val="700"/>
               </a:spcBef>
               <a:buClr>
                 <a:schemeClr val="tx2"/>
               </a:buClr>
+              <a:buFont typeface="Arial" panose="020B0604020202020204" pitchFamily="34" charset="0"/>
+              <a:buChar char="•"/>
             </a:pPr>
-            <a:r>
-              <a:rPr lang="en-US" sz="1700" dirty="0"/>
-              <a:t>* NODE JS</a:t>
-            </a:r>
-          </a:p>
-          <a:p>
-            <a:pPr indent="-228600" defTabSz="914400">
-              <a:spcBef>
-                <a:spcPts val="700"/>
-              </a:spcBef>
-              <a:buClr>
-                <a:schemeClr val="tx2"/>
-              </a:buClr>
-            </a:pPr>
-            <a:r>
-              <a:rPr lang="en-US" sz="1700" dirty="0"/>
-              <a:t>* NODE MODULES</a:t>
-            </a:r>
-          </a:p>
-          <a:p>
-            <a:pPr indent="-228600" defTabSz="914400">
-              <a:spcBef>
-                <a:spcPts val="700"/>
-              </a:spcBef>
-              <a:buClr>
-                <a:schemeClr val="tx2"/>
-              </a:buClr>
-            </a:pPr>
-            <a:endParaRPr lang="en-US" sz="1700" dirty="0"/>
-          </a:p>
-          <a:p>
-            <a:pPr indent="-228600" defTabSz="914400">
-              <a:spcBef>
-                <a:spcPts val="700"/>
-              </a:spcBef>
-              <a:buClr>
-                <a:schemeClr val="tx2"/>
-              </a:buClr>
-            </a:pPr>
-            <a:r>
-              <a:rPr lang="en-US" sz="1700" dirty="0"/>
-              <a:t>* JavaScript</a:t>
-            </a:r>
-            <a:r>
-              <a:rPr lang="en-US" sz="1700"/>
-              <a:t>, JSON</a:t>
-            </a:r>
             <a:endParaRPr lang="en-US" sz="1700" dirty="0"/>
           </a:p>
           <a:p>
@@ -11764,9 +11758,94 @@
                 <a:schemeClr val="tx2"/>
               </a:buClr>
             </a:pPr>
+            <a:endParaRPr lang="en-US" sz="1700" dirty="0"/>
+          </a:p>
+          <a:p>
+            <a:pPr marL="57150" indent="-285750" defTabSz="914400">
+              <a:spcBef>
+                <a:spcPts val="700"/>
+              </a:spcBef>
+              <a:buClr>
+                <a:schemeClr val="tx2"/>
+              </a:buClr>
+              <a:buFont typeface="Arial" panose="020B0604020202020204" pitchFamily="34" charset="0"/>
+              <a:buChar char="•"/>
+            </a:pPr>
             <a:r>
               <a:rPr lang="en-US" sz="1700" dirty="0"/>
-              <a:t>* FONT-AWESOME</a:t>
+              <a:t>NODE JS</a:t>
+            </a:r>
+          </a:p>
+          <a:p>
+            <a:pPr marL="57150" indent="-285750" defTabSz="914400">
+              <a:spcBef>
+                <a:spcPts val="700"/>
+              </a:spcBef>
+              <a:buClr>
+                <a:schemeClr val="tx2"/>
+              </a:buClr>
+              <a:buFont typeface="Arial" panose="020B0604020202020204" pitchFamily="34" charset="0"/>
+              <a:buChar char="•"/>
+            </a:pPr>
+            <a:r>
+              <a:rPr lang="en-US" sz="1700" dirty="0"/>
+              <a:t>NODE MODULES</a:t>
+            </a:r>
+          </a:p>
+          <a:p>
+            <a:pPr marL="57150" indent="-285750" defTabSz="914400">
+              <a:spcBef>
+                <a:spcPts val="700"/>
+              </a:spcBef>
+              <a:buClr>
+                <a:schemeClr val="tx2"/>
+              </a:buClr>
+              <a:buFont typeface="Arial" panose="020B0604020202020204" pitchFamily="34" charset="0"/>
+              <a:buChar char="•"/>
+            </a:pPr>
+            <a:endParaRPr lang="en-US" sz="1700" dirty="0"/>
+          </a:p>
+          <a:p>
+            <a:pPr marL="57150" indent="-285750" defTabSz="914400">
+              <a:spcBef>
+                <a:spcPts val="700"/>
+              </a:spcBef>
+              <a:buClr>
+                <a:schemeClr val="tx2"/>
+              </a:buClr>
+              <a:buFont typeface="Arial" panose="020B0604020202020204" pitchFamily="34" charset="0"/>
+              <a:buChar char="•"/>
+            </a:pPr>
+            <a:r>
+              <a:rPr lang="en-US" sz="1700" dirty="0"/>
+              <a:t>JavaScript, JSON</a:t>
+            </a:r>
+          </a:p>
+          <a:p>
+            <a:pPr indent="-228600" defTabSz="914400">
+              <a:spcBef>
+                <a:spcPts val="700"/>
+              </a:spcBef>
+              <a:buClr>
+                <a:schemeClr val="tx2"/>
+              </a:buClr>
+            </a:pPr>
+            <a:endParaRPr lang="en-US" sz="1700" dirty="0"/>
+          </a:p>
+          <a:p>
+            <a:pPr marL="57150" indent="-285750" defTabSz="914400">
+              <a:spcBef>
+                <a:spcPts val="700"/>
+              </a:spcBef>
+              <a:buClr>
+                <a:schemeClr val="tx2"/>
+              </a:buClr>
+              <a:buFont typeface="Arial" panose="020B0604020202020204" pitchFamily="34" charset="0"/>
+              <a:buChar char="•"/>
+            </a:pPr>
+            <a:r>
+              <a:rPr lang="en-US" sz="1700" dirty="0"/>
+              <a:t>FONT-AWESOME</a:t>
             </a:r>
           </a:p>
         </p:txBody>

--- a/skateshop-baku.pptx
+++ b/skateshop-baku.pptx
@@ -4513,7 +4513,7 @@
           <a:p>
             <a:fld id="{2E9D0A29-368F-4A33-B1F4-0EF4ACC5C815}" type="datetimeFigureOut">
               <a:rPr lang="en-GB" smtClean="0"/>
-              <a:t>09/11/2021</a:t>
+              <a:t>10/11/2021</a:t>
             </a:fld>
             <a:endParaRPr lang="en-GB"/>
           </a:p>
@@ -4751,7 +4751,7 @@
           <a:p>
             <a:fld id="{2E9D0A29-368F-4A33-B1F4-0EF4ACC5C815}" type="datetimeFigureOut">
               <a:rPr lang="en-GB" smtClean="0"/>
-              <a:t>09/11/2021</a:t>
+              <a:t>10/11/2021</a:t>
             </a:fld>
             <a:endParaRPr lang="en-GB"/>
           </a:p>
@@ -4931,7 +4931,7 @@
           <a:p>
             <a:fld id="{2E9D0A29-368F-4A33-B1F4-0EF4ACC5C815}" type="datetimeFigureOut">
               <a:rPr lang="en-GB" smtClean="0"/>
-              <a:t>09/11/2021</a:t>
+              <a:t>10/11/2021</a:t>
             </a:fld>
             <a:endParaRPr lang="en-GB"/>
           </a:p>
@@ -5101,7 +5101,7 @@
           <a:p>
             <a:fld id="{2E9D0A29-368F-4A33-B1F4-0EF4ACC5C815}" type="datetimeFigureOut">
               <a:rPr lang="en-GB" smtClean="0"/>
-              <a:t>09/11/2021</a:t>
+              <a:t>10/11/2021</a:t>
             </a:fld>
             <a:endParaRPr lang="en-GB"/>
           </a:p>
@@ -5377,7 +5377,7 @@
           <a:p>
             <a:fld id="{2E9D0A29-368F-4A33-B1F4-0EF4ACC5C815}" type="datetimeFigureOut">
               <a:rPr lang="en-GB" smtClean="0"/>
-              <a:t>09/11/2021</a:t>
+              <a:t>10/11/2021</a:t>
             </a:fld>
             <a:endParaRPr lang="en-GB"/>
           </a:p>
@@ -6578,7 +6578,7 @@
           <a:p>
             <a:fld id="{2E9D0A29-368F-4A33-B1F4-0EF4ACC5C815}" type="datetimeFigureOut">
               <a:rPr lang="en-GB" smtClean="0"/>
-              <a:t>09/11/2021</a:t>
+              <a:t>10/11/2021</a:t>
             </a:fld>
             <a:endParaRPr lang="en-GB"/>
           </a:p>
@@ -6968,7 +6968,7 @@
           <a:p>
             <a:fld id="{2E9D0A29-368F-4A33-B1F4-0EF4ACC5C815}" type="datetimeFigureOut">
               <a:rPr lang="en-GB" smtClean="0"/>
-              <a:t>09/11/2021</a:t>
+              <a:t>10/11/2021</a:t>
             </a:fld>
             <a:endParaRPr lang="en-GB"/>
           </a:p>
@@ -7091,7 +7091,7 @@
           <a:p>
             <a:fld id="{2E9D0A29-368F-4A33-B1F4-0EF4ACC5C815}" type="datetimeFigureOut">
               <a:rPr lang="en-GB" smtClean="0"/>
-              <a:t>09/11/2021</a:t>
+              <a:t>10/11/2021</a:t>
             </a:fld>
             <a:endParaRPr lang="en-GB"/>
           </a:p>
@@ -7186,7 +7186,7 @@
           <a:p>
             <a:fld id="{2E9D0A29-368F-4A33-B1F4-0EF4ACC5C815}" type="datetimeFigureOut">
               <a:rPr lang="en-GB" smtClean="0"/>
-              <a:t>09/11/2021</a:t>
+              <a:t>10/11/2021</a:t>
             </a:fld>
             <a:endParaRPr lang="en-GB"/>
           </a:p>
@@ -7949,7 +7949,7 @@
           <a:p>
             <a:fld id="{2E9D0A29-368F-4A33-B1F4-0EF4ACC5C815}" type="datetimeFigureOut">
               <a:rPr lang="en-GB" smtClean="0"/>
-              <a:t>09/11/2021</a:t>
+              <a:t>10/11/2021</a:t>
             </a:fld>
             <a:endParaRPr lang="en-GB"/>
           </a:p>
@@ -8789,7 +8789,7 @@
           <a:p>
             <a:fld id="{2E9D0A29-368F-4A33-B1F4-0EF4ACC5C815}" type="datetimeFigureOut">
               <a:rPr lang="en-GB" smtClean="0"/>
-              <a:t>09/11/2021</a:t>
+              <a:t>10/11/2021</a:t>
             </a:fld>
             <a:endParaRPr lang="en-GB"/>
           </a:p>
@@ -9016,7 +9016,7 @@
           <a:p>
             <a:fld id="{2E9D0A29-368F-4A33-B1F4-0EF4ACC5C815}" type="datetimeFigureOut">
               <a:rPr lang="en-GB" smtClean="0"/>
-              <a:t>09/11/2021</a:t>
+              <a:t>10/11/2021</a:t>
             </a:fld>
             <a:endParaRPr lang="en-GB"/>
           </a:p>
@@ -11739,15 +11739,20 @@
             <a:endParaRPr lang="en-US" sz="1700" dirty="0"/>
           </a:p>
           <a:p>
-            <a:pPr indent="-228600" defTabSz="914400">
+            <a:pPr marL="57150" indent="-285750" defTabSz="914400">
               <a:spcBef>
                 <a:spcPts val="700"/>
               </a:spcBef>
               <a:buClr>
                 <a:schemeClr val="tx2"/>
               </a:buClr>
+              <a:buFont typeface="Arial" panose="020B0604020202020204" pitchFamily="34" charset="0"/>
+              <a:buChar char="•"/>
             </a:pPr>
-            <a:endParaRPr lang="en-US" sz="1700" dirty="0"/>
+            <a:r>
+              <a:rPr lang="en-US" sz="1700" dirty="0"/>
+              <a:t>Firebase Hosting &amp; Auth etc..</a:t>
+            </a:r>
           </a:p>
           <a:p>
             <a:pPr indent="-228600" defTabSz="914400">

--- a/skateshop-baku.pptx
+++ b/skateshop-baku.pptx
@@ -2,12 +2,13 @@
 <file path=ppt/presentation.xml><?xml version="1.0" encoding="utf-8"?>
 <p:presentation xmlns:a="http://schemas.openxmlformats.org/drawingml/2006/main" xmlns:r="http://schemas.openxmlformats.org/officeDocument/2006/relationships" xmlns:p="http://schemas.openxmlformats.org/presentationml/2006/main" saveSubsetFonts="1">
   <p:sldMasterIdLst>
-    <p:sldMasterId id="2147483690" r:id="rId1"/>
+    <p:sldMasterId id="2147483702" r:id="rId1"/>
   </p:sldMasterIdLst>
   <p:sldIdLst>
     <p:sldId id="256" r:id="rId2"/>
     <p:sldId id="257" r:id="rId3"/>
     <p:sldId id="258" r:id="rId4"/>
+    <p:sldId id="259" r:id="rId5"/>
   </p:sldIdLst>
   <p:sldSz cx="12192000" cy="6858000"/>
   <p:notesSz cx="6858000" cy="9144000"/>
@@ -114,3194 +115,6 @@
 </p:presentation>
 </file>
 
-<file path=ppt/diagrams/colors1.xml><?xml version="1.0" encoding="utf-8"?>
-<dgm:colorsDef xmlns:dgm="http://schemas.openxmlformats.org/drawingml/2006/diagram" xmlns:a="http://schemas.openxmlformats.org/drawingml/2006/main" uniqueId="urn:microsoft.com/office/officeart/2005/8/colors/accent1_2">
-  <dgm:title val=""/>
-  <dgm:desc val=""/>
-  <dgm:catLst>
-    <dgm:cat type="accent1" pri="11200"/>
-  </dgm:catLst>
-  <dgm:styleLbl name="node0">
-    <dgm:fillClrLst meth="repeat">
-      <a:schemeClr val="accent1"/>
-    </dgm:fillClrLst>
-    <dgm:linClrLst meth="repeat">
-      <a:schemeClr val="lt1"/>
-    </dgm:linClrLst>
-    <dgm:effectClrLst/>
-    <dgm:txLinClrLst/>
-    <dgm:txFillClrLst/>
-    <dgm:txEffectClrLst/>
-  </dgm:styleLbl>
-  <dgm:styleLbl name="alignNode1">
-    <dgm:fillClrLst meth="repeat">
-      <a:schemeClr val="accent1"/>
-    </dgm:fillClrLst>
-    <dgm:linClrLst meth="repeat">
-      <a:schemeClr val="accent1"/>
-    </dgm:linClrLst>
-    <dgm:effectClrLst/>
-    <dgm:txLinClrLst/>
-    <dgm:txFillClrLst/>
-    <dgm:txEffectClrLst/>
-  </dgm:styleLbl>
-  <dgm:styleLbl name="node1">
-    <dgm:fillClrLst meth="repeat">
-      <a:schemeClr val="accent1"/>
-    </dgm:fillClrLst>
-    <dgm:linClrLst meth="repeat">
-      <a:schemeClr val="lt1"/>
-    </dgm:linClrLst>
-    <dgm:effectClrLst/>
-    <dgm:txLinClrLst/>
-    <dgm:txFillClrLst/>
-    <dgm:txEffectClrLst/>
-  </dgm:styleLbl>
-  <dgm:styleLbl name="lnNode1">
-    <dgm:fillClrLst meth="repeat">
-      <a:schemeClr val="accent1"/>
-    </dgm:fillClrLst>
-    <dgm:linClrLst meth="repeat">
-      <a:schemeClr val="lt1"/>
-    </dgm:linClrLst>
-    <dgm:effectClrLst/>
-    <dgm:txLinClrLst/>
-    <dgm:txFillClrLst/>
-    <dgm:txEffectClrLst/>
-  </dgm:styleLbl>
-  <dgm:styleLbl name="vennNode1">
-    <dgm:fillClrLst meth="repeat">
-      <a:schemeClr val="accent1">
-        <a:alpha val="50000"/>
-      </a:schemeClr>
-    </dgm:fillClrLst>
-    <dgm:linClrLst meth="repeat">
-      <a:schemeClr val="lt1"/>
-    </dgm:linClrLst>
-    <dgm:effectClrLst/>
-    <dgm:txLinClrLst/>
-    <dgm:txFillClrLst/>
-    <dgm:txEffectClrLst/>
-  </dgm:styleLbl>
-  <dgm:styleLbl name="node2">
-    <dgm:fillClrLst meth="repeat">
-      <a:schemeClr val="accent1"/>
-    </dgm:fillClrLst>
-    <dgm:linClrLst meth="repeat">
-      <a:schemeClr val="lt1"/>
-    </dgm:linClrLst>
-    <dgm:effectClrLst/>
-    <dgm:txLinClrLst/>
-    <dgm:txFillClrLst/>
-    <dgm:txEffectClrLst/>
-  </dgm:styleLbl>
-  <dgm:styleLbl name="node3">
-    <dgm:fillClrLst meth="repeat">
-      <a:schemeClr val="accent1"/>
-    </dgm:fillClrLst>
-    <dgm:linClrLst meth="repeat">
-      <a:schemeClr val="lt1"/>
-    </dgm:linClrLst>
-    <dgm:effectClrLst/>
-    <dgm:txLinClrLst/>
-    <dgm:txFillClrLst/>
-    <dgm:txEffectClrLst/>
-  </dgm:styleLbl>
-  <dgm:styleLbl name="node4">
-    <dgm:fillClrLst meth="repeat">
-      <a:schemeClr val="accent1"/>
-    </dgm:fillClrLst>
-    <dgm:linClrLst meth="repeat">
-      <a:schemeClr val="lt1"/>
-    </dgm:linClrLst>
-    <dgm:effectClrLst/>
-    <dgm:txLinClrLst/>
-    <dgm:txFillClrLst/>
-    <dgm:txEffectClrLst/>
-  </dgm:styleLbl>
-  <dgm:styleLbl name="fgImgPlace1">
-    <dgm:fillClrLst meth="repeat">
-      <a:schemeClr val="accent1">
-        <a:tint val="50000"/>
-      </a:schemeClr>
-    </dgm:fillClrLst>
-    <dgm:linClrLst meth="repeat">
-      <a:schemeClr val="lt1"/>
-    </dgm:linClrLst>
-    <dgm:effectClrLst/>
-    <dgm:txLinClrLst/>
-    <dgm:txFillClrLst meth="repeat">
-      <a:schemeClr val="lt1"/>
-    </dgm:txFillClrLst>
-    <dgm:txEffectClrLst/>
-  </dgm:styleLbl>
-  <dgm:styleLbl name="alignImgPlace1">
-    <dgm:fillClrLst meth="repeat">
-      <a:schemeClr val="accent1">
-        <a:tint val="50000"/>
-      </a:schemeClr>
-    </dgm:fillClrLst>
-    <dgm:linClrLst meth="repeat">
-      <a:schemeClr val="lt1"/>
-    </dgm:linClrLst>
-    <dgm:effectClrLst/>
-    <dgm:txLinClrLst/>
-    <dgm:txFillClrLst meth="repeat">
-      <a:schemeClr val="lt1"/>
-    </dgm:txFillClrLst>
-    <dgm:txEffectClrLst/>
-  </dgm:styleLbl>
-  <dgm:styleLbl name="bgImgPlace1">
-    <dgm:fillClrLst meth="repeat">
-      <a:schemeClr val="accent1">
-        <a:tint val="50000"/>
-      </a:schemeClr>
-    </dgm:fillClrLst>
-    <dgm:linClrLst meth="repeat">
-      <a:schemeClr val="lt1"/>
-    </dgm:linClrLst>
-    <dgm:effectClrLst/>
-    <dgm:txLinClrLst/>
-    <dgm:txFillClrLst meth="repeat">
-      <a:schemeClr val="lt1"/>
-    </dgm:txFillClrLst>
-    <dgm:txEffectClrLst/>
-  </dgm:styleLbl>
-  <dgm:styleLbl name="sibTrans2D1">
-    <dgm:fillClrLst meth="repeat">
-      <a:schemeClr val="accent1">
-        <a:tint val="60000"/>
-      </a:schemeClr>
-    </dgm:fillClrLst>
-    <dgm:linClrLst meth="repeat">
-      <a:schemeClr val="accent1">
-        <a:tint val="60000"/>
-      </a:schemeClr>
-    </dgm:linClrLst>
-    <dgm:effectClrLst/>
-    <dgm:txLinClrLst/>
-    <dgm:txFillClrLst/>
-    <dgm:txEffectClrLst/>
-  </dgm:styleLbl>
-  <dgm:styleLbl name="fgSibTrans2D1">
-    <dgm:fillClrLst meth="repeat">
-      <a:schemeClr val="accent1">
-        <a:tint val="60000"/>
-      </a:schemeClr>
-    </dgm:fillClrLst>
-    <dgm:linClrLst meth="repeat">
-      <a:schemeClr val="accent1">
-        <a:tint val="60000"/>
-      </a:schemeClr>
-    </dgm:linClrLst>
-    <dgm:effectClrLst/>
-    <dgm:txLinClrLst/>
-    <dgm:txFillClrLst/>
-    <dgm:txEffectClrLst/>
-  </dgm:styleLbl>
-  <dgm:styleLbl name="bgSibTrans2D1">
-    <dgm:fillClrLst meth="repeat">
-      <a:schemeClr val="accent1">
-        <a:tint val="60000"/>
-      </a:schemeClr>
-    </dgm:fillClrLst>
-    <dgm:linClrLst meth="repeat">
-      <a:schemeClr val="accent1">
-        <a:tint val="60000"/>
-      </a:schemeClr>
-    </dgm:linClrLst>
-    <dgm:effectClrLst/>
-    <dgm:txLinClrLst/>
-    <dgm:txFillClrLst/>
-    <dgm:txEffectClrLst/>
-  </dgm:styleLbl>
-  <dgm:styleLbl name="sibTrans1D1">
-    <dgm:fillClrLst meth="repeat">
-      <a:schemeClr val="accent1"/>
-    </dgm:fillClrLst>
-    <dgm:linClrLst meth="repeat">
-      <a:schemeClr val="accent1"/>
-    </dgm:linClrLst>
-    <dgm:effectClrLst/>
-    <dgm:txLinClrLst/>
-    <dgm:txFillClrLst meth="repeat">
-      <a:schemeClr val="tx1"/>
-    </dgm:txFillClrLst>
-    <dgm:txEffectClrLst/>
-  </dgm:styleLbl>
-  <dgm:styleLbl name="callout">
-    <dgm:fillClrLst meth="repeat">
-      <a:schemeClr val="accent1"/>
-    </dgm:fillClrLst>
-    <dgm:linClrLst meth="repeat">
-      <a:schemeClr val="accent1">
-        <a:tint val="50000"/>
-      </a:schemeClr>
-    </dgm:linClrLst>
-    <dgm:effectClrLst/>
-    <dgm:txLinClrLst/>
-    <dgm:txFillClrLst meth="repeat">
-      <a:schemeClr val="tx1"/>
-    </dgm:txFillClrLst>
-    <dgm:txEffectClrLst/>
-  </dgm:styleLbl>
-  <dgm:styleLbl name="asst0">
-    <dgm:fillClrLst meth="repeat">
-      <a:schemeClr val="accent1"/>
-    </dgm:fillClrLst>
-    <dgm:linClrLst meth="repeat">
-      <a:schemeClr val="lt1"/>
-    </dgm:linClrLst>
-    <dgm:effectClrLst/>
-    <dgm:txLinClrLst/>
-    <dgm:txFillClrLst/>
-    <dgm:txEffectClrLst/>
-  </dgm:styleLbl>
-  <dgm:styleLbl name="asst1">
-    <dgm:fillClrLst meth="repeat">
-      <a:schemeClr val="accent1"/>
-    </dgm:fillClrLst>
-    <dgm:linClrLst meth="repeat">
-      <a:schemeClr val="lt1"/>
-    </dgm:linClrLst>
-    <dgm:effectClrLst/>
-    <dgm:txLinClrLst/>
-    <dgm:txFillClrLst/>
-    <dgm:txEffectClrLst/>
-  </dgm:styleLbl>
-  <dgm:styleLbl name="asst2">
-    <dgm:fillClrLst meth="repeat">
-      <a:schemeClr val="accent1"/>
-    </dgm:fillClrLst>
-    <dgm:linClrLst meth="repeat">
-      <a:schemeClr val="lt1"/>
-    </dgm:linClrLst>
-    <dgm:effectClrLst/>
-    <dgm:txLinClrLst/>
-    <dgm:txFillClrLst/>
-    <dgm:txEffectClrLst/>
-  </dgm:styleLbl>
-  <dgm:styleLbl name="asst3">
-    <dgm:fillClrLst meth="repeat">
-      <a:schemeClr val="accent1"/>
-    </dgm:fillClrLst>
-    <dgm:linClrLst meth="repeat">
-      <a:schemeClr val="lt1"/>
-    </dgm:linClrLst>
-    <dgm:effectClrLst/>
-    <dgm:txLinClrLst/>
-    <dgm:txFillClrLst/>
-    <dgm:txEffectClrLst/>
-  </dgm:styleLbl>
-  <dgm:styleLbl name="asst4">
-    <dgm:fillClrLst meth="repeat">
-      <a:schemeClr val="accent1"/>
-    </dgm:fillClrLst>
-    <dgm:linClrLst meth="repeat">
-      <a:schemeClr val="lt1"/>
-    </dgm:linClrLst>
-    <dgm:effectClrLst/>
-    <dgm:txLinClrLst/>
-    <dgm:txFillClrLst/>
-    <dgm:txEffectClrLst/>
-  </dgm:styleLbl>
-  <dgm:styleLbl name="parChTrans2D1">
-    <dgm:fillClrLst meth="repeat">
-      <a:schemeClr val="accent1">
-        <a:tint val="60000"/>
-      </a:schemeClr>
-    </dgm:fillClrLst>
-    <dgm:linClrLst meth="repeat">
-      <a:schemeClr val="accent1">
-        <a:tint val="60000"/>
-      </a:schemeClr>
-    </dgm:linClrLst>
-    <dgm:effectClrLst/>
-    <dgm:txLinClrLst/>
-    <dgm:txFillClrLst meth="repeat">
-      <a:schemeClr val="lt1"/>
-    </dgm:txFillClrLst>
-    <dgm:txEffectClrLst/>
-  </dgm:styleLbl>
-  <dgm:styleLbl name="parChTrans2D2">
-    <dgm:fillClrLst meth="repeat">
-      <a:schemeClr val="accent1"/>
-    </dgm:fillClrLst>
-    <dgm:linClrLst meth="repeat">
-      <a:schemeClr val="accent1"/>
-    </dgm:linClrLst>
-    <dgm:effectClrLst/>
-    <dgm:txLinClrLst/>
-    <dgm:txFillClrLst meth="repeat">
-      <a:schemeClr val="lt1"/>
-    </dgm:txFillClrLst>
-    <dgm:txEffectClrLst/>
-  </dgm:styleLbl>
-  <dgm:styleLbl name="parChTrans2D3">
-    <dgm:fillClrLst meth="repeat">
-      <a:schemeClr val="accent1"/>
-    </dgm:fillClrLst>
-    <dgm:linClrLst meth="repeat">
-      <a:schemeClr val="accent1"/>
-    </dgm:linClrLst>
-    <dgm:effectClrLst/>
-    <dgm:txLinClrLst/>
-    <dgm:txFillClrLst meth="repeat">
-      <a:schemeClr val="lt1"/>
-    </dgm:txFillClrLst>
-    <dgm:txEffectClrLst/>
-  </dgm:styleLbl>
-  <dgm:styleLbl name="parChTrans2D4">
-    <dgm:fillClrLst meth="repeat">
-      <a:schemeClr val="accent1"/>
-    </dgm:fillClrLst>
-    <dgm:linClrLst meth="repeat">
-      <a:schemeClr val="accent1"/>
-    </dgm:linClrLst>
-    <dgm:effectClrLst/>
-    <dgm:txLinClrLst/>
-    <dgm:txFillClrLst meth="repeat">
-      <a:schemeClr val="lt1"/>
-    </dgm:txFillClrLst>
-    <dgm:txEffectClrLst/>
-  </dgm:styleLbl>
-  <dgm:styleLbl name="parChTrans1D1">
-    <dgm:fillClrLst meth="repeat">
-      <a:schemeClr val="accent1"/>
-    </dgm:fillClrLst>
-    <dgm:linClrLst meth="repeat">
-      <a:schemeClr val="accent1">
-        <a:shade val="60000"/>
-      </a:schemeClr>
-    </dgm:linClrLst>
-    <dgm:effectClrLst/>
-    <dgm:txLinClrLst/>
-    <dgm:txFillClrLst meth="repeat">
-      <a:schemeClr val="tx1"/>
-    </dgm:txFillClrLst>
-    <dgm:txEffectClrLst/>
-  </dgm:styleLbl>
-  <dgm:styleLbl name="parChTrans1D2">
-    <dgm:fillClrLst meth="repeat">
-      <a:schemeClr val="accent1"/>
-    </dgm:fillClrLst>
-    <dgm:linClrLst meth="repeat">
-      <a:schemeClr val="accent1">
-        <a:shade val="60000"/>
-      </a:schemeClr>
-    </dgm:linClrLst>
-    <dgm:effectClrLst/>
-    <dgm:txLinClrLst/>
-    <dgm:txFillClrLst meth="repeat">
-      <a:schemeClr val="tx1"/>
-    </dgm:txFillClrLst>
-    <dgm:txEffectClrLst/>
-  </dgm:styleLbl>
-  <dgm:styleLbl name="parChTrans1D3">
-    <dgm:fillClrLst meth="repeat">
-      <a:schemeClr val="accent1"/>
-    </dgm:fillClrLst>
-    <dgm:linClrLst meth="repeat">
-      <a:schemeClr val="accent1">
-        <a:shade val="80000"/>
-      </a:schemeClr>
-    </dgm:linClrLst>
-    <dgm:effectClrLst/>
-    <dgm:txLinClrLst/>
-    <dgm:txFillClrLst meth="repeat">
-      <a:schemeClr val="tx1"/>
-    </dgm:txFillClrLst>
-    <dgm:txEffectClrLst/>
-  </dgm:styleLbl>
-  <dgm:styleLbl name="parChTrans1D4">
-    <dgm:fillClrLst meth="repeat">
-      <a:schemeClr val="accent1"/>
-    </dgm:fillClrLst>
-    <dgm:linClrLst meth="repeat">
-      <a:schemeClr val="accent1">
-        <a:shade val="80000"/>
-      </a:schemeClr>
-    </dgm:linClrLst>
-    <dgm:effectClrLst/>
-    <dgm:txLinClrLst/>
-    <dgm:txFillClrLst meth="repeat">
-      <a:schemeClr val="tx1"/>
-    </dgm:txFillClrLst>
-    <dgm:txEffectClrLst/>
-  </dgm:styleLbl>
-  <dgm:styleLbl name="fgAcc1">
-    <dgm:fillClrLst meth="repeat">
-      <a:schemeClr val="lt1">
-        <a:alpha val="90000"/>
-      </a:schemeClr>
-    </dgm:fillClrLst>
-    <dgm:linClrLst meth="repeat">
-      <a:schemeClr val="accent1"/>
-    </dgm:linClrLst>
-    <dgm:effectClrLst/>
-    <dgm:txLinClrLst/>
-    <dgm:txFillClrLst meth="repeat">
-      <a:schemeClr val="dk1"/>
-    </dgm:txFillClrLst>
-    <dgm:txEffectClrLst/>
-  </dgm:styleLbl>
-  <dgm:styleLbl name="conFgAcc1">
-    <dgm:fillClrLst meth="repeat">
-      <a:schemeClr val="lt1">
-        <a:alpha val="90000"/>
-      </a:schemeClr>
-    </dgm:fillClrLst>
-    <dgm:linClrLst meth="repeat">
-      <a:schemeClr val="accent1"/>
-    </dgm:linClrLst>
-    <dgm:effectClrLst/>
-    <dgm:txLinClrLst/>
-    <dgm:txFillClrLst meth="repeat">
-      <a:schemeClr val="dk1"/>
-    </dgm:txFillClrLst>
-    <dgm:txEffectClrLst/>
-  </dgm:styleLbl>
-  <dgm:styleLbl name="alignAcc1">
-    <dgm:fillClrLst meth="repeat">
-      <a:schemeClr val="lt1">
-        <a:alpha val="90000"/>
-      </a:schemeClr>
-    </dgm:fillClrLst>
-    <dgm:linClrLst meth="repeat">
-      <a:schemeClr val="accent1"/>
-    </dgm:linClrLst>
-    <dgm:effectClrLst/>
-    <dgm:txLinClrLst/>
-    <dgm:txFillClrLst meth="repeat">
-      <a:schemeClr val="dk1"/>
-    </dgm:txFillClrLst>
-    <dgm:txEffectClrLst/>
-  </dgm:styleLbl>
-  <dgm:styleLbl name="trAlignAcc1">
-    <dgm:fillClrLst meth="repeat">
-      <a:schemeClr val="lt1">
-        <a:alpha val="40000"/>
-      </a:schemeClr>
-    </dgm:fillClrLst>
-    <dgm:linClrLst meth="repeat">
-      <a:schemeClr val="accent1"/>
-    </dgm:linClrLst>
-    <dgm:effectClrLst/>
-    <dgm:txLinClrLst/>
-    <dgm:txFillClrLst meth="repeat">
-      <a:schemeClr val="dk1"/>
-    </dgm:txFillClrLst>
-    <dgm:txEffectClrLst/>
-  </dgm:styleLbl>
-  <dgm:styleLbl name="bgAcc1">
-    <dgm:fillClrLst meth="repeat">
-      <a:schemeClr val="lt1">
-        <a:alpha val="90000"/>
-      </a:schemeClr>
-    </dgm:fillClrLst>
-    <dgm:linClrLst meth="repeat">
-      <a:schemeClr val="accent1"/>
-    </dgm:linClrLst>
-    <dgm:effectClrLst/>
-    <dgm:txLinClrLst/>
-    <dgm:txFillClrLst meth="repeat">
-      <a:schemeClr val="dk1"/>
-    </dgm:txFillClrLst>
-    <dgm:txEffectClrLst/>
-  </dgm:styleLbl>
-  <dgm:styleLbl name="solidFgAcc1">
-    <dgm:fillClrLst meth="repeat">
-      <a:schemeClr val="lt1"/>
-    </dgm:fillClrLst>
-    <dgm:linClrLst meth="repeat">
-      <a:schemeClr val="accent1"/>
-    </dgm:linClrLst>
-    <dgm:effectClrLst/>
-    <dgm:txLinClrLst/>
-    <dgm:txFillClrLst meth="repeat">
-      <a:schemeClr val="dk1"/>
-    </dgm:txFillClrLst>
-    <dgm:txEffectClrLst/>
-  </dgm:styleLbl>
-  <dgm:styleLbl name="solidAlignAcc1">
-    <dgm:fillClrLst meth="repeat">
-      <a:schemeClr val="lt1"/>
-    </dgm:fillClrLst>
-    <dgm:linClrLst meth="repeat">
-      <a:schemeClr val="accent1"/>
-    </dgm:linClrLst>
-    <dgm:effectClrLst/>
-    <dgm:txLinClrLst/>
-    <dgm:txFillClrLst meth="repeat">
-      <a:schemeClr val="dk1"/>
-    </dgm:txFillClrLst>
-    <dgm:txEffectClrLst/>
-  </dgm:styleLbl>
-  <dgm:styleLbl name="solidBgAcc1">
-    <dgm:fillClrLst meth="repeat">
-      <a:schemeClr val="lt1"/>
-    </dgm:fillClrLst>
-    <dgm:linClrLst meth="repeat">
-      <a:schemeClr val="accent1"/>
-    </dgm:linClrLst>
-    <dgm:effectClrLst/>
-    <dgm:txLinClrLst/>
-    <dgm:txFillClrLst meth="repeat">
-      <a:schemeClr val="dk1"/>
-    </dgm:txFillClrLst>
-    <dgm:txEffectClrLst/>
-  </dgm:styleLbl>
-  <dgm:styleLbl name="fgAccFollowNode1">
-    <dgm:fillClrLst meth="repeat">
-      <a:schemeClr val="accent1">
-        <a:alpha val="90000"/>
-        <a:tint val="40000"/>
-      </a:schemeClr>
-    </dgm:fillClrLst>
-    <dgm:linClrLst meth="repeat">
-      <a:schemeClr val="accent1">
-        <a:alpha val="90000"/>
-        <a:tint val="40000"/>
-      </a:schemeClr>
-    </dgm:linClrLst>
-    <dgm:effectClrLst/>
-    <dgm:txLinClrLst/>
-    <dgm:txFillClrLst meth="repeat">
-      <a:schemeClr val="dk1"/>
-    </dgm:txFillClrLst>
-    <dgm:txEffectClrLst/>
-  </dgm:styleLbl>
-  <dgm:styleLbl name="alignAccFollowNode1">
-    <dgm:fillClrLst meth="repeat">
-      <a:schemeClr val="accent1">
-        <a:alpha val="90000"/>
-        <a:tint val="40000"/>
-      </a:schemeClr>
-    </dgm:fillClrLst>
-    <dgm:linClrLst meth="repeat">
-      <a:schemeClr val="accent1">
-        <a:alpha val="90000"/>
-        <a:tint val="40000"/>
-      </a:schemeClr>
-    </dgm:linClrLst>
-    <dgm:effectClrLst/>
-    <dgm:txLinClrLst/>
-    <dgm:txFillClrLst meth="repeat">
-      <a:schemeClr val="dk1"/>
-    </dgm:txFillClrLst>
-    <dgm:txEffectClrLst/>
-  </dgm:styleLbl>
-  <dgm:styleLbl name="bgAccFollowNode1">
-    <dgm:fillClrLst meth="repeat">
-      <a:schemeClr val="accent1">
-        <a:alpha val="90000"/>
-        <a:tint val="40000"/>
-      </a:schemeClr>
-    </dgm:fillClrLst>
-    <dgm:linClrLst meth="repeat">
-      <a:schemeClr val="accent1">
-        <a:alpha val="90000"/>
-        <a:tint val="40000"/>
-      </a:schemeClr>
-    </dgm:linClrLst>
-    <dgm:effectClrLst/>
-    <dgm:txLinClrLst/>
-    <dgm:txFillClrLst meth="repeat">
-      <a:schemeClr val="dk1"/>
-    </dgm:txFillClrLst>
-    <dgm:txEffectClrLst/>
-  </dgm:styleLbl>
-  <dgm:styleLbl name="fgAcc0">
-    <dgm:fillClrLst meth="repeat">
-      <a:schemeClr val="lt1">
-        <a:alpha val="90000"/>
-      </a:schemeClr>
-    </dgm:fillClrLst>
-    <dgm:linClrLst meth="repeat">
-      <a:schemeClr val="accent1"/>
-    </dgm:linClrLst>
-    <dgm:effectClrLst/>
-    <dgm:txLinClrLst/>
-    <dgm:txFillClrLst meth="repeat">
-      <a:schemeClr val="dk1"/>
-    </dgm:txFillClrLst>
-    <dgm:txEffectClrLst/>
-  </dgm:styleLbl>
-  <dgm:styleLbl name="fgAcc2">
-    <dgm:fillClrLst meth="repeat">
-      <a:schemeClr val="lt1">
-        <a:alpha val="90000"/>
-      </a:schemeClr>
-    </dgm:fillClrLst>
-    <dgm:linClrLst meth="repeat">
-      <a:schemeClr val="accent1"/>
-    </dgm:linClrLst>
-    <dgm:effectClrLst/>
-    <dgm:txLinClrLst/>
-    <dgm:txFillClrLst meth="repeat">
-      <a:schemeClr val="dk1"/>
-    </dgm:txFillClrLst>
-    <dgm:txEffectClrLst/>
-  </dgm:styleLbl>
-  <dgm:styleLbl name="fgAcc3">
-    <dgm:fillClrLst meth="repeat">
-      <a:schemeClr val="lt1">
-        <a:alpha val="90000"/>
-      </a:schemeClr>
-    </dgm:fillClrLst>
-    <dgm:linClrLst meth="repeat">
-      <a:schemeClr val="accent1"/>
-    </dgm:linClrLst>
-    <dgm:effectClrLst/>
-    <dgm:txLinClrLst/>
-    <dgm:txFillClrLst meth="repeat">
-      <a:schemeClr val="dk1"/>
-    </dgm:txFillClrLst>
-    <dgm:txEffectClrLst/>
-  </dgm:styleLbl>
-  <dgm:styleLbl name="fgAcc4">
-    <dgm:fillClrLst meth="repeat">
-      <a:schemeClr val="lt1">
-        <a:alpha val="90000"/>
-      </a:schemeClr>
-    </dgm:fillClrLst>
-    <dgm:linClrLst meth="repeat">
-      <a:schemeClr val="accent1"/>
-    </dgm:linClrLst>
-    <dgm:effectClrLst/>
-    <dgm:txLinClrLst/>
-    <dgm:txFillClrLst meth="repeat">
-      <a:schemeClr val="dk1"/>
-    </dgm:txFillClrLst>
-    <dgm:txEffectClrLst/>
-  </dgm:styleLbl>
-  <dgm:styleLbl name="bgShp">
-    <dgm:fillClrLst meth="repeat">
-      <a:schemeClr val="accent1">
-        <a:tint val="40000"/>
-      </a:schemeClr>
-    </dgm:fillClrLst>
-    <dgm:linClrLst meth="repeat">
-      <a:schemeClr val="accent1"/>
-    </dgm:linClrLst>
-    <dgm:effectClrLst/>
-    <dgm:txLinClrLst/>
-    <dgm:txFillClrLst meth="repeat">
-      <a:schemeClr val="dk1"/>
-    </dgm:txFillClrLst>
-    <dgm:txEffectClrLst/>
-  </dgm:styleLbl>
-  <dgm:styleLbl name="dkBgShp">
-    <dgm:fillClrLst meth="repeat">
-      <a:schemeClr val="accent1">
-        <a:shade val="80000"/>
-      </a:schemeClr>
-    </dgm:fillClrLst>
-    <dgm:linClrLst meth="repeat">
-      <a:schemeClr val="accent1"/>
-    </dgm:linClrLst>
-    <dgm:effectClrLst/>
-    <dgm:txLinClrLst/>
-    <dgm:txFillClrLst meth="repeat">
-      <a:schemeClr val="lt1"/>
-    </dgm:txFillClrLst>
-    <dgm:txEffectClrLst/>
-  </dgm:styleLbl>
-  <dgm:styleLbl name="trBgShp">
-    <dgm:fillClrLst meth="repeat">
-      <a:schemeClr val="accent1">
-        <a:tint val="50000"/>
-        <a:alpha val="40000"/>
-      </a:schemeClr>
-    </dgm:fillClrLst>
-    <dgm:linClrLst meth="repeat">
-      <a:schemeClr val="accent1"/>
-    </dgm:linClrLst>
-    <dgm:effectClrLst/>
-    <dgm:txLinClrLst/>
-    <dgm:txFillClrLst meth="repeat">
-      <a:schemeClr val="lt1"/>
-    </dgm:txFillClrLst>
-    <dgm:txEffectClrLst/>
-  </dgm:styleLbl>
-  <dgm:styleLbl name="fgShp">
-    <dgm:fillClrLst meth="repeat">
-      <a:schemeClr val="accent1">
-        <a:tint val="60000"/>
-      </a:schemeClr>
-    </dgm:fillClrLst>
-    <dgm:linClrLst meth="repeat">
-      <a:schemeClr val="lt1"/>
-    </dgm:linClrLst>
-    <dgm:effectClrLst/>
-    <dgm:txLinClrLst/>
-    <dgm:txFillClrLst meth="repeat">
-      <a:schemeClr val="dk1"/>
-    </dgm:txFillClrLst>
-    <dgm:txEffectClrLst/>
-  </dgm:styleLbl>
-  <dgm:styleLbl name="revTx">
-    <dgm:fillClrLst meth="repeat">
-      <a:schemeClr val="lt1">
-        <a:alpha val="0"/>
-      </a:schemeClr>
-    </dgm:fillClrLst>
-    <dgm:linClrLst meth="repeat">
-      <a:schemeClr val="dk1">
-        <a:alpha val="0"/>
-      </a:schemeClr>
-    </dgm:linClrLst>
-    <dgm:effectClrLst/>
-    <dgm:txLinClrLst/>
-    <dgm:txFillClrLst meth="repeat">
-      <a:schemeClr val="tx1"/>
-    </dgm:txFillClrLst>
-    <dgm:txEffectClrLst/>
-  </dgm:styleLbl>
-</dgm:colorsDef>
-</file>
-
-<file path=ppt/diagrams/data1.xml><?xml version="1.0" encoding="utf-8"?>
-<dgm:dataModel xmlns:dgm="http://schemas.openxmlformats.org/drawingml/2006/diagram" xmlns:a="http://schemas.openxmlformats.org/drawingml/2006/main">
-  <dgm:ptLst>
-    <dgm:pt modelId="{7956131F-8D61-4AB8-B77A-C4C9EF2C1E83}" type="doc">
-      <dgm:prSet loTypeId="urn:microsoft.com/office/officeart/2005/8/layout/hierarchy1" loCatId="hierarchy" qsTypeId="urn:microsoft.com/office/officeart/2005/8/quickstyle/simple1" qsCatId="simple" csTypeId="urn:microsoft.com/office/officeart/2005/8/colors/accent1_2" csCatId="accent1"/>
-      <dgm:spPr/>
-      <dgm:t>
-        <a:bodyPr/>
-        <a:lstStyle/>
-        <a:p>
-          <a:endParaRPr lang="en-US"/>
-        </a:p>
-      </dgm:t>
-    </dgm:pt>
-    <dgm:pt modelId="{230E8CB4-FD88-431B-B614-654DEF3CF687}">
-      <dgm:prSet/>
-      <dgm:spPr/>
-      <dgm:t>
-        <a:bodyPr/>
-        <a:lstStyle/>
-        <a:p>
-          <a:r>
-            <a:rPr lang="ru-RU"/>
-            <a:t>Удобность интерфейса</a:t>
-          </a:r>
-          <a:endParaRPr lang="en-US"/>
-        </a:p>
-      </dgm:t>
-    </dgm:pt>
-    <dgm:pt modelId="{40D41095-9EF2-4EC4-A167-75AA7FAE6AD2}" type="parTrans" cxnId="{CEA8D29F-4E34-4FB2-B476-8D5D5600EAA4}">
-      <dgm:prSet/>
-      <dgm:spPr/>
-      <dgm:t>
-        <a:bodyPr/>
-        <a:lstStyle/>
-        <a:p>
-          <a:endParaRPr lang="en-US"/>
-        </a:p>
-      </dgm:t>
-    </dgm:pt>
-    <dgm:pt modelId="{CB30F1F1-0B0C-4EFC-9BBD-C210C7411F04}" type="sibTrans" cxnId="{CEA8D29F-4E34-4FB2-B476-8D5D5600EAA4}">
-      <dgm:prSet/>
-      <dgm:spPr/>
-      <dgm:t>
-        <a:bodyPr/>
-        <a:lstStyle/>
-        <a:p>
-          <a:endParaRPr lang="en-US"/>
-        </a:p>
-      </dgm:t>
-    </dgm:pt>
-    <dgm:pt modelId="{A8F17FB2-6F9F-436B-8C31-97D318BB0096}">
-      <dgm:prSet/>
-      <dgm:spPr/>
-      <dgm:t>
-        <a:bodyPr/>
-        <a:lstStyle/>
-        <a:p>
-          <a:r>
-            <a:rPr lang="ru-RU"/>
-            <a:t>Чистый код</a:t>
-          </a:r>
-          <a:endParaRPr lang="en-US"/>
-        </a:p>
-      </dgm:t>
-    </dgm:pt>
-    <dgm:pt modelId="{0977E5BC-9F95-42CC-9CD1-C3D78500C728}" type="parTrans" cxnId="{3A5C02DD-22D5-43ED-AFDC-F89888CA7395}">
-      <dgm:prSet/>
-      <dgm:spPr/>
-      <dgm:t>
-        <a:bodyPr/>
-        <a:lstStyle/>
-        <a:p>
-          <a:endParaRPr lang="en-US"/>
-        </a:p>
-      </dgm:t>
-    </dgm:pt>
-    <dgm:pt modelId="{0A121D5F-4717-4DDC-8807-B81167FE3D97}" type="sibTrans" cxnId="{3A5C02DD-22D5-43ED-AFDC-F89888CA7395}">
-      <dgm:prSet/>
-      <dgm:spPr/>
-      <dgm:t>
-        <a:bodyPr/>
-        <a:lstStyle/>
-        <a:p>
-          <a:endParaRPr lang="en-US"/>
-        </a:p>
-      </dgm:t>
-    </dgm:pt>
-    <dgm:pt modelId="{CC105CE0-0220-4D1A-82D5-E9FED46224DC}">
-      <dgm:prSet/>
-      <dgm:spPr/>
-      <dgm:t>
-        <a:bodyPr/>
-        <a:lstStyle/>
-        <a:p>
-          <a:r>
-            <a:rPr lang="ru-RU"/>
-            <a:t>Респонсивность</a:t>
-          </a:r>
-          <a:endParaRPr lang="en-US"/>
-        </a:p>
-      </dgm:t>
-    </dgm:pt>
-    <dgm:pt modelId="{49E6B6D5-FCCC-40D2-9B70-0F8AEDC98C64}" type="parTrans" cxnId="{ECF512D4-6DDC-4819-80E5-4A1F59643665}">
-      <dgm:prSet/>
-      <dgm:spPr/>
-      <dgm:t>
-        <a:bodyPr/>
-        <a:lstStyle/>
-        <a:p>
-          <a:endParaRPr lang="en-US"/>
-        </a:p>
-      </dgm:t>
-    </dgm:pt>
-    <dgm:pt modelId="{58C2FC5E-384B-46E6-AF24-361B478032F5}" type="sibTrans" cxnId="{ECF512D4-6DDC-4819-80E5-4A1F59643665}">
-      <dgm:prSet/>
-      <dgm:spPr/>
-      <dgm:t>
-        <a:bodyPr/>
-        <a:lstStyle/>
-        <a:p>
-          <a:endParaRPr lang="en-US"/>
-        </a:p>
-      </dgm:t>
-    </dgm:pt>
-    <dgm:pt modelId="{118AC619-59AB-4053-A074-7FE4B26335B1}">
-      <dgm:prSet/>
-      <dgm:spPr/>
-      <dgm:t>
-        <a:bodyPr/>
-        <a:lstStyle/>
-        <a:p>
-          <a:r>
-            <a:rPr lang="ru-RU"/>
-            <a:t>Оригинальность</a:t>
-          </a:r>
-          <a:endParaRPr lang="en-US"/>
-        </a:p>
-      </dgm:t>
-    </dgm:pt>
-    <dgm:pt modelId="{E3016972-2937-41E9-B63F-FAF696F59974}" type="parTrans" cxnId="{B9B42E2D-D8C6-4308-8CB5-CE327589009F}">
-      <dgm:prSet/>
-      <dgm:spPr/>
-      <dgm:t>
-        <a:bodyPr/>
-        <a:lstStyle/>
-        <a:p>
-          <a:endParaRPr lang="en-US"/>
-        </a:p>
-      </dgm:t>
-    </dgm:pt>
-    <dgm:pt modelId="{46400557-4973-4E64-BCEB-6DE0F891C4FE}" type="sibTrans" cxnId="{B9B42E2D-D8C6-4308-8CB5-CE327589009F}">
-      <dgm:prSet/>
-      <dgm:spPr/>
-      <dgm:t>
-        <a:bodyPr/>
-        <a:lstStyle/>
-        <a:p>
-          <a:endParaRPr lang="en-US"/>
-        </a:p>
-      </dgm:t>
-    </dgm:pt>
-    <dgm:pt modelId="{F58BBA1D-9F70-47FC-B3E5-E9BD78C6C5CF}" type="pres">
-      <dgm:prSet presAssocID="{7956131F-8D61-4AB8-B77A-C4C9EF2C1E83}" presName="hierChild1" presStyleCnt="0">
-        <dgm:presLayoutVars>
-          <dgm:chPref val="1"/>
-          <dgm:dir/>
-          <dgm:animOne val="branch"/>
-          <dgm:animLvl val="lvl"/>
-          <dgm:resizeHandles/>
-        </dgm:presLayoutVars>
-      </dgm:prSet>
-      <dgm:spPr/>
-    </dgm:pt>
-    <dgm:pt modelId="{8FDDC97F-C775-43A3-908C-4F619A7C094C}" type="pres">
-      <dgm:prSet presAssocID="{230E8CB4-FD88-431B-B614-654DEF3CF687}" presName="hierRoot1" presStyleCnt="0"/>
-      <dgm:spPr/>
-    </dgm:pt>
-    <dgm:pt modelId="{726A6BD6-4E6D-4A67-BFDF-B20459551A18}" type="pres">
-      <dgm:prSet presAssocID="{230E8CB4-FD88-431B-B614-654DEF3CF687}" presName="composite" presStyleCnt="0"/>
-      <dgm:spPr/>
-    </dgm:pt>
-    <dgm:pt modelId="{705F0131-CE78-435F-9531-E8F23FBE5392}" type="pres">
-      <dgm:prSet presAssocID="{230E8CB4-FD88-431B-B614-654DEF3CF687}" presName="background" presStyleLbl="node0" presStyleIdx="0" presStyleCnt="4"/>
-      <dgm:spPr/>
-    </dgm:pt>
-    <dgm:pt modelId="{40445638-B585-4489-B945-3CD678C2CD4B}" type="pres">
-      <dgm:prSet presAssocID="{230E8CB4-FD88-431B-B614-654DEF3CF687}" presName="text" presStyleLbl="fgAcc0" presStyleIdx="0" presStyleCnt="4">
-        <dgm:presLayoutVars>
-          <dgm:chPref val="3"/>
-        </dgm:presLayoutVars>
-      </dgm:prSet>
-      <dgm:spPr/>
-    </dgm:pt>
-    <dgm:pt modelId="{0BA72E27-074F-4EAC-B690-0F5D3B30DB56}" type="pres">
-      <dgm:prSet presAssocID="{230E8CB4-FD88-431B-B614-654DEF3CF687}" presName="hierChild2" presStyleCnt="0"/>
-      <dgm:spPr/>
-    </dgm:pt>
-    <dgm:pt modelId="{A811F153-F92D-41D0-88F8-DE50286F22C8}" type="pres">
-      <dgm:prSet presAssocID="{A8F17FB2-6F9F-436B-8C31-97D318BB0096}" presName="hierRoot1" presStyleCnt="0"/>
-      <dgm:spPr/>
-    </dgm:pt>
-    <dgm:pt modelId="{FBB29231-2A98-421B-8B2D-F75401962898}" type="pres">
-      <dgm:prSet presAssocID="{A8F17FB2-6F9F-436B-8C31-97D318BB0096}" presName="composite" presStyleCnt="0"/>
-      <dgm:spPr/>
-    </dgm:pt>
-    <dgm:pt modelId="{AAE57561-0CD7-4573-83BB-95EA04EDA5AF}" type="pres">
-      <dgm:prSet presAssocID="{A8F17FB2-6F9F-436B-8C31-97D318BB0096}" presName="background" presStyleLbl="node0" presStyleIdx="1" presStyleCnt="4"/>
-      <dgm:spPr/>
-    </dgm:pt>
-    <dgm:pt modelId="{77CD2AB4-7461-4A00-B708-8D003CC4E0B7}" type="pres">
-      <dgm:prSet presAssocID="{A8F17FB2-6F9F-436B-8C31-97D318BB0096}" presName="text" presStyleLbl="fgAcc0" presStyleIdx="1" presStyleCnt="4">
-        <dgm:presLayoutVars>
-          <dgm:chPref val="3"/>
-        </dgm:presLayoutVars>
-      </dgm:prSet>
-      <dgm:spPr/>
-    </dgm:pt>
-    <dgm:pt modelId="{7015EC9B-21AB-4653-8512-2A3A62734CA3}" type="pres">
-      <dgm:prSet presAssocID="{A8F17FB2-6F9F-436B-8C31-97D318BB0096}" presName="hierChild2" presStyleCnt="0"/>
-      <dgm:spPr/>
-    </dgm:pt>
-    <dgm:pt modelId="{9AAB5D67-EFDA-4B88-B50D-9BF3A12F40AE}" type="pres">
-      <dgm:prSet presAssocID="{CC105CE0-0220-4D1A-82D5-E9FED46224DC}" presName="hierRoot1" presStyleCnt="0"/>
-      <dgm:spPr/>
-    </dgm:pt>
-    <dgm:pt modelId="{7DDF0280-5B71-404A-B1CB-FFA3E3FC6714}" type="pres">
-      <dgm:prSet presAssocID="{CC105CE0-0220-4D1A-82D5-E9FED46224DC}" presName="composite" presStyleCnt="0"/>
-      <dgm:spPr/>
-    </dgm:pt>
-    <dgm:pt modelId="{8749C842-023C-4889-AEFB-ED6107BC57EB}" type="pres">
-      <dgm:prSet presAssocID="{CC105CE0-0220-4D1A-82D5-E9FED46224DC}" presName="background" presStyleLbl="node0" presStyleIdx="2" presStyleCnt="4"/>
-      <dgm:spPr/>
-    </dgm:pt>
-    <dgm:pt modelId="{63A325EF-4A97-4D98-8E43-8ED4035696C3}" type="pres">
-      <dgm:prSet presAssocID="{CC105CE0-0220-4D1A-82D5-E9FED46224DC}" presName="text" presStyleLbl="fgAcc0" presStyleIdx="2" presStyleCnt="4">
-        <dgm:presLayoutVars>
-          <dgm:chPref val="3"/>
-        </dgm:presLayoutVars>
-      </dgm:prSet>
-      <dgm:spPr/>
-    </dgm:pt>
-    <dgm:pt modelId="{41395547-ED95-44FF-ABE3-E637833AF83B}" type="pres">
-      <dgm:prSet presAssocID="{CC105CE0-0220-4D1A-82D5-E9FED46224DC}" presName="hierChild2" presStyleCnt="0"/>
-      <dgm:spPr/>
-    </dgm:pt>
-    <dgm:pt modelId="{FC522E9F-077B-4CA7-8AB8-DAB2565005C2}" type="pres">
-      <dgm:prSet presAssocID="{118AC619-59AB-4053-A074-7FE4B26335B1}" presName="hierRoot1" presStyleCnt="0"/>
-      <dgm:spPr/>
-    </dgm:pt>
-    <dgm:pt modelId="{74D93094-AFA6-493F-9872-14B80E7B5DB0}" type="pres">
-      <dgm:prSet presAssocID="{118AC619-59AB-4053-A074-7FE4B26335B1}" presName="composite" presStyleCnt="0"/>
-      <dgm:spPr/>
-    </dgm:pt>
-    <dgm:pt modelId="{EEEA90DE-AD87-4861-B556-C22B7C4D629F}" type="pres">
-      <dgm:prSet presAssocID="{118AC619-59AB-4053-A074-7FE4B26335B1}" presName="background" presStyleLbl="node0" presStyleIdx="3" presStyleCnt="4"/>
-      <dgm:spPr/>
-    </dgm:pt>
-    <dgm:pt modelId="{F803F0F6-BFCD-49E0-AECD-3FCDC322E8B8}" type="pres">
-      <dgm:prSet presAssocID="{118AC619-59AB-4053-A074-7FE4B26335B1}" presName="text" presStyleLbl="fgAcc0" presStyleIdx="3" presStyleCnt="4">
-        <dgm:presLayoutVars>
-          <dgm:chPref val="3"/>
-        </dgm:presLayoutVars>
-      </dgm:prSet>
-      <dgm:spPr/>
-    </dgm:pt>
-    <dgm:pt modelId="{406C36B2-BE9F-46FC-969B-C0A8741F1888}" type="pres">
-      <dgm:prSet presAssocID="{118AC619-59AB-4053-A074-7FE4B26335B1}" presName="hierChild2" presStyleCnt="0"/>
-      <dgm:spPr/>
-    </dgm:pt>
-  </dgm:ptLst>
-  <dgm:cxnLst>
-    <dgm:cxn modelId="{DFF5471D-4356-41D3-90DE-DCF597F76FF9}" type="presOf" srcId="{118AC619-59AB-4053-A074-7FE4B26335B1}" destId="{F803F0F6-BFCD-49E0-AECD-3FCDC322E8B8}" srcOrd="0" destOrd="0" presId="urn:microsoft.com/office/officeart/2005/8/layout/hierarchy1"/>
-    <dgm:cxn modelId="{B9B42E2D-D8C6-4308-8CB5-CE327589009F}" srcId="{7956131F-8D61-4AB8-B77A-C4C9EF2C1E83}" destId="{118AC619-59AB-4053-A074-7FE4B26335B1}" srcOrd="3" destOrd="0" parTransId="{E3016972-2937-41E9-B63F-FAF696F59974}" sibTransId="{46400557-4973-4E64-BCEB-6DE0F891C4FE}"/>
-    <dgm:cxn modelId="{A1034466-0BCA-4E7C-BD40-046B1453D952}" type="presOf" srcId="{7956131F-8D61-4AB8-B77A-C4C9EF2C1E83}" destId="{F58BBA1D-9F70-47FC-B3E5-E9BD78C6C5CF}" srcOrd="0" destOrd="0" presId="urn:microsoft.com/office/officeart/2005/8/layout/hierarchy1"/>
-    <dgm:cxn modelId="{C8E0B747-EB8F-4F64-8EF2-ACF518B636F1}" type="presOf" srcId="{CC105CE0-0220-4D1A-82D5-E9FED46224DC}" destId="{63A325EF-4A97-4D98-8E43-8ED4035696C3}" srcOrd="0" destOrd="0" presId="urn:microsoft.com/office/officeart/2005/8/layout/hierarchy1"/>
-    <dgm:cxn modelId="{CEA8D29F-4E34-4FB2-B476-8D5D5600EAA4}" srcId="{7956131F-8D61-4AB8-B77A-C4C9EF2C1E83}" destId="{230E8CB4-FD88-431B-B614-654DEF3CF687}" srcOrd="0" destOrd="0" parTransId="{40D41095-9EF2-4EC4-A167-75AA7FAE6AD2}" sibTransId="{CB30F1F1-0B0C-4EFC-9BBD-C210C7411F04}"/>
-    <dgm:cxn modelId="{2D8C46BA-1351-4099-A47A-02CDFB32C3B5}" type="presOf" srcId="{230E8CB4-FD88-431B-B614-654DEF3CF687}" destId="{40445638-B585-4489-B945-3CD678C2CD4B}" srcOrd="0" destOrd="0" presId="urn:microsoft.com/office/officeart/2005/8/layout/hierarchy1"/>
-    <dgm:cxn modelId="{ECF512D4-6DDC-4819-80E5-4A1F59643665}" srcId="{7956131F-8D61-4AB8-B77A-C4C9EF2C1E83}" destId="{CC105CE0-0220-4D1A-82D5-E9FED46224DC}" srcOrd="2" destOrd="0" parTransId="{49E6B6D5-FCCC-40D2-9B70-0F8AEDC98C64}" sibTransId="{58C2FC5E-384B-46E6-AF24-361B478032F5}"/>
-    <dgm:cxn modelId="{3A5C02DD-22D5-43ED-AFDC-F89888CA7395}" srcId="{7956131F-8D61-4AB8-B77A-C4C9EF2C1E83}" destId="{A8F17FB2-6F9F-436B-8C31-97D318BB0096}" srcOrd="1" destOrd="0" parTransId="{0977E5BC-9F95-42CC-9CD1-C3D78500C728}" sibTransId="{0A121D5F-4717-4DDC-8807-B81167FE3D97}"/>
-    <dgm:cxn modelId="{B4ADC0EE-8571-401D-BB91-416DE09E6686}" type="presOf" srcId="{A8F17FB2-6F9F-436B-8C31-97D318BB0096}" destId="{77CD2AB4-7461-4A00-B708-8D003CC4E0B7}" srcOrd="0" destOrd="0" presId="urn:microsoft.com/office/officeart/2005/8/layout/hierarchy1"/>
-    <dgm:cxn modelId="{E85BBD44-D7B5-4CC5-89E7-41D54284D249}" type="presParOf" srcId="{F58BBA1D-9F70-47FC-B3E5-E9BD78C6C5CF}" destId="{8FDDC97F-C775-43A3-908C-4F619A7C094C}" srcOrd="0" destOrd="0" presId="urn:microsoft.com/office/officeart/2005/8/layout/hierarchy1"/>
-    <dgm:cxn modelId="{F41C4300-7DDA-4433-A9BE-0E3D2A70E3F9}" type="presParOf" srcId="{8FDDC97F-C775-43A3-908C-4F619A7C094C}" destId="{726A6BD6-4E6D-4A67-BFDF-B20459551A18}" srcOrd="0" destOrd="0" presId="urn:microsoft.com/office/officeart/2005/8/layout/hierarchy1"/>
-    <dgm:cxn modelId="{5407D400-8BBB-481C-A9FD-4BE9E3FD7FF1}" type="presParOf" srcId="{726A6BD6-4E6D-4A67-BFDF-B20459551A18}" destId="{705F0131-CE78-435F-9531-E8F23FBE5392}" srcOrd="0" destOrd="0" presId="urn:microsoft.com/office/officeart/2005/8/layout/hierarchy1"/>
-    <dgm:cxn modelId="{5B1B1E4C-5056-4AD6-B7CB-4DF718BBF47E}" type="presParOf" srcId="{726A6BD6-4E6D-4A67-BFDF-B20459551A18}" destId="{40445638-B585-4489-B945-3CD678C2CD4B}" srcOrd="1" destOrd="0" presId="urn:microsoft.com/office/officeart/2005/8/layout/hierarchy1"/>
-    <dgm:cxn modelId="{07030319-A0AE-4A4B-B53A-33BC5EB47FFB}" type="presParOf" srcId="{8FDDC97F-C775-43A3-908C-4F619A7C094C}" destId="{0BA72E27-074F-4EAC-B690-0F5D3B30DB56}" srcOrd="1" destOrd="0" presId="urn:microsoft.com/office/officeart/2005/8/layout/hierarchy1"/>
-    <dgm:cxn modelId="{82C21A18-1E09-45A4-8C31-C57EFC3F135A}" type="presParOf" srcId="{F58BBA1D-9F70-47FC-B3E5-E9BD78C6C5CF}" destId="{A811F153-F92D-41D0-88F8-DE50286F22C8}" srcOrd="1" destOrd="0" presId="urn:microsoft.com/office/officeart/2005/8/layout/hierarchy1"/>
-    <dgm:cxn modelId="{237C698B-BD59-4E0E-AD0E-C875574599E6}" type="presParOf" srcId="{A811F153-F92D-41D0-88F8-DE50286F22C8}" destId="{FBB29231-2A98-421B-8B2D-F75401962898}" srcOrd="0" destOrd="0" presId="urn:microsoft.com/office/officeart/2005/8/layout/hierarchy1"/>
-    <dgm:cxn modelId="{41F71532-CD37-4FDC-BC1C-19F9BEC133EF}" type="presParOf" srcId="{FBB29231-2A98-421B-8B2D-F75401962898}" destId="{AAE57561-0CD7-4573-83BB-95EA04EDA5AF}" srcOrd="0" destOrd="0" presId="urn:microsoft.com/office/officeart/2005/8/layout/hierarchy1"/>
-    <dgm:cxn modelId="{83B328B1-A01F-4C01-8573-BC6F91AAF203}" type="presParOf" srcId="{FBB29231-2A98-421B-8B2D-F75401962898}" destId="{77CD2AB4-7461-4A00-B708-8D003CC4E0B7}" srcOrd="1" destOrd="0" presId="urn:microsoft.com/office/officeart/2005/8/layout/hierarchy1"/>
-    <dgm:cxn modelId="{74D58A31-923E-4CF9-910A-D60AAAEA3FED}" type="presParOf" srcId="{A811F153-F92D-41D0-88F8-DE50286F22C8}" destId="{7015EC9B-21AB-4653-8512-2A3A62734CA3}" srcOrd="1" destOrd="0" presId="urn:microsoft.com/office/officeart/2005/8/layout/hierarchy1"/>
-    <dgm:cxn modelId="{CB720703-6971-485A-9237-14B05B0EC94E}" type="presParOf" srcId="{F58BBA1D-9F70-47FC-B3E5-E9BD78C6C5CF}" destId="{9AAB5D67-EFDA-4B88-B50D-9BF3A12F40AE}" srcOrd="2" destOrd="0" presId="urn:microsoft.com/office/officeart/2005/8/layout/hierarchy1"/>
-    <dgm:cxn modelId="{5CB38CC3-3326-4183-BA0C-340F7921E386}" type="presParOf" srcId="{9AAB5D67-EFDA-4B88-B50D-9BF3A12F40AE}" destId="{7DDF0280-5B71-404A-B1CB-FFA3E3FC6714}" srcOrd="0" destOrd="0" presId="urn:microsoft.com/office/officeart/2005/8/layout/hierarchy1"/>
-    <dgm:cxn modelId="{1AB37B1C-91A8-4D31-AF03-CB3D4BE41F7D}" type="presParOf" srcId="{7DDF0280-5B71-404A-B1CB-FFA3E3FC6714}" destId="{8749C842-023C-4889-AEFB-ED6107BC57EB}" srcOrd="0" destOrd="0" presId="urn:microsoft.com/office/officeart/2005/8/layout/hierarchy1"/>
-    <dgm:cxn modelId="{E189A54E-3668-4A0D-84C8-69E467299152}" type="presParOf" srcId="{7DDF0280-5B71-404A-B1CB-FFA3E3FC6714}" destId="{63A325EF-4A97-4D98-8E43-8ED4035696C3}" srcOrd="1" destOrd="0" presId="urn:microsoft.com/office/officeart/2005/8/layout/hierarchy1"/>
-    <dgm:cxn modelId="{9B3795B6-05C6-4137-B0AB-3FEC33150E06}" type="presParOf" srcId="{9AAB5D67-EFDA-4B88-B50D-9BF3A12F40AE}" destId="{41395547-ED95-44FF-ABE3-E637833AF83B}" srcOrd="1" destOrd="0" presId="urn:microsoft.com/office/officeart/2005/8/layout/hierarchy1"/>
-    <dgm:cxn modelId="{865AA49B-173B-4E03-A980-F093D2196182}" type="presParOf" srcId="{F58BBA1D-9F70-47FC-B3E5-E9BD78C6C5CF}" destId="{FC522E9F-077B-4CA7-8AB8-DAB2565005C2}" srcOrd="3" destOrd="0" presId="urn:microsoft.com/office/officeart/2005/8/layout/hierarchy1"/>
-    <dgm:cxn modelId="{DD8DD997-A82E-4EBD-B2D6-693B0F13F4B7}" type="presParOf" srcId="{FC522E9F-077B-4CA7-8AB8-DAB2565005C2}" destId="{74D93094-AFA6-493F-9872-14B80E7B5DB0}" srcOrd="0" destOrd="0" presId="urn:microsoft.com/office/officeart/2005/8/layout/hierarchy1"/>
-    <dgm:cxn modelId="{92A43B2B-121B-401E-8CED-B802E501F68C}" type="presParOf" srcId="{74D93094-AFA6-493F-9872-14B80E7B5DB0}" destId="{EEEA90DE-AD87-4861-B556-C22B7C4D629F}" srcOrd="0" destOrd="0" presId="urn:microsoft.com/office/officeart/2005/8/layout/hierarchy1"/>
-    <dgm:cxn modelId="{7531394E-FEAB-4007-BADD-C4B61EBD9BF0}" type="presParOf" srcId="{74D93094-AFA6-493F-9872-14B80E7B5DB0}" destId="{F803F0F6-BFCD-49E0-AECD-3FCDC322E8B8}" srcOrd="1" destOrd="0" presId="urn:microsoft.com/office/officeart/2005/8/layout/hierarchy1"/>
-    <dgm:cxn modelId="{6F1AF984-7209-474F-A8C0-EBCFDF2F04E5}" type="presParOf" srcId="{FC522E9F-077B-4CA7-8AB8-DAB2565005C2}" destId="{406C36B2-BE9F-46FC-969B-C0A8741F1888}" srcOrd="1" destOrd="0" presId="urn:microsoft.com/office/officeart/2005/8/layout/hierarchy1"/>
-  </dgm:cxnLst>
-  <dgm:bg/>
-  <dgm:whole/>
-  <dgm:extLst>
-    <a:ext uri="http://schemas.microsoft.com/office/drawing/2008/diagram">
-      <dsp:dataModelExt xmlns:dsp="http://schemas.microsoft.com/office/drawing/2008/diagram" relId="rId6" minVer="http://schemas.openxmlformats.org/drawingml/2006/diagram"/>
-    </a:ext>
-  </dgm:extLst>
-</dgm:dataModel>
-</file>
-
-<file path=ppt/diagrams/drawing1.xml><?xml version="1.0" encoding="utf-8"?>
-<dsp:drawing xmlns:dgm="http://schemas.openxmlformats.org/drawingml/2006/diagram" xmlns:dsp="http://schemas.microsoft.com/office/drawing/2008/diagram" xmlns:a="http://schemas.openxmlformats.org/drawingml/2006/main">
-  <dsp:spTree>
-    <dsp:nvGrpSpPr>
-      <dsp:cNvPr id="0" name=""/>
-      <dsp:cNvGrpSpPr/>
-    </dsp:nvGrpSpPr>
-    <dsp:grpSpPr/>
-    <dsp:sp modelId="{705F0131-CE78-435F-9531-E8F23FBE5392}">
-      <dsp:nvSpPr>
-        <dsp:cNvPr id="0" name=""/>
-        <dsp:cNvSpPr/>
-      </dsp:nvSpPr>
-      <dsp:spPr>
-        <a:xfrm>
-          <a:off x="2981" y="1008437"/>
-          <a:ext cx="2129098" cy="1351977"/>
-        </a:xfrm>
-        <a:prstGeom prst="roundRect">
-          <a:avLst>
-            <a:gd name="adj" fmla="val 10000"/>
-          </a:avLst>
-        </a:prstGeom>
-        <a:solidFill>
-          <a:schemeClr val="accent1">
-            <a:hueOff val="0"/>
-            <a:satOff val="0"/>
-            <a:lumOff val="0"/>
-            <a:alphaOff val="0"/>
-          </a:schemeClr>
-        </a:solidFill>
-        <a:ln w="12700" cap="flat" cmpd="sng" algn="in">
-          <a:solidFill>
-            <a:schemeClr val="lt1">
-              <a:hueOff val="0"/>
-              <a:satOff val="0"/>
-              <a:lumOff val="0"/>
-              <a:alphaOff val="0"/>
-            </a:schemeClr>
-          </a:solidFill>
-          <a:prstDash val="solid"/>
-        </a:ln>
-        <a:effectLst/>
-      </dsp:spPr>
-      <dsp:style>
-        <a:lnRef idx="2">
-          <a:scrgbClr r="0" g="0" b="0"/>
-        </a:lnRef>
-        <a:fillRef idx="1">
-          <a:scrgbClr r="0" g="0" b="0"/>
-        </a:fillRef>
-        <a:effectRef idx="0">
-          <a:scrgbClr r="0" g="0" b="0"/>
-        </a:effectRef>
-        <a:fontRef idx="minor">
-          <a:schemeClr val="lt1"/>
-        </a:fontRef>
-      </dsp:style>
-    </dsp:sp>
-    <dsp:sp modelId="{40445638-B585-4489-B945-3CD678C2CD4B}">
-      <dsp:nvSpPr>
-        <dsp:cNvPr id="0" name=""/>
-        <dsp:cNvSpPr/>
-      </dsp:nvSpPr>
-      <dsp:spPr>
-        <a:xfrm>
-          <a:off x="239548" y="1233175"/>
-          <a:ext cx="2129098" cy="1351977"/>
-        </a:xfrm>
-        <a:prstGeom prst="roundRect">
-          <a:avLst>
-            <a:gd name="adj" fmla="val 10000"/>
-          </a:avLst>
-        </a:prstGeom>
-        <a:solidFill>
-          <a:schemeClr val="lt1">
-            <a:alpha val="90000"/>
-            <a:hueOff val="0"/>
-            <a:satOff val="0"/>
-            <a:lumOff val="0"/>
-            <a:alphaOff val="0"/>
-          </a:schemeClr>
-        </a:solidFill>
-        <a:ln w="12700" cap="flat" cmpd="sng" algn="in">
-          <a:solidFill>
-            <a:schemeClr val="accent1">
-              <a:hueOff val="0"/>
-              <a:satOff val="0"/>
-              <a:lumOff val="0"/>
-              <a:alphaOff val="0"/>
-            </a:schemeClr>
-          </a:solidFill>
-          <a:prstDash val="solid"/>
-        </a:ln>
-        <a:effectLst/>
-      </dsp:spPr>
-      <dsp:style>
-        <a:lnRef idx="2">
-          <a:scrgbClr r="0" g="0" b="0"/>
-        </a:lnRef>
-        <a:fillRef idx="1">
-          <a:scrgbClr r="0" g="0" b="0"/>
-        </a:fillRef>
-        <a:effectRef idx="0">
-          <a:scrgbClr r="0" g="0" b="0"/>
-        </a:effectRef>
-        <a:fontRef idx="minor"/>
-      </dsp:style>
-      <dsp:txBody>
-        <a:bodyPr spcFirstLastPara="0" vert="horz" wrap="square" lIns="76200" tIns="76200" rIns="76200" bIns="76200" numCol="1" spcCol="1270" anchor="ctr" anchorCtr="0">
-          <a:noAutofit/>
-        </a:bodyPr>
-        <a:lstStyle/>
-        <a:p>
-          <a:pPr marL="0" lvl="0" indent="0" algn="ctr" defTabSz="889000">
-            <a:lnSpc>
-              <a:spcPct val="90000"/>
-            </a:lnSpc>
-            <a:spcBef>
-              <a:spcPct val="0"/>
-            </a:spcBef>
-            <a:spcAft>
-              <a:spcPct val="35000"/>
-            </a:spcAft>
-            <a:buNone/>
-          </a:pPr>
-          <a:r>
-            <a:rPr lang="ru-RU" sz="2000" kern="1200"/>
-            <a:t>Удобность интерфейса</a:t>
-          </a:r>
-          <a:endParaRPr lang="en-US" sz="2000" kern="1200"/>
-        </a:p>
-      </dsp:txBody>
-      <dsp:txXfrm>
-        <a:off x="279146" y="1272773"/>
-        <a:ext cx="2049902" cy="1272781"/>
-      </dsp:txXfrm>
-    </dsp:sp>
-    <dsp:sp modelId="{AAE57561-0CD7-4573-83BB-95EA04EDA5AF}">
-      <dsp:nvSpPr>
-        <dsp:cNvPr id="0" name=""/>
-        <dsp:cNvSpPr/>
-      </dsp:nvSpPr>
-      <dsp:spPr>
-        <a:xfrm>
-          <a:off x="2605213" y="1008437"/>
-          <a:ext cx="2129098" cy="1351977"/>
-        </a:xfrm>
-        <a:prstGeom prst="roundRect">
-          <a:avLst>
-            <a:gd name="adj" fmla="val 10000"/>
-          </a:avLst>
-        </a:prstGeom>
-        <a:solidFill>
-          <a:schemeClr val="accent1">
-            <a:hueOff val="0"/>
-            <a:satOff val="0"/>
-            <a:lumOff val="0"/>
-            <a:alphaOff val="0"/>
-          </a:schemeClr>
-        </a:solidFill>
-        <a:ln w="12700" cap="flat" cmpd="sng" algn="in">
-          <a:solidFill>
-            <a:schemeClr val="lt1">
-              <a:hueOff val="0"/>
-              <a:satOff val="0"/>
-              <a:lumOff val="0"/>
-              <a:alphaOff val="0"/>
-            </a:schemeClr>
-          </a:solidFill>
-          <a:prstDash val="solid"/>
-        </a:ln>
-        <a:effectLst/>
-      </dsp:spPr>
-      <dsp:style>
-        <a:lnRef idx="2">
-          <a:scrgbClr r="0" g="0" b="0"/>
-        </a:lnRef>
-        <a:fillRef idx="1">
-          <a:scrgbClr r="0" g="0" b="0"/>
-        </a:fillRef>
-        <a:effectRef idx="0">
-          <a:scrgbClr r="0" g="0" b="0"/>
-        </a:effectRef>
-        <a:fontRef idx="minor">
-          <a:schemeClr val="lt1"/>
-        </a:fontRef>
-      </dsp:style>
-    </dsp:sp>
-    <dsp:sp modelId="{77CD2AB4-7461-4A00-B708-8D003CC4E0B7}">
-      <dsp:nvSpPr>
-        <dsp:cNvPr id="0" name=""/>
-        <dsp:cNvSpPr/>
-      </dsp:nvSpPr>
-      <dsp:spPr>
-        <a:xfrm>
-          <a:off x="2841779" y="1233175"/>
-          <a:ext cx="2129098" cy="1351977"/>
-        </a:xfrm>
-        <a:prstGeom prst="roundRect">
-          <a:avLst>
-            <a:gd name="adj" fmla="val 10000"/>
-          </a:avLst>
-        </a:prstGeom>
-        <a:solidFill>
-          <a:schemeClr val="lt1">
-            <a:alpha val="90000"/>
-            <a:hueOff val="0"/>
-            <a:satOff val="0"/>
-            <a:lumOff val="0"/>
-            <a:alphaOff val="0"/>
-          </a:schemeClr>
-        </a:solidFill>
-        <a:ln w="12700" cap="flat" cmpd="sng" algn="in">
-          <a:solidFill>
-            <a:schemeClr val="accent1">
-              <a:hueOff val="0"/>
-              <a:satOff val="0"/>
-              <a:lumOff val="0"/>
-              <a:alphaOff val="0"/>
-            </a:schemeClr>
-          </a:solidFill>
-          <a:prstDash val="solid"/>
-        </a:ln>
-        <a:effectLst/>
-      </dsp:spPr>
-      <dsp:style>
-        <a:lnRef idx="2">
-          <a:scrgbClr r="0" g="0" b="0"/>
-        </a:lnRef>
-        <a:fillRef idx="1">
-          <a:scrgbClr r="0" g="0" b="0"/>
-        </a:fillRef>
-        <a:effectRef idx="0">
-          <a:scrgbClr r="0" g="0" b="0"/>
-        </a:effectRef>
-        <a:fontRef idx="minor"/>
-      </dsp:style>
-      <dsp:txBody>
-        <a:bodyPr spcFirstLastPara="0" vert="horz" wrap="square" lIns="76200" tIns="76200" rIns="76200" bIns="76200" numCol="1" spcCol="1270" anchor="ctr" anchorCtr="0">
-          <a:noAutofit/>
-        </a:bodyPr>
-        <a:lstStyle/>
-        <a:p>
-          <a:pPr marL="0" lvl="0" indent="0" algn="ctr" defTabSz="889000">
-            <a:lnSpc>
-              <a:spcPct val="90000"/>
-            </a:lnSpc>
-            <a:spcBef>
-              <a:spcPct val="0"/>
-            </a:spcBef>
-            <a:spcAft>
-              <a:spcPct val="35000"/>
-            </a:spcAft>
-            <a:buNone/>
-          </a:pPr>
-          <a:r>
-            <a:rPr lang="ru-RU" sz="2000" kern="1200"/>
-            <a:t>Чистый код</a:t>
-          </a:r>
-          <a:endParaRPr lang="en-US" sz="2000" kern="1200"/>
-        </a:p>
-      </dsp:txBody>
-      <dsp:txXfrm>
-        <a:off x="2881377" y="1272773"/>
-        <a:ext cx="2049902" cy="1272781"/>
-      </dsp:txXfrm>
-    </dsp:sp>
-    <dsp:sp modelId="{8749C842-023C-4889-AEFB-ED6107BC57EB}">
-      <dsp:nvSpPr>
-        <dsp:cNvPr id="0" name=""/>
-        <dsp:cNvSpPr/>
-      </dsp:nvSpPr>
-      <dsp:spPr>
-        <a:xfrm>
-          <a:off x="5207444" y="1008437"/>
-          <a:ext cx="2129098" cy="1351977"/>
-        </a:xfrm>
-        <a:prstGeom prst="roundRect">
-          <a:avLst>
-            <a:gd name="adj" fmla="val 10000"/>
-          </a:avLst>
-        </a:prstGeom>
-        <a:solidFill>
-          <a:schemeClr val="accent1">
-            <a:hueOff val="0"/>
-            <a:satOff val="0"/>
-            <a:lumOff val="0"/>
-            <a:alphaOff val="0"/>
-          </a:schemeClr>
-        </a:solidFill>
-        <a:ln w="12700" cap="flat" cmpd="sng" algn="in">
-          <a:solidFill>
-            <a:schemeClr val="lt1">
-              <a:hueOff val="0"/>
-              <a:satOff val="0"/>
-              <a:lumOff val="0"/>
-              <a:alphaOff val="0"/>
-            </a:schemeClr>
-          </a:solidFill>
-          <a:prstDash val="solid"/>
-        </a:ln>
-        <a:effectLst/>
-      </dsp:spPr>
-      <dsp:style>
-        <a:lnRef idx="2">
-          <a:scrgbClr r="0" g="0" b="0"/>
-        </a:lnRef>
-        <a:fillRef idx="1">
-          <a:scrgbClr r="0" g="0" b="0"/>
-        </a:fillRef>
-        <a:effectRef idx="0">
-          <a:scrgbClr r="0" g="0" b="0"/>
-        </a:effectRef>
-        <a:fontRef idx="minor">
-          <a:schemeClr val="lt1"/>
-        </a:fontRef>
-      </dsp:style>
-    </dsp:sp>
-    <dsp:sp modelId="{63A325EF-4A97-4D98-8E43-8ED4035696C3}">
-      <dsp:nvSpPr>
-        <dsp:cNvPr id="0" name=""/>
-        <dsp:cNvSpPr/>
-      </dsp:nvSpPr>
-      <dsp:spPr>
-        <a:xfrm>
-          <a:off x="5444010" y="1233175"/>
-          <a:ext cx="2129098" cy="1351977"/>
-        </a:xfrm>
-        <a:prstGeom prst="roundRect">
-          <a:avLst>
-            <a:gd name="adj" fmla="val 10000"/>
-          </a:avLst>
-        </a:prstGeom>
-        <a:solidFill>
-          <a:schemeClr val="lt1">
-            <a:alpha val="90000"/>
-            <a:hueOff val="0"/>
-            <a:satOff val="0"/>
-            <a:lumOff val="0"/>
-            <a:alphaOff val="0"/>
-          </a:schemeClr>
-        </a:solidFill>
-        <a:ln w="12700" cap="flat" cmpd="sng" algn="in">
-          <a:solidFill>
-            <a:schemeClr val="accent1">
-              <a:hueOff val="0"/>
-              <a:satOff val="0"/>
-              <a:lumOff val="0"/>
-              <a:alphaOff val="0"/>
-            </a:schemeClr>
-          </a:solidFill>
-          <a:prstDash val="solid"/>
-        </a:ln>
-        <a:effectLst/>
-      </dsp:spPr>
-      <dsp:style>
-        <a:lnRef idx="2">
-          <a:scrgbClr r="0" g="0" b="0"/>
-        </a:lnRef>
-        <a:fillRef idx="1">
-          <a:scrgbClr r="0" g="0" b="0"/>
-        </a:fillRef>
-        <a:effectRef idx="0">
-          <a:scrgbClr r="0" g="0" b="0"/>
-        </a:effectRef>
-        <a:fontRef idx="minor"/>
-      </dsp:style>
-      <dsp:txBody>
-        <a:bodyPr spcFirstLastPara="0" vert="horz" wrap="square" lIns="76200" tIns="76200" rIns="76200" bIns="76200" numCol="1" spcCol="1270" anchor="ctr" anchorCtr="0">
-          <a:noAutofit/>
-        </a:bodyPr>
-        <a:lstStyle/>
-        <a:p>
-          <a:pPr marL="0" lvl="0" indent="0" algn="ctr" defTabSz="889000">
-            <a:lnSpc>
-              <a:spcPct val="90000"/>
-            </a:lnSpc>
-            <a:spcBef>
-              <a:spcPct val="0"/>
-            </a:spcBef>
-            <a:spcAft>
-              <a:spcPct val="35000"/>
-            </a:spcAft>
-            <a:buNone/>
-          </a:pPr>
-          <a:r>
-            <a:rPr lang="ru-RU" sz="2000" kern="1200"/>
-            <a:t>Респонсивность</a:t>
-          </a:r>
-          <a:endParaRPr lang="en-US" sz="2000" kern="1200"/>
-        </a:p>
-      </dsp:txBody>
-      <dsp:txXfrm>
-        <a:off x="5483608" y="1272773"/>
-        <a:ext cx="2049902" cy="1272781"/>
-      </dsp:txXfrm>
-    </dsp:sp>
-    <dsp:sp modelId="{EEEA90DE-AD87-4861-B556-C22B7C4D629F}">
-      <dsp:nvSpPr>
-        <dsp:cNvPr id="0" name=""/>
-        <dsp:cNvSpPr/>
-      </dsp:nvSpPr>
-      <dsp:spPr>
-        <a:xfrm>
-          <a:off x="7809675" y="1008437"/>
-          <a:ext cx="2129098" cy="1351977"/>
-        </a:xfrm>
-        <a:prstGeom prst="roundRect">
-          <a:avLst>
-            <a:gd name="adj" fmla="val 10000"/>
-          </a:avLst>
-        </a:prstGeom>
-        <a:solidFill>
-          <a:schemeClr val="accent1">
-            <a:hueOff val="0"/>
-            <a:satOff val="0"/>
-            <a:lumOff val="0"/>
-            <a:alphaOff val="0"/>
-          </a:schemeClr>
-        </a:solidFill>
-        <a:ln w="12700" cap="flat" cmpd="sng" algn="in">
-          <a:solidFill>
-            <a:schemeClr val="lt1">
-              <a:hueOff val="0"/>
-              <a:satOff val="0"/>
-              <a:lumOff val="0"/>
-              <a:alphaOff val="0"/>
-            </a:schemeClr>
-          </a:solidFill>
-          <a:prstDash val="solid"/>
-        </a:ln>
-        <a:effectLst/>
-      </dsp:spPr>
-      <dsp:style>
-        <a:lnRef idx="2">
-          <a:scrgbClr r="0" g="0" b="0"/>
-        </a:lnRef>
-        <a:fillRef idx="1">
-          <a:scrgbClr r="0" g="0" b="0"/>
-        </a:fillRef>
-        <a:effectRef idx="0">
-          <a:scrgbClr r="0" g="0" b="0"/>
-        </a:effectRef>
-        <a:fontRef idx="minor">
-          <a:schemeClr val="lt1"/>
-        </a:fontRef>
-      </dsp:style>
-    </dsp:sp>
-    <dsp:sp modelId="{F803F0F6-BFCD-49E0-AECD-3FCDC322E8B8}">
-      <dsp:nvSpPr>
-        <dsp:cNvPr id="0" name=""/>
-        <dsp:cNvSpPr/>
-      </dsp:nvSpPr>
-      <dsp:spPr>
-        <a:xfrm>
-          <a:off x="8046241" y="1233175"/>
-          <a:ext cx="2129098" cy="1351977"/>
-        </a:xfrm>
-        <a:prstGeom prst="roundRect">
-          <a:avLst>
-            <a:gd name="adj" fmla="val 10000"/>
-          </a:avLst>
-        </a:prstGeom>
-        <a:solidFill>
-          <a:schemeClr val="lt1">
-            <a:alpha val="90000"/>
-            <a:hueOff val="0"/>
-            <a:satOff val="0"/>
-            <a:lumOff val="0"/>
-            <a:alphaOff val="0"/>
-          </a:schemeClr>
-        </a:solidFill>
-        <a:ln w="12700" cap="flat" cmpd="sng" algn="in">
-          <a:solidFill>
-            <a:schemeClr val="accent1">
-              <a:hueOff val="0"/>
-              <a:satOff val="0"/>
-              <a:lumOff val="0"/>
-              <a:alphaOff val="0"/>
-            </a:schemeClr>
-          </a:solidFill>
-          <a:prstDash val="solid"/>
-        </a:ln>
-        <a:effectLst/>
-      </dsp:spPr>
-      <dsp:style>
-        <a:lnRef idx="2">
-          <a:scrgbClr r="0" g="0" b="0"/>
-        </a:lnRef>
-        <a:fillRef idx="1">
-          <a:scrgbClr r="0" g="0" b="0"/>
-        </a:fillRef>
-        <a:effectRef idx="0">
-          <a:scrgbClr r="0" g="0" b="0"/>
-        </a:effectRef>
-        <a:fontRef idx="minor"/>
-      </dsp:style>
-      <dsp:txBody>
-        <a:bodyPr spcFirstLastPara="0" vert="horz" wrap="square" lIns="76200" tIns="76200" rIns="76200" bIns="76200" numCol="1" spcCol="1270" anchor="ctr" anchorCtr="0">
-          <a:noAutofit/>
-        </a:bodyPr>
-        <a:lstStyle/>
-        <a:p>
-          <a:pPr marL="0" lvl="0" indent="0" algn="ctr" defTabSz="889000">
-            <a:lnSpc>
-              <a:spcPct val="90000"/>
-            </a:lnSpc>
-            <a:spcBef>
-              <a:spcPct val="0"/>
-            </a:spcBef>
-            <a:spcAft>
-              <a:spcPct val="35000"/>
-            </a:spcAft>
-            <a:buNone/>
-          </a:pPr>
-          <a:r>
-            <a:rPr lang="ru-RU" sz="2000" kern="1200"/>
-            <a:t>Оригинальность</a:t>
-          </a:r>
-          <a:endParaRPr lang="en-US" sz="2000" kern="1200"/>
-        </a:p>
-      </dsp:txBody>
-      <dsp:txXfrm>
-        <a:off x="8085839" y="1272773"/>
-        <a:ext cx="2049902" cy="1272781"/>
-      </dsp:txXfrm>
-    </dsp:sp>
-  </dsp:spTree>
-</dsp:drawing>
-</file>
-
-<file path=ppt/diagrams/layout1.xml><?xml version="1.0" encoding="utf-8"?>
-<dgm:layoutDef xmlns:dgm="http://schemas.openxmlformats.org/drawingml/2006/diagram" xmlns:a="http://schemas.openxmlformats.org/drawingml/2006/main" uniqueId="urn:microsoft.com/office/officeart/2005/8/layout/hierarchy1">
-  <dgm:title val=""/>
-  <dgm:desc val=""/>
-  <dgm:catLst>
-    <dgm:cat type="hierarchy" pri="2000"/>
-  </dgm:catLst>
-  <dgm:sampData>
-    <dgm:dataModel>
-      <dgm:ptLst>
-        <dgm:pt modelId="0" type="doc"/>
-        <dgm:pt modelId="1">
-          <dgm:prSet phldr="1"/>
-        </dgm:pt>
-        <dgm:pt modelId="2">
-          <dgm:prSet phldr="1"/>
-        </dgm:pt>
-        <dgm:pt modelId="21">
-          <dgm:prSet phldr="1"/>
-        </dgm:pt>
-        <dgm:pt modelId="22">
-          <dgm:prSet phldr="1"/>
-        </dgm:pt>
-        <dgm:pt modelId="3">
-          <dgm:prSet phldr="1"/>
-        </dgm:pt>
-        <dgm:pt modelId="31">
-          <dgm:prSet phldr="1"/>
-        </dgm:pt>
-      </dgm:ptLst>
-      <dgm:cxnLst>
-        <dgm:cxn modelId="4" srcId="0" destId="1" srcOrd="0" destOrd="0"/>
-        <dgm:cxn modelId="5" srcId="1" destId="2" srcOrd="0" destOrd="0"/>
-        <dgm:cxn modelId="6" srcId="1" destId="3" srcOrd="1" destOrd="0"/>
-        <dgm:cxn modelId="23" srcId="2" destId="21" srcOrd="0" destOrd="0"/>
-        <dgm:cxn modelId="24" srcId="2" destId="22" srcOrd="1" destOrd="0"/>
-        <dgm:cxn modelId="33" srcId="3" destId="31" srcOrd="0" destOrd="0"/>
-      </dgm:cxnLst>
-      <dgm:bg/>
-      <dgm:whole/>
-    </dgm:dataModel>
-  </dgm:sampData>
-  <dgm:styleData>
-    <dgm:dataModel>
-      <dgm:ptLst>
-        <dgm:pt modelId="0" type="doc"/>
-        <dgm:pt modelId="1"/>
-        <dgm:pt modelId="11"/>
-        <dgm:pt modelId="12"/>
-      </dgm:ptLst>
-      <dgm:cxnLst>
-        <dgm:cxn modelId="2" srcId="0" destId="1" srcOrd="0" destOrd="0"/>
-        <dgm:cxn modelId="13" srcId="1" destId="11" srcOrd="0" destOrd="0"/>
-        <dgm:cxn modelId="14" srcId="1" destId="12" srcOrd="1" destOrd="0"/>
-      </dgm:cxnLst>
-      <dgm:bg/>
-      <dgm:whole/>
-    </dgm:dataModel>
-  </dgm:styleData>
-  <dgm:clrData>
-    <dgm:dataModel>
-      <dgm:ptLst>
-        <dgm:pt modelId="0" type="doc"/>
-        <dgm:pt modelId="1"/>
-        <dgm:pt modelId="2"/>
-        <dgm:pt modelId="21"/>
-        <dgm:pt modelId="211"/>
-        <dgm:pt modelId="3"/>
-        <dgm:pt modelId="31"/>
-        <dgm:pt modelId="311"/>
-      </dgm:ptLst>
-      <dgm:cxnLst>
-        <dgm:cxn modelId="4" srcId="0" destId="1" srcOrd="0" destOrd="0"/>
-        <dgm:cxn modelId="5" srcId="1" destId="2" srcOrd="0" destOrd="0"/>
-        <dgm:cxn modelId="6" srcId="1" destId="3" srcOrd="1" destOrd="0"/>
-        <dgm:cxn modelId="23" srcId="2" destId="21" srcOrd="0" destOrd="0"/>
-        <dgm:cxn modelId="24" srcId="21" destId="211" srcOrd="0" destOrd="0"/>
-        <dgm:cxn modelId="33" srcId="3" destId="31" srcOrd="0" destOrd="0"/>
-        <dgm:cxn modelId="34" srcId="31" destId="311" srcOrd="0" destOrd="0"/>
-      </dgm:cxnLst>
-      <dgm:bg/>
-      <dgm:whole/>
-    </dgm:dataModel>
-  </dgm:clrData>
-  <dgm:layoutNode name="hierChild1">
-    <dgm:varLst>
-      <dgm:chPref val="1"/>
-      <dgm:dir/>
-      <dgm:animOne val="branch"/>
-      <dgm:animLvl val="lvl"/>
-      <dgm:resizeHandles/>
-    </dgm:varLst>
-    <dgm:choose name="Name0">
-      <dgm:if name="Name1" func="var" arg="dir" op="equ" val="norm">
-        <dgm:alg type="hierChild">
-          <dgm:param type="linDir" val="fromL"/>
-        </dgm:alg>
-      </dgm:if>
-      <dgm:else name="Name2">
-        <dgm:alg type="hierChild">
-          <dgm:param type="linDir" val="fromR"/>
-        </dgm:alg>
-      </dgm:else>
-    </dgm:choose>
-    <dgm:shape xmlns:r="http://schemas.openxmlformats.org/officeDocument/2006/relationships" r:blip="">
-      <dgm:adjLst/>
-    </dgm:shape>
-    <dgm:presOf/>
-    <dgm:constrLst>
-      <dgm:constr type="primFontSz" for="des" ptType="node" op="equ" val="65"/>
-      <dgm:constr type="w" for="des" forName="composite" refType="w"/>
-      <dgm:constr type="h" for="des" forName="composite" refType="w" refFor="des" refForName="composite" fact="0.667"/>
-      <dgm:constr type="w" for="des" forName="composite2" refType="w" refFor="des" refForName="composite"/>
-      <dgm:constr type="h" for="des" forName="composite2" refType="h" refFor="des" refForName="composite"/>
-      <dgm:constr type="w" for="des" forName="composite3" refType="w" refFor="des" refForName="composite"/>
-      <dgm:constr type="h" for="des" forName="composite3" refType="h" refFor="des" refForName="composite"/>
-      <dgm:constr type="w" for="des" forName="composite4" refType="w" refFor="des" refForName="composite"/>
-      <dgm:constr type="h" for="des" forName="composite4" refType="h" refFor="des" refForName="composite"/>
-      <dgm:constr type="w" for="des" forName="composite5" refType="w" refFor="des" refForName="composite"/>
-      <dgm:constr type="h" for="des" forName="composite5" refType="h" refFor="des" refForName="composite"/>
-      <dgm:constr type="sibSp" refType="w" refFor="des" refForName="composite" fact="0.1"/>
-      <dgm:constr type="sibSp" for="des" forName="hierChild2" refType="sibSp"/>
-      <dgm:constr type="sibSp" for="des" forName="hierChild3" refType="sibSp"/>
-      <dgm:constr type="sibSp" for="des" forName="hierChild4" refType="sibSp"/>
-      <dgm:constr type="sibSp" for="des" forName="hierChild5" refType="sibSp"/>
-      <dgm:constr type="sibSp" for="des" forName="hierChild6" refType="sibSp"/>
-      <dgm:constr type="sp" for="des" forName="hierRoot1" refType="h" refFor="des" refForName="composite" fact="0.25"/>
-      <dgm:constr type="sp" for="des" forName="hierRoot2" refType="sp" refFor="des" refForName="hierRoot1"/>
-      <dgm:constr type="sp" for="des" forName="hierRoot3" refType="sp" refFor="des" refForName="hierRoot1"/>
-      <dgm:constr type="sp" for="des" forName="hierRoot4" refType="sp" refFor="des" refForName="hierRoot1"/>
-      <dgm:constr type="sp" for="des" forName="hierRoot5" refType="sp" refFor="des" refForName="hierRoot1"/>
-    </dgm:constrLst>
-    <dgm:ruleLst/>
-    <dgm:forEach name="Name3" axis="ch">
-      <dgm:forEach name="Name4" axis="self" ptType="node">
-        <dgm:layoutNode name="hierRoot1">
-          <dgm:alg type="hierRoot"/>
-          <dgm:shape xmlns:r="http://schemas.openxmlformats.org/officeDocument/2006/relationships" r:blip="">
-            <dgm:adjLst/>
-          </dgm:shape>
-          <dgm:presOf/>
-          <dgm:constrLst>
-            <dgm:constr type="bendDist" for="des" ptType="parTrans" refType="sp" fact="0.5"/>
-          </dgm:constrLst>
-          <dgm:ruleLst/>
-          <dgm:layoutNode name="composite">
-            <dgm:alg type="composite"/>
-            <dgm:shape xmlns:r="http://schemas.openxmlformats.org/officeDocument/2006/relationships" r:blip="">
-              <dgm:adjLst/>
-            </dgm:shape>
-            <dgm:presOf/>
-            <dgm:constrLst>
-              <dgm:constr type="w" for="ch" forName="background" refType="w" fact="0.9"/>
-              <dgm:constr type="h" for="ch" forName="background" refType="w" refFor="ch" refForName="background" fact="0.635"/>
-              <dgm:constr type="t" for="ch" forName="background"/>
-              <dgm:constr type="l" for="ch" forName="background"/>
-              <dgm:constr type="w" for="ch" forName="text" refType="w" fact="0.9"/>
-              <dgm:constr type="h" for="ch" forName="text" refType="w" refFor="ch" refForName="text" fact="0.635"/>
-              <dgm:constr type="t" for="ch" forName="text" refType="w" fact="0.095"/>
-              <dgm:constr type="l" for="ch" forName="text" refType="w" fact="0.1"/>
-            </dgm:constrLst>
-            <dgm:ruleLst/>
-            <dgm:layoutNode name="background" styleLbl="node0" moveWith="text">
-              <dgm:alg type="sp"/>
-              <dgm:shape xmlns:r="http://schemas.openxmlformats.org/officeDocument/2006/relationships" type="roundRect" r:blip="">
-                <dgm:adjLst>
-                  <dgm:adj idx="1" val="0.1"/>
-                </dgm:adjLst>
-              </dgm:shape>
-              <dgm:presOf/>
-              <dgm:constrLst/>
-              <dgm:ruleLst/>
-            </dgm:layoutNode>
-            <dgm:layoutNode name="text" styleLbl="fgAcc0">
-              <dgm:varLst>
-                <dgm:chPref val="3"/>
-              </dgm:varLst>
-              <dgm:alg type="tx"/>
-              <dgm:shape xmlns:r="http://schemas.openxmlformats.org/officeDocument/2006/relationships" type="roundRect" r:blip="">
-                <dgm:adjLst>
-                  <dgm:adj idx="1" val="0.1"/>
-                </dgm:adjLst>
-              </dgm:shape>
-              <dgm:presOf axis="self"/>
-              <dgm:constrLst>
-                <dgm:constr type="tMarg" refType="primFontSz" fact="0.3"/>
-                <dgm:constr type="bMarg" refType="primFontSz" fact="0.3"/>
-                <dgm:constr type="lMarg" refType="primFontSz" fact="0.3"/>
-                <dgm:constr type="rMarg" refType="primFontSz" fact="0.3"/>
-              </dgm:constrLst>
-              <dgm:ruleLst>
-                <dgm:rule type="primFontSz" val="5" fact="NaN" max="NaN"/>
-              </dgm:ruleLst>
-            </dgm:layoutNode>
-          </dgm:layoutNode>
-          <dgm:layoutNode name="hierChild2">
-            <dgm:choose name="Name5">
-              <dgm:if name="Name6" func="var" arg="dir" op="equ" val="norm">
-                <dgm:alg type="hierChild">
-                  <dgm:param type="linDir" val="fromL"/>
-                </dgm:alg>
-              </dgm:if>
-              <dgm:else name="Name7">
-                <dgm:alg type="hierChild">
-                  <dgm:param type="linDir" val="fromR"/>
-                </dgm:alg>
-              </dgm:else>
-            </dgm:choose>
-            <dgm:shape xmlns:r="http://schemas.openxmlformats.org/officeDocument/2006/relationships" r:blip="">
-              <dgm:adjLst/>
-            </dgm:shape>
-            <dgm:presOf/>
-            <dgm:constrLst/>
-            <dgm:ruleLst/>
-            <dgm:forEach name="Name8" axis="ch">
-              <dgm:forEach name="Name9" axis="self" ptType="parTrans" cnt="1">
-                <dgm:layoutNode name="Name10">
-                  <dgm:alg type="conn">
-                    <dgm:param type="dim" val="1D"/>
-                    <dgm:param type="endSty" val="noArr"/>
-                    <dgm:param type="connRout" val="bend"/>
-                    <dgm:param type="bendPt" val="end"/>
-                    <dgm:param type="begPts" val="bCtr"/>
-                    <dgm:param type="endPts" val="tCtr"/>
-                    <dgm:param type="srcNode" val="background"/>
-                    <dgm:param type="dstNode" val="background2"/>
-                  </dgm:alg>
-                  <dgm:shape xmlns:r="http://schemas.openxmlformats.org/officeDocument/2006/relationships" type="conn" r:blip="" zOrderOff="-999">
-                    <dgm:adjLst/>
-                  </dgm:shape>
-                  <dgm:presOf axis="self"/>
-                  <dgm:constrLst>
-                    <dgm:constr type="begPad"/>
-                    <dgm:constr type="endPad"/>
-                  </dgm:constrLst>
-                  <dgm:ruleLst/>
-                </dgm:layoutNode>
-              </dgm:forEach>
-              <dgm:forEach name="Name11" axis="self" ptType="node">
-                <dgm:layoutNode name="hierRoot2">
-                  <dgm:alg type="hierRoot"/>
-                  <dgm:shape xmlns:r="http://schemas.openxmlformats.org/officeDocument/2006/relationships" r:blip="">
-                    <dgm:adjLst/>
-                  </dgm:shape>
-                  <dgm:presOf/>
-                  <dgm:constrLst>
-                    <dgm:constr type="bendDist" for="des" ptType="parTrans" refType="sp" fact="0.5"/>
-                  </dgm:constrLst>
-                  <dgm:ruleLst/>
-                  <dgm:layoutNode name="composite2">
-                    <dgm:alg type="composite"/>
-                    <dgm:shape xmlns:r="http://schemas.openxmlformats.org/officeDocument/2006/relationships" r:blip="">
-                      <dgm:adjLst/>
-                    </dgm:shape>
-                    <dgm:presOf/>
-                    <dgm:constrLst>
-                      <dgm:constr type="w" for="ch" forName="background2" refType="w" fact="0.9"/>
-                      <dgm:constr type="h" for="ch" forName="background2" refType="w" refFor="ch" refForName="background2" fact="0.635"/>
-                      <dgm:constr type="t" for="ch" forName="background2"/>
-                      <dgm:constr type="l" for="ch" forName="background2"/>
-                      <dgm:constr type="w" for="ch" forName="text2" refType="w" fact="0.9"/>
-                      <dgm:constr type="h" for="ch" forName="text2" refType="w" refFor="ch" refForName="text2" fact="0.635"/>
-                      <dgm:constr type="t" for="ch" forName="text2" refType="w" fact="0.095"/>
-                      <dgm:constr type="l" for="ch" forName="text2" refType="w" fact="0.1"/>
-                    </dgm:constrLst>
-                    <dgm:ruleLst/>
-                    <dgm:layoutNode name="background2" moveWith="text2">
-                      <dgm:alg type="sp"/>
-                      <dgm:shape xmlns:r="http://schemas.openxmlformats.org/officeDocument/2006/relationships" type="roundRect" r:blip="">
-                        <dgm:adjLst>
-                          <dgm:adj idx="1" val="0.1"/>
-                        </dgm:adjLst>
-                      </dgm:shape>
-                      <dgm:presOf/>
-                      <dgm:constrLst/>
-                      <dgm:ruleLst/>
-                    </dgm:layoutNode>
-                    <dgm:layoutNode name="text2" styleLbl="fgAcc2">
-                      <dgm:varLst>
-                        <dgm:chPref val="3"/>
-                      </dgm:varLst>
-                      <dgm:alg type="tx"/>
-                      <dgm:shape xmlns:r="http://schemas.openxmlformats.org/officeDocument/2006/relationships" type="roundRect" r:blip="">
-                        <dgm:adjLst>
-                          <dgm:adj idx="1" val="0.1"/>
-                        </dgm:adjLst>
-                      </dgm:shape>
-                      <dgm:presOf axis="self"/>
-                      <dgm:constrLst>
-                        <dgm:constr type="tMarg" refType="primFontSz" fact="0.3"/>
-                        <dgm:constr type="bMarg" refType="primFontSz" fact="0.3"/>
-                        <dgm:constr type="lMarg" refType="primFontSz" fact="0.3"/>
-                        <dgm:constr type="rMarg" refType="primFontSz" fact="0.3"/>
-                      </dgm:constrLst>
-                      <dgm:ruleLst>
-                        <dgm:rule type="primFontSz" val="5" fact="NaN" max="NaN"/>
-                      </dgm:ruleLst>
-                    </dgm:layoutNode>
-                  </dgm:layoutNode>
-                  <dgm:layoutNode name="hierChild3">
-                    <dgm:choose name="Name12">
-                      <dgm:if name="Name13" func="var" arg="dir" op="equ" val="norm">
-                        <dgm:alg type="hierChild">
-                          <dgm:param type="linDir" val="fromL"/>
-                        </dgm:alg>
-                      </dgm:if>
-                      <dgm:else name="Name14">
-                        <dgm:alg type="hierChild">
-                          <dgm:param type="linDir" val="fromR"/>
-                        </dgm:alg>
-                      </dgm:else>
-                    </dgm:choose>
-                    <dgm:shape xmlns:r="http://schemas.openxmlformats.org/officeDocument/2006/relationships" r:blip="">
-                      <dgm:adjLst/>
-                    </dgm:shape>
-                    <dgm:presOf/>
-                    <dgm:constrLst/>
-                    <dgm:ruleLst/>
-                    <dgm:forEach name="Name15" axis="ch">
-                      <dgm:forEach name="Name16" axis="self" ptType="parTrans" cnt="1">
-                        <dgm:layoutNode name="Name17">
-                          <dgm:alg type="conn">
-                            <dgm:param type="dim" val="1D"/>
-                            <dgm:param type="endSty" val="noArr"/>
-                            <dgm:param type="connRout" val="bend"/>
-                            <dgm:param type="bendPt" val="end"/>
-                            <dgm:param type="begPts" val="bCtr"/>
-                            <dgm:param type="endPts" val="tCtr"/>
-                            <dgm:param type="srcNode" val="background2"/>
-                            <dgm:param type="dstNode" val="background3"/>
-                          </dgm:alg>
-                          <dgm:shape xmlns:r="http://schemas.openxmlformats.org/officeDocument/2006/relationships" type="conn" r:blip="" zOrderOff="-999">
-                            <dgm:adjLst/>
-                          </dgm:shape>
-                          <dgm:presOf axis="self"/>
-                          <dgm:constrLst>
-                            <dgm:constr type="begPad"/>
-                            <dgm:constr type="endPad"/>
-                          </dgm:constrLst>
-                          <dgm:ruleLst/>
-                        </dgm:layoutNode>
-                      </dgm:forEach>
-                      <dgm:forEach name="Name18" axis="self" ptType="node">
-                        <dgm:layoutNode name="hierRoot3">
-                          <dgm:alg type="hierRoot"/>
-                          <dgm:shape xmlns:r="http://schemas.openxmlformats.org/officeDocument/2006/relationships" r:blip="">
-                            <dgm:adjLst/>
-                          </dgm:shape>
-                          <dgm:presOf/>
-                          <dgm:constrLst>
-                            <dgm:constr type="bendDist" for="des" ptType="parTrans" refType="sp" fact="0.5"/>
-                          </dgm:constrLst>
-                          <dgm:ruleLst/>
-                          <dgm:layoutNode name="composite3">
-                            <dgm:alg type="composite"/>
-                            <dgm:shape xmlns:r="http://schemas.openxmlformats.org/officeDocument/2006/relationships" r:blip="">
-                              <dgm:adjLst/>
-                            </dgm:shape>
-                            <dgm:presOf/>
-                            <dgm:constrLst>
-                              <dgm:constr type="w" for="ch" forName="background3" refType="w" fact="0.9"/>
-                              <dgm:constr type="h" for="ch" forName="background3" refType="w" refFor="ch" refForName="background3" fact="0.635"/>
-                              <dgm:constr type="t" for="ch" forName="background3"/>
-                              <dgm:constr type="l" for="ch" forName="background3"/>
-                              <dgm:constr type="w" for="ch" forName="text3" refType="w" fact="0.9"/>
-                              <dgm:constr type="h" for="ch" forName="text3" refType="w" refFor="ch" refForName="text3" fact="0.635"/>
-                              <dgm:constr type="t" for="ch" forName="text3" refType="w" fact="0.095"/>
-                              <dgm:constr type="l" for="ch" forName="text3" refType="w" fact="0.1"/>
-                            </dgm:constrLst>
-                            <dgm:ruleLst/>
-                            <dgm:layoutNode name="background3" moveWith="text3">
-                              <dgm:alg type="sp"/>
-                              <dgm:shape xmlns:r="http://schemas.openxmlformats.org/officeDocument/2006/relationships" type="roundRect" r:blip="">
-                                <dgm:adjLst>
-                                  <dgm:adj idx="1" val="0.1"/>
-                                </dgm:adjLst>
-                              </dgm:shape>
-                              <dgm:presOf/>
-                              <dgm:constrLst/>
-                              <dgm:ruleLst/>
-                            </dgm:layoutNode>
-                            <dgm:layoutNode name="text3" styleLbl="fgAcc3">
-                              <dgm:varLst>
-                                <dgm:chPref val="3"/>
-                              </dgm:varLst>
-                              <dgm:alg type="tx"/>
-                              <dgm:shape xmlns:r="http://schemas.openxmlformats.org/officeDocument/2006/relationships" type="roundRect" r:blip="">
-                                <dgm:adjLst>
-                                  <dgm:adj idx="1" val="0.1"/>
-                                </dgm:adjLst>
-                              </dgm:shape>
-                              <dgm:presOf axis="self"/>
-                              <dgm:constrLst>
-                                <dgm:constr type="tMarg" refType="primFontSz" fact="0.3"/>
-                                <dgm:constr type="bMarg" refType="primFontSz" fact="0.3"/>
-                                <dgm:constr type="lMarg" refType="primFontSz" fact="0.3"/>
-                                <dgm:constr type="rMarg" refType="primFontSz" fact="0.3"/>
-                              </dgm:constrLst>
-                              <dgm:ruleLst>
-                                <dgm:rule type="primFontSz" val="5" fact="NaN" max="NaN"/>
-                              </dgm:ruleLst>
-                            </dgm:layoutNode>
-                          </dgm:layoutNode>
-                          <dgm:layoutNode name="hierChild4">
-                            <dgm:choose name="Name19">
-                              <dgm:if name="Name20" func="var" arg="dir" op="equ" val="norm">
-                                <dgm:alg type="hierChild">
-                                  <dgm:param type="linDir" val="fromL"/>
-                                </dgm:alg>
-                              </dgm:if>
-                              <dgm:else name="Name21">
-                                <dgm:alg type="hierChild">
-                                  <dgm:param type="linDir" val="fromR"/>
-                                </dgm:alg>
-                              </dgm:else>
-                            </dgm:choose>
-                            <dgm:shape xmlns:r="http://schemas.openxmlformats.org/officeDocument/2006/relationships" r:blip="">
-                              <dgm:adjLst/>
-                            </dgm:shape>
-                            <dgm:presOf/>
-                            <dgm:constrLst/>
-                            <dgm:ruleLst/>
-                            <dgm:forEach name="repeat" axis="ch">
-                              <dgm:forEach name="Name22" axis="self" ptType="parTrans" cnt="1">
-                                <dgm:layoutNode name="Name23">
-                                  <dgm:choose name="Name24">
-                                    <dgm:if name="Name25" axis="self" func="depth" op="lte" val="4">
-                                      <dgm:alg type="conn">
-                                        <dgm:param type="dim" val="1D"/>
-                                        <dgm:param type="endSty" val="noArr"/>
-                                        <dgm:param type="connRout" val="bend"/>
-                                        <dgm:param type="bendPt" val="end"/>
-                                        <dgm:param type="begPts" val="bCtr"/>
-                                        <dgm:param type="endPts" val="tCtr"/>
-                                        <dgm:param type="srcNode" val="background3"/>
-                                        <dgm:param type="dstNode" val="background4"/>
-                                      </dgm:alg>
-                                    </dgm:if>
-                                    <dgm:else name="Name26">
-                                      <dgm:alg type="conn">
-                                        <dgm:param type="dim" val="1D"/>
-                                        <dgm:param type="endSty" val="noArr"/>
-                                        <dgm:param type="connRout" val="bend"/>
-                                        <dgm:param type="bendPt" val="end"/>
-                                        <dgm:param type="begPts" val="bCtr"/>
-                                        <dgm:param type="endPts" val="tCtr"/>
-                                        <dgm:param type="srcNode" val="background4"/>
-                                        <dgm:param type="dstNode" val="background4"/>
-                                      </dgm:alg>
-                                    </dgm:else>
-                                  </dgm:choose>
-                                  <dgm:shape xmlns:r="http://schemas.openxmlformats.org/officeDocument/2006/relationships" type="conn" r:blip="" zOrderOff="-999">
-                                    <dgm:adjLst/>
-                                  </dgm:shape>
-                                  <dgm:presOf axis="self"/>
-                                  <dgm:constrLst>
-                                    <dgm:constr type="begPad"/>
-                                    <dgm:constr type="endPad"/>
-                                  </dgm:constrLst>
-                                  <dgm:ruleLst/>
-                                </dgm:layoutNode>
-                              </dgm:forEach>
-                              <dgm:forEach name="Name27" axis="self" ptType="node">
-                                <dgm:layoutNode name="hierRoot4">
-                                  <dgm:alg type="hierRoot"/>
-                                  <dgm:shape xmlns:r="http://schemas.openxmlformats.org/officeDocument/2006/relationships" r:blip="">
-                                    <dgm:adjLst/>
-                                  </dgm:shape>
-                                  <dgm:presOf/>
-                                  <dgm:constrLst>
-                                    <dgm:constr type="bendDist" for="des" ptType="parTrans" refType="sp" fact="0.5"/>
-                                  </dgm:constrLst>
-                                  <dgm:ruleLst/>
-                                  <dgm:layoutNode name="composite4">
-                                    <dgm:alg type="composite"/>
-                                    <dgm:shape xmlns:r="http://schemas.openxmlformats.org/officeDocument/2006/relationships" r:blip="">
-                                      <dgm:adjLst/>
-                                    </dgm:shape>
-                                    <dgm:presOf/>
-                                    <dgm:constrLst>
-                                      <dgm:constr type="w" for="ch" forName="background4" refType="w" fact="0.9"/>
-                                      <dgm:constr type="h" for="ch" forName="background4" refType="w" refFor="ch" refForName="background4" fact="0.635"/>
-                                      <dgm:constr type="t" for="ch" forName="background4"/>
-                                      <dgm:constr type="l" for="ch" forName="background4"/>
-                                      <dgm:constr type="w" for="ch" forName="text4" refType="w" fact="0.9"/>
-                                      <dgm:constr type="h" for="ch" forName="text4" refType="w" refFor="ch" refForName="text4" fact="0.635"/>
-                                      <dgm:constr type="t" for="ch" forName="text4" refType="w" fact="0.095"/>
-                                      <dgm:constr type="l" for="ch" forName="text4" refType="w" fact="0.1"/>
-                                    </dgm:constrLst>
-                                    <dgm:ruleLst/>
-                                    <dgm:layoutNode name="background4" moveWith="text4">
-                                      <dgm:alg type="sp"/>
-                                      <dgm:shape xmlns:r="http://schemas.openxmlformats.org/officeDocument/2006/relationships" type="roundRect" r:blip="">
-                                        <dgm:adjLst>
-                                          <dgm:adj idx="1" val="0.1"/>
-                                        </dgm:adjLst>
-                                      </dgm:shape>
-                                      <dgm:presOf/>
-                                      <dgm:constrLst/>
-                                      <dgm:ruleLst/>
-                                    </dgm:layoutNode>
-                                    <dgm:layoutNode name="text4" styleLbl="fgAcc4">
-                                      <dgm:varLst>
-                                        <dgm:chPref val="3"/>
-                                      </dgm:varLst>
-                                      <dgm:alg type="tx"/>
-                                      <dgm:shape xmlns:r="http://schemas.openxmlformats.org/officeDocument/2006/relationships" type="roundRect" r:blip="">
-                                        <dgm:adjLst>
-                                          <dgm:adj idx="1" val="0.1"/>
-                                        </dgm:adjLst>
-                                      </dgm:shape>
-                                      <dgm:presOf axis="self"/>
-                                      <dgm:constrLst>
-                                        <dgm:constr type="tMarg" refType="primFontSz" fact="0.3"/>
-                                        <dgm:constr type="bMarg" refType="primFontSz" fact="0.3"/>
-                                        <dgm:constr type="lMarg" refType="primFontSz" fact="0.3"/>
-                                        <dgm:constr type="rMarg" refType="primFontSz" fact="0.3"/>
-                                      </dgm:constrLst>
-                                      <dgm:ruleLst>
-                                        <dgm:rule type="primFontSz" val="5" fact="NaN" max="NaN"/>
-                                      </dgm:ruleLst>
-                                    </dgm:layoutNode>
-                                  </dgm:layoutNode>
-                                  <dgm:layoutNode name="hierChild5">
-                                    <dgm:choose name="Name28">
-                                      <dgm:if name="Name29" func="var" arg="dir" op="equ" val="norm">
-                                        <dgm:alg type="hierChild">
-                                          <dgm:param type="linDir" val="fromL"/>
-                                        </dgm:alg>
-                                      </dgm:if>
-                                      <dgm:else name="Name30">
-                                        <dgm:alg type="hierChild">
-                                          <dgm:param type="linDir" val="fromR"/>
-                                        </dgm:alg>
-                                      </dgm:else>
-                                    </dgm:choose>
-                                    <dgm:shape xmlns:r="http://schemas.openxmlformats.org/officeDocument/2006/relationships" r:blip="">
-                                      <dgm:adjLst/>
-                                    </dgm:shape>
-                                    <dgm:presOf/>
-                                    <dgm:constrLst/>
-                                    <dgm:ruleLst/>
-                                    <dgm:forEach name="Name31" ref="repeat"/>
-                                  </dgm:layoutNode>
-                                </dgm:layoutNode>
-                              </dgm:forEach>
-                            </dgm:forEach>
-                          </dgm:layoutNode>
-                        </dgm:layoutNode>
-                      </dgm:forEach>
-                    </dgm:forEach>
-                  </dgm:layoutNode>
-                </dgm:layoutNode>
-              </dgm:forEach>
-            </dgm:forEach>
-          </dgm:layoutNode>
-        </dgm:layoutNode>
-      </dgm:forEach>
-    </dgm:forEach>
-  </dgm:layoutNode>
-</dgm:layoutDef>
-</file>
-
-<file path=ppt/diagrams/quickStyle1.xml><?xml version="1.0" encoding="utf-8"?>
-<dgm:styleDef xmlns:dgm="http://schemas.openxmlformats.org/drawingml/2006/diagram" xmlns:a="http://schemas.openxmlformats.org/drawingml/2006/main" uniqueId="urn:microsoft.com/office/officeart/2005/8/quickstyle/simple1">
-  <dgm:title val=""/>
-  <dgm:desc val=""/>
-  <dgm:catLst>
-    <dgm:cat type="simple" pri="10100"/>
-  </dgm:catLst>
-  <dgm:scene3d>
-    <a:camera prst="orthographicFront"/>
-    <a:lightRig rig="threePt" dir="t"/>
-  </dgm:scene3d>
-  <dgm:styleLbl name="node0">
-    <dgm:scene3d>
-      <a:camera prst="orthographicFront"/>
-      <a:lightRig rig="threePt" dir="t"/>
-    </dgm:scene3d>
-    <dgm:sp3d/>
-    <dgm:txPr/>
-    <dgm:style>
-      <a:lnRef idx="2">
-        <a:scrgbClr r="0" g="0" b="0"/>
-      </a:lnRef>
-      <a:fillRef idx="1">
-        <a:scrgbClr r="0" g="0" b="0"/>
-      </a:fillRef>
-      <a:effectRef idx="0">
-        <a:scrgbClr r="0" g="0" b="0"/>
-      </a:effectRef>
-      <a:fontRef idx="minor">
-        <a:schemeClr val="lt1"/>
-      </a:fontRef>
-    </dgm:style>
-  </dgm:styleLbl>
-  <dgm:styleLbl name="lnNode1">
-    <dgm:scene3d>
-      <a:camera prst="orthographicFront"/>
-      <a:lightRig rig="threePt" dir="t"/>
-    </dgm:scene3d>
-    <dgm:sp3d/>
-    <dgm:txPr/>
-    <dgm:style>
-      <a:lnRef idx="2">
-        <a:scrgbClr r="0" g="0" b="0"/>
-      </a:lnRef>
-      <a:fillRef idx="1">
-        <a:scrgbClr r="0" g="0" b="0"/>
-      </a:fillRef>
-      <a:effectRef idx="0">
-        <a:scrgbClr r="0" g="0" b="0"/>
-      </a:effectRef>
-      <a:fontRef idx="minor">
-        <a:schemeClr val="lt1"/>
-      </a:fontRef>
-    </dgm:style>
-  </dgm:styleLbl>
-  <dgm:styleLbl name="vennNode1">
-    <dgm:scene3d>
-      <a:camera prst="orthographicFront"/>
-      <a:lightRig rig="threePt" dir="t"/>
-    </dgm:scene3d>
-    <dgm:sp3d/>
-    <dgm:txPr/>
-    <dgm:style>
-      <a:lnRef idx="2">
-        <a:scrgbClr r="0" g="0" b="0"/>
-      </a:lnRef>
-      <a:fillRef idx="1">
-        <a:scrgbClr r="0" g="0" b="0"/>
-      </a:fillRef>
-      <a:effectRef idx="0">
-        <a:scrgbClr r="0" g="0" b="0"/>
-      </a:effectRef>
-      <a:fontRef idx="minor">
-        <a:schemeClr val="tx1"/>
-      </a:fontRef>
-    </dgm:style>
-  </dgm:styleLbl>
-  <dgm:styleLbl name="alignNode1">
-    <dgm:scene3d>
-      <a:camera prst="orthographicFront"/>
-      <a:lightRig rig="threePt" dir="t"/>
-    </dgm:scene3d>
-    <dgm:sp3d/>
-    <dgm:txPr/>
-    <dgm:style>
-      <a:lnRef idx="2">
-        <a:scrgbClr r="0" g="0" b="0"/>
-      </a:lnRef>
-      <a:fillRef idx="1">
-        <a:scrgbClr r="0" g="0" b="0"/>
-      </a:fillRef>
-      <a:effectRef idx="0">
-        <a:scrgbClr r="0" g="0" b="0"/>
-      </a:effectRef>
-      <a:fontRef idx="minor">
-        <a:schemeClr val="lt1"/>
-      </a:fontRef>
-    </dgm:style>
-  </dgm:styleLbl>
-  <dgm:styleLbl name="node1">
-    <dgm:scene3d>
-      <a:camera prst="orthographicFront"/>
-      <a:lightRig rig="threePt" dir="t"/>
-    </dgm:scene3d>
-    <dgm:sp3d/>
-    <dgm:txPr/>
-    <dgm:style>
-      <a:lnRef idx="2">
-        <a:scrgbClr r="0" g="0" b="0"/>
-      </a:lnRef>
-      <a:fillRef idx="1">
-        <a:scrgbClr r="0" g="0" b="0"/>
-      </a:fillRef>
-      <a:effectRef idx="0">
-        <a:scrgbClr r="0" g="0" b="0"/>
-      </a:effectRef>
-      <a:fontRef idx="minor">
-        <a:schemeClr val="lt1"/>
-      </a:fontRef>
-    </dgm:style>
-  </dgm:styleLbl>
-  <dgm:styleLbl name="node2">
-    <dgm:scene3d>
-      <a:camera prst="orthographicFront"/>
-      <a:lightRig rig="threePt" dir="t"/>
-    </dgm:scene3d>
-    <dgm:sp3d/>
-    <dgm:txPr/>
-    <dgm:style>
-      <a:lnRef idx="2">
-        <a:scrgbClr r="0" g="0" b="0"/>
-      </a:lnRef>
-      <a:fillRef idx="1">
-        <a:scrgbClr r="0" g="0" b="0"/>
-      </a:fillRef>
-      <a:effectRef idx="0">
-        <a:scrgbClr r="0" g="0" b="0"/>
-      </a:effectRef>
-      <a:fontRef idx="minor">
-        <a:schemeClr val="lt1"/>
-      </a:fontRef>
-    </dgm:style>
-  </dgm:styleLbl>
-  <dgm:styleLbl name="node3">
-    <dgm:scene3d>
-      <a:camera prst="orthographicFront"/>
-      <a:lightRig rig="threePt" dir="t"/>
-    </dgm:scene3d>
-    <dgm:sp3d/>
-    <dgm:txPr/>
-    <dgm:style>
-      <a:lnRef idx="2">
-        <a:scrgbClr r="0" g="0" b="0"/>
-      </a:lnRef>
-      <a:fillRef idx="1">
-        <a:scrgbClr r="0" g="0" b="0"/>
-      </a:fillRef>
-      <a:effectRef idx="0">
-        <a:scrgbClr r="0" g="0" b="0"/>
-      </a:effectRef>
-      <a:fontRef idx="minor">
-        <a:schemeClr val="lt1"/>
-      </a:fontRef>
-    </dgm:style>
-  </dgm:styleLbl>
-  <dgm:styleLbl name="node4">
-    <dgm:scene3d>
-      <a:camera prst="orthographicFront"/>
-      <a:lightRig rig="threePt" dir="t"/>
-    </dgm:scene3d>
-    <dgm:sp3d/>
-    <dgm:txPr/>
-    <dgm:style>
-      <a:lnRef idx="2">
-        <a:scrgbClr r="0" g="0" b="0"/>
-      </a:lnRef>
-      <a:fillRef idx="1">
-        <a:scrgbClr r="0" g="0" b="0"/>
-      </a:fillRef>
-      <a:effectRef idx="0">
-        <a:scrgbClr r="0" g="0" b="0"/>
-      </a:effectRef>
-      <a:fontRef idx="minor">
-        <a:schemeClr val="lt1"/>
-      </a:fontRef>
-    </dgm:style>
-  </dgm:styleLbl>
-  <dgm:styleLbl name="fgImgPlace1">
-    <dgm:scene3d>
-      <a:camera prst="orthographicFront"/>
-      <a:lightRig rig="threePt" dir="t"/>
-    </dgm:scene3d>
-    <dgm:sp3d/>
-    <dgm:txPr/>
-    <dgm:style>
-      <a:lnRef idx="2">
-        <a:scrgbClr r="0" g="0" b="0"/>
-      </a:lnRef>
-      <a:fillRef idx="1">
-        <a:scrgbClr r="0" g="0" b="0"/>
-      </a:fillRef>
-      <a:effectRef idx="0">
-        <a:scrgbClr r="0" g="0" b="0"/>
-      </a:effectRef>
-      <a:fontRef idx="minor"/>
-    </dgm:style>
-  </dgm:styleLbl>
-  <dgm:styleLbl name="alignImgPlace1">
-    <dgm:scene3d>
-      <a:camera prst="orthographicFront"/>
-      <a:lightRig rig="threePt" dir="t"/>
-    </dgm:scene3d>
-    <dgm:sp3d/>
-    <dgm:txPr/>
-    <dgm:style>
-      <a:lnRef idx="2">
-        <a:scrgbClr r="0" g="0" b="0"/>
-      </a:lnRef>
-      <a:fillRef idx="1">
-        <a:scrgbClr r="0" g="0" b="0"/>
-      </a:fillRef>
-      <a:effectRef idx="0">
-        <a:scrgbClr r="0" g="0" b="0"/>
-      </a:effectRef>
-      <a:fontRef idx="minor"/>
-    </dgm:style>
-  </dgm:styleLbl>
-  <dgm:styleLbl name="bgImgPlace1">
-    <dgm:scene3d>
-      <a:camera prst="orthographicFront"/>
-      <a:lightRig rig="threePt" dir="t"/>
-    </dgm:scene3d>
-    <dgm:sp3d/>
-    <dgm:txPr/>
-    <dgm:style>
-      <a:lnRef idx="2">
-        <a:scrgbClr r="0" g="0" b="0"/>
-      </a:lnRef>
-      <a:fillRef idx="1">
-        <a:scrgbClr r="0" g="0" b="0"/>
-      </a:fillRef>
-      <a:effectRef idx="0">
-        <a:scrgbClr r="0" g="0" b="0"/>
-      </a:effectRef>
-      <a:fontRef idx="minor"/>
-    </dgm:style>
-  </dgm:styleLbl>
-  <dgm:styleLbl name="sibTrans2D1">
-    <dgm:scene3d>
-      <a:camera prst="orthographicFront"/>
-      <a:lightRig rig="threePt" dir="t"/>
-    </dgm:scene3d>
-    <dgm:sp3d/>
-    <dgm:txPr/>
-    <dgm:style>
-      <a:lnRef idx="0">
-        <a:scrgbClr r="0" g="0" b="0"/>
-      </a:lnRef>
-      <a:fillRef idx="1">
-        <a:scrgbClr r="0" g="0" b="0"/>
-      </a:fillRef>
-      <a:effectRef idx="0">
-        <a:scrgbClr r="0" g="0" b="0"/>
-      </a:effectRef>
-      <a:fontRef idx="minor">
-        <a:schemeClr val="lt1"/>
-      </a:fontRef>
-    </dgm:style>
-  </dgm:styleLbl>
-  <dgm:styleLbl name="fgSibTrans2D1">
-    <dgm:scene3d>
-      <a:camera prst="orthographicFront"/>
-      <a:lightRig rig="threePt" dir="t"/>
-    </dgm:scene3d>
-    <dgm:sp3d/>
-    <dgm:txPr/>
-    <dgm:style>
-      <a:lnRef idx="0">
-        <a:scrgbClr r="0" g="0" b="0"/>
-      </a:lnRef>
-      <a:fillRef idx="1">
-        <a:scrgbClr r="0" g="0" b="0"/>
-      </a:fillRef>
-      <a:effectRef idx="0">
-        <a:scrgbClr r="0" g="0" b="0"/>
-      </a:effectRef>
-      <a:fontRef idx="minor">
-        <a:schemeClr val="lt1"/>
-      </a:fontRef>
-    </dgm:style>
-  </dgm:styleLbl>
-  <dgm:styleLbl name="bgSibTrans2D1">
-    <dgm:scene3d>
-      <a:camera prst="orthographicFront"/>
-      <a:lightRig rig="threePt" dir="t"/>
-    </dgm:scene3d>
-    <dgm:sp3d/>
-    <dgm:txPr/>
-    <dgm:style>
-      <a:lnRef idx="0">
-        <a:scrgbClr r="0" g="0" b="0"/>
-      </a:lnRef>
-      <a:fillRef idx="1">
-        <a:scrgbClr r="0" g="0" b="0"/>
-      </a:fillRef>
-      <a:effectRef idx="0">
-        <a:scrgbClr r="0" g="0" b="0"/>
-      </a:effectRef>
-      <a:fontRef idx="minor">
-        <a:schemeClr val="lt1"/>
-      </a:fontRef>
-    </dgm:style>
-  </dgm:styleLbl>
-  <dgm:styleLbl name="sibTrans1D1">
-    <dgm:scene3d>
-      <a:camera prst="orthographicFront"/>
-      <a:lightRig rig="threePt" dir="t"/>
-    </dgm:scene3d>
-    <dgm:sp3d/>
-    <dgm:txPr/>
-    <dgm:style>
-      <a:lnRef idx="1">
-        <a:scrgbClr r="0" g="0" b="0"/>
-      </a:lnRef>
-      <a:fillRef idx="0">
-        <a:scrgbClr r="0" g="0" b="0"/>
-      </a:fillRef>
-      <a:effectRef idx="0">
-        <a:scrgbClr r="0" g="0" b="0"/>
-      </a:effectRef>
-      <a:fontRef idx="minor"/>
-    </dgm:style>
-  </dgm:styleLbl>
-  <dgm:styleLbl name="callout">
-    <dgm:scene3d>
-      <a:camera prst="orthographicFront"/>
-      <a:lightRig rig="threePt" dir="t"/>
-    </dgm:scene3d>
-    <dgm:sp3d/>
-    <dgm:txPr/>
-    <dgm:style>
-      <a:lnRef idx="2">
-        <a:scrgbClr r="0" g="0" b="0"/>
-      </a:lnRef>
-      <a:fillRef idx="1">
-        <a:scrgbClr r="0" g="0" b="0"/>
-      </a:fillRef>
-      <a:effectRef idx="0">
-        <a:scrgbClr r="0" g="0" b="0"/>
-      </a:effectRef>
-      <a:fontRef idx="minor"/>
-    </dgm:style>
-  </dgm:styleLbl>
-  <dgm:styleLbl name="asst0">
-    <dgm:scene3d>
-      <a:camera prst="orthographicFront"/>
-      <a:lightRig rig="threePt" dir="t"/>
-    </dgm:scene3d>
-    <dgm:sp3d/>
-    <dgm:txPr/>
-    <dgm:style>
-      <a:lnRef idx="2">
-        <a:scrgbClr r="0" g="0" b="0"/>
-      </a:lnRef>
-      <a:fillRef idx="1">
-        <a:scrgbClr r="0" g="0" b="0"/>
-      </a:fillRef>
-      <a:effectRef idx="0">
-        <a:scrgbClr r="0" g="0" b="0"/>
-      </a:effectRef>
-      <a:fontRef idx="minor">
-        <a:schemeClr val="lt1"/>
-      </a:fontRef>
-    </dgm:style>
-  </dgm:styleLbl>
-  <dgm:styleLbl name="asst1">
-    <dgm:scene3d>
-      <a:camera prst="orthographicFront"/>
-      <a:lightRig rig="threePt" dir="t"/>
-    </dgm:scene3d>
-    <dgm:sp3d/>
-    <dgm:txPr/>
-    <dgm:style>
-      <a:lnRef idx="2">
-        <a:scrgbClr r="0" g="0" b="0"/>
-      </a:lnRef>
-      <a:fillRef idx="1">
-        <a:scrgbClr r="0" g="0" b="0"/>
-      </a:fillRef>
-      <a:effectRef idx="0">
-        <a:scrgbClr r="0" g="0" b="0"/>
-      </a:effectRef>
-      <a:fontRef idx="minor">
-        <a:schemeClr val="lt1"/>
-      </a:fontRef>
-    </dgm:style>
-  </dgm:styleLbl>
-  <dgm:styleLbl name="asst2">
-    <dgm:scene3d>
-      <a:camera prst="orthographicFront"/>
-      <a:lightRig rig="threePt" dir="t"/>
-    </dgm:scene3d>
-    <dgm:sp3d/>
-    <dgm:txPr/>
-    <dgm:style>
-      <a:lnRef idx="2">
-        <a:scrgbClr r="0" g="0" b="0"/>
-      </a:lnRef>
-      <a:fillRef idx="1">
-        <a:scrgbClr r="0" g="0" b="0"/>
-      </a:fillRef>
-      <a:effectRef idx="0">
-        <a:scrgbClr r="0" g="0" b="0"/>
-      </a:effectRef>
-      <a:fontRef idx="minor">
-        <a:schemeClr val="lt1"/>
-      </a:fontRef>
-    </dgm:style>
-  </dgm:styleLbl>
-  <dgm:styleLbl name="asst3">
-    <dgm:scene3d>
-      <a:camera prst="orthographicFront"/>
-      <a:lightRig rig="threePt" dir="t"/>
-    </dgm:scene3d>
-    <dgm:sp3d/>
-    <dgm:txPr/>
-    <dgm:style>
-      <a:lnRef idx="2">
-        <a:scrgbClr r="0" g="0" b="0"/>
-      </a:lnRef>
-      <a:fillRef idx="1">
-        <a:scrgbClr r="0" g="0" b="0"/>
-      </a:fillRef>
-      <a:effectRef idx="0">
-        <a:scrgbClr r="0" g="0" b="0"/>
-      </a:effectRef>
-      <a:fontRef idx="minor">
-        <a:schemeClr val="lt1"/>
-      </a:fontRef>
-    </dgm:style>
-  </dgm:styleLbl>
-  <dgm:styleLbl name="asst4">
-    <dgm:scene3d>
-      <a:camera prst="orthographicFront"/>
-      <a:lightRig rig="threePt" dir="t"/>
-    </dgm:scene3d>
-    <dgm:sp3d/>
-    <dgm:txPr/>
-    <dgm:style>
-      <a:lnRef idx="2">
-        <a:scrgbClr r="0" g="0" b="0"/>
-      </a:lnRef>
-      <a:fillRef idx="1">
-        <a:scrgbClr r="0" g="0" b="0"/>
-      </a:fillRef>
-      <a:effectRef idx="0">
-        <a:scrgbClr r="0" g="0" b="0"/>
-      </a:effectRef>
-      <a:fontRef idx="minor">
-        <a:schemeClr val="lt1"/>
-      </a:fontRef>
-    </dgm:style>
-  </dgm:styleLbl>
-  <dgm:styleLbl name="parChTrans2D1">
-    <dgm:scene3d>
-      <a:camera prst="orthographicFront"/>
-      <a:lightRig rig="threePt" dir="t"/>
-    </dgm:scene3d>
-    <dgm:sp3d/>
-    <dgm:txPr/>
-    <dgm:style>
-      <a:lnRef idx="2">
-        <a:scrgbClr r="0" g="0" b="0"/>
-      </a:lnRef>
-      <a:fillRef idx="1">
-        <a:scrgbClr r="0" g="0" b="0"/>
-      </a:fillRef>
-      <a:effectRef idx="0">
-        <a:scrgbClr r="0" g="0" b="0"/>
-      </a:effectRef>
-      <a:fontRef idx="minor">
-        <a:schemeClr val="lt1"/>
-      </a:fontRef>
-    </dgm:style>
-  </dgm:styleLbl>
-  <dgm:styleLbl name="parChTrans2D2">
-    <dgm:scene3d>
-      <a:camera prst="orthographicFront"/>
-      <a:lightRig rig="threePt" dir="t"/>
-    </dgm:scene3d>
-    <dgm:sp3d/>
-    <dgm:txPr/>
-    <dgm:style>
-      <a:lnRef idx="2">
-        <a:scrgbClr r="0" g="0" b="0"/>
-      </a:lnRef>
-      <a:fillRef idx="1">
-        <a:scrgbClr r="0" g="0" b="0"/>
-      </a:fillRef>
-      <a:effectRef idx="0">
-        <a:scrgbClr r="0" g="0" b="0"/>
-      </a:effectRef>
-      <a:fontRef idx="minor">
-        <a:schemeClr val="lt1"/>
-      </a:fontRef>
-    </dgm:style>
-  </dgm:styleLbl>
-  <dgm:styleLbl name="parChTrans2D3">
-    <dgm:scene3d>
-      <a:camera prst="orthographicFront"/>
-      <a:lightRig rig="threePt" dir="t"/>
-    </dgm:scene3d>
-    <dgm:sp3d/>
-    <dgm:txPr/>
-    <dgm:style>
-      <a:lnRef idx="2">
-        <a:scrgbClr r="0" g="0" b="0"/>
-      </a:lnRef>
-      <a:fillRef idx="1">
-        <a:scrgbClr r="0" g="0" b="0"/>
-      </a:fillRef>
-      <a:effectRef idx="0">
-        <a:scrgbClr r="0" g="0" b="0"/>
-      </a:effectRef>
-      <a:fontRef idx="minor">
-        <a:schemeClr val="lt1"/>
-      </a:fontRef>
-    </dgm:style>
-  </dgm:styleLbl>
-  <dgm:styleLbl name="parChTrans2D4">
-    <dgm:scene3d>
-      <a:camera prst="orthographicFront"/>
-      <a:lightRig rig="threePt" dir="t"/>
-    </dgm:scene3d>
-    <dgm:sp3d/>
-    <dgm:txPr/>
-    <dgm:style>
-      <a:lnRef idx="2">
-        <a:scrgbClr r="0" g="0" b="0"/>
-      </a:lnRef>
-      <a:fillRef idx="1">
-        <a:scrgbClr r="0" g="0" b="0"/>
-      </a:fillRef>
-      <a:effectRef idx="0">
-        <a:scrgbClr r="0" g="0" b="0"/>
-      </a:effectRef>
-      <a:fontRef idx="minor">
-        <a:schemeClr val="lt1"/>
-      </a:fontRef>
-    </dgm:style>
-  </dgm:styleLbl>
-  <dgm:styleLbl name="parChTrans1D1">
-    <dgm:scene3d>
-      <a:camera prst="orthographicFront"/>
-      <a:lightRig rig="threePt" dir="t"/>
-    </dgm:scene3d>
-    <dgm:sp3d/>
-    <dgm:txPr/>
-    <dgm:style>
-      <a:lnRef idx="2">
-        <a:scrgbClr r="0" g="0" b="0"/>
-      </a:lnRef>
-      <a:fillRef idx="0">
-        <a:scrgbClr r="0" g="0" b="0"/>
-      </a:fillRef>
-      <a:effectRef idx="0">
-        <a:scrgbClr r="0" g="0" b="0"/>
-      </a:effectRef>
-      <a:fontRef idx="minor"/>
-    </dgm:style>
-  </dgm:styleLbl>
-  <dgm:styleLbl name="parChTrans1D2">
-    <dgm:scene3d>
-      <a:camera prst="orthographicFront"/>
-      <a:lightRig rig="threePt" dir="t"/>
-    </dgm:scene3d>
-    <dgm:sp3d/>
-    <dgm:txPr/>
-    <dgm:style>
-      <a:lnRef idx="2">
-        <a:scrgbClr r="0" g="0" b="0"/>
-      </a:lnRef>
-      <a:fillRef idx="0">
-        <a:scrgbClr r="0" g="0" b="0"/>
-      </a:fillRef>
-      <a:effectRef idx="0">
-        <a:scrgbClr r="0" g="0" b="0"/>
-      </a:effectRef>
-      <a:fontRef idx="minor"/>
-    </dgm:style>
-  </dgm:styleLbl>
-  <dgm:styleLbl name="parChTrans1D3">
-    <dgm:scene3d>
-      <a:camera prst="orthographicFront"/>
-      <a:lightRig rig="threePt" dir="t"/>
-    </dgm:scene3d>
-    <dgm:sp3d/>
-    <dgm:txPr/>
-    <dgm:style>
-      <a:lnRef idx="2">
-        <a:scrgbClr r="0" g="0" b="0"/>
-      </a:lnRef>
-      <a:fillRef idx="0">
-        <a:scrgbClr r="0" g="0" b="0"/>
-      </a:fillRef>
-      <a:effectRef idx="0">
-        <a:scrgbClr r="0" g="0" b="0"/>
-      </a:effectRef>
-      <a:fontRef idx="minor"/>
-    </dgm:style>
-  </dgm:styleLbl>
-  <dgm:styleLbl name="parChTrans1D4">
-    <dgm:scene3d>
-      <a:camera prst="orthographicFront"/>
-      <a:lightRig rig="threePt" dir="t"/>
-    </dgm:scene3d>
-    <dgm:sp3d/>
-    <dgm:txPr/>
-    <dgm:style>
-      <a:lnRef idx="2">
-        <a:scrgbClr r="0" g="0" b="0"/>
-      </a:lnRef>
-      <a:fillRef idx="0">
-        <a:scrgbClr r="0" g="0" b="0"/>
-      </a:fillRef>
-      <a:effectRef idx="0">
-        <a:scrgbClr r="0" g="0" b="0"/>
-      </a:effectRef>
-      <a:fontRef idx="minor"/>
-    </dgm:style>
-  </dgm:styleLbl>
-  <dgm:styleLbl name="fgAcc1">
-    <dgm:scene3d>
-      <a:camera prst="orthographicFront"/>
-      <a:lightRig rig="threePt" dir="t"/>
-    </dgm:scene3d>
-    <dgm:sp3d/>
-    <dgm:txPr/>
-    <dgm:style>
-      <a:lnRef idx="2">
-        <a:scrgbClr r="0" g="0" b="0"/>
-      </a:lnRef>
-      <a:fillRef idx="1">
-        <a:scrgbClr r="0" g="0" b="0"/>
-      </a:fillRef>
-      <a:effectRef idx="0">
-        <a:scrgbClr r="0" g="0" b="0"/>
-      </a:effectRef>
-      <a:fontRef idx="minor"/>
-    </dgm:style>
-  </dgm:styleLbl>
-  <dgm:styleLbl name="conFgAcc1">
-    <dgm:scene3d>
-      <a:camera prst="orthographicFront"/>
-      <a:lightRig rig="threePt" dir="t"/>
-    </dgm:scene3d>
-    <dgm:sp3d/>
-    <dgm:txPr/>
-    <dgm:style>
-      <a:lnRef idx="2">
-        <a:scrgbClr r="0" g="0" b="0"/>
-      </a:lnRef>
-      <a:fillRef idx="1">
-        <a:scrgbClr r="0" g="0" b="0"/>
-      </a:fillRef>
-      <a:effectRef idx="0">
-        <a:scrgbClr r="0" g="0" b="0"/>
-      </a:effectRef>
-      <a:fontRef idx="minor"/>
-    </dgm:style>
-  </dgm:styleLbl>
-  <dgm:styleLbl name="alignAcc1">
-    <dgm:scene3d>
-      <a:camera prst="orthographicFront"/>
-      <a:lightRig rig="threePt" dir="t"/>
-    </dgm:scene3d>
-    <dgm:sp3d/>
-    <dgm:txPr/>
-    <dgm:style>
-      <a:lnRef idx="2">
-        <a:scrgbClr r="0" g="0" b="0"/>
-      </a:lnRef>
-      <a:fillRef idx="1">
-        <a:scrgbClr r="0" g="0" b="0"/>
-      </a:fillRef>
-      <a:effectRef idx="0">
-        <a:scrgbClr r="0" g="0" b="0"/>
-      </a:effectRef>
-      <a:fontRef idx="minor"/>
-    </dgm:style>
-  </dgm:styleLbl>
-  <dgm:styleLbl name="trAlignAcc1">
-    <dgm:scene3d>
-      <a:camera prst="orthographicFront"/>
-      <a:lightRig rig="threePt" dir="t"/>
-    </dgm:scene3d>
-    <dgm:sp3d/>
-    <dgm:txPr/>
-    <dgm:style>
-      <a:lnRef idx="1">
-        <a:scrgbClr r="0" g="0" b="0"/>
-      </a:lnRef>
-      <a:fillRef idx="1">
-        <a:scrgbClr r="0" g="0" b="0"/>
-      </a:fillRef>
-      <a:effectRef idx="0">
-        <a:scrgbClr r="0" g="0" b="0"/>
-      </a:effectRef>
-      <a:fontRef idx="minor"/>
-    </dgm:style>
-  </dgm:styleLbl>
-  <dgm:styleLbl name="bgAcc1">
-    <dgm:scene3d>
-      <a:camera prst="orthographicFront"/>
-      <a:lightRig rig="threePt" dir="t"/>
-    </dgm:scene3d>
-    <dgm:sp3d/>
-    <dgm:txPr/>
-    <dgm:style>
-      <a:lnRef idx="2">
-        <a:scrgbClr r="0" g="0" b="0"/>
-      </a:lnRef>
-      <a:fillRef idx="1">
-        <a:scrgbClr r="0" g="0" b="0"/>
-      </a:fillRef>
-      <a:effectRef idx="0">
-        <a:scrgbClr r="0" g="0" b="0"/>
-      </a:effectRef>
-      <a:fontRef idx="minor"/>
-    </dgm:style>
-  </dgm:styleLbl>
-  <dgm:styleLbl name="solidFgAcc1">
-    <dgm:scene3d>
-      <a:camera prst="orthographicFront"/>
-      <a:lightRig rig="threePt" dir="t"/>
-    </dgm:scene3d>
-    <dgm:sp3d/>
-    <dgm:txPr/>
-    <dgm:style>
-      <a:lnRef idx="2">
-        <a:scrgbClr r="0" g="0" b="0"/>
-      </a:lnRef>
-      <a:fillRef idx="1">
-        <a:scrgbClr r="0" g="0" b="0"/>
-      </a:fillRef>
-      <a:effectRef idx="0">
-        <a:scrgbClr r="0" g="0" b="0"/>
-      </a:effectRef>
-      <a:fontRef idx="minor"/>
-    </dgm:style>
-  </dgm:styleLbl>
-  <dgm:styleLbl name="solidAlignAcc1">
-    <dgm:scene3d>
-      <a:camera prst="orthographicFront"/>
-      <a:lightRig rig="threePt" dir="t"/>
-    </dgm:scene3d>
-    <dgm:sp3d/>
-    <dgm:txPr/>
-    <dgm:style>
-      <a:lnRef idx="2">
-        <a:scrgbClr r="0" g="0" b="0"/>
-      </a:lnRef>
-      <a:fillRef idx="1">
-        <a:scrgbClr r="0" g="0" b="0"/>
-      </a:fillRef>
-      <a:effectRef idx="0">
-        <a:scrgbClr r="0" g="0" b="0"/>
-      </a:effectRef>
-      <a:fontRef idx="minor"/>
-    </dgm:style>
-  </dgm:styleLbl>
-  <dgm:styleLbl name="solidBgAcc1">
-    <dgm:scene3d>
-      <a:camera prst="orthographicFront"/>
-      <a:lightRig rig="threePt" dir="t"/>
-    </dgm:scene3d>
-    <dgm:sp3d/>
-    <dgm:txPr/>
-    <dgm:style>
-      <a:lnRef idx="2">
-        <a:scrgbClr r="0" g="0" b="0"/>
-      </a:lnRef>
-      <a:fillRef idx="1">
-        <a:scrgbClr r="0" g="0" b="0"/>
-      </a:fillRef>
-      <a:effectRef idx="0">
-        <a:scrgbClr r="0" g="0" b="0"/>
-      </a:effectRef>
-      <a:fontRef idx="minor"/>
-    </dgm:style>
-  </dgm:styleLbl>
-  <dgm:styleLbl name="fgAccFollowNode1">
-    <dgm:scene3d>
-      <a:camera prst="orthographicFront"/>
-      <a:lightRig rig="threePt" dir="t"/>
-    </dgm:scene3d>
-    <dgm:sp3d/>
-    <dgm:txPr/>
-    <dgm:style>
-      <a:lnRef idx="2">
-        <a:scrgbClr r="0" g="0" b="0"/>
-      </a:lnRef>
-      <a:fillRef idx="1">
-        <a:scrgbClr r="0" g="0" b="0"/>
-      </a:fillRef>
-      <a:effectRef idx="0">
-        <a:scrgbClr r="0" g="0" b="0"/>
-      </a:effectRef>
-      <a:fontRef idx="minor"/>
-    </dgm:style>
-  </dgm:styleLbl>
-  <dgm:styleLbl name="alignAccFollowNode1">
-    <dgm:scene3d>
-      <a:camera prst="orthographicFront"/>
-      <a:lightRig rig="threePt" dir="t"/>
-    </dgm:scene3d>
-    <dgm:sp3d/>
-    <dgm:txPr/>
-    <dgm:style>
-      <a:lnRef idx="2">
-        <a:scrgbClr r="0" g="0" b="0"/>
-      </a:lnRef>
-      <a:fillRef idx="1">
-        <a:scrgbClr r="0" g="0" b="0"/>
-      </a:fillRef>
-      <a:effectRef idx="0">
-        <a:scrgbClr r="0" g="0" b="0"/>
-      </a:effectRef>
-      <a:fontRef idx="minor"/>
-    </dgm:style>
-  </dgm:styleLbl>
-  <dgm:styleLbl name="bgAccFollowNode1">
-    <dgm:scene3d>
-      <a:camera prst="orthographicFront"/>
-      <a:lightRig rig="threePt" dir="t"/>
-    </dgm:scene3d>
-    <dgm:sp3d/>
-    <dgm:txPr/>
-    <dgm:style>
-      <a:lnRef idx="2">
-        <a:scrgbClr r="0" g="0" b="0"/>
-      </a:lnRef>
-      <a:fillRef idx="1">
-        <a:scrgbClr r="0" g="0" b="0"/>
-      </a:fillRef>
-      <a:effectRef idx="0">
-        <a:scrgbClr r="0" g="0" b="0"/>
-      </a:effectRef>
-      <a:fontRef idx="minor"/>
-    </dgm:style>
-  </dgm:styleLbl>
-  <dgm:styleLbl name="fgAcc0">
-    <dgm:scene3d>
-      <a:camera prst="orthographicFront"/>
-      <a:lightRig rig="threePt" dir="t"/>
-    </dgm:scene3d>
-    <dgm:sp3d/>
-    <dgm:txPr/>
-    <dgm:style>
-      <a:lnRef idx="2">
-        <a:scrgbClr r="0" g="0" b="0"/>
-      </a:lnRef>
-      <a:fillRef idx="1">
-        <a:scrgbClr r="0" g="0" b="0"/>
-      </a:fillRef>
-      <a:effectRef idx="0">
-        <a:scrgbClr r="0" g="0" b="0"/>
-      </a:effectRef>
-      <a:fontRef idx="minor"/>
-    </dgm:style>
-  </dgm:styleLbl>
-  <dgm:styleLbl name="fgAcc2">
-    <dgm:scene3d>
-      <a:camera prst="orthographicFront"/>
-      <a:lightRig rig="threePt" dir="t"/>
-    </dgm:scene3d>
-    <dgm:sp3d/>
-    <dgm:txPr/>
-    <dgm:style>
-      <a:lnRef idx="2">
-        <a:scrgbClr r="0" g="0" b="0"/>
-      </a:lnRef>
-      <a:fillRef idx="1">
-        <a:scrgbClr r="0" g="0" b="0"/>
-      </a:fillRef>
-      <a:effectRef idx="0">
-        <a:scrgbClr r="0" g="0" b="0"/>
-      </a:effectRef>
-      <a:fontRef idx="minor"/>
-    </dgm:style>
-  </dgm:styleLbl>
-  <dgm:styleLbl name="fgAcc3">
-    <dgm:scene3d>
-      <a:camera prst="orthographicFront"/>
-      <a:lightRig rig="threePt" dir="t"/>
-    </dgm:scene3d>
-    <dgm:sp3d/>
-    <dgm:txPr/>
-    <dgm:style>
-      <a:lnRef idx="2">
-        <a:scrgbClr r="0" g="0" b="0"/>
-      </a:lnRef>
-      <a:fillRef idx="1">
-        <a:scrgbClr r="0" g="0" b="0"/>
-      </a:fillRef>
-      <a:effectRef idx="0">
-        <a:scrgbClr r="0" g="0" b="0"/>
-      </a:effectRef>
-      <a:fontRef idx="minor"/>
-    </dgm:style>
-  </dgm:styleLbl>
-  <dgm:styleLbl name="fgAcc4">
-    <dgm:scene3d>
-      <a:camera prst="orthographicFront"/>
-      <a:lightRig rig="threePt" dir="t"/>
-    </dgm:scene3d>
-    <dgm:sp3d/>
-    <dgm:txPr/>
-    <dgm:style>
-      <a:lnRef idx="2">
-        <a:scrgbClr r="0" g="0" b="0"/>
-      </a:lnRef>
-      <a:fillRef idx="1">
-        <a:scrgbClr r="0" g="0" b="0"/>
-      </a:fillRef>
-      <a:effectRef idx="0">
-        <a:scrgbClr r="0" g="0" b="0"/>
-      </a:effectRef>
-      <a:fontRef idx="minor"/>
-    </dgm:style>
-  </dgm:styleLbl>
-  <dgm:styleLbl name="bgShp">
-    <dgm:scene3d>
-      <a:camera prst="orthographicFront"/>
-      <a:lightRig rig="threePt" dir="t"/>
-    </dgm:scene3d>
-    <dgm:sp3d/>
-    <dgm:txPr/>
-    <dgm:style>
-      <a:lnRef idx="0">
-        <a:scrgbClr r="0" g="0" b="0"/>
-      </a:lnRef>
-      <a:fillRef idx="1">
-        <a:scrgbClr r="0" g="0" b="0"/>
-      </a:fillRef>
-      <a:effectRef idx="0">
-        <a:scrgbClr r="0" g="0" b="0"/>
-      </a:effectRef>
-      <a:fontRef idx="minor"/>
-    </dgm:style>
-  </dgm:styleLbl>
-  <dgm:styleLbl name="dkBgShp">
-    <dgm:scene3d>
-      <a:camera prst="orthographicFront"/>
-      <a:lightRig rig="threePt" dir="t"/>
-    </dgm:scene3d>
-    <dgm:sp3d/>
-    <dgm:txPr/>
-    <dgm:style>
-      <a:lnRef idx="0">
-        <a:scrgbClr r="0" g="0" b="0"/>
-      </a:lnRef>
-      <a:fillRef idx="1">
-        <a:scrgbClr r="0" g="0" b="0"/>
-      </a:fillRef>
-      <a:effectRef idx="0">
-        <a:scrgbClr r="0" g="0" b="0"/>
-      </a:effectRef>
-      <a:fontRef idx="minor"/>
-    </dgm:style>
-  </dgm:styleLbl>
-  <dgm:styleLbl name="trBgShp">
-    <dgm:scene3d>
-      <a:camera prst="orthographicFront"/>
-      <a:lightRig rig="threePt" dir="t"/>
-    </dgm:scene3d>
-    <dgm:sp3d/>
-    <dgm:txPr/>
-    <dgm:style>
-      <a:lnRef idx="0">
-        <a:scrgbClr r="0" g="0" b="0"/>
-      </a:lnRef>
-      <a:fillRef idx="1">
-        <a:scrgbClr r="0" g="0" b="0"/>
-      </a:fillRef>
-      <a:effectRef idx="0">
-        <a:scrgbClr r="0" g="0" b="0"/>
-      </a:effectRef>
-      <a:fontRef idx="minor"/>
-    </dgm:style>
-  </dgm:styleLbl>
-  <dgm:styleLbl name="fgShp">
-    <dgm:scene3d>
-      <a:camera prst="orthographicFront"/>
-      <a:lightRig rig="threePt" dir="t"/>
-    </dgm:scene3d>
-    <dgm:sp3d/>
-    <dgm:txPr/>
-    <dgm:style>
-      <a:lnRef idx="2">
-        <a:scrgbClr r="0" g="0" b="0"/>
-      </a:lnRef>
-      <a:fillRef idx="1">
-        <a:scrgbClr r="0" g="0" b="0"/>
-      </a:fillRef>
-      <a:effectRef idx="0">
-        <a:scrgbClr r="0" g="0" b="0"/>
-      </a:effectRef>
-      <a:fontRef idx="minor"/>
-    </dgm:style>
-  </dgm:styleLbl>
-  <dgm:styleLbl name="revTx">
-    <dgm:scene3d>
-      <a:camera prst="orthographicFront"/>
-      <a:lightRig rig="threePt" dir="t"/>
-    </dgm:scene3d>
-    <dgm:sp3d/>
-    <dgm:txPr/>
-    <dgm:style>
-      <a:lnRef idx="0">
-        <a:scrgbClr r="0" g="0" b="0"/>
-      </a:lnRef>
-      <a:fillRef idx="0">
-        <a:scrgbClr r="0" g="0" b="0"/>
-      </a:fillRef>
-      <a:effectRef idx="0">
-        <a:scrgbClr r="0" g="0" b="0"/>
-      </a:effectRef>
-      <a:fontRef idx="minor"/>
-    </dgm:style>
-  </dgm:styleLbl>
-</dgm:styleDef>
-</file>
-
 <file path=ppt/slideLayouts/slideLayout1.xml><?xml version="1.0" encoding="utf-8"?>
 <p:sldLayout xmlns:a="http://schemas.openxmlformats.org/drawingml/2006/main" xmlns:r="http://schemas.openxmlformats.org/officeDocument/2006/relationships" xmlns:p="http://schemas.openxmlformats.org/presentationml/2006/main" showMasterSp="0" type="title" preserve="1">
   <p:cSld name="Титульный слайд">
@@ -4513,7 +1326,7 @@
           <a:p>
             <a:fld id="{2E9D0A29-368F-4A33-B1F4-0EF4ACC5C815}" type="datetimeFigureOut">
               <a:rPr lang="en-GB" smtClean="0"/>
-              <a:t>10/11/2021</a:t>
+              <a:t>12/11/2021</a:t>
             </a:fld>
             <a:endParaRPr lang="en-GB"/>
           </a:p>
@@ -4632,7 +1445,7 @@
     </p:spTree>
     <p:extLst>
       <p:ext uri="{BB962C8B-B14F-4D97-AF65-F5344CB8AC3E}">
-        <p14:creationId xmlns:p14="http://schemas.microsoft.com/office/powerpoint/2010/main" val="3491384288"/>
+        <p14:creationId xmlns:p14="http://schemas.microsoft.com/office/powerpoint/2010/main" val="366513098"/>
       </p:ext>
     </p:extLst>
   </p:cSld>
@@ -4751,7 +1564,7 @@
           <a:p>
             <a:fld id="{2E9D0A29-368F-4A33-B1F4-0EF4ACC5C815}" type="datetimeFigureOut">
               <a:rPr lang="en-GB" smtClean="0"/>
-              <a:t>10/11/2021</a:t>
+              <a:t>12/11/2021</a:t>
             </a:fld>
             <a:endParaRPr lang="en-GB"/>
           </a:p>
@@ -4802,7 +1615,7 @@
     </p:spTree>
     <p:extLst>
       <p:ext uri="{BB962C8B-B14F-4D97-AF65-F5344CB8AC3E}">
-        <p14:creationId xmlns:p14="http://schemas.microsoft.com/office/powerpoint/2010/main" val="1064442700"/>
+        <p14:creationId xmlns:p14="http://schemas.microsoft.com/office/powerpoint/2010/main" val="903512428"/>
       </p:ext>
     </p:extLst>
   </p:cSld>
@@ -4931,7 +1744,7 @@
           <a:p>
             <a:fld id="{2E9D0A29-368F-4A33-B1F4-0EF4ACC5C815}" type="datetimeFigureOut">
               <a:rPr lang="en-GB" smtClean="0"/>
-              <a:t>10/11/2021</a:t>
+              <a:t>12/11/2021</a:t>
             </a:fld>
             <a:endParaRPr lang="en-GB"/>
           </a:p>
@@ -4982,7 +1795,7 @@
     </p:spTree>
     <p:extLst>
       <p:ext uri="{BB962C8B-B14F-4D97-AF65-F5344CB8AC3E}">
-        <p14:creationId xmlns:p14="http://schemas.microsoft.com/office/powerpoint/2010/main" val="1970307896"/>
+        <p14:creationId xmlns:p14="http://schemas.microsoft.com/office/powerpoint/2010/main" val="309511976"/>
       </p:ext>
     </p:extLst>
   </p:cSld>
@@ -5101,7 +1914,7 @@
           <a:p>
             <a:fld id="{2E9D0A29-368F-4A33-B1F4-0EF4ACC5C815}" type="datetimeFigureOut">
               <a:rPr lang="en-GB" smtClean="0"/>
-              <a:t>10/11/2021</a:t>
+              <a:t>12/11/2021</a:t>
             </a:fld>
             <a:endParaRPr lang="en-GB"/>
           </a:p>
@@ -5152,7 +1965,7 @@
     </p:spTree>
     <p:extLst>
       <p:ext uri="{BB962C8B-B14F-4D97-AF65-F5344CB8AC3E}">
-        <p14:creationId xmlns:p14="http://schemas.microsoft.com/office/powerpoint/2010/main" val="3870307770"/>
+        <p14:creationId xmlns:p14="http://schemas.microsoft.com/office/powerpoint/2010/main" val="344702191"/>
       </p:ext>
     </p:extLst>
   </p:cSld>
@@ -5377,7 +2190,7 @@
           <a:p>
             <a:fld id="{2E9D0A29-368F-4A33-B1F4-0EF4ACC5C815}" type="datetimeFigureOut">
               <a:rPr lang="en-GB" smtClean="0"/>
-              <a:t>10/11/2021</a:t>
+              <a:t>12/11/2021</a:t>
             </a:fld>
             <a:endParaRPr lang="en-GB"/>
           </a:p>
@@ -6397,7 +3210,7 @@
     </p:spTree>
     <p:extLst>
       <p:ext uri="{BB962C8B-B14F-4D97-AF65-F5344CB8AC3E}">
-        <p14:creationId xmlns:p14="http://schemas.microsoft.com/office/powerpoint/2010/main" val="1894295032"/>
+        <p14:creationId xmlns:p14="http://schemas.microsoft.com/office/powerpoint/2010/main" val="1227367449"/>
       </p:ext>
     </p:extLst>
   </p:cSld>
@@ -6578,7 +3391,7 @@
           <a:p>
             <a:fld id="{2E9D0A29-368F-4A33-B1F4-0EF4ACC5C815}" type="datetimeFigureOut">
               <a:rPr lang="en-GB" smtClean="0"/>
-              <a:t>10/11/2021</a:t>
+              <a:t>12/11/2021</a:t>
             </a:fld>
             <a:endParaRPr lang="en-GB"/>
           </a:p>
@@ -6629,7 +3442,7 @@
     </p:spTree>
     <p:extLst>
       <p:ext uri="{BB962C8B-B14F-4D97-AF65-F5344CB8AC3E}">
-        <p14:creationId xmlns:p14="http://schemas.microsoft.com/office/powerpoint/2010/main" val="425070152"/>
+        <p14:creationId xmlns:p14="http://schemas.microsoft.com/office/powerpoint/2010/main" val="3038387145"/>
       </p:ext>
     </p:extLst>
   </p:cSld>
@@ -6968,7 +3781,7 @@
           <a:p>
             <a:fld id="{2E9D0A29-368F-4A33-B1F4-0EF4ACC5C815}" type="datetimeFigureOut">
               <a:rPr lang="en-GB" smtClean="0"/>
-              <a:t>10/11/2021</a:t>
+              <a:t>12/11/2021</a:t>
             </a:fld>
             <a:endParaRPr lang="en-GB"/>
           </a:p>
@@ -7019,7 +3832,7 @@
     </p:spTree>
     <p:extLst>
       <p:ext uri="{BB962C8B-B14F-4D97-AF65-F5344CB8AC3E}">
-        <p14:creationId xmlns:p14="http://schemas.microsoft.com/office/powerpoint/2010/main" val="3268936514"/>
+        <p14:creationId xmlns:p14="http://schemas.microsoft.com/office/powerpoint/2010/main" val="3623492212"/>
       </p:ext>
     </p:extLst>
   </p:cSld>
@@ -7091,7 +3904,7 @@
           <a:p>
             <a:fld id="{2E9D0A29-368F-4A33-B1F4-0EF4ACC5C815}" type="datetimeFigureOut">
               <a:rPr lang="en-GB" smtClean="0"/>
-              <a:t>10/11/2021</a:t>
+              <a:t>12/11/2021</a:t>
             </a:fld>
             <a:endParaRPr lang="en-GB"/>
           </a:p>
@@ -7142,7 +3955,7 @@
     </p:spTree>
     <p:extLst>
       <p:ext uri="{BB962C8B-B14F-4D97-AF65-F5344CB8AC3E}">
-        <p14:creationId xmlns:p14="http://schemas.microsoft.com/office/powerpoint/2010/main" val="342847151"/>
+        <p14:creationId xmlns:p14="http://schemas.microsoft.com/office/powerpoint/2010/main" val="3363200788"/>
       </p:ext>
     </p:extLst>
   </p:cSld>
@@ -7186,7 +3999,7 @@
           <a:p>
             <a:fld id="{2E9D0A29-368F-4A33-B1F4-0EF4ACC5C815}" type="datetimeFigureOut">
               <a:rPr lang="en-GB" smtClean="0"/>
-              <a:t>10/11/2021</a:t>
+              <a:t>12/11/2021</a:t>
             </a:fld>
             <a:endParaRPr lang="en-GB"/>
           </a:p>
@@ -7237,7 +4050,7 @@
     </p:spTree>
     <p:extLst>
       <p:ext uri="{BB962C8B-B14F-4D97-AF65-F5344CB8AC3E}">
-        <p14:creationId xmlns:p14="http://schemas.microsoft.com/office/powerpoint/2010/main" val="352125655"/>
+        <p14:creationId xmlns:p14="http://schemas.microsoft.com/office/powerpoint/2010/main" val="1940209821"/>
       </p:ext>
     </p:extLst>
   </p:cSld>
@@ -7949,7 +4762,7 @@
           <a:p>
             <a:fld id="{2E9D0A29-368F-4A33-B1F4-0EF4ACC5C815}" type="datetimeFigureOut">
               <a:rPr lang="en-GB" smtClean="0"/>
-              <a:t>10/11/2021</a:t>
+              <a:t>12/11/2021</a:t>
             </a:fld>
             <a:endParaRPr lang="en-GB"/>
           </a:p>
@@ -8048,7 +4861,7 @@
     </p:spTree>
     <p:extLst>
       <p:ext uri="{BB962C8B-B14F-4D97-AF65-F5344CB8AC3E}">
-        <p14:creationId xmlns:p14="http://schemas.microsoft.com/office/powerpoint/2010/main" val="2068897351"/>
+        <p14:creationId xmlns:p14="http://schemas.microsoft.com/office/powerpoint/2010/main" val="1870135125"/>
       </p:ext>
     </p:extLst>
   </p:cSld>
@@ -8789,7 +5602,7 @@
           <a:p>
             <a:fld id="{2E9D0A29-368F-4A33-B1F4-0EF4ACC5C815}" type="datetimeFigureOut">
               <a:rPr lang="en-GB" smtClean="0"/>
-              <a:t>10/11/2021</a:t>
+              <a:t>12/11/2021</a:t>
             </a:fld>
             <a:endParaRPr lang="en-GB"/>
           </a:p>
@@ -8850,7 +5663,7 @@
     </p:spTree>
     <p:extLst>
       <p:ext uri="{BB962C8B-B14F-4D97-AF65-F5344CB8AC3E}">
-        <p14:creationId xmlns:p14="http://schemas.microsoft.com/office/powerpoint/2010/main" val="2909101344"/>
+        <p14:creationId xmlns:p14="http://schemas.microsoft.com/office/powerpoint/2010/main" val="1877896461"/>
       </p:ext>
     </p:extLst>
   </p:cSld>
@@ -9016,7 +5829,7 @@
           <a:p>
             <a:fld id="{2E9D0A29-368F-4A33-B1F4-0EF4ACC5C815}" type="datetimeFigureOut">
               <a:rPr lang="en-GB" smtClean="0"/>
-              <a:t>10/11/2021</a:t>
+              <a:t>12/11/2021</a:t>
             </a:fld>
             <a:endParaRPr lang="en-GB"/>
           </a:p>
@@ -9607,23 +6420,23 @@
     </p:spTree>
     <p:extLst>
       <p:ext uri="{BB962C8B-B14F-4D97-AF65-F5344CB8AC3E}">
-        <p14:creationId xmlns:p14="http://schemas.microsoft.com/office/powerpoint/2010/main" val="470891462"/>
+        <p14:creationId xmlns:p14="http://schemas.microsoft.com/office/powerpoint/2010/main" val="1320670182"/>
       </p:ext>
     </p:extLst>
   </p:cSld>
   <p:clrMap bg1="lt1" tx1="dk1" bg2="lt2" tx2="dk2" accent1="accent1" accent2="accent2" accent3="accent3" accent4="accent4" accent5="accent5" accent6="accent6" hlink="hlink" folHlink="folHlink"/>
   <p:sldLayoutIdLst>
-    <p:sldLayoutId id="2147483691" r:id="rId1"/>
-    <p:sldLayoutId id="2147483692" r:id="rId2"/>
-    <p:sldLayoutId id="2147483693" r:id="rId3"/>
-    <p:sldLayoutId id="2147483694" r:id="rId4"/>
-    <p:sldLayoutId id="2147483695" r:id="rId5"/>
-    <p:sldLayoutId id="2147483696" r:id="rId6"/>
-    <p:sldLayoutId id="2147483697" r:id="rId7"/>
-    <p:sldLayoutId id="2147483698" r:id="rId8"/>
-    <p:sldLayoutId id="2147483699" r:id="rId9"/>
-    <p:sldLayoutId id="2147483700" r:id="rId10"/>
-    <p:sldLayoutId id="2147483701" r:id="rId11"/>
+    <p:sldLayoutId id="2147483703" r:id="rId1"/>
+    <p:sldLayoutId id="2147483704" r:id="rId2"/>
+    <p:sldLayoutId id="2147483705" r:id="rId3"/>
+    <p:sldLayoutId id="2147483706" r:id="rId4"/>
+    <p:sldLayoutId id="2147483707" r:id="rId5"/>
+    <p:sldLayoutId id="2147483708" r:id="rId6"/>
+    <p:sldLayoutId id="2147483709" r:id="rId7"/>
+    <p:sldLayoutId id="2147483710" r:id="rId8"/>
+    <p:sldLayoutId id="2147483711" r:id="rId9"/>
+    <p:sldLayoutId id="2147483712" r:id="rId10"/>
+    <p:sldLayoutId id="2147483713" r:id="rId11"/>
   </p:sldLayoutIdLst>
   <p:txStyles>
     <p:titleStyle>
@@ -10105,6 +6918,375 @@
           </a:p>
         </p:txBody>
       </p:sp>
+      <p:sp>
+        <p:nvSpPr>
+          <p:cNvPr id="4" name="TextBox 3">
+            <a:extLst>
+              <a:ext uri="{FF2B5EF4-FFF2-40B4-BE49-F238E27FC236}">
+                <a16:creationId xmlns:a16="http://schemas.microsoft.com/office/drawing/2014/main" id="{D8E83916-3F37-44CB-9B56-C6DDACBCF498}"/>
+              </a:ext>
+            </a:extLst>
+          </p:cNvPr>
+          <p:cNvSpPr txBox="1"/>
+          <p:nvPr/>
+        </p:nvSpPr>
+        <p:spPr>
+          <a:xfrm>
+            <a:off x="195125" y="5567972"/>
+            <a:ext cx="4281813" cy="1754326"/>
+          </a:xfrm>
+          <a:prstGeom prst="rect">
+            <a:avLst/>
+          </a:prstGeom>
+          <a:noFill/>
+        </p:spPr>
+        <p:txBody>
+          <a:bodyPr wrap="none" rtlCol="0">
+            <a:spAutoFit/>
+          </a:bodyPr>
+          <a:lstStyle/>
+          <a:p>
+            <a:pPr algn="ctr" rtl="0">
+              <a:spcBef>
+                <a:spcPts val="0"/>
+              </a:spcBef>
+              <a:spcAft>
+                <a:spcPts val="0"/>
+              </a:spcAft>
+            </a:pPr>
+            <a:r>
+              <a:rPr lang="ru-RU" sz="1800" b="0" i="0" u="none" strike="noStrike" dirty="0">
+                <a:solidFill>
+                  <a:schemeClr val="bg1"/>
+                </a:solidFill>
+                <a:effectLst/>
+                <a:latin typeface="Arial" panose="020B0604020202020204" pitchFamily="34" charset="0"/>
+              </a:rPr>
+              <a:t>Студент: </a:t>
+            </a:r>
+            <a:r>
+              <a:rPr lang="ru-RU" b="0" i="0" dirty="0">
+                <a:solidFill>
+                  <a:schemeClr val="bg1"/>
+                </a:solidFill>
+                <a:effectLst/>
+                <a:latin typeface="Segoe UI" panose="020B0502040204020203" pitchFamily="34" charset="0"/>
+              </a:rPr>
+              <a:t>Маммедзаде Али Джалал</a:t>
+            </a:r>
+            <a:endParaRPr lang="en-US" b="0" i="0" dirty="0">
+              <a:solidFill>
+                <a:schemeClr val="bg1"/>
+              </a:solidFill>
+              <a:effectLst/>
+              <a:latin typeface="Segoe UI" panose="020B0502040204020203" pitchFamily="34" charset="0"/>
+            </a:endParaRPr>
+          </a:p>
+          <a:p>
+            <a:pPr algn="ctr" rtl="0">
+              <a:spcBef>
+                <a:spcPts val="0"/>
+              </a:spcBef>
+              <a:spcAft>
+                <a:spcPts val="0"/>
+              </a:spcAft>
+            </a:pPr>
+            <a:r>
+              <a:rPr lang="ru-RU" sz="1800" b="0" i="0" u="none" strike="noStrike" dirty="0">
+                <a:solidFill>
+                  <a:schemeClr val="bg1"/>
+                </a:solidFill>
+                <a:effectLst/>
+                <a:latin typeface="Arial" panose="020B0604020202020204" pitchFamily="34" charset="0"/>
+              </a:rPr>
+              <a:t>Группа: WEWA_12011_ru</a:t>
+            </a:r>
+            <a:endParaRPr lang="ru-RU" b="0" dirty="0">
+              <a:solidFill>
+                <a:schemeClr val="bg1"/>
+              </a:solidFill>
+              <a:effectLst/>
+            </a:endParaRPr>
+          </a:p>
+          <a:p>
+            <a:pPr algn="ctr" rtl="0">
+              <a:spcBef>
+                <a:spcPts val="0"/>
+              </a:spcBef>
+              <a:spcAft>
+                <a:spcPts val="0"/>
+              </a:spcAft>
+            </a:pPr>
+            <a:r>
+              <a:rPr lang="ru-RU" sz="1800" b="0" i="0" u="none" strike="noStrike" dirty="0">
+                <a:solidFill>
+                  <a:schemeClr val="bg1"/>
+                </a:solidFill>
+                <a:effectLst/>
+                <a:latin typeface="Arial" panose="020B0604020202020204" pitchFamily="34" charset="0"/>
+              </a:rPr>
+              <a:t>Факультет: Front-</a:t>
+            </a:r>
+            <a:r>
+              <a:rPr lang="ru-RU" sz="1800" b="0" i="0" u="none" strike="noStrike" dirty="0" err="1">
+                <a:solidFill>
+                  <a:schemeClr val="bg1"/>
+                </a:solidFill>
+                <a:effectLst/>
+                <a:latin typeface="Arial" panose="020B0604020202020204" pitchFamily="34" charset="0"/>
+              </a:rPr>
+              <a:t>end</a:t>
+            </a:r>
+            <a:r>
+              <a:rPr lang="ru-RU" sz="1800" b="0" i="0" u="none" strike="noStrike" dirty="0">
+                <a:solidFill>
+                  <a:schemeClr val="bg1"/>
+                </a:solidFill>
+                <a:effectLst/>
+                <a:latin typeface="Arial" panose="020B0604020202020204" pitchFamily="34" charset="0"/>
+              </a:rPr>
+              <a:t> разработка</a:t>
+            </a:r>
+            <a:endParaRPr lang="ru-RU" b="0" dirty="0">
+              <a:solidFill>
+                <a:schemeClr val="bg1"/>
+              </a:solidFill>
+              <a:effectLst/>
+            </a:endParaRPr>
+          </a:p>
+          <a:p>
+            <a:pPr algn="ctr" rtl="0">
+              <a:spcBef>
+                <a:spcPts val="0"/>
+              </a:spcBef>
+              <a:spcAft>
+                <a:spcPts val="0"/>
+              </a:spcAft>
+            </a:pPr>
+            <a:r>
+              <a:rPr lang="ru-RU" sz="1800" b="0" i="0" u="none" strike="noStrike" dirty="0">
+                <a:solidFill>
+                  <a:schemeClr val="bg1"/>
+                </a:solidFill>
+                <a:effectLst/>
+                <a:latin typeface="Arial" panose="020B0604020202020204" pitchFamily="34" charset="0"/>
+              </a:rPr>
+              <a:t>Преподаватель: </a:t>
+            </a:r>
+            <a:r>
+              <a:rPr lang="ru-RU" sz="1800" b="0" i="0" u="none" strike="noStrike" dirty="0" err="1">
+                <a:solidFill>
+                  <a:schemeClr val="bg1"/>
+                </a:solidFill>
+                <a:effectLst/>
+                <a:latin typeface="Arial" panose="020B0604020202020204" pitchFamily="34" charset="0"/>
+              </a:rPr>
+              <a:t>Вахид</a:t>
+            </a:r>
+            <a:r>
+              <a:rPr lang="ru-RU" sz="1800" b="0" i="0" u="none" strike="noStrike" dirty="0">
+                <a:solidFill>
+                  <a:schemeClr val="bg1"/>
+                </a:solidFill>
+                <a:effectLst/>
+                <a:latin typeface="Arial" panose="020B0604020202020204" pitchFamily="34" charset="0"/>
+              </a:rPr>
+              <a:t> </a:t>
+            </a:r>
+            <a:r>
+              <a:rPr lang="ru-RU" sz="1800" b="0" i="0" u="none" strike="noStrike" dirty="0" err="1">
+                <a:solidFill>
+                  <a:schemeClr val="bg1"/>
+                </a:solidFill>
+                <a:effectLst/>
+                <a:latin typeface="Arial" panose="020B0604020202020204" pitchFamily="34" charset="0"/>
+              </a:rPr>
+              <a:t>Гасымов</a:t>
+            </a:r>
+            <a:endParaRPr lang="ru-RU" b="0" dirty="0">
+              <a:solidFill>
+                <a:schemeClr val="bg1"/>
+              </a:solidFill>
+              <a:effectLst/>
+            </a:endParaRPr>
+          </a:p>
+          <a:p>
+            <a:br>
+              <a:rPr lang="ru-RU" dirty="0"/>
+            </a:br>
+            <a:endParaRPr lang="en-GB" dirty="0"/>
+          </a:p>
+        </p:txBody>
+      </p:sp>
+      <p:sp>
+        <p:nvSpPr>
+          <p:cNvPr id="6" name="TextBox 5">
+            <a:extLst>
+              <a:ext uri="{FF2B5EF4-FFF2-40B4-BE49-F238E27FC236}">
+                <a16:creationId xmlns:a16="http://schemas.microsoft.com/office/drawing/2014/main" id="{E1EE3B31-58F3-4F19-B577-F6E70E938641}"/>
+              </a:ext>
+            </a:extLst>
+          </p:cNvPr>
+          <p:cNvSpPr txBox="1"/>
+          <p:nvPr/>
+        </p:nvSpPr>
+        <p:spPr>
+          <a:xfrm>
+            <a:off x="4326466" y="1817700"/>
+            <a:ext cx="6096000" cy="523220"/>
+          </a:xfrm>
+          <a:prstGeom prst="rect">
+            <a:avLst/>
+          </a:prstGeom>
+          <a:noFill/>
+        </p:spPr>
+        <p:txBody>
+          <a:bodyPr wrap="square">
+            <a:spAutoFit/>
+          </a:bodyPr>
+          <a:lstStyle/>
+          <a:p>
+            <a:r>
+              <a:rPr lang="ru-RU" sz="2800" b="0" dirty="0">
+                <a:solidFill>
+                  <a:schemeClr val="tx1">
+                    <a:lumMod val="85000"/>
+                    <a:lumOff val="15000"/>
+                  </a:schemeClr>
+                </a:solidFill>
+                <a:effectLst/>
+                <a:latin typeface="+mj-lt"/>
+              </a:rPr>
+              <a:t>Магазин Скейтбордов</a:t>
+            </a:r>
+            <a:endParaRPr lang="en-GB" sz="2800" dirty="0">
+              <a:latin typeface="+mj-lt"/>
+            </a:endParaRPr>
+          </a:p>
+        </p:txBody>
+      </p:sp>
+      <p:sp>
+        <p:nvSpPr>
+          <p:cNvPr id="8" name="TextBox 7">
+            <a:extLst>
+              <a:ext uri="{FF2B5EF4-FFF2-40B4-BE49-F238E27FC236}">
+                <a16:creationId xmlns:a16="http://schemas.microsoft.com/office/drawing/2014/main" id="{0612B61F-D39C-458A-BCFD-DB3B90BC4F6B}"/>
+              </a:ext>
+            </a:extLst>
+          </p:cNvPr>
+          <p:cNvSpPr txBox="1"/>
+          <p:nvPr/>
+        </p:nvSpPr>
+        <p:spPr>
+          <a:xfrm>
+            <a:off x="9007174" y="5569510"/>
+            <a:ext cx="2989701" cy="923330"/>
+          </a:xfrm>
+          <a:prstGeom prst="rect">
+            <a:avLst/>
+          </a:prstGeom>
+          <a:noFill/>
+        </p:spPr>
+        <p:txBody>
+          <a:bodyPr wrap="square">
+            <a:spAutoFit/>
+          </a:bodyPr>
+          <a:lstStyle/>
+          <a:p>
+            <a:r>
+              <a:rPr lang="ru-RU" sz="1800" b="0" i="0" u="none" strike="noStrike" dirty="0">
+                <a:solidFill>
+                  <a:schemeClr val="bg1"/>
+                </a:solidFill>
+                <a:effectLst/>
+                <a:latin typeface="Arial" panose="020B0604020202020204" pitchFamily="34" charset="0"/>
+              </a:rPr>
+              <a:t>Мои контакты:</a:t>
+            </a:r>
+          </a:p>
+          <a:p>
+            <a:r>
+              <a:rPr lang="ru-RU" dirty="0">
+                <a:solidFill>
+                  <a:schemeClr val="bg1"/>
+                </a:solidFill>
+                <a:latin typeface="Arial" panose="020B0604020202020204" pitchFamily="34" charset="0"/>
+              </a:rPr>
+              <a:t>(077)</a:t>
+            </a:r>
+            <a:r>
+              <a:rPr lang="ru-RU" sz="1800" b="0" i="0" u="none" strike="noStrike" dirty="0">
+                <a:solidFill>
+                  <a:schemeClr val="bg1"/>
+                </a:solidFill>
+                <a:effectLst/>
+                <a:latin typeface="Arial" panose="020B0604020202020204" pitchFamily="34" charset="0"/>
+              </a:rPr>
+              <a:t> 311-58-11</a:t>
+            </a:r>
+          </a:p>
+          <a:p>
+            <a:r>
+              <a:rPr lang="en-US" dirty="0">
+                <a:solidFill>
+                  <a:schemeClr val="bg1"/>
+                </a:solidFill>
+                <a:latin typeface="Arial" panose="020B0604020202020204" pitchFamily="34" charset="0"/>
+              </a:rPr>
+              <a:t>interestingali.1@gmail.com</a:t>
+            </a:r>
+            <a:endParaRPr lang="en-GB" dirty="0">
+              <a:solidFill>
+                <a:schemeClr val="bg1"/>
+              </a:solidFill>
+            </a:endParaRPr>
+          </a:p>
+        </p:txBody>
+      </p:sp>
+      <p:sp>
+        <p:nvSpPr>
+          <p:cNvPr id="9" name="Правая фигурная скобка 8">
+            <a:extLst>
+              <a:ext uri="{FF2B5EF4-FFF2-40B4-BE49-F238E27FC236}">
+                <a16:creationId xmlns:a16="http://schemas.microsoft.com/office/drawing/2014/main" id="{101314B9-7829-4552-89BC-79933A048715}"/>
+              </a:ext>
+            </a:extLst>
+          </p:cNvPr>
+          <p:cNvSpPr/>
+          <p:nvPr/>
+        </p:nvSpPr>
+        <p:spPr>
+          <a:xfrm>
+            <a:off x="10260416" y="897467"/>
+            <a:ext cx="957917" cy="1642533"/>
+          </a:xfrm>
+          <a:prstGeom prst="rightBrace">
+            <a:avLst/>
+          </a:prstGeom>
+        </p:spPr>
+        <p:style>
+          <a:lnRef idx="1">
+            <a:schemeClr val="accent1"/>
+          </a:lnRef>
+          <a:fillRef idx="0">
+            <a:schemeClr val="accent1"/>
+          </a:fillRef>
+          <a:effectRef idx="0">
+            <a:schemeClr val="accent1"/>
+          </a:effectRef>
+          <a:fontRef idx="minor">
+            <a:schemeClr val="tx1"/>
+          </a:fontRef>
+        </p:style>
+        <p:txBody>
+          <a:bodyPr rtlCol="0" anchor="ctr"/>
+          <a:lstStyle/>
+          <a:p>
+            <a:pPr algn="ctr"/>
+            <a:endParaRPr lang="en-GB"/>
+          </a:p>
+        </p:txBody>
+      </p:sp>
     </p:spTree>
     <p:extLst>
       <p:ext uri="{BB962C8B-B14F-4D97-AF65-F5344CB8AC3E}">
@@ -10155,1357 +7337,6 @@
           <a:chExt cx="0" cy="0"/>
         </a:xfrm>
       </p:grpSpPr>
-      <p:sp useBgFill="1">
-        <p:nvSpPr>
-          <p:cNvPr id="11" name="Rectangle 10">
-            <a:extLst>
-              <a:ext uri="{FF2B5EF4-FFF2-40B4-BE49-F238E27FC236}">
-                <a16:creationId xmlns:a16="http://schemas.microsoft.com/office/drawing/2014/main" id="{374BD3A9-25D1-4691-BE05-149182EC4C13}"/>
-              </a:ext>
-              <a:ext uri="{C183D7F6-B498-43B3-948B-1728B52AA6E4}">
-                <adec:decorative xmlns:adec="http://schemas.microsoft.com/office/drawing/2017/decorative" val="1"/>
-              </a:ext>
-            </a:extLst>
-          </p:cNvPr>
-          <p:cNvSpPr>
-            <a:spLocks noGrp="1" noRot="1" noChangeAspect="1" noMove="1" noResize="1" noEditPoints="1" noAdjustHandles="1" noChangeArrowheads="1" noChangeShapeType="1" noTextEdit="1"/>
-          </p:cNvSpPr>
-          <p:nvPr>
-            <p:extLst>
-              <p:ext uri="{386F3935-93C4-4BCD-93E2-E3B085C9AB24}">
-                <p16:designElem xmlns:p16="http://schemas.microsoft.com/office/powerpoint/2015/main" val="1"/>
-              </p:ext>
-            </p:extLst>
-          </p:nvPr>
-        </p:nvSpPr>
-        <p:spPr bwMode="white">
-          <a:xfrm>
-            <a:off x="0" y="0"/>
-            <a:ext cx="12192000" cy="6858000"/>
-          </a:xfrm>
-          <a:prstGeom prst="rect">
-            <a:avLst/>
-          </a:prstGeom>
-          <a:ln>
-            <a:noFill/>
-          </a:ln>
-        </p:spPr>
-        <p:style>
-          <a:lnRef idx="2">
-            <a:schemeClr val="accent1">
-              <a:shade val="50000"/>
-            </a:schemeClr>
-          </a:lnRef>
-          <a:fillRef idx="1">
-            <a:schemeClr val="accent1"/>
-          </a:fillRef>
-          <a:effectRef idx="0">
-            <a:schemeClr val="accent1"/>
-          </a:effectRef>
-          <a:fontRef idx="minor">
-            <a:schemeClr val="lt1"/>
-          </a:fontRef>
-        </p:style>
-        <p:txBody>
-          <a:bodyPr rot="0" spcFirstLastPara="0" vert="horz" wrap="square" lIns="91440" tIns="45720" rIns="91440" bIns="45720" numCol="1" spcCol="0" rtlCol="0" fromWordArt="0" anchor="ctr" anchorCtr="0" forceAA="0" compatLnSpc="1">
-            <a:prstTxWarp prst="textNoShape">
-              <a:avLst/>
-            </a:prstTxWarp>
-            <a:noAutofit/>
-          </a:bodyPr>
-          <a:lstStyle>
-            <a:defPPr>
-              <a:defRPr lang="en-US"/>
-            </a:defPPr>
-            <a:lvl1pPr marL="0" algn="l" defTabSz="914400" rtl="0" eaLnBrk="1" latinLnBrk="0" hangingPunct="1">
-              <a:defRPr sz="1800" kern="1200">
-                <a:solidFill>
-                  <a:schemeClr val="lt1"/>
-                </a:solidFill>
-                <a:latin typeface="+mn-lt"/>
-                <a:ea typeface="+mn-ea"/>
-                <a:cs typeface="+mn-cs"/>
-              </a:defRPr>
-            </a:lvl1pPr>
-            <a:lvl2pPr marL="457200" algn="l" defTabSz="914400" rtl="0" eaLnBrk="1" latinLnBrk="0" hangingPunct="1">
-              <a:defRPr sz="1800" kern="1200">
-                <a:solidFill>
-                  <a:schemeClr val="lt1"/>
-                </a:solidFill>
-                <a:latin typeface="+mn-lt"/>
-                <a:ea typeface="+mn-ea"/>
-                <a:cs typeface="+mn-cs"/>
-              </a:defRPr>
-            </a:lvl2pPr>
-            <a:lvl3pPr marL="914400" algn="l" defTabSz="914400" rtl="0" eaLnBrk="1" latinLnBrk="0" hangingPunct="1">
-              <a:defRPr sz="1800" kern="1200">
-                <a:solidFill>
-                  <a:schemeClr val="lt1"/>
-                </a:solidFill>
-                <a:latin typeface="+mn-lt"/>
-                <a:ea typeface="+mn-ea"/>
-                <a:cs typeface="+mn-cs"/>
-              </a:defRPr>
-            </a:lvl3pPr>
-            <a:lvl4pPr marL="1371600" algn="l" defTabSz="914400" rtl="0" eaLnBrk="1" latinLnBrk="0" hangingPunct="1">
-              <a:defRPr sz="1800" kern="1200">
-                <a:solidFill>
-                  <a:schemeClr val="lt1"/>
-                </a:solidFill>
-                <a:latin typeface="+mn-lt"/>
-                <a:ea typeface="+mn-ea"/>
-                <a:cs typeface="+mn-cs"/>
-              </a:defRPr>
-            </a:lvl4pPr>
-            <a:lvl5pPr marL="1828800" algn="l" defTabSz="914400" rtl="0" eaLnBrk="1" latinLnBrk="0" hangingPunct="1">
-              <a:defRPr sz="1800" kern="1200">
-                <a:solidFill>
-                  <a:schemeClr val="lt1"/>
-                </a:solidFill>
-                <a:latin typeface="+mn-lt"/>
-                <a:ea typeface="+mn-ea"/>
-                <a:cs typeface="+mn-cs"/>
-              </a:defRPr>
-            </a:lvl5pPr>
-            <a:lvl6pPr marL="2286000" algn="l" defTabSz="914400" rtl="0" eaLnBrk="1" latinLnBrk="0" hangingPunct="1">
-              <a:defRPr sz="1800" kern="1200">
-                <a:solidFill>
-                  <a:schemeClr val="lt1"/>
-                </a:solidFill>
-                <a:latin typeface="+mn-lt"/>
-                <a:ea typeface="+mn-ea"/>
-                <a:cs typeface="+mn-cs"/>
-              </a:defRPr>
-            </a:lvl6pPr>
-            <a:lvl7pPr marL="2743200" algn="l" defTabSz="914400" rtl="0" eaLnBrk="1" latinLnBrk="0" hangingPunct="1">
-              <a:defRPr sz="1800" kern="1200">
-                <a:solidFill>
-                  <a:schemeClr val="lt1"/>
-                </a:solidFill>
-                <a:latin typeface="+mn-lt"/>
-                <a:ea typeface="+mn-ea"/>
-                <a:cs typeface="+mn-cs"/>
-              </a:defRPr>
-            </a:lvl7pPr>
-            <a:lvl8pPr marL="3200400" algn="l" defTabSz="914400" rtl="0" eaLnBrk="1" latinLnBrk="0" hangingPunct="1">
-              <a:defRPr sz="1800" kern="1200">
-                <a:solidFill>
-                  <a:schemeClr val="lt1"/>
-                </a:solidFill>
-                <a:latin typeface="+mn-lt"/>
-                <a:ea typeface="+mn-ea"/>
-                <a:cs typeface="+mn-cs"/>
-              </a:defRPr>
-            </a:lvl8pPr>
-            <a:lvl9pPr marL="3657600" algn="l" defTabSz="914400" rtl="0" eaLnBrk="1" latinLnBrk="0" hangingPunct="1">
-              <a:defRPr sz="1800" kern="1200">
-                <a:solidFill>
-                  <a:schemeClr val="lt1"/>
-                </a:solidFill>
-                <a:latin typeface="+mn-lt"/>
-                <a:ea typeface="+mn-ea"/>
-                <a:cs typeface="+mn-cs"/>
-              </a:defRPr>
-            </a:lvl9pPr>
-          </a:lstStyle>
-          <a:p>
-            <a:pPr algn="ctr"/>
-            <a:endParaRPr lang="en-US"/>
-          </a:p>
-        </p:txBody>
-      </p:sp>
-      <p:sp>
-        <p:nvSpPr>
-          <p:cNvPr id="13" name="Freeform 10">
-            <a:extLst>
-              <a:ext uri="{FF2B5EF4-FFF2-40B4-BE49-F238E27FC236}">
-                <a16:creationId xmlns:a16="http://schemas.microsoft.com/office/drawing/2014/main" id="{8D49CF1A-01DD-4115-A6BB-CFA8F704534E}"/>
-              </a:ext>
-              <a:ext uri="{C183D7F6-B498-43B3-948B-1728B52AA6E4}">
-                <adec:decorative xmlns:adec="http://schemas.microsoft.com/office/drawing/2017/decorative" val="1"/>
-              </a:ext>
-            </a:extLst>
-          </p:cNvPr>
-          <p:cNvSpPr>
-            <a:spLocks noGrp="1" noRot="1" noChangeAspect="1" noMove="1" noResize="1" noEditPoints="1" noAdjustHandles="1" noChangeArrowheads="1" noChangeShapeType="1" noTextEdit="1"/>
-          </p:cNvSpPr>
-          <p:nvPr>
-            <p:extLst>
-              <p:ext uri="{386F3935-93C4-4BCD-93E2-E3B085C9AB24}">
-                <p16:designElem xmlns:p16="http://schemas.microsoft.com/office/powerpoint/2015/main" val="1"/>
-              </p:ext>
-            </p:extLst>
-          </p:nvPr>
-        </p:nvSpPr>
-        <p:spPr bwMode="ltGray">
-          <a:xfrm>
-            <a:off x="0" y="0"/>
-            <a:ext cx="7569200" cy="6858000"/>
-          </a:xfrm>
-          <a:custGeom>
-            <a:avLst/>
-            <a:gdLst>
-              <a:gd name="connsiteX0" fmla="*/ 0 w 7569200"/>
-              <a:gd name="connsiteY0" fmla="*/ 0 h 6858000"/>
-              <a:gd name="connsiteX1" fmla="*/ 7389812 w 7569200"/>
-              <a:gd name="connsiteY1" fmla="*/ 0 h 6858000"/>
-              <a:gd name="connsiteX2" fmla="*/ 7394575 w 7569200"/>
-              <a:gd name="connsiteY2" fmla="*/ 66675 h 6858000"/>
-              <a:gd name="connsiteX3" fmla="*/ 7402512 w 7569200"/>
-              <a:gd name="connsiteY3" fmla="*/ 122237 h 6858000"/>
-              <a:gd name="connsiteX4" fmla="*/ 7412037 w 7569200"/>
-              <a:gd name="connsiteY4" fmla="*/ 174625 h 6858000"/>
-              <a:gd name="connsiteX5" fmla="*/ 7427912 w 7569200"/>
-              <a:gd name="connsiteY5" fmla="*/ 217487 h 6858000"/>
-              <a:gd name="connsiteX6" fmla="*/ 7443787 w 7569200"/>
-              <a:gd name="connsiteY6" fmla="*/ 260350 h 6858000"/>
-              <a:gd name="connsiteX7" fmla="*/ 7462837 w 7569200"/>
-              <a:gd name="connsiteY7" fmla="*/ 296862 h 6858000"/>
-              <a:gd name="connsiteX8" fmla="*/ 7481887 w 7569200"/>
-              <a:gd name="connsiteY8" fmla="*/ 334962 h 6858000"/>
-              <a:gd name="connsiteX9" fmla="*/ 7499350 w 7569200"/>
-              <a:gd name="connsiteY9" fmla="*/ 369887 h 6858000"/>
-              <a:gd name="connsiteX10" fmla="*/ 7516812 w 7569200"/>
-              <a:gd name="connsiteY10" fmla="*/ 409575 h 6858000"/>
-              <a:gd name="connsiteX11" fmla="*/ 7532687 w 7569200"/>
-              <a:gd name="connsiteY11" fmla="*/ 450850 h 6858000"/>
-              <a:gd name="connsiteX12" fmla="*/ 7546975 w 7569200"/>
-              <a:gd name="connsiteY12" fmla="*/ 496887 h 6858000"/>
-              <a:gd name="connsiteX13" fmla="*/ 7558087 w 7569200"/>
-              <a:gd name="connsiteY13" fmla="*/ 546100 h 6858000"/>
-              <a:gd name="connsiteX14" fmla="*/ 7566025 w 7569200"/>
-              <a:gd name="connsiteY14" fmla="*/ 606425 h 6858000"/>
-              <a:gd name="connsiteX15" fmla="*/ 7569200 w 7569200"/>
-              <a:gd name="connsiteY15" fmla="*/ 673100 h 6858000"/>
-              <a:gd name="connsiteX16" fmla="*/ 7566025 w 7569200"/>
-              <a:gd name="connsiteY16" fmla="*/ 744537 h 6858000"/>
-              <a:gd name="connsiteX17" fmla="*/ 7558087 w 7569200"/>
-              <a:gd name="connsiteY17" fmla="*/ 801687 h 6858000"/>
-              <a:gd name="connsiteX18" fmla="*/ 7546975 w 7569200"/>
-              <a:gd name="connsiteY18" fmla="*/ 854075 h 6858000"/>
-              <a:gd name="connsiteX19" fmla="*/ 7532687 w 7569200"/>
-              <a:gd name="connsiteY19" fmla="*/ 901700 h 6858000"/>
-              <a:gd name="connsiteX20" fmla="*/ 7516812 w 7569200"/>
-              <a:gd name="connsiteY20" fmla="*/ 942975 h 6858000"/>
-              <a:gd name="connsiteX21" fmla="*/ 7497762 w 7569200"/>
-              <a:gd name="connsiteY21" fmla="*/ 981075 h 6858000"/>
-              <a:gd name="connsiteX22" fmla="*/ 7478712 w 7569200"/>
-              <a:gd name="connsiteY22" fmla="*/ 1017587 h 6858000"/>
-              <a:gd name="connsiteX23" fmla="*/ 7459662 w 7569200"/>
-              <a:gd name="connsiteY23" fmla="*/ 1055687 h 6858000"/>
-              <a:gd name="connsiteX24" fmla="*/ 7442200 w 7569200"/>
-              <a:gd name="connsiteY24" fmla="*/ 1095375 h 6858000"/>
-              <a:gd name="connsiteX25" fmla="*/ 7424737 w 7569200"/>
-              <a:gd name="connsiteY25" fmla="*/ 1136650 h 6858000"/>
-              <a:gd name="connsiteX26" fmla="*/ 7410450 w 7569200"/>
-              <a:gd name="connsiteY26" fmla="*/ 1182687 h 6858000"/>
-              <a:gd name="connsiteX27" fmla="*/ 7400925 w 7569200"/>
-              <a:gd name="connsiteY27" fmla="*/ 1235075 h 6858000"/>
-              <a:gd name="connsiteX28" fmla="*/ 7391400 w 7569200"/>
-              <a:gd name="connsiteY28" fmla="*/ 1295400 h 6858000"/>
-              <a:gd name="connsiteX29" fmla="*/ 7389812 w 7569200"/>
-              <a:gd name="connsiteY29" fmla="*/ 1363662 h 6858000"/>
-              <a:gd name="connsiteX30" fmla="*/ 7391400 w 7569200"/>
-              <a:gd name="connsiteY30" fmla="*/ 1431925 h 6858000"/>
-              <a:gd name="connsiteX31" fmla="*/ 7400925 w 7569200"/>
-              <a:gd name="connsiteY31" fmla="*/ 1492250 h 6858000"/>
-              <a:gd name="connsiteX32" fmla="*/ 7410450 w 7569200"/>
-              <a:gd name="connsiteY32" fmla="*/ 1544637 h 6858000"/>
-              <a:gd name="connsiteX33" fmla="*/ 7424737 w 7569200"/>
-              <a:gd name="connsiteY33" fmla="*/ 1589087 h 6858000"/>
-              <a:gd name="connsiteX34" fmla="*/ 7442200 w 7569200"/>
-              <a:gd name="connsiteY34" fmla="*/ 1631950 h 6858000"/>
-              <a:gd name="connsiteX35" fmla="*/ 7459662 w 7569200"/>
-              <a:gd name="connsiteY35" fmla="*/ 1671637 h 6858000"/>
-              <a:gd name="connsiteX36" fmla="*/ 7478712 w 7569200"/>
-              <a:gd name="connsiteY36" fmla="*/ 1708150 h 6858000"/>
-              <a:gd name="connsiteX37" fmla="*/ 7497762 w 7569200"/>
-              <a:gd name="connsiteY37" fmla="*/ 1743075 h 6858000"/>
-              <a:gd name="connsiteX38" fmla="*/ 7516812 w 7569200"/>
-              <a:gd name="connsiteY38" fmla="*/ 1782762 h 6858000"/>
-              <a:gd name="connsiteX39" fmla="*/ 7532687 w 7569200"/>
-              <a:gd name="connsiteY39" fmla="*/ 1824037 h 6858000"/>
-              <a:gd name="connsiteX40" fmla="*/ 7546975 w 7569200"/>
-              <a:gd name="connsiteY40" fmla="*/ 1870075 h 6858000"/>
-              <a:gd name="connsiteX41" fmla="*/ 7558087 w 7569200"/>
-              <a:gd name="connsiteY41" fmla="*/ 1922462 h 6858000"/>
-              <a:gd name="connsiteX42" fmla="*/ 7566025 w 7569200"/>
-              <a:gd name="connsiteY42" fmla="*/ 1982787 h 6858000"/>
-              <a:gd name="connsiteX43" fmla="*/ 7569200 w 7569200"/>
-              <a:gd name="connsiteY43" fmla="*/ 2051050 h 6858000"/>
-              <a:gd name="connsiteX44" fmla="*/ 7566025 w 7569200"/>
-              <a:gd name="connsiteY44" fmla="*/ 2119312 h 6858000"/>
-              <a:gd name="connsiteX45" fmla="*/ 7558087 w 7569200"/>
-              <a:gd name="connsiteY45" fmla="*/ 2179637 h 6858000"/>
-              <a:gd name="connsiteX46" fmla="*/ 7546975 w 7569200"/>
-              <a:gd name="connsiteY46" fmla="*/ 2232025 h 6858000"/>
-              <a:gd name="connsiteX47" fmla="*/ 7532687 w 7569200"/>
-              <a:gd name="connsiteY47" fmla="*/ 2278062 h 6858000"/>
-              <a:gd name="connsiteX48" fmla="*/ 7516812 w 7569200"/>
-              <a:gd name="connsiteY48" fmla="*/ 2319337 h 6858000"/>
-              <a:gd name="connsiteX49" fmla="*/ 7497762 w 7569200"/>
-              <a:gd name="connsiteY49" fmla="*/ 2359025 h 6858000"/>
-              <a:gd name="connsiteX50" fmla="*/ 7478712 w 7569200"/>
-              <a:gd name="connsiteY50" fmla="*/ 2395537 h 6858000"/>
-              <a:gd name="connsiteX51" fmla="*/ 7459662 w 7569200"/>
-              <a:gd name="connsiteY51" fmla="*/ 2433637 h 6858000"/>
-              <a:gd name="connsiteX52" fmla="*/ 7442200 w 7569200"/>
-              <a:gd name="connsiteY52" fmla="*/ 2471737 h 6858000"/>
-              <a:gd name="connsiteX53" fmla="*/ 7424737 w 7569200"/>
-              <a:gd name="connsiteY53" fmla="*/ 2513012 h 6858000"/>
-              <a:gd name="connsiteX54" fmla="*/ 7410450 w 7569200"/>
-              <a:gd name="connsiteY54" fmla="*/ 2560637 h 6858000"/>
-              <a:gd name="connsiteX55" fmla="*/ 7400925 w 7569200"/>
-              <a:gd name="connsiteY55" fmla="*/ 2613025 h 6858000"/>
-              <a:gd name="connsiteX56" fmla="*/ 7391400 w 7569200"/>
-              <a:gd name="connsiteY56" fmla="*/ 2671762 h 6858000"/>
-              <a:gd name="connsiteX57" fmla="*/ 7389812 w 7569200"/>
-              <a:gd name="connsiteY57" fmla="*/ 2741612 h 6858000"/>
-              <a:gd name="connsiteX58" fmla="*/ 7391400 w 7569200"/>
-              <a:gd name="connsiteY58" fmla="*/ 2809875 h 6858000"/>
-              <a:gd name="connsiteX59" fmla="*/ 7400925 w 7569200"/>
-              <a:gd name="connsiteY59" fmla="*/ 2868612 h 6858000"/>
-              <a:gd name="connsiteX60" fmla="*/ 7410450 w 7569200"/>
-              <a:gd name="connsiteY60" fmla="*/ 2922587 h 6858000"/>
-              <a:gd name="connsiteX61" fmla="*/ 7424737 w 7569200"/>
-              <a:gd name="connsiteY61" fmla="*/ 2967037 h 6858000"/>
-              <a:gd name="connsiteX62" fmla="*/ 7442200 w 7569200"/>
-              <a:gd name="connsiteY62" fmla="*/ 3009900 h 6858000"/>
-              <a:gd name="connsiteX63" fmla="*/ 7459662 w 7569200"/>
-              <a:gd name="connsiteY63" fmla="*/ 3046412 h 6858000"/>
-              <a:gd name="connsiteX64" fmla="*/ 7478712 w 7569200"/>
-              <a:gd name="connsiteY64" fmla="*/ 3084512 h 6858000"/>
-              <a:gd name="connsiteX65" fmla="*/ 7497762 w 7569200"/>
-              <a:gd name="connsiteY65" fmla="*/ 3121025 h 6858000"/>
-              <a:gd name="connsiteX66" fmla="*/ 7516812 w 7569200"/>
-              <a:gd name="connsiteY66" fmla="*/ 3160712 h 6858000"/>
-              <a:gd name="connsiteX67" fmla="*/ 7532687 w 7569200"/>
-              <a:gd name="connsiteY67" fmla="*/ 3201987 h 6858000"/>
-              <a:gd name="connsiteX68" fmla="*/ 7546975 w 7569200"/>
-              <a:gd name="connsiteY68" fmla="*/ 3248025 h 6858000"/>
-              <a:gd name="connsiteX69" fmla="*/ 7558087 w 7569200"/>
-              <a:gd name="connsiteY69" fmla="*/ 3300412 h 6858000"/>
-              <a:gd name="connsiteX70" fmla="*/ 7566025 w 7569200"/>
-              <a:gd name="connsiteY70" fmla="*/ 3360737 h 6858000"/>
-              <a:gd name="connsiteX71" fmla="*/ 7569200 w 7569200"/>
-              <a:gd name="connsiteY71" fmla="*/ 3427412 h 6858000"/>
-              <a:gd name="connsiteX72" fmla="*/ 7566025 w 7569200"/>
-              <a:gd name="connsiteY72" fmla="*/ 3497262 h 6858000"/>
-              <a:gd name="connsiteX73" fmla="*/ 7558087 w 7569200"/>
-              <a:gd name="connsiteY73" fmla="*/ 3557587 h 6858000"/>
-              <a:gd name="connsiteX74" fmla="*/ 7546975 w 7569200"/>
-              <a:gd name="connsiteY74" fmla="*/ 3609975 h 6858000"/>
-              <a:gd name="connsiteX75" fmla="*/ 7532687 w 7569200"/>
-              <a:gd name="connsiteY75" fmla="*/ 3656012 h 6858000"/>
-              <a:gd name="connsiteX76" fmla="*/ 7516812 w 7569200"/>
-              <a:gd name="connsiteY76" fmla="*/ 3697287 h 6858000"/>
-              <a:gd name="connsiteX77" fmla="*/ 7497762 w 7569200"/>
-              <a:gd name="connsiteY77" fmla="*/ 3736975 h 6858000"/>
-              <a:gd name="connsiteX78" fmla="*/ 7459662 w 7569200"/>
-              <a:gd name="connsiteY78" fmla="*/ 3811587 h 6858000"/>
-              <a:gd name="connsiteX79" fmla="*/ 7442200 w 7569200"/>
-              <a:gd name="connsiteY79" fmla="*/ 3848100 h 6858000"/>
-              <a:gd name="connsiteX80" fmla="*/ 7424737 w 7569200"/>
-              <a:gd name="connsiteY80" fmla="*/ 3890962 h 6858000"/>
-              <a:gd name="connsiteX81" fmla="*/ 7410450 w 7569200"/>
-              <a:gd name="connsiteY81" fmla="*/ 3935412 h 6858000"/>
-              <a:gd name="connsiteX82" fmla="*/ 7400925 w 7569200"/>
-              <a:gd name="connsiteY82" fmla="*/ 3987800 h 6858000"/>
-              <a:gd name="connsiteX83" fmla="*/ 7391400 w 7569200"/>
-              <a:gd name="connsiteY83" fmla="*/ 4048125 h 6858000"/>
-              <a:gd name="connsiteX84" fmla="*/ 7389812 w 7569200"/>
-              <a:gd name="connsiteY84" fmla="*/ 4116387 h 6858000"/>
-              <a:gd name="connsiteX85" fmla="*/ 7391400 w 7569200"/>
-              <a:gd name="connsiteY85" fmla="*/ 4186237 h 6858000"/>
-              <a:gd name="connsiteX86" fmla="*/ 7400925 w 7569200"/>
-              <a:gd name="connsiteY86" fmla="*/ 4244975 h 6858000"/>
-              <a:gd name="connsiteX87" fmla="*/ 7410450 w 7569200"/>
-              <a:gd name="connsiteY87" fmla="*/ 4297362 h 6858000"/>
-              <a:gd name="connsiteX88" fmla="*/ 7424737 w 7569200"/>
-              <a:gd name="connsiteY88" fmla="*/ 4343400 h 6858000"/>
-              <a:gd name="connsiteX89" fmla="*/ 7442200 w 7569200"/>
-              <a:gd name="connsiteY89" fmla="*/ 4386262 h 6858000"/>
-              <a:gd name="connsiteX90" fmla="*/ 7459662 w 7569200"/>
-              <a:gd name="connsiteY90" fmla="*/ 4424362 h 6858000"/>
-              <a:gd name="connsiteX91" fmla="*/ 7497762 w 7569200"/>
-              <a:gd name="connsiteY91" fmla="*/ 4498975 h 6858000"/>
-              <a:gd name="connsiteX92" fmla="*/ 7516812 w 7569200"/>
-              <a:gd name="connsiteY92" fmla="*/ 4537075 h 6858000"/>
-              <a:gd name="connsiteX93" fmla="*/ 7532687 w 7569200"/>
-              <a:gd name="connsiteY93" fmla="*/ 4579937 h 6858000"/>
-              <a:gd name="connsiteX94" fmla="*/ 7546975 w 7569200"/>
-              <a:gd name="connsiteY94" fmla="*/ 4625975 h 6858000"/>
-              <a:gd name="connsiteX95" fmla="*/ 7558087 w 7569200"/>
-              <a:gd name="connsiteY95" fmla="*/ 4678362 h 6858000"/>
-              <a:gd name="connsiteX96" fmla="*/ 7566025 w 7569200"/>
-              <a:gd name="connsiteY96" fmla="*/ 4738687 h 6858000"/>
-              <a:gd name="connsiteX97" fmla="*/ 7569200 w 7569200"/>
-              <a:gd name="connsiteY97" fmla="*/ 4806950 h 6858000"/>
-              <a:gd name="connsiteX98" fmla="*/ 7566025 w 7569200"/>
-              <a:gd name="connsiteY98" fmla="*/ 4875212 h 6858000"/>
-              <a:gd name="connsiteX99" fmla="*/ 7558087 w 7569200"/>
-              <a:gd name="connsiteY99" fmla="*/ 4935537 h 6858000"/>
-              <a:gd name="connsiteX100" fmla="*/ 7546975 w 7569200"/>
-              <a:gd name="connsiteY100" fmla="*/ 4987925 h 6858000"/>
-              <a:gd name="connsiteX101" fmla="*/ 7532687 w 7569200"/>
-              <a:gd name="connsiteY101" fmla="*/ 5033962 h 6858000"/>
-              <a:gd name="connsiteX102" fmla="*/ 7516812 w 7569200"/>
-              <a:gd name="connsiteY102" fmla="*/ 5075237 h 6858000"/>
-              <a:gd name="connsiteX103" fmla="*/ 7497762 w 7569200"/>
-              <a:gd name="connsiteY103" fmla="*/ 5114925 h 6858000"/>
-              <a:gd name="connsiteX104" fmla="*/ 7478712 w 7569200"/>
-              <a:gd name="connsiteY104" fmla="*/ 5149850 h 6858000"/>
-              <a:gd name="connsiteX105" fmla="*/ 7459662 w 7569200"/>
-              <a:gd name="connsiteY105" fmla="*/ 5186362 h 6858000"/>
-              <a:gd name="connsiteX106" fmla="*/ 7442200 w 7569200"/>
-              <a:gd name="connsiteY106" fmla="*/ 5226050 h 6858000"/>
-              <a:gd name="connsiteX107" fmla="*/ 7424737 w 7569200"/>
-              <a:gd name="connsiteY107" fmla="*/ 5268912 h 6858000"/>
-              <a:gd name="connsiteX108" fmla="*/ 7410450 w 7569200"/>
-              <a:gd name="connsiteY108" fmla="*/ 5313362 h 6858000"/>
-              <a:gd name="connsiteX109" fmla="*/ 7400925 w 7569200"/>
-              <a:gd name="connsiteY109" fmla="*/ 5365750 h 6858000"/>
-              <a:gd name="connsiteX110" fmla="*/ 7391400 w 7569200"/>
-              <a:gd name="connsiteY110" fmla="*/ 5426075 h 6858000"/>
-              <a:gd name="connsiteX111" fmla="*/ 7389812 w 7569200"/>
-              <a:gd name="connsiteY111" fmla="*/ 5494337 h 6858000"/>
-              <a:gd name="connsiteX112" fmla="*/ 7391400 w 7569200"/>
-              <a:gd name="connsiteY112" fmla="*/ 5562600 h 6858000"/>
-              <a:gd name="connsiteX113" fmla="*/ 7400925 w 7569200"/>
-              <a:gd name="connsiteY113" fmla="*/ 5622925 h 6858000"/>
-              <a:gd name="connsiteX114" fmla="*/ 7410450 w 7569200"/>
-              <a:gd name="connsiteY114" fmla="*/ 5675312 h 6858000"/>
-              <a:gd name="connsiteX115" fmla="*/ 7424737 w 7569200"/>
-              <a:gd name="connsiteY115" fmla="*/ 5721350 h 6858000"/>
-              <a:gd name="connsiteX116" fmla="*/ 7442200 w 7569200"/>
-              <a:gd name="connsiteY116" fmla="*/ 5762625 h 6858000"/>
-              <a:gd name="connsiteX117" fmla="*/ 7459662 w 7569200"/>
-              <a:gd name="connsiteY117" fmla="*/ 5802312 h 6858000"/>
-              <a:gd name="connsiteX118" fmla="*/ 7478712 w 7569200"/>
-              <a:gd name="connsiteY118" fmla="*/ 5840412 h 6858000"/>
-              <a:gd name="connsiteX119" fmla="*/ 7497762 w 7569200"/>
-              <a:gd name="connsiteY119" fmla="*/ 5876925 h 6858000"/>
-              <a:gd name="connsiteX120" fmla="*/ 7516812 w 7569200"/>
-              <a:gd name="connsiteY120" fmla="*/ 5915025 h 6858000"/>
-              <a:gd name="connsiteX121" fmla="*/ 7532687 w 7569200"/>
-              <a:gd name="connsiteY121" fmla="*/ 5956300 h 6858000"/>
-              <a:gd name="connsiteX122" fmla="*/ 7546975 w 7569200"/>
-              <a:gd name="connsiteY122" fmla="*/ 6003925 h 6858000"/>
-              <a:gd name="connsiteX123" fmla="*/ 7558087 w 7569200"/>
-              <a:gd name="connsiteY123" fmla="*/ 6056312 h 6858000"/>
-              <a:gd name="connsiteX124" fmla="*/ 7566025 w 7569200"/>
-              <a:gd name="connsiteY124" fmla="*/ 6113462 h 6858000"/>
-              <a:gd name="connsiteX125" fmla="*/ 7569200 w 7569200"/>
-              <a:gd name="connsiteY125" fmla="*/ 6183312 h 6858000"/>
-              <a:gd name="connsiteX126" fmla="*/ 7566025 w 7569200"/>
-              <a:gd name="connsiteY126" fmla="*/ 6251575 h 6858000"/>
-              <a:gd name="connsiteX127" fmla="*/ 7558087 w 7569200"/>
-              <a:gd name="connsiteY127" fmla="*/ 6311900 h 6858000"/>
-              <a:gd name="connsiteX128" fmla="*/ 7546975 w 7569200"/>
-              <a:gd name="connsiteY128" fmla="*/ 6361112 h 6858000"/>
-              <a:gd name="connsiteX129" fmla="*/ 7532687 w 7569200"/>
-              <a:gd name="connsiteY129" fmla="*/ 6407150 h 6858000"/>
-              <a:gd name="connsiteX130" fmla="*/ 7516812 w 7569200"/>
-              <a:gd name="connsiteY130" fmla="*/ 6448425 h 6858000"/>
-              <a:gd name="connsiteX131" fmla="*/ 7499350 w 7569200"/>
-              <a:gd name="connsiteY131" fmla="*/ 6488112 h 6858000"/>
-              <a:gd name="connsiteX132" fmla="*/ 7481887 w 7569200"/>
-              <a:gd name="connsiteY132" fmla="*/ 6523037 h 6858000"/>
-              <a:gd name="connsiteX133" fmla="*/ 7462837 w 7569200"/>
-              <a:gd name="connsiteY133" fmla="*/ 6561137 h 6858000"/>
-              <a:gd name="connsiteX134" fmla="*/ 7443787 w 7569200"/>
-              <a:gd name="connsiteY134" fmla="*/ 6597650 h 6858000"/>
-              <a:gd name="connsiteX135" fmla="*/ 7427912 w 7569200"/>
-              <a:gd name="connsiteY135" fmla="*/ 6640512 h 6858000"/>
-              <a:gd name="connsiteX136" fmla="*/ 7412037 w 7569200"/>
-              <a:gd name="connsiteY136" fmla="*/ 6683375 h 6858000"/>
-              <a:gd name="connsiteX137" fmla="*/ 7402512 w 7569200"/>
-              <a:gd name="connsiteY137" fmla="*/ 6735762 h 6858000"/>
-              <a:gd name="connsiteX138" fmla="*/ 7394575 w 7569200"/>
-              <a:gd name="connsiteY138" fmla="*/ 6791325 h 6858000"/>
-              <a:gd name="connsiteX139" fmla="*/ 7389812 w 7569200"/>
-              <a:gd name="connsiteY139" fmla="*/ 6858000 h 6858000"/>
-              <a:gd name="connsiteX140" fmla="*/ 0 w 7569200"/>
-              <a:gd name="connsiteY140" fmla="*/ 6858000 h 6858000"/>
-              <a:gd name="connsiteX141" fmla="*/ 0 w 7569200"/>
-              <a:gd name="connsiteY141" fmla="*/ 0 h 6858000"/>
-            </a:gdLst>
-            <a:ahLst/>
-            <a:cxnLst>
-              <a:cxn ang="0">
-                <a:pos x="connsiteX0" y="connsiteY0"/>
-              </a:cxn>
-              <a:cxn ang="0">
-                <a:pos x="connsiteX1" y="connsiteY1"/>
-              </a:cxn>
-              <a:cxn ang="0">
-                <a:pos x="connsiteX2" y="connsiteY2"/>
-              </a:cxn>
-              <a:cxn ang="0">
-                <a:pos x="connsiteX3" y="connsiteY3"/>
-              </a:cxn>
-              <a:cxn ang="0">
-                <a:pos x="connsiteX4" y="connsiteY4"/>
-              </a:cxn>
-              <a:cxn ang="0">
-                <a:pos x="connsiteX5" y="connsiteY5"/>
-              </a:cxn>
-              <a:cxn ang="0">
-                <a:pos x="connsiteX6" y="connsiteY6"/>
-              </a:cxn>
-              <a:cxn ang="0">
-                <a:pos x="connsiteX7" y="connsiteY7"/>
-              </a:cxn>
-              <a:cxn ang="0">
-                <a:pos x="connsiteX8" y="connsiteY8"/>
-              </a:cxn>
-              <a:cxn ang="0">
-                <a:pos x="connsiteX9" y="connsiteY9"/>
-              </a:cxn>
-              <a:cxn ang="0">
-                <a:pos x="connsiteX10" y="connsiteY10"/>
-              </a:cxn>
-              <a:cxn ang="0">
-                <a:pos x="connsiteX11" y="connsiteY11"/>
-              </a:cxn>
-              <a:cxn ang="0">
-                <a:pos x="connsiteX12" y="connsiteY12"/>
-              </a:cxn>
-              <a:cxn ang="0">
-                <a:pos x="connsiteX13" y="connsiteY13"/>
-              </a:cxn>
-              <a:cxn ang="0">
-                <a:pos x="connsiteX14" y="connsiteY14"/>
-              </a:cxn>
-              <a:cxn ang="0">
-                <a:pos x="connsiteX15" y="connsiteY15"/>
-              </a:cxn>
-              <a:cxn ang="0">
-                <a:pos x="connsiteX16" y="connsiteY16"/>
-              </a:cxn>
-              <a:cxn ang="0">
-                <a:pos x="connsiteX17" y="connsiteY17"/>
-              </a:cxn>
-              <a:cxn ang="0">
-                <a:pos x="connsiteX18" y="connsiteY18"/>
-              </a:cxn>
-              <a:cxn ang="0">
-                <a:pos x="connsiteX19" y="connsiteY19"/>
-              </a:cxn>
-              <a:cxn ang="0">
-                <a:pos x="connsiteX20" y="connsiteY20"/>
-              </a:cxn>
-              <a:cxn ang="0">
-                <a:pos x="connsiteX21" y="connsiteY21"/>
-              </a:cxn>
-              <a:cxn ang="0">
-                <a:pos x="connsiteX22" y="connsiteY22"/>
-              </a:cxn>
-              <a:cxn ang="0">
-                <a:pos x="connsiteX23" y="connsiteY23"/>
-              </a:cxn>
-              <a:cxn ang="0">
-                <a:pos x="connsiteX24" y="connsiteY24"/>
-              </a:cxn>
-              <a:cxn ang="0">
-                <a:pos x="connsiteX25" y="connsiteY25"/>
-              </a:cxn>
-              <a:cxn ang="0">
-                <a:pos x="connsiteX26" y="connsiteY26"/>
-              </a:cxn>
-              <a:cxn ang="0">
-                <a:pos x="connsiteX27" y="connsiteY27"/>
-              </a:cxn>
-              <a:cxn ang="0">
-                <a:pos x="connsiteX28" y="connsiteY28"/>
-              </a:cxn>
-              <a:cxn ang="0">
-                <a:pos x="connsiteX29" y="connsiteY29"/>
-              </a:cxn>
-              <a:cxn ang="0">
-                <a:pos x="connsiteX30" y="connsiteY30"/>
-              </a:cxn>
-              <a:cxn ang="0">
-                <a:pos x="connsiteX31" y="connsiteY31"/>
-              </a:cxn>
-              <a:cxn ang="0">
-                <a:pos x="connsiteX32" y="connsiteY32"/>
-              </a:cxn>
-              <a:cxn ang="0">
-                <a:pos x="connsiteX33" y="connsiteY33"/>
-              </a:cxn>
-              <a:cxn ang="0">
-                <a:pos x="connsiteX34" y="connsiteY34"/>
-              </a:cxn>
-              <a:cxn ang="0">
-                <a:pos x="connsiteX35" y="connsiteY35"/>
-              </a:cxn>
-              <a:cxn ang="0">
-                <a:pos x="connsiteX36" y="connsiteY36"/>
-              </a:cxn>
-              <a:cxn ang="0">
-                <a:pos x="connsiteX37" y="connsiteY37"/>
-              </a:cxn>
-              <a:cxn ang="0">
-                <a:pos x="connsiteX38" y="connsiteY38"/>
-              </a:cxn>
-              <a:cxn ang="0">
-                <a:pos x="connsiteX39" y="connsiteY39"/>
-              </a:cxn>
-              <a:cxn ang="0">
-                <a:pos x="connsiteX40" y="connsiteY40"/>
-              </a:cxn>
-              <a:cxn ang="0">
-                <a:pos x="connsiteX41" y="connsiteY41"/>
-              </a:cxn>
-              <a:cxn ang="0">
-                <a:pos x="connsiteX42" y="connsiteY42"/>
-              </a:cxn>
-              <a:cxn ang="0">
-                <a:pos x="connsiteX43" y="connsiteY43"/>
-              </a:cxn>
-              <a:cxn ang="0">
-                <a:pos x="connsiteX44" y="connsiteY44"/>
-              </a:cxn>
-              <a:cxn ang="0">
-                <a:pos x="connsiteX45" y="connsiteY45"/>
-              </a:cxn>
-              <a:cxn ang="0">
-                <a:pos x="connsiteX46" y="connsiteY46"/>
-              </a:cxn>
-              <a:cxn ang="0">
-                <a:pos x="connsiteX47" y="connsiteY47"/>
-              </a:cxn>
-              <a:cxn ang="0">
-                <a:pos x="connsiteX48" y="connsiteY48"/>
-              </a:cxn>
-              <a:cxn ang="0">
-                <a:pos x="connsiteX49" y="connsiteY49"/>
-              </a:cxn>
-              <a:cxn ang="0">
-                <a:pos x="connsiteX50" y="connsiteY50"/>
-              </a:cxn>
-              <a:cxn ang="0">
-                <a:pos x="connsiteX51" y="connsiteY51"/>
-              </a:cxn>
-              <a:cxn ang="0">
-                <a:pos x="connsiteX52" y="connsiteY52"/>
-              </a:cxn>
-              <a:cxn ang="0">
-                <a:pos x="connsiteX53" y="connsiteY53"/>
-              </a:cxn>
-              <a:cxn ang="0">
-                <a:pos x="connsiteX54" y="connsiteY54"/>
-              </a:cxn>
-              <a:cxn ang="0">
-                <a:pos x="connsiteX55" y="connsiteY55"/>
-              </a:cxn>
-              <a:cxn ang="0">
-                <a:pos x="connsiteX56" y="connsiteY56"/>
-              </a:cxn>
-              <a:cxn ang="0">
-                <a:pos x="connsiteX57" y="connsiteY57"/>
-              </a:cxn>
-              <a:cxn ang="0">
-                <a:pos x="connsiteX58" y="connsiteY58"/>
-              </a:cxn>
-              <a:cxn ang="0">
-                <a:pos x="connsiteX59" y="connsiteY59"/>
-              </a:cxn>
-              <a:cxn ang="0">
-                <a:pos x="connsiteX60" y="connsiteY60"/>
-              </a:cxn>
-              <a:cxn ang="0">
-                <a:pos x="connsiteX61" y="connsiteY61"/>
-              </a:cxn>
-              <a:cxn ang="0">
-                <a:pos x="connsiteX62" y="connsiteY62"/>
-              </a:cxn>
-              <a:cxn ang="0">
-                <a:pos x="connsiteX63" y="connsiteY63"/>
-              </a:cxn>
-              <a:cxn ang="0">
-                <a:pos x="connsiteX64" y="connsiteY64"/>
-              </a:cxn>
-              <a:cxn ang="0">
-                <a:pos x="connsiteX65" y="connsiteY65"/>
-              </a:cxn>
-              <a:cxn ang="0">
-                <a:pos x="connsiteX66" y="connsiteY66"/>
-              </a:cxn>
-              <a:cxn ang="0">
-                <a:pos x="connsiteX67" y="connsiteY67"/>
-              </a:cxn>
-              <a:cxn ang="0">
-                <a:pos x="connsiteX68" y="connsiteY68"/>
-              </a:cxn>
-              <a:cxn ang="0">
-                <a:pos x="connsiteX69" y="connsiteY69"/>
-              </a:cxn>
-              <a:cxn ang="0">
-                <a:pos x="connsiteX70" y="connsiteY70"/>
-              </a:cxn>
-              <a:cxn ang="0">
-                <a:pos x="connsiteX71" y="connsiteY71"/>
-              </a:cxn>
-              <a:cxn ang="0">
-                <a:pos x="connsiteX72" y="connsiteY72"/>
-              </a:cxn>
-              <a:cxn ang="0">
-                <a:pos x="connsiteX73" y="connsiteY73"/>
-              </a:cxn>
-              <a:cxn ang="0">
-                <a:pos x="connsiteX74" y="connsiteY74"/>
-              </a:cxn>
-              <a:cxn ang="0">
-                <a:pos x="connsiteX75" y="connsiteY75"/>
-              </a:cxn>
-              <a:cxn ang="0">
-                <a:pos x="connsiteX76" y="connsiteY76"/>
-              </a:cxn>
-              <a:cxn ang="0">
-                <a:pos x="connsiteX77" y="connsiteY77"/>
-              </a:cxn>
-              <a:cxn ang="0">
-                <a:pos x="connsiteX78" y="connsiteY78"/>
-              </a:cxn>
-              <a:cxn ang="0">
-                <a:pos x="connsiteX79" y="connsiteY79"/>
-              </a:cxn>
-              <a:cxn ang="0">
-                <a:pos x="connsiteX80" y="connsiteY80"/>
-              </a:cxn>
-              <a:cxn ang="0">
-                <a:pos x="connsiteX81" y="connsiteY81"/>
-              </a:cxn>
-              <a:cxn ang="0">
-                <a:pos x="connsiteX82" y="connsiteY82"/>
-              </a:cxn>
-              <a:cxn ang="0">
-                <a:pos x="connsiteX83" y="connsiteY83"/>
-              </a:cxn>
-              <a:cxn ang="0">
-                <a:pos x="connsiteX84" y="connsiteY84"/>
-              </a:cxn>
-              <a:cxn ang="0">
-                <a:pos x="connsiteX85" y="connsiteY85"/>
-              </a:cxn>
-              <a:cxn ang="0">
-                <a:pos x="connsiteX86" y="connsiteY86"/>
-              </a:cxn>
-              <a:cxn ang="0">
-                <a:pos x="connsiteX87" y="connsiteY87"/>
-              </a:cxn>
-              <a:cxn ang="0">
-                <a:pos x="connsiteX88" y="connsiteY88"/>
-              </a:cxn>
-              <a:cxn ang="0">
-                <a:pos x="connsiteX89" y="connsiteY89"/>
-              </a:cxn>
-              <a:cxn ang="0">
-                <a:pos x="connsiteX90" y="connsiteY90"/>
-              </a:cxn>
-              <a:cxn ang="0">
-                <a:pos x="connsiteX91" y="connsiteY91"/>
-              </a:cxn>
-              <a:cxn ang="0">
-                <a:pos x="connsiteX92" y="connsiteY92"/>
-              </a:cxn>
-              <a:cxn ang="0">
-                <a:pos x="connsiteX93" y="connsiteY93"/>
-              </a:cxn>
-              <a:cxn ang="0">
-                <a:pos x="connsiteX94" y="connsiteY94"/>
-              </a:cxn>
-              <a:cxn ang="0">
-                <a:pos x="connsiteX95" y="connsiteY95"/>
-              </a:cxn>
-              <a:cxn ang="0">
-                <a:pos x="connsiteX96" y="connsiteY96"/>
-              </a:cxn>
-              <a:cxn ang="0">
-                <a:pos x="connsiteX97" y="connsiteY97"/>
-              </a:cxn>
-              <a:cxn ang="0">
-                <a:pos x="connsiteX98" y="connsiteY98"/>
-              </a:cxn>
-              <a:cxn ang="0">
-                <a:pos x="connsiteX99" y="connsiteY99"/>
-              </a:cxn>
-              <a:cxn ang="0">
-                <a:pos x="connsiteX100" y="connsiteY100"/>
-              </a:cxn>
-              <a:cxn ang="0">
-                <a:pos x="connsiteX101" y="connsiteY101"/>
-              </a:cxn>
-              <a:cxn ang="0">
-                <a:pos x="connsiteX102" y="connsiteY102"/>
-              </a:cxn>
-              <a:cxn ang="0">
-                <a:pos x="connsiteX103" y="connsiteY103"/>
-              </a:cxn>
-              <a:cxn ang="0">
-                <a:pos x="connsiteX104" y="connsiteY104"/>
-              </a:cxn>
-              <a:cxn ang="0">
-                <a:pos x="connsiteX105" y="connsiteY105"/>
-              </a:cxn>
-              <a:cxn ang="0">
-                <a:pos x="connsiteX106" y="connsiteY106"/>
-              </a:cxn>
-              <a:cxn ang="0">
-                <a:pos x="connsiteX107" y="connsiteY107"/>
-              </a:cxn>
-              <a:cxn ang="0">
-                <a:pos x="connsiteX108" y="connsiteY108"/>
-              </a:cxn>
-              <a:cxn ang="0">
-                <a:pos x="connsiteX109" y="connsiteY109"/>
-              </a:cxn>
-              <a:cxn ang="0">
-                <a:pos x="connsiteX110" y="connsiteY110"/>
-              </a:cxn>
-              <a:cxn ang="0">
-                <a:pos x="connsiteX111" y="connsiteY111"/>
-              </a:cxn>
-              <a:cxn ang="0">
-                <a:pos x="connsiteX112" y="connsiteY112"/>
-              </a:cxn>
-              <a:cxn ang="0">
-                <a:pos x="connsiteX113" y="connsiteY113"/>
-              </a:cxn>
-              <a:cxn ang="0">
-                <a:pos x="connsiteX114" y="connsiteY114"/>
-              </a:cxn>
-              <a:cxn ang="0">
-                <a:pos x="connsiteX115" y="connsiteY115"/>
-              </a:cxn>
-              <a:cxn ang="0">
-                <a:pos x="connsiteX116" y="connsiteY116"/>
-              </a:cxn>
-              <a:cxn ang="0">
-                <a:pos x="connsiteX117" y="connsiteY117"/>
-              </a:cxn>
-              <a:cxn ang="0">
-                <a:pos x="connsiteX118" y="connsiteY118"/>
-              </a:cxn>
-              <a:cxn ang="0">
-                <a:pos x="connsiteX119" y="connsiteY119"/>
-              </a:cxn>
-              <a:cxn ang="0">
-                <a:pos x="connsiteX120" y="connsiteY120"/>
-              </a:cxn>
-              <a:cxn ang="0">
-                <a:pos x="connsiteX121" y="connsiteY121"/>
-              </a:cxn>
-              <a:cxn ang="0">
-                <a:pos x="connsiteX122" y="connsiteY122"/>
-              </a:cxn>
-              <a:cxn ang="0">
-                <a:pos x="connsiteX123" y="connsiteY123"/>
-              </a:cxn>
-              <a:cxn ang="0">
-                <a:pos x="connsiteX124" y="connsiteY124"/>
-              </a:cxn>
-              <a:cxn ang="0">
-                <a:pos x="connsiteX125" y="connsiteY125"/>
-              </a:cxn>
-              <a:cxn ang="0">
-                <a:pos x="connsiteX126" y="connsiteY126"/>
-              </a:cxn>
-              <a:cxn ang="0">
-                <a:pos x="connsiteX127" y="connsiteY127"/>
-              </a:cxn>
-              <a:cxn ang="0">
-                <a:pos x="connsiteX128" y="connsiteY128"/>
-              </a:cxn>
-              <a:cxn ang="0">
-                <a:pos x="connsiteX129" y="connsiteY129"/>
-              </a:cxn>
-              <a:cxn ang="0">
-                <a:pos x="connsiteX130" y="connsiteY130"/>
-              </a:cxn>
-              <a:cxn ang="0">
-                <a:pos x="connsiteX131" y="connsiteY131"/>
-              </a:cxn>
-              <a:cxn ang="0">
-                <a:pos x="connsiteX132" y="connsiteY132"/>
-              </a:cxn>
-              <a:cxn ang="0">
-                <a:pos x="connsiteX133" y="connsiteY133"/>
-              </a:cxn>
-              <a:cxn ang="0">
-                <a:pos x="connsiteX134" y="connsiteY134"/>
-              </a:cxn>
-              <a:cxn ang="0">
-                <a:pos x="connsiteX135" y="connsiteY135"/>
-              </a:cxn>
-              <a:cxn ang="0">
-                <a:pos x="connsiteX136" y="connsiteY136"/>
-              </a:cxn>
-              <a:cxn ang="0">
-                <a:pos x="connsiteX137" y="connsiteY137"/>
-              </a:cxn>
-              <a:cxn ang="0">
-                <a:pos x="connsiteX138" y="connsiteY138"/>
-              </a:cxn>
-              <a:cxn ang="0">
-                <a:pos x="connsiteX139" y="connsiteY139"/>
-              </a:cxn>
-              <a:cxn ang="0">
-                <a:pos x="connsiteX140" y="connsiteY140"/>
-              </a:cxn>
-              <a:cxn ang="0">
-                <a:pos x="connsiteX141" y="connsiteY141"/>
-              </a:cxn>
-            </a:cxnLst>
-            <a:rect l="l" t="t" r="r" b="b"/>
-            <a:pathLst>
-              <a:path w="7569200" h="6858000">
-                <a:moveTo>
-                  <a:pt x="0" y="0"/>
-                </a:moveTo>
-                <a:lnTo>
-                  <a:pt x="7389812" y="0"/>
-                </a:lnTo>
-                <a:lnTo>
-                  <a:pt x="7394575" y="66675"/>
-                </a:lnTo>
-                <a:lnTo>
-                  <a:pt x="7402512" y="122237"/>
-                </a:lnTo>
-                <a:lnTo>
-                  <a:pt x="7412037" y="174625"/>
-                </a:lnTo>
-                <a:lnTo>
-                  <a:pt x="7427912" y="217487"/>
-                </a:lnTo>
-                <a:lnTo>
-                  <a:pt x="7443787" y="260350"/>
-                </a:lnTo>
-                <a:lnTo>
-                  <a:pt x="7462837" y="296862"/>
-                </a:lnTo>
-                <a:lnTo>
-                  <a:pt x="7481887" y="334962"/>
-                </a:lnTo>
-                <a:lnTo>
-                  <a:pt x="7499350" y="369887"/>
-                </a:lnTo>
-                <a:lnTo>
-                  <a:pt x="7516812" y="409575"/>
-                </a:lnTo>
-                <a:lnTo>
-                  <a:pt x="7532687" y="450850"/>
-                </a:lnTo>
-                <a:lnTo>
-                  <a:pt x="7546975" y="496887"/>
-                </a:lnTo>
-                <a:lnTo>
-                  <a:pt x="7558087" y="546100"/>
-                </a:lnTo>
-                <a:lnTo>
-                  <a:pt x="7566025" y="606425"/>
-                </a:lnTo>
-                <a:lnTo>
-                  <a:pt x="7569200" y="673100"/>
-                </a:lnTo>
-                <a:lnTo>
-                  <a:pt x="7566025" y="744537"/>
-                </a:lnTo>
-                <a:lnTo>
-                  <a:pt x="7558087" y="801687"/>
-                </a:lnTo>
-                <a:lnTo>
-                  <a:pt x="7546975" y="854075"/>
-                </a:lnTo>
-                <a:lnTo>
-                  <a:pt x="7532687" y="901700"/>
-                </a:lnTo>
-                <a:lnTo>
-                  <a:pt x="7516812" y="942975"/>
-                </a:lnTo>
-                <a:lnTo>
-                  <a:pt x="7497762" y="981075"/>
-                </a:lnTo>
-                <a:lnTo>
-                  <a:pt x="7478712" y="1017587"/>
-                </a:lnTo>
-                <a:lnTo>
-                  <a:pt x="7459662" y="1055687"/>
-                </a:lnTo>
-                <a:lnTo>
-                  <a:pt x="7442200" y="1095375"/>
-                </a:lnTo>
-                <a:lnTo>
-                  <a:pt x="7424737" y="1136650"/>
-                </a:lnTo>
-                <a:lnTo>
-                  <a:pt x="7410450" y="1182687"/>
-                </a:lnTo>
-                <a:lnTo>
-                  <a:pt x="7400925" y="1235075"/>
-                </a:lnTo>
-                <a:lnTo>
-                  <a:pt x="7391400" y="1295400"/>
-                </a:lnTo>
-                <a:lnTo>
-                  <a:pt x="7389812" y="1363662"/>
-                </a:lnTo>
-                <a:lnTo>
-                  <a:pt x="7391400" y="1431925"/>
-                </a:lnTo>
-                <a:lnTo>
-                  <a:pt x="7400925" y="1492250"/>
-                </a:lnTo>
-                <a:lnTo>
-                  <a:pt x="7410450" y="1544637"/>
-                </a:lnTo>
-                <a:lnTo>
-                  <a:pt x="7424737" y="1589087"/>
-                </a:lnTo>
-                <a:lnTo>
-                  <a:pt x="7442200" y="1631950"/>
-                </a:lnTo>
-                <a:lnTo>
-                  <a:pt x="7459662" y="1671637"/>
-                </a:lnTo>
-                <a:lnTo>
-                  <a:pt x="7478712" y="1708150"/>
-                </a:lnTo>
-                <a:lnTo>
-                  <a:pt x="7497762" y="1743075"/>
-                </a:lnTo>
-                <a:lnTo>
-                  <a:pt x="7516812" y="1782762"/>
-                </a:lnTo>
-                <a:lnTo>
-                  <a:pt x="7532687" y="1824037"/>
-                </a:lnTo>
-                <a:lnTo>
-                  <a:pt x="7546975" y="1870075"/>
-                </a:lnTo>
-                <a:lnTo>
-                  <a:pt x="7558087" y="1922462"/>
-                </a:lnTo>
-                <a:lnTo>
-                  <a:pt x="7566025" y="1982787"/>
-                </a:lnTo>
-                <a:lnTo>
-                  <a:pt x="7569200" y="2051050"/>
-                </a:lnTo>
-                <a:lnTo>
-                  <a:pt x="7566025" y="2119312"/>
-                </a:lnTo>
-                <a:lnTo>
-                  <a:pt x="7558087" y="2179637"/>
-                </a:lnTo>
-                <a:lnTo>
-                  <a:pt x="7546975" y="2232025"/>
-                </a:lnTo>
-                <a:lnTo>
-                  <a:pt x="7532687" y="2278062"/>
-                </a:lnTo>
-                <a:lnTo>
-                  <a:pt x="7516812" y="2319337"/>
-                </a:lnTo>
-                <a:lnTo>
-                  <a:pt x="7497762" y="2359025"/>
-                </a:lnTo>
-                <a:lnTo>
-                  <a:pt x="7478712" y="2395537"/>
-                </a:lnTo>
-                <a:lnTo>
-                  <a:pt x="7459662" y="2433637"/>
-                </a:lnTo>
-                <a:lnTo>
-                  <a:pt x="7442200" y="2471737"/>
-                </a:lnTo>
-                <a:lnTo>
-                  <a:pt x="7424737" y="2513012"/>
-                </a:lnTo>
-                <a:lnTo>
-                  <a:pt x="7410450" y="2560637"/>
-                </a:lnTo>
-                <a:lnTo>
-                  <a:pt x="7400925" y="2613025"/>
-                </a:lnTo>
-                <a:lnTo>
-                  <a:pt x="7391400" y="2671762"/>
-                </a:lnTo>
-                <a:lnTo>
-                  <a:pt x="7389812" y="2741612"/>
-                </a:lnTo>
-                <a:lnTo>
-                  <a:pt x="7391400" y="2809875"/>
-                </a:lnTo>
-                <a:lnTo>
-                  <a:pt x="7400925" y="2868612"/>
-                </a:lnTo>
-                <a:lnTo>
-                  <a:pt x="7410450" y="2922587"/>
-                </a:lnTo>
-                <a:lnTo>
-                  <a:pt x="7424737" y="2967037"/>
-                </a:lnTo>
-                <a:lnTo>
-                  <a:pt x="7442200" y="3009900"/>
-                </a:lnTo>
-                <a:lnTo>
-                  <a:pt x="7459662" y="3046412"/>
-                </a:lnTo>
-                <a:lnTo>
-                  <a:pt x="7478712" y="3084512"/>
-                </a:lnTo>
-                <a:lnTo>
-                  <a:pt x="7497762" y="3121025"/>
-                </a:lnTo>
-                <a:lnTo>
-                  <a:pt x="7516812" y="3160712"/>
-                </a:lnTo>
-                <a:lnTo>
-                  <a:pt x="7532687" y="3201987"/>
-                </a:lnTo>
-                <a:lnTo>
-                  <a:pt x="7546975" y="3248025"/>
-                </a:lnTo>
-                <a:lnTo>
-                  <a:pt x="7558087" y="3300412"/>
-                </a:lnTo>
-                <a:lnTo>
-                  <a:pt x="7566025" y="3360737"/>
-                </a:lnTo>
-                <a:lnTo>
-                  <a:pt x="7569200" y="3427412"/>
-                </a:lnTo>
-                <a:lnTo>
-                  <a:pt x="7566025" y="3497262"/>
-                </a:lnTo>
-                <a:lnTo>
-                  <a:pt x="7558087" y="3557587"/>
-                </a:lnTo>
-                <a:lnTo>
-                  <a:pt x="7546975" y="3609975"/>
-                </a:lnTo>
-                <a:lnTo>
-                  <a:pt x="7532687" y="3656012"/>
-                </a:lnTo>
-                <a:lnTo>
-                  <a:pt x="7516812" y="3697287"/>
-                </a:lnTo>
-                <a:lnTo>
-                  <a:pt x="7497762" y="3736975"/>
-                </a:lnTo>
-                <a:lnTo>
-                  <a:pt x="7459662" y="3811587"/>
-                </a:lnTo>
-                <a:lnTo>
-                  <a:pt x="7442200" y="3848100"/>
-                </a:lnTo>
-                <a:lnTo>
-                  <a:pt x="7424737" y="3890962"/>
-                </a:lnTo>
-                <a:lnTo>
-                  <a:pt x="7410450" y="3935412"/>
-                </a:lnTo>
-                <a:lnTo>
-                  <a:pt x="7400925" y="3987800"/>
-                </a:lnTo>
-                <a:lnTo>
-                  <a:pt x="7391400" y="4048125"/>
-                </a:lnTo>
-                <a:lnTo>
-                  <a:pt x="7389812" y="4116387"/>
-                </a:lnTo>
-                <a:lnTo>
-                  <a:pt x="7391400" y="4186237"/>
-                </a:lnTo>
-                <a:lnTo>
-                  <a:pt x="7400925" y="4244975"/>
-                </a:lnTo>
-                <a:lnTo>
-                  <a:pt x="7410450" y="4297362"/>
-                </a:lnTo>
-                <a:lnTo>
-                  <a:pt x="7424737" y="4343400"/>
-                </a:lnTo>
-                <a:lnTo>
-                  <a:pt x="7442200" y="4386262"/>
-                </a:lnTo>
-                <a:lnTo>
-                  <a:pt x="7459662" y="4424362"/>
-                </a:lnTo>
-                <a:lnTo>
-                  <a:pt x="7497762" y="4498975"/>
-                </a:lnTo>
-                <a:lnTo>
-                  <a:pt x="7516812" y="4537075"/>
-                </a:lnTo>
-                <a:lnTo>
-                  <a:pt x="7532687" y="4579937"/>
-                </a:lnTo>
-                <a:lnTo>
-                  <a:pt x="7546975" y="4625975"/>
-                </a:lnTo>
-                <a:lnTo>
-                  <a:pt x="7558087" y="4678362"/>
-                </a:lnTo>
-                <a:lnTo>
-                  <a:pt x="7566025" y="4738687"/>
-                </a:lnTo>
-                <a:lnTo>
-                  <a:pt x="7569200" y="4806950"/>
-                </a:lnTo>
-                <a:lnTo>
-                  <a:pt x="7566025" y="4875212"/>
-                </a:lnTo>
-                <a:lnTo>
-                  <a:pt x="7558087" y="4935537"/>
-                </a:lnTo>
-                <a:lnTo>
-                  <a:pt x="7546975" y="4987925"/>
-                </a:lnTo>
-                <a:lnTo>
-                  <a:pt x="7532687" y="5033962"/>
-                </a:lnTo>
-                <a:lnTo>
-                  <a:pt x="7516812" y="5075237"/>
-                </a:lnTo>
-                <a:lnTo>
-                  <a:pt x="7497762" y="5114925"/>
-                </a:lnTo>
-                <a:lnTo>
-                  <a:pt x="7478712" y="5149850"/>
-                </a:lnTo>
-                <a:lnTo>
-                  <a:pt x="7459662" y="5186362"/>
-                </a:lnTo>
-                <a:lnTo>
-                  <a:pt x="7442200" y="5226050"/>
-                </a:lnTo>
-                <a:lnTo>
-                  <a:pt x="7424737" y="5268912"/>
-                </a:lnTo>
-                <a:lnTo>
-                  <a:pt x="7410450" y="5313362"/>
-                </a:lnTo>
-                <a:lnTo>
-                  <a:pt x="7400925" y="5365750"/>
-                </a:lnTo>
-                <a:lnTo>
-                  <a:pt x="7391400" y="5426075"/>
-                </a:lnTo>
-                <a:lnTo>
-                  <a:pt x="7389812" y="5494337"/>
-                </a:lnTo>
-                <a:lnTo>
-                  <a:pt x="7391400" y="5562600"/>
-                </a:lnTo>
-                <a:lnTo>
-                  <a:pt x="7400925" y="5622925"/>
-                </a:lnTo>
-                <a:lnTo>
-                  <a:pt x="7410450" y="5675312"/>
-                </a:lnTo>
-                <a:lnTo>
-                  <a:pt x="7424737" y="5721350"/>
-                </a:lnTo>
-                <a:lnTo>
-                  <a:pt x="7442200" y="5762625"/>
-                </a:lnTo>
-                <a:lnTo>
-                  <a:pt x="7459662" y="5802312"/>
-                </a:lnTo>
-                <a:lnTo>
-                  <a:pt x="7478712" y="5840412"/>
-                </a:lnTo>
-                <a:lnTo>
-                  <a:pt x="7497762" y="5876925"/>
-                </a:lnTo>
-                <a:lnTo>
-                  <a:pt x="7516812" y="5915025"/>
-                </a:lnTo>
-                <a:lnTo>
-                  <a:pt x="7532687" y="5956300"/>
-                </a:lnTo>
-                <a:lnTo>
-                  <a:pt x="7546975" y="6003925"/>
-                </a:lnTo>
-                <a:lnTo>
-                  <a:pt x="7558087" y="6056312"/>
-                </a:lnTo>
-                <a:lnTo>
-                  <a:pt x="7566025" y="6113462"/>
-                </a:lnTo>
-                <a:lnTo>
-                  <a:pt x="7569200" y="6183312"/>
-                </a:lnTo>
-                <a:lnTo>
-                  <a:pt x="7566025" y="6251575"/>
-                </a:lnTo>
-                <a:lnTo>
-                  <a:pt x="7558087" y="6311900"/>
-                </a:lnTo>
-                <a:lnTo>
-                  <a:pt x="7546975" y="6361112"/>
-                </a:lnTo>
-                <a:lnTo>
-                  <a:pt x="7532687" y="6407150"/>
-                </a:lnTo>
-                <a:lnTo>
-                  <a:pt x="7516812" y="6448425"/>
-                </a:lnTo>
-                <a:lnTo>
-                  <a:pt x="7499350" y="6488112"/>
-                </a:lnTo>
-                <a:lnTo>
-                  <a:pt x="7481887" y="6523037"/>
-                </a:lnTo>
-                <a:lnTo>
-                  <a:pt x="7462837" y="6561137"/>
-                </a:lnTo>
-                <a:lnTo>
-                  <a:pt x="7443787" y="6597650"/>
-                </a:lnTo>
-                <a:lnTo>
-                  <a:pt x="7427912" y="6640512"/>
-                </a:lnTo>
-                <a:lnTo>
-                  <a:pt x="7412037" y="6683375"/>
-                </a:lnTo>
-                <a:lnTo>
-                  <a:pt x="7402512" y="6735762"/>
-                </a:lnTo>
-                <a:lnTo>
-                  <a:pt x="7394575" y="6791325"/>
-                </a:lnTo>
-                <a:lnTo>
-                  <a:pt x="7389812" y="6858000"/>
-                </a:lnTo>
-                <a:lnTo>
-                  <a:pt x="0" y="6858000"/>
-                </a:lnTo>
-                <a:lnTo>
-                  <a:pt x="0" y="0"/>
-                </a:lnTo>
-                <a:close/>
-              </a:path>
-            </a:pathLst>
-          </a:custGeom>
-          <a:solidFill>
-            <a:schemeClr val="bg2">
-              <a:lumMod val="90000"/>
-            </a:schemeClr>
-          </a:solidFill>
-          <a:ln w="0">
-            <a:noFill/>
-            <a:prstDash val="solid"/>
-            <a:round/>
-            <a:headEnd/>
-            <a:tailEnd/>
-          </a:ln>
-        </p:spPr>
-      </p:sp>
       <p:sp>
         <p:nvSpPr>
           <p:cNvPr id="2" name="Заголовок 1">
@@ -11524,7 +7355,7 @@
         </p:nvSpPr>
         <p:spPr>
           <a:xfrm>
-            <a:off x="754144" y="484631"/>
+            <a:off x="1220554" y="298364"/>
             <a:ext cx="6340519" cy="1638469"/>
           </a:xfrm>
         </p:spPr>
@@ -11568,61 +7399,6 @@
             </a:r>
           </a:p>
         </p:txBody>
-      </p:sp>
-      <p:sp>
-        <p:nvSpPr>
-          <p:cNvPr id="15" name="Rectangle 14">
-            <a:extLst>
-              <a:ext uri="{FF2B5EF4-FFF2-40B4-BE49-F238E27FC236}">
-                <a16:creationId xmlns:a16="http://schemas.microsoft.com/office/drawing/2014/main" id="{5FDAFA16-9D2D-4BEC-89D0-B4EABEE911B1}"/>
-              </a:ext>
-              <a:ext uri="{C183D7F6-B498-43B3-948B-1728B52AA6E4}">
-                <adec:decorative xmlns:adec="http://schemas.microsoft.com/office/drawing/2017/decorative" val="1"/>
-              </a:ext>
-            </a:extLst>
-          </p:cNvPr>
-          <p:cNvSpPr>
-            <a:spLocks noGrp="1" noRot="1" noChangeAspect="1" noMove="1" noResize="1" noEditPoints="1" noAdjustHandles="1" noChangeArrowheads="1" noChangeShapeType="1" noTextEdit="1"/>
-          </p:cNvSpPr>
-          <p:nvPr>
-            <p:extLst>
-              <p:ext uri="{386F3935-93C4-4BCD-93E2-E3B085C9AB24}">
-                <p16:designElem xmlns:p16="http://schemas.microsoft.com/office/powerpoint/2015/main" val="1"/>
-              </p:ext>
-            </p:extLst>
-          </p:nvPr>
-        </p:nvSpPr>
-        <p:spPr>
-          <a:xfrm>
-            <a:off x="0" y="0"/>
-            <a:ext cx="283464" cy="6858000"/>
-          </a:xfrm>
-          <a:prstGeom prst="rect">
-            <a:avLst/>
-          </a:prstGeom>
-          <a:solidFill>
-            <a:schemeClr val="accent1"/>
-          </a:solidFill>
-          <a:ln>
-            <a:noFill/>
-          </a:ln>
-        </p:spPr>
-        <p:style>
-          <a:lnRef idx="2">
-            <a:schemeClr val="accent1">
-              <a:shade val="50000"/>
-            </a:schemeClr>
-          </a:lnRef>
-          <a:fillRef idx="1">
-            <a:schemeClr val="accent1"/>
-          </a:fillRef>
-          <a:effectRef idx="0">
-            <a:schemeClr val="accent1"/>
-          </a:effectRef>
-          <a:fontRef idx="minor">
-            <a:schemeClr val="lt1"/>
-          </a:fontRef>
-        </p:style>
       </p:sp>
       <p:sp>
         <p:nvSpPr>
@@ -11638,7 +7414,7 @@
         </p:nvSpPr>
         <p:spPr>
           <a:xfrm>
-            <a:off x="765051" y="2443140"/>
+            <a:off x="988059" y="2443140"/>
             <a:ext cx="6306309" cy="3930227"/>
           </a:xfrm>
           <a:prstGeom prst="rect">
@@ -11721,7 +7497,14 @@
               <a:buChar char="•"/>
             </a:pPr>
             <a:r>
-              <a:rPr lang="en-US" sz="1700" dirty="0"/>
+              <a:rPr lang="en-US" sz="1700" dirty="0">
+                <a:solidFill>
+                  <a:schemeClr val="tx2">
+                    <a:lumMod val="75000"/>
+                    <a:lumOff val="25000"/>
+                  </a:schemeClr>
+                </a:solidFill>
+              </a:rPr>
               <a:t>ng-bootstrap</a:t>
             </a:r>
           </a:p>
@@ -11750,8 +7533,15 @@
               <a:buChar char="•"/>
             </a:pPr>
             <a:r>
-              <a:rPr lang="en-US" sz="1700" dirty="0"/>
-              <a:t>Firebase Hosting &amp; Auth etc..</a:t>
+              <a:rPr lang="en-US" sz="1700" dirty="0">
+                <a:solidFill>
+                  <a:schemeClr val="tx2">
+                    <a:lumMod val="75000"/>
+                    <a:lumOff val="25000"/>
+                  </a:schemeClr>
+                </a:solidFill>
+              </a:rPr>
+              <a:t>Firebase Hosting &amp; Auth..</a:t>
             </a:r>
           </a:p>
           <a:p>
@@ -11890,6 +7680,20 @@
             <a:avLst/>
           </a:prstGeom>
         </p:spPr>
+        <p:style>
+          <a:lnRef idx="1">
+            <a:schemeClr val="dk1"/>
+          </a:lnRef>
+          <a:fillRef idx="2">
+            <a:schemeClr val="dk1"/>
+          </a:fillRef>
+          <a:effectRef idx="1">
+            <a:schemeClr val="dk1"/>
+          </a:effectRef>
+          <a:fontRef idx="minor">
+            <a:schemeClr val="dk1"/>
+          </a:fontRef>
+        </p:style>
       </p:pic>
     </p:spTree>
     <p:extLst>
@@ -11933,61 +7737,6 @@
           <a:chExt cx="0" cy="0"/>
         </a:xfrm>
       </p:grpSpPr>
-      <p:sp>
-        <p:nvSpPr>
-          <p:cNvPr id="2" name="Заголовок 1">
-            <a:extLst>
-              <a:ext uri="{FF2B5EF4-FFF2-40B4-BE49-F238E27FC236}">
-                <a16:creationId xmlns:a16="http://schemas.microsoft.com/office/drawing/2014/main" id="{C616B417-0B7A-40A1-8E59-4F2B92D8387B}"/>
-              </a:ext>
-            </a:extLst>
-          </p:cNvPr>
-          <p:cNvSpPr>
-            <a:spLocks noGrp="1"/>
-          </p:cNvSpPr>
-          <p:nvPr>
-            <p:ph type="title"/>
-          </p:nvPr>
-        </p:nvSpPr>
-        <p:spPr/>
-        <p:txBody>
-          <a:bodyPr/>
-          <a:lstStyle/>
-          <a:p>
-            <a:r>
-              <a:rPr lang="ru-RU" dirty="0"/>
-              <a:t>ПОЧЕМУ НАШ ПРОДУКТ?</a:t>
-            </a:r>
-            <a:endParaRPr lang="en-GB" dirty="0"/>
-          </a:p>
-        </p:txBody>
-      </p:sp>
-      <p:graphicFrame>
-        <p:nvGraphicFramePr>
-          <p:cNvPr id="7" name="Объект 2">
-            <a:extLst>
-              <a:ext uri="{FF2B5EF4-FFF2-40B4-BE49-F238E27FC236}">
-                <a16:creationId xmlns:a16="http://schemas.microsoft.com/office/drawing/2014/main" id="{976511B2-D5D6-437C-A475-89590597F571}"/>
-              </a:ext>
-            </a:extLst>
-          </p:cNvPr>
-          <p:cNvGraphicFramePr>
-            <a:graphicFrameLocks noGrp="1"/>
-          </p:cNvGraphicFramePr>
-          <p:nvPr>
-            <p:ph idx="1"/>
-          </p:nvPr>
-        </p:nvGraphicFramePr>
-        <p:xfrm>
-          <a:off x="1251678" y="2286001"/>
-          <a:ext cx="10178322" cy="3593591"/>
-        </p:xfrm>
-        <a:graphic>
-          <a:graphicData uri="http://schemas.openxmlformats.org/drawingml/2006/diagram">
-            <dgm:relIds xmlns:dgm="http://schemas.openxmlformats.org/drawingml/2006/diagram" xmlns:r="http://schemas.openxmlformats.org/officeDocument/2006/relationships" r:dm="rId2" r:lo="rId3" r:qs="rId4" r:cs="rId5"/>
-          </a:graphicData>
-        </a:graphic>
-      </p:graphicFrame>
       <p:pic>
         <p:nvPicPr>
           <p:cNvPr id="5" name="Рисунок 4">
@@ -12003,7 +7752,7 @@
           <p:nvPr/>
         </p:nvPicPr>
         <p:blipFill>
-          <a:blip r:embed="rId7">
+          <a:blip r:embed="rId2">
             <a:extLst>
               <a:ext uri="{28A0092B-C50C-407E-A947-70E740481C1C}">
                 <a14:useLocalDpi xmlns:a14="http://schemas.microsoft.com/office/drawing/2010/main" val="0"/>
@@ -12016,8 +7765,152 @@
         </p:blipFill>
         <p:spPr>
           <a:xfrm>
-            <a:off x="8225861" y="382385"/>
-            <a:ext cx="3534268" cy="1124107"/>
+            <a:off x="938589" y="1184414"/>
+            <a:ext cx="4132307" cy="1314319"/>
+          </a:xfrm>
+          <a:prstGeom prst="rect">
+            <a:avLst/>
+          </a:prstGeom>
+        </p:spPr>
+      </p:pic>
+      <p:pic>
+        <p:nvPicPr>
+          <p:cNvPr id="8" name="Рисунок 7">
+            <a:extLst>
+              <a:ext uri="{FF2B5EF4-FFF2-40B4-BE49-F238E27FC236}">
+                <a16:creationId xmlns:a16="http://schemas.microsoft.com/office/drawing/2014/main" id="{51F37F47-3272-4801-A066-038BF31B9ADD}"/>
+              </a:ext>
+            </a:extLst>
+          </p:cNvPr>
+          <p:cNvPicPr>
+            <a:picLocks noChangeAspect="1"/>
+          </p:cNvPicPr>
+          <p:nvPr/>
+        </p:nvPicPr>
+        <p:blipFill>
+          <a:blip r:embed="rId3">
+            <a:extLst>
+              <a:ext uri="{28A0092B-C50C-407E-A947-70E740481C1C}">
+                <a14:useLocalDpi xmlns:a14="http://schemas.microsoft.com/office/drawing/2010/main" val="0"/>
+              </a:ext>
+            </a:extLst>
+          </a:blip>
+          <a:stretch>
+            <a:fillRect/>
+          </a:stretch>
+        </p:blipFill>
+        <p:spPr>
+          <a:xfrm>
+            <a:off x="0" y="-1"/>
+            <a:ext cx="15800108" cy="1024467"/>
+          </a:xfrm>
+          <a:prstGeom prst="rect">
+            <a:avLst/>
+          </a:prstGeom>
+        </p:spPr>
+      </p:pic>
+      <p:pic>
+        <p:nvPicPr>
+          <p:cNvPr id="10" name="Рисунок 9">
+            <a:extLst>
+              <a:ext uri="{FF2B5EF4-FFF2-40B4-BE49-F238E27FC236}">
+                <a16:creationId xmlns:a16="http://schemas.microsoft.com/office/drawing/2014/main" id="{A2F46FA6-DC11-4525-93C3-C4F71DC000EF}"/>
+              </a:ext>
+            </a:extLst>
+          </p:cNvPr>
+          <p:cNvPicPr>
+            <a:picLocks noChangeAspect="1"/>
+          </p:cNvPicPr>
+          <p:nvPr/>
+        </p:nvPicPr>
+        <p:blipFill>
+          <a:blip r:embed="rId4">
+            <a:extLst>
+              <a:ext uri="{28A0092B-C50C-407E-A947-70E740481C1C}">
+                <a14:useLocalDpi xmlns:a14="http://schemas.microsoft.com/office/drawing/2010/main" val="0"/>
+              </a:ext>
+            </a:extLst>
+          </a:blip>
+          <a:stretch>
+            <a:fillRect/>
+          </a:stretch>
+        </p:blipFill>
+        <p:spPr>
+          <a:xfrm>
+            <a:off x="0" y="2666415"/>
+            <a:ext cx="7344800" cy="4191585"/>
+          </a:xfrm>
+          <a:prstGeom prst="rect">
+            <a:avLst/>
+          </a:prstGeom>
+        </p:spPr>
+      </p:pic>
+      <p:pic>
+        <p:nvPicPr>
+          <p:cNvPr id="12" name="Рисунок 11">
+            <a:extLst>
+              <a:ext uri="{FF2B5EF4-FFF2-40B4-BE49-F238E27FC236}">
+                <a16:creationId xmlns:a16="http://schemas.microsoft.com/office/drawing/2014/main" id="{D1CF53C3-B122-4A08-A559-1723ABD5994F}"/>
+              </a:ext>
+            </a:extLst>
+          </p:cNvPr>
+          <p:cNvPicPr>
+            <a:picLocks noChangeAspect="1"/>
+          </p:cNvPicPr>
+          <p:nvPr/>
+        </p:nvPicPr>
+        <p:blipFill>
+          <a:blip r:embed="rId5">
+            <a:extLst>
+              <a:ext uri="{28A0092B-C50C-407E-A947-70E740481C1C}">
+                <a14:useLocalDpi xmlns:a14="http://schemas.microsoft.com/office/drawing/2010/main" val="0"/>
+              </a:ext>
+            </a:extLst>
+          </a:blip>
+          <a:stretch>
+            <a:fillRect/>
+          </a:stretch>
+        </p:blipFill>
+        <p:spPr>
+          <a:xfrm>
+            <a:off x="7633268" y="1928660"/>
+            <a:ext cx="2610214" cy="4887007"/>
+          </a:xfrm>
+          <a:prstGeom prst="rect">
+            <a:avLst/>
+          </a:prstGeom>
+        </p:spPr>
+      </p:pic>
+      <p:pic>
+        <p:nvPicPr>
+          <p:cNvPr id="14" name="Рисунок 13">
+            <a:extLst>
+              <a:ext uri="{FF2B5EF4-FFF2-40B4-BE49-F238E27FC236}">
+                <a16:creationId xmlns:a16="http://schemas.microsoft.com/office/drawing/2014/main" id="{D5EBEB17-7F2A-4046-8C47-0931D89ED8A4}"/>
+              </a:ext>
+            </a:extLst>
+          </p:cNvPr>
+          <p:cNvPicPr>
+            <a:picLocks noChangeAspect="1"/>
+          </p:cNvPicPr>
+          <p:nvPr/>
+        </p:nvPicPr>
+        <p:blipFill>
+          <a:blip r:embed="rId6">
+            <a:extLst>
+              <a:ext uri="{28A0092B-C50C-407E-A947-70E740481C1C}">
+                <a14:useLocalDpi xmlns:a14="http://schemas.microsoft.com/office/drawing/2010/main" val="0"/>
+              </a:ext>
+            </a:extLst>
+          </a:blip>
+          <a:stretch>
+            <a:fillRect/>
+          </a:stretch>
+        </p:blipFill>
+        <p:spPr>
+          <a:xfrm>
+            <a:off x="10283574" y="1928660"/>
+            <a:ext cx="1795517" cy="2193617"/>
           </a:xfrm>
           <a:prstGeom prst="rect">
             <a:avLst/>
@@ -12046,6 +7939,144 @@
       </p:transition>
     </mc:Fallback>
   </mc:AlternateContent>
+</p:sld>
+</file>
+
+<file path=ppt/slides/slide4.xml><?xml version="1.0" encoding="utf-8"?>
+<p:sld xmlns:a="http://schemas.openxmlformats.org/drawingml/2006/main" xmlns:r="http://schemas.openxmlformats.org/officeDocument/2006/relationships" xmlns:p="http://schemas.openxmlformats.org/presentationml/2006/main">
+  <p:cSld>
+    <p:spTree>
+      <p:nvGrpSpPr>
+        <p:cNvPr id="1" name=""/>
+        <p:cNvGrpSpPr/>
+        <p:nvPr/>
+      </p:nvGrpSpPr>
+      <p:grpSpPr>
+        <a:xfrm>
+          <a:off x="0" y="0"/>
+          <a:ext cx="0" cy="0"/>
+          <a:chOff x="0" y="0"/>
+          <a:chExt cx="0" cy="0"/>
+        </a:xfrm>
+      </p:grpSpPr>
+      <p:pic>
+        <p:nvPicPr>
+          <p:cNvPr id="5" name="Рисунок 4">
+            <a:extLst>
+              <a:ext uri="{FF2B5EF4-FFF2-40B4-BE49-F238E27FC236}">
+                <a16:creationId xmlns:a16="http://schemas.microsoft.com/office/drawing/2014/main" id="{B8C0892A-CEEF-4B1C-A614-E785334E6EC9}"/>
+              </a:ext>
+            </a:extLst>
+          </p:cNvPr>
+          <p:cNvPicPr>
+            <a:picLocks noChangeAspect="1"/>
+          </p:cNvPicPr>
+          <p:nvPr/>
+        </p:nvPicPr>
+        <p:blipFill>
+          <a:blip r:embed="rId2">
+            <a:extLst>
+              <a:ext uri="{28A0092B-C50C-407E-A947-70E740481C1C}">
+                <a14:useLocalDpi xmlns:a14="http://schemas.microsoft.com/office/drawing/2010/main" val="0"/>
+              </a:ext>
+            </a:extLst>
+          </a:blip>
+          <a:stretch>
+            <a:fillRect/>
+          </a:stretch>
+        </p:blipFill>
+        <p:spPr>
+          <a:xfrm>
+            <a:off x="317290" y="3640186"/>
+            <a:ext cx="5210902" cy="3115110"/>
+          </a:xfrm>
+          <a:prstGeom prst="rect">
+            <a:avLst/>
+          </a:prstGeom>
+        </p:spPr>
+      </p:pic>
+      <p:pic>
+        <p:nvPicPr>
+          <p:cNvPr id="7" name="Рисунок 6">
+            <a:extLst>
+              <a:ext uri="{FF2B5EF4-FFF2-40B4-BE49-F238E27FC236}">
+                <a16:creationId xmlns:a16="http://schemas.microsoft.com/office/drawing/2014/main" id="{6401CA35-AD25-4594-BA06-D362366C6571}"/>
+              </a:ext>
+            </a:extLst>
+          </p:cNvPr>
+          <p:cNvPicPr>
+            <a:picLocks noChangeAspect="1"/>
+          </p:cNvPicPr>
+          <p:nvPr/>
+        </p:nvPicPr>
+        <p:blipFill>
+          <a:blip r:embed="rId3">
+            <a:extLst>
+              <a:ext uri="{28A0092B-C50C-407E-A947-70E740481C1C}">
+                <a14:useLocalDpi xmlns:a14="http://schemas.microsoft.com/office/drawing/2010/main" val="0"/>
+              </a:ext>
+            </a:extLst>
+          </a:blip>
+          <a:stretch>
+            <a:fillRect/>
+          </a:stretch>
+        </p:blipFill>
+        <p:spPr>
+          <a:xfrm>
+            <a:off x="6663810" y="3607362"/>
+            <a:ext cx="5329409" cy="3180757"/>
+          </a:xfrm>
+          <a:prstGeom prst="rect">
+            <a:avLst/>
+          </a:prstGeom>
+        </p:spPr>
+      </p:pic>
+      <p:pic>
+        <p:nvPicPr>
+          <p:cNvPr id="3" name="Рисунок 2" descr="Изображение выглядит как текст&#10;&#10;Автоматически созданное описание">
+            <a:extLst>
+              <a:ext uri="{FF2B5EF4-FFF2-40B4-BE49-F238E27FC236}">
+                <a16:creationId xmlns:a16="http://schemas.microsoft.com/office/drawing/2014/main" id="{4B29FCDE-31CE-4A22-AB20-6346BD9094AC}"/>
+              </a:ext>
+            </a:extLst>
+          </p:cNvPr>
+          <p:cNvPicPr>
+            <a:picLocks noChangeAspect="1"/>
+          </p:cNvPicPr>
+          <p:nvPr/>
+        </p:nvPicPr>
+        <p:blipFill>
+          <a:blip r:embed="rId4">
+            <a:extLst>
+              <a:ext uri="{28A0092B-C50C-407E-A947-70E740481C1C}">
+                <a14:useLocalDpi xmlns:a14="http://schemas.microsoft.com/office/drawing/2010/main" val="0"/>
+              </a:ext>
+            </a:extLst>
+          </a:blip>
+          <a:stretch>
+            <a:fillRect/>
+          </a:stretch>
+        </p:blipFill>
+        <p:spPr>
+          <a:xfrm>
+            <a:off x="613553" y="649357"/>
+            <a:ext cx="10964894" cy="2601281"/>
+          </a:xfrm>
+          <a:prstGeom prst="rect">
+            <a:avLst/>
+          </a:prstGeom>
+        </p:spPr>
+      </p:pic>
+    </p:spTree>
+    <p:extLst>
+      <p:ext uri="{BB962C8B-B14F-4D97-AF65-F5344CB8AC3E}">
+        <p14:creationId xmlns:p14="http://schemas.microsoft.com/office/powerpoint/2010/main" val="832104596"/>
+      </p:ext>
+    </p:extLst>
+  </p:cSld>
+  <p:clrMapOvr>
+    <a:masterClrMapping/>
+  </p:clrMapOvr>
 </p:sld>
 </file>
 

--- a/skateshop-baku.pptx
+++ b/skateshop-baku.pptx
@@ -9,6 +9,7 @@
     <p:sldId id="257" r:id="rId3"/>
     <p:sldId id="258" r:id="rId4"/>
     <p:sldId id="259" r:id="rId5"/>
+    <p:sldId id="260" r:id="rId6"/>
   </p:sldIdLst>
   <p:sldSz cx="12192000" cy="6858000"/>
   <p:notesSz cx="6858000" cy="9144000"/>
@@ -1326,7 +1327,7 @@
           <a:p>
             <a:fld id="{2E9D0A29-368F-4A33-B1F4-0EF4ACC5C815}" type="datetimeFigureOut">
               <a:rPr lang="en-GB" smtClean="0"/>
-              <a:t>12/11/2021</a:t>
+              <a:t>13/11/2021</a:t>
             </a:fld>
             <a:endParaRPr lang="en-GB"/>
           </a:p>
@@ -1564,7 +1565,7 @@
           <a:p>
             <a:fld id="{2E9D0A29-368F-4A33-B1F4-0EF4ACC5C815}" type="datetimeFigureOut">
               <a:rPr lang="en-GB" smtClean="0"/>
-              <a:t>12/11/2021</a:t>
+              <a:t>13/11/2021</a:t>
             </a:fld>
             <a:endParaRPr lang="en-GB"/>
           </a:p>
@@ -1744,7 +1745,7 @@
           <a:p>
             <a:fld id="{2E9D0A29-368F-4A33-B1F4-0EF4ACC5C815}" type="datetimeFigureOut">
               <a:rPr lang="en-GB" smtClean="0"/>
-              <a:t>12/11/2021</a:t>
+              <a:t>13/11/2021</a:t>
             </a:fld>
             <a:endParaRPr lang="en-GB"/>
           </a:p>
@@ -1914,7 +1915,7 @@
           <a:p>
             <a:fld id="{2E9D0A29-368F-4A33-B1F4-0EF4ACC5C815}" type="datetimeFigureOut">
               <a:rPr lang="en-GB" smtClean="0"/>
-              <a:t>12/11/2021</a:t>
+              <a:t>13/11/2021</a:t>
             </a:fld>
             <a:endParaRPr lang="en-GB"/>
           </a:p>
@@ -2190,7 +2191,7 @@
           <a:p>
             <a:fld id="{2E9D0A29-368F-4A33-B1F4-0EF4ACC5C815}" type="datetimeFigureOut">
               <a:rPr lang="en-GB" smtClean="0"/>
-              <a:t>12/11/2021</a:t>
+              <a:t>13/11/2021</a:t>
             </a:fld>
             <a:endParaRPr lang="en-GB"/>
           </a:p>
@@ -3391,7 +3392,7 @@
           <a:p>
             <a:fld id="{2E9D0A29-368F-4A33-B1F4-0EF4ACC5C815}" type="datetimeFigureOut">
               <a:rPr lang="en-GB" smtClean="0"/>
-              <a:t>12/11/2021</a:t>
+              <a:t>13/11/2021</a:t>
             </a:fld>
             <a:endParaRPr lang="en-GB"/>
           </a:p>
@@ -3781,7 +3782,7 @@
           <a:p>
             <a:fld id="{2E9D0A29-368F-4A33-B1F4-0EF4ACC5C815}" type="datetimeFigureOut">
               <a:rPr lang="en-GB" smtClean="0"/>
-              <a:t>12/11/2021</a:t>
+              <a:t>13/11/2021</a:t>
             </a:fld>
             <a:endParaRPr lang="en-GB"/>
           </a:p>
@@ -3904,7 +3905,7 @@
           <a:p>
             <a:fld id="{2E9D0A29-368F-4A33-B1F4-0EF4ACC5C815}" type="datetimeFigureOut">
               <a:rPr lang="en-GB" smtClean="0"/>
-              <a:t>12/11/2021</a:t>
+              <a:t>13/11/2021</a:t>
             </a:fld>
             <a:endParaRPr lang="en-GB"/>
           </a:p>
@@ -3999,7 +4000,7 @@
           <a:p>
             <a:fld id="{2E9D0A29-368F-4A33-B1F4-0EF4ACC5C815}" type="datetimeFigureOut">
               <a:rPr lang="en-GB" smtClean="0"/>
-              <a:t>12/11/2021</a:t>
+              <a:t>13/11/2021</a:t>
             </a:fld>
             <a:endParaRPr lang="en-GB"/>
           </a:p>
@@ -4762,7 +4763,7 @@
           <a:p>
             <a:fld id="{2E9D0A29-368F-4A33-B1F4-0EF4ACC5C815}" type="datetimeFigureOut">
               <a:rPr lang="en-GB" smtClean="0"/>
-              <a:t>12/11/2021</a:t>
+              <a:t>13/11/2021</a:t>
             </a:fld>
             <a:endParaRPr lang="en-GB"/>
           </a:p>
@@ -5602,7 +5603,7 @@
           <a:p>
             <a:fld id="{2E9D0A29-368F-4A33-B1F4-0EF4ACC5C815}" type="datetimeFigureOut">
               <a:rPr lang="en-GB" smtClean="0"/>
-              <a:t>12/11/2021</a:t>
+              <a:t>13/11/2021</a:t>
             </a:fld>
             <a:endParaRPr lang="en-GB"/>
           </a:p>
@@ -5829,7 +5830,7 @@
           <a:p>
             <a:fld id="{2E9D0A29-368F-4A33-B1F4-0EF4ACC5C815}" type="datetimeFigureOut">
               <a:rPr lang="en-GB" smtClean="0"/>
-              <a:t>12/11/2021</a:t>
+              <a:t>13/11/2021</a:t>
             </a:fld>
             <a:endParaRPr lang="en-GB"/>
           </a:p>
@@ -8080,6 +8081,154 @@
 </p:sld>
 </file>
 
+<file path=ppt/slides/slide5.xml><?xml version="1.0" encoding="utf-8"?>
+<p:sld xmlns:a="http://schemas.openxmlformats.org/drawingml/2006/main" xmlns:r="http://schemas.openxmlformats.org/officeDocument/2006/relationships" xmlns:p="http://schemas.openxmlformats.org/presentationml/2006/main">
+  <p:cSld>
+    <p:spTree>
+      <p:nvGrpSpPr>
+        <p:cNvPr id="1" name=""/>
+        <p:cNvGrpSpPr/>
+        <p:nvPr/>
+      </p:nvGrpSpPr>
+      <p:grpSpPr>
+        <a:xfrm>
+          <a:off x="0" y="0"/>
+          <a:ext cx="0" cy="0"/>
+          <a:chOff x="0" y="0"/>
+          <a:chExt cx="0" cy="0"/>
+        </a:xfrm>
+      </p:grpSpPr>
+      <p:sp>
+        <p:nvSpPr>
+          <p:cNvPr id="3" name="Объект 2">
+            <a:extLst>
+              <a:ext uri="{FF2B5EF4-FFF2-40B4-BE49-F238E27FC236}">
+                <a16:creationId xmlns:a16="http://schemas.microsoft.com/office/drawing/2014/main" id="{A9C26894-D099-46D9-862A-FEC24B670E1F}"/>
+              </a:ext>
+            </a:extLst>
+          </p:cNvPr>
+          <p:cNvSpPr>
+            <a:spLocks noGrp="1"/>
+          </p:cNvSpPr>
+          <p:nvPr>
+            <p:ph idx="1"/>
+          </p:nvPr>
+        </p:nvSpPr>
+        <p:spPr>
+          <a:xfrm>
+            <a:off x="1238426" y="523462"/>
+            <a:ext cx="10178322" cy="3593591"/>
+          </a:xfrm>
+        </p:spPr>
+        <p:txBody>
+          <a:bodyPr/>
+          <a:lstStyle/>
+          <a:p>
+            <a:r>
+              <a:rPr lang="en-US" dirty="0"/>
+              <a:t>Popular Products</a:t>
+            </a:r>
+          </a:p>
+          <a:p>
+            <a:r>
+              <a:rPr lang="en-US" dirty="0"/>
+              <a:t>Account function</a:t>
+            </a:r>
+          </a:p>
+          <a:p>
+            <a:r>
+              <a:rPr lang="en-US" dirty="0"/>
+              <a:t>API</a:t>
+            </a:r>
+            <a:endParaRPr lang="en-GB" dirty="0"/>
+          </a:p>
+        </p:txBody>
+      </p:sp>
+      <p:pic>
+        <p:nvPicPr>
+          <p:cNvPr id="5" name="Рисунок 4">
+            <a:extLst>
+              <a:ext uri="{FF2B5EF4-FFF2-40B4-BE49-F238E27FC236}">
+                <a16:creationId xmlns:a16="http://schemas.microsoft.com/office/drawing/2014/main" id="{5633D415-AC13-4B56-ABEB-0E8FF9B5B37A}"/>
+              </a:ext>
+            </a:extLst>
+          </p:cNvPr>
+          <p:cNvPicPr>
+            <a:picLocks noChangeAspect="1"/>
+          </p:cNvPicPr>
+          <p:nvPr/>
+        </p:nvPicPr>
+        <p:blipFill>
+          <a:blip r:embed="rId2">
+            <a:extLst>
+              <a:ext uri="{28A0092B-C50C-407E-A947-70E740481C1C}">
+                <a14:useLocalDpi xmlns:a14="http://schemas.microsoft.com/office/drawing/2010/main" val="0"/>
+              </a:ext>
+            </a:extLst>
+          </a:blip>
+          <a:stretch>
+            <a:fillRect/>
+          </a:stretch>
+        </p:blipFill>
+        <p:spPr>
+          <a:xfrm>
+            <a:off x="4260117" y="97319"/>
+            <a:ext cx="7779026" cy="3217561"/>
+          </a:xfrm>
+          <a:prstGeom prst="rect">
+            <a:avLst/>
+          </a:prstGeom>
+        </p:spPr>
+      </p:pic>
+      <p:pic>
+        <p:nvPicPr>
+          <p:cNvPr id="7" name="Рисунок 6">
+            <a:extLst>
+              <a:ext uri="{FF2B5EF4-FFF2-40B4-BE49-F238E27FC236}">
+                <a16:creationId xmlns:a16="http://schemas.microsoft.com/office/drawing/2014/main" id="{040A35A2-AC4D-479B-B65E-AADC96E02BD1}"/>
+              </a:ext>
+            </a:extLst>
+          </p:cNvPr>
+          <p:cNvPicPr>
+            <a:picLocks noChangeAspect="1"/>
+          </p:cNvPicPr>
+          <p:nvPr/>
+        </p:nvPicPr>
+        <p:blipFill>
+          <a:blip r:embed="rId3">
+            <a:extLst>
+              <a:ext uri="{28A0092B-C50C-407E-A947-70E740481C1C}">
+                <a14:useLocalDpi xmlns:a14="http://schemas.microsoft.com/office/drawing/2010/main" val="0"/>
+              </a:ext>
+            </a:extLst>
+          </a:blip>
+          <a:stretch>
+            <a:fillRect/>
+          </a:stretch>
+        </p:blipFill>
+        <p:spPr>
+          <a:xfrm>
+            <a:off x="1120104" y="3011281"/>
+            <a:ext cx="6668061" cy="3648793"/>
+          </a:xfrm>
+          <a:prstGeom prst="rect">
+            <a:avLst/>
+          </a:prstGeom>
+        </p:spPr>
+      </p:pic>
+    </p:spTree>
+    <p:extLst>
+      <p:ext uri="{BB962C8B-B14F-4D97-AF65-F5344CB8AC3E}">
+        <p14:creationId xmlns:p14="http://schemas.microsoft.com/office/powerpoint/2010/main" val="3310023192"/>
+      </p:ext>
+    </p:extLst>
+  </p:cSld>
+  <p:clrMapOvr>
+    <a:masterClrMapping/>
+  </p:clrMapOvr>
+</p:sld>
+</file>
+
 <file path=ppt/theme/theme1.xml><?xml version="1.0" encoding="utf-8"?>
 <a:theme xmlns:a="http://schemas.openxmlformats.org/drawingml/2006/main" name="Эмблема">
   <a:themeElements>

--- a/skateshop-baku.pptx
+++ b/skateshop-baku.pptx
@@ -7,9 +7,8 @@
   <p:sldIdLst>
     <p:sldId id="256" r:id="rId2"/>
     <p:sldId id="257" r:id="rId3"/>
-    <p:sldId id="258" r:id="rId4"/>
-    <p:sldId id="259" r:id="rId5"/>
-    <p:sldId id="260" r:id="rId6"/>
+    <p:sldId id="259" r:id="rId4"/>
+    <p:sldId id="260" r:id="rId5"/>
   </p:sldIdLst>
   <p:sldSz cx="12192000" cy="6858000"/>
   <p:notesSz cx="6858000" cy="9144000"/>
@@ -1327,7 +1326,7 @@
           <a:p>
             <a:fld id="{2E9D0A29-368F-4A33-B1F4-0EF4ACC5C815}" type="datetimeFigureOut">
               <a:rPr lang="en-GB" smtClean="0"/>
-              <a:t>13/11/2021</a:t>
+              <a:t>02/12/2021</a:t>
             </a:fld>
             <a:endParaRPr lang="en-GB"/>
           </a:p>
@@ -1565,7 +1564,7 @@
           <a:p>
             <a:fld id="{2E9D0A29-368F-4A33-B1F4-0EF4ACC5C815}" type="datetimeFigureOut">
               <a:rPr lang="en-GB" smtClean="0"/>
-              <a:t>13/11/2021</a:t>
+              <a:t>02/12/2021</a:t>
             </a:fld>
             <a:endParaRPr lang="en-GB"/>
           </a:p>
@@ -1745,7 +1744,7 @@
           <a:p>
             <a:fld id="{2E9D0A29-368F-4A33-B1F4-0EF4ACC5C815}" type="datetimeFigureOut">
               <a:rPr lang="en-GB" smtClean="0"/>
-              <a:t>13/11/2021</a:t>
+              <a:t>02/12/2021</a:t>
             </a:fld>
             <a:endParaRPr lang="en-GB"/>
           </a:p>
@@ -1915,7 +1914,7 @@
           <a:p>
             <a:fld id="{2E9D0A29-368F-4A33-B1F4-0EF4ACC5C815}" type="datetimeFigureOut">
               <a:rPr lang="en-GB" smtClean="0"/>
-              <a:t>13/11/2021</a:t>
+              <a:t>02/12/2021</a:t>
             </a:fld>
             <a:endParaRPr lang="en-GB"/>
           </a:p>
@@ -2191,7 +2190,7 @@
           <a:p>
             <a:fld id="{2E9D0A29-368F-4A33-B1F4-0EF4ACC5C815}" type="datetimeFigureOut">
               <a:rPr lang="en-GB" smtClean="0"/>
-              <a:t>13/11/2021</a:t>
+              <a:t>02/12/2021</a:t>
             </a:fld>
             <a:endParaRPr lang="en-GB"/>
           </a:p>
@@ -3392,7 +3391,7 @@
           <a:p>
             <a:fld id="{2E9D0A29-368F-4A33-B1F4-0EF4ACC5C815}" type="datetimeFigureOut">
               <a:rPr lang="en-GB" smtClean="0"/>
-              <a:t>13/11/2021</a:t>
+              <a:t>02/12/2021</a:t>
             </a:fld>
             <a:endParaRPr lang="en-GB"/>
           </a:p>
@@ -3782,7 +3781,7 @@
           <a:p>
             <a:fld id="{2E9D0A29-368F-4A33-B1F4-0EF4ACC5C815}" type="datetimeFigureOut">
               <a:rPr lang="en-GB" smtClean="0"/>
-              <a:t>13/11/2021</a:t>
+              <a:t>02/12/2021</a:t>
             </a:fld>
             <a:endParaRPr lang="en-GB"/>
           </a:p>
@@ -3905,7 +3904,7 @@
           <a:p>
             <a:fld id="{2E9D0A29-368F-4A33-B1F4-0EF4ACC5C815}" type="datetimeFigureOut">
               <a:rPr lang="en-GB" smtClean="0"/>
-              <a:t>13/11/2021</a:t>
+              <a:t>02/12/2021</a:t>
             </a:fld>
             <a:endParaRPr lang="en-GB"/>
           </a:p>
@@ -4000,7 +3999,7 @@
           <a:p>
             <a:fld id="{2E9D0A29-368F-4A33-B1F4-0EF4ACC5C815}" type="datetimeFigureOut">
               <a:rPr lang="en-GB" smtClean="0"/>
-              <a:t>13/11/2021</a:t>
+              <a:t>02/12/2021</a:t>
             </a:fld>
             <a:endParaRPr lang="en-GB"/>
           </a:p>
@@ -4763,7 +4762,7 @@
           <a:p>
             <a:fld id="{2E9D0A29-368F-4A33-B1F4-0EF4ACC5C815}" type="datetimeFigureOut">
               <a:rPr lang="en-GB" smtClean="0"/>
-              <a:t>13/11/2021</a:t>
+              <a:t>02/12/2021</a:t>
             </a:fld>
             <a:endParaRPr lang="en-GB"/>
           </a:p>
@@ -5603,7 +5602,7 @@
           <a:p>
             <a:fld id="{2E9D0A29-368F-4A33-B1F4-0EF4ACC5C815}" type="datetimeFigureOut">
               <a:rPr lang="en-GB" smtClean="0"/>
-              <a:t>13/11/2021</a:t>
+              <a:t>02/12/2021</a:t>
             </a:fld>
             <a:endParaRPr lang="en-GB"/>
           </a:p>
@@ -5830,7 +5829,7 @@
           <a:p>
             <a:fld id="{2E9D0A29-368F-4A33-B1F4-0EF4ACC5C815}" type="datetimeFigureOut">
               <a:rPr lang="en-GB" smtClean="0"/>
-              <a:t>13/11/2021</a:t>
+              <a:t>02/12/2021</a:t>
             </a:fld>
             <a:endParaRPr lang="en-GB"/>
           </a:p>
@@ -7180,7 +7179,7 @@
         </p:nvSpPr>
         <p:spPr>
           <a:xfrm>
-            <a:off x="9007174" y="5569510"/>
+            <a:off x="9007174" y="5730376"/>
             <a:ext cx="2989701" cy="923330"/>
           </a:xfrm>
           <a:prstGeom prst="rect">
@@ -7424,7 +7423,7 @@
         </p:spPr>
         <p:txBody>
           <a:bodyPr vert="horz" lIns="91440" tIns="45720" rIns="91440" bIns="45720" rtlCol="0">
-            <a:normAutofit fontScale="85000" lnSpcReduction="20000"/>
+            <a:normAutofit/>
           </a:bodyPr>
           <a:lstStyle/>
           <a:p>
@@ -7546,58 +7545,13 @@
             </a:r>
           </a:p>
           <a:p>
-            <a:pPr indent="-228600" defTabSz="914400">
+            <a:pPr defTabSz="914400">
               <a:spcBef>
                 <a:spcPts val="700"/>
               </a:spcBef>
               <a:buClr>
                 <a:schemeClr val="tx2"/>
               </a:buClr>
-            </a:pPr>
-            <a:endParaRPr lang="en-US" sz="1700" dirty="0"/>
-          </a:p>
-          <a:p>
-            <a:pPr marL="57150" indent="-285750" defTabSz="914400">
-              <a:spcBef>
-                <a:spcPts val="700"/>
-              </a:spcBef>
-              <a:buClr>
-                <a:schemeClr val="tx2"/>
-              </a:buClr>
-              <a:buFont typeface="Arial" panose="020B0604020202020204" pitchFamily="34" charset="0"/>
-              <a:buChar char="•"/>
-            </a:pPr>
-            <a:r>
-              <a:rPr lang="en-US" sz="1700" dirty="0"/>
-              <a:t>NODE JS</a:t>
-            </a:r>
-          </a:p>
-          <a:p>
-            <a:pPr marL="57150" indent="-285750" defTabSz="914400">
-              <a:spcBef>
-                <a:spcPts val="700"/>
-              </a:spcBef>
-              <a:buClr>
-                <a:schemeClr val="tx2"/>
-              </a:buClr>
-              <a:buFont typeface="Arial" panose="020B0604020202020204" pitchFamily="34" charset="0"/>
-              <a:buChar char="•"/>
-            </a:pPr>
-            <a:r>
-              <a:rPr lang="en-US" sz="1700" dirty="0"/>
-              <a:t>NODE MODULES</a:t>
-            </a:r>
-          </a:p>
-          <a:p>
-            <a:pPr marL="57150" indent="-285750" defTabSz="914400">
-              <a:spcBef>
-                <a:spcPts val="700"/>
-              </a:spcBef>
-              <a:buClr>
-                <a:schemeClr val="tx2"/>
-              </a:buClr>
-              <a:buFont typeface="Arial" panose="020B0604020202020204" pitchFamily="34" charset="0"/>
-              <a:buChar char="•"/>
             </a:pPr>
             <a:endParaRPr lang="en-US" sz="1700" dirty="0"/>
           </a:p>
@@ -7722,228 +7676,6 @@
 </file>
 
 <file path=ppt/slides/slide3.xml><?xml version="1.0" encoding="utf-8"?>
-<p:sld xmlns:a="http://schemas.openxmlformats.org/drawingml/2006/main" xmlns:r="http://schemas.openxmlformats.org/officeDocument/2006/relationships" xmlns:p="http://schemas.openxmlformats.org/presentationml/2006/main">
-  <p:cSld>
-    <p:spTree>
-      <p:nvGrpSpPr>
-        <p:cNvPr id="1" name=""/>
-        <p:cNvGrpSpPr/>
-        <p:nvPr/>
-      </p:nvGrpSpPr>
-      <p:grpSpPr>
-        <a:xfrm>
-          <a:off x="0" y="0"/>
-          <a:ext cx="0" cy="0"/>
-          <a:chOff x="0" y="0"/>
-          <a:chExt cx="0" cy="0"/>
-        </a:xfrm>
-      </p:grpSpPr>
-      <p:pic>
-        <p:nvPicPr>
-          <p:cNvPr id="5" name="Рисунок 4">
-            <a:extLst>
-              <a:ext uri="{FF2B5EF4-FFF2-40B4-BE49-F238E27FC236}">
-                <a16:creationId xmlns:a16="http://schemas.microsoft.com/office/drawing/2014/main" id="{E30DF49E-F561-4534-A21E-CEE874B9A5C8}"/>
-              </a:ext>
-            </a:extLst>
-          </p:cNvPr>
-          <p:cNvPicPr>
-            <a:picLocks noChangeAspect="1"/>
-          </p:cNvPicPr>
-          <p:nvPr/>
-        </p:nvPicPr>
-        <p:blipFill>
-          <a:blip r:embed="rId2">
-            <a:extLst>
-              <a:ext uri="{28A0092B-C50C-407E-A947-70E740481C1C}">
-                <a14:useLocalDpi xmlns:a14="http://schemas.microsoft.com/office/drawing/2010/main" val="0"/>
-              </a:ext>
-            </a:extLst>
-          </a:blip>
-          <a:stretch>
-            <a:fillRect/>
-          </a:stretch>
-        </p:blipFill>
-        <p:spPr>
-          <a:xfrm>
-            <a:off x="938589" y="1184414"/>
-            <a:ext cx="4132307" cy="1314319"/>
-          </a:xfrm>
-          <a:prstGeom prst="rect">
-            <a:avLst/>
-          </a:prstGeom>
-        </p:spPr>
-      </p:pic>
-      <p:pic>
-        <p:nvPicPr>
-          <p:cNvPr id="8" name="Рисунок 7">
-            <a:extLst>
-              <a:ext uri="{FF2B5EF4-FFF2-40B4-BE49-F238E27FC236}">
-                <a16:creationId xmlns:a16="http://schemas.microsoft.com/office/drawing/2014/main" id="{51F37F47-3272-4801-A066-038BF31B9ADD}"/>
-              </a:ext>
-            </a:extLst>
-          </p:cNvPr>
-          <p:cNvPicPr>
-            <a:picLocks noChangeAspect="1"/>
-          </p:cNvPicPr>
-          <p:nvPr/>
-        </p:nvPicPr>
-        <p:blipFill>
-          <a:blip r:embed="rId3">
-            <a:extLst>
-              <a:ext uri="{28A0092B-C50C-407E-A947-70E740481C1C}">
-                <a14:useLocalDpi xmlns:a14="http://schemas.microsoft.com/office/drawing/2010/main" val="0"/>
-              </a:ext>
-            </a:extLst>
-          </a:blip>
-          <a:stretch>
-            <a:fillRect/>
-          </a:stretch>
-        </p:blipFill>
-        <p:spPr>
-          <a:xfrm>
-            <a:off x="0" y="-1"/>
-            <a:ext cx="15800108" cy="1024467"/>
-          </a:xfrm>
-          <a:prstGeom prst="rect">
-            <a:avLst/>
-          </a:prstGeom>
-        </p:spPr>
-      </p:pic>
-      <p:pic>
-        <p:nvPicPr>
-          <p:cNvPr id="10" name="Рисунок 9">
-            <a:extLst>
-              <a:ext uri="{FF2B5EF4-FFF2-40B4-BE49-F238E27FC236}">
-                <a16:creationId xmlns:a16="http://schemas.microsoft.com/office/drawing/2014/main" id="{A2F46FA6-DC11-4525-93C3-C4F71DC000EF}"/>
-              </a:ext>
-            </a:extLst>
-          </p:cNvPr>
-          <p:cNvPicPr>
-            <a:picLocks noChangeAspect="1"/>
-          </p:cNvPicPr>
-          <p:nvPr/>
-        </p:nvPicPr>
-        <p:blipFill>
-          <a:blip r:embed="rId4">
-            <a:extLst>
-              <a:ext uri="{28A0092B-C50C-407E-A947-70E740481C1C}">
-                <a14:useLocalDpi xmlns:a14="http://schemas.microsoft.com/office/drawing/2010/main" val="0"/>
-              </a:ext>
-            </a:extLst>
-          </a:blip>
-          <a:stretch>
-            <a:fillRect/>
-          </a:stretch>
-        </p:blipFill>
-        <p:spPr>
-          <a:xfrm>
-            <a:off x="0" y="2666415"/>
-            <a:ext cx="7344800" cy="4191585"/>
-          </a:xfrm>
-          <a:prstGeom prst="rect">
-            <a:avLst/>
-          </a:prstGeom>
-        </p:spPr>
-      </p:pic>
-      <p:pic>
-        <p:nvPicPr>
-          <p:cNvPr id="12" name="Рисунок 11">
-            <a:extLst>
-              <a:ext uri="{FF2B5EF4-FFF2-40B4-BE49-F238E27FC236}">
-                <a16:creationId xmlns:a16="http://schemas.microsoft.com/office/drawing/2014/main" id="{D1CF53C3-B122-4A08-A559-1723ABD5994F}"/>
-              </a:ext>
-            </a:extLst>
-          </p:cNvPr>
-          <p:cNvPicPr>
-            <a:picLocks noChangeAspect="1"/>
-          </p:cNvPicPr>
-          <p:nvPr/>
-        </p:nvPicPr>
-        <p:blipFill>
-          <a:blip r:embed="rId5">
-            <a:extLst>
-              <a:ext uri="{28A0092B-C50C-407E-A947-70E740481C1C}">
-                <a14:useLocalDpi xmlns:a14="http://schemas.microsoft.com/office/drawing/2010/main" val="0"/>
-              </a:ext>
-            </a:extLst>
-          </a:blip>
-          <a:stretch>
-            <a:fillRect/>
-          </a:stretch>
-        </p:blipFill>
-        <p:spPr>
-          <a:xfrm>
-            <a:off x="7633268" y="1928660"/>
-            <a:ext cx="2610214" cy="4887007"/>
-          </a:xfrm>
-          <a:prstGeom prst="rect">
-            <a:avLst/>
-          </a:prstGeom>
-        </p:spPr>
-      </p:pic>
-      <p:pic>
-        <p:nvPicPr>
-          <p:cNvPr id="14" name="Рисунок 13">
-            <a:extLst>
-              <a:ext uri="{FF2B5EF4-FFF2-40B4-BE49-F238E27FC236}">
-                <a16:creationId xmlns:a16="http://schemas.microsoft.com/office/drawing/2014/main" id="{D5EBEB17-7F2A-4046-8C47-0931D89ED8A4}"/>
-              </a:ext>
-            </a:extLst>
-          </p:cNvPr>
-          <p:cNvPicPr>
-            <a:picLocks noChangeAspect="1"/>
-          </p:cNvPicPr>
-          <p:nvPr/>
-        </p:nvPicPr>
-        <p:blipFill>
-          <a:blip r:embed="rId6">
-            <a:extLst>
-              <a:ext uri="{28A0092B-C50C-407E-A947-70E740481C1C}">
-                <a14:useLocalDpi xmlns:a14="http://schemas.microsoft.com/office/drawing/2010/main" val="0"/>
-              </a:ext>
-            </a:extLst>
-          </a:blip>
-          <a:stretch>
-            <a:fillRect/>
-          </a:stretch>
-        </p:blipFill>
-        <p:spPr>
-          <a:xfrm>
-            <a:off x="10283574" y="1928660"/>
-            <a:ext cx="1795517" cy="2193617"/>
-          </a:xfrm>
-          <a:prstGeom prst="rect">
-            <a:avLst/>
-          </a:prstGeom>
-        </p:spPr>
-      </p:pic>
-    </p:spTree>
-    <p:extLst>
-      <p:ext uri="{BB962C8B-B14F-4D97-AF65-F5344CB8AC3E}">
-        <p14:creationId xmlns:p14="http://schemas.microsoft.com/office/powerpoint/2010/main" val="1600000072"/>
-      </p:ext>
-    </p:extLst>
-  </p:cSld>
-  <p:clrMapOvr>
-    <a:masterClrMapping/>
-  </p:clrMapOvr>
-  <mc:AlternateContent xmlns:mc="http://schemas.openxmlformats.org/markup-compatibility/2006" xmlns:p14="http://schemas.microsoft.com/office/powerpoint/2010/main">
-    <mc:Choice Requires="p14">
-      <p:transition spd="slow">
-        <p14:glitter pattern="hexagon"/>
-      </p:transition>
-    </mc:Choice>
-    <mc:Fallback xmlns="">
-      <p:transition spd="slow">
-        <p:fade/>
-      </p:transition>
-    </mc:Fallback>
-  </mc:AlternateContent>
-</p:sld>
-</file>
-
-<file path=ppt/slides/slide4.xml><?xml version="1.0" encoding="utf-8"?>
 <p:sld xmlns:a="http://schemas.openxmlformats.org/drawingml/2006/main" xmlns:r="http://schemas.openxmlformats.org/officeDocument/2006/relationships" xmlns:p="http://schemas.openxmlformats.org/presentationml/2006/main">
   <p:cSld>
     <p:spTree>
@@ -8068,6 +7800,42 @@
           </a:prstGeom>
         </p:spPr>
       </p:pic>
+      <p:pic>
+        <p:nvPicPr>
+          <p:cNvPr id="6" name="Рисунок 5">
+            <a:extLst>
+              <a:ext uri="{FF2B5EF4-FFF2-40B4-BE49-F238E27FC236}">
+                <a16:creationId xmlns:a16="http://schemas.microsoft.com/office/drawing/2014/main" id="{5C8604D4-3B6D-47E0-9B59-0A4F7A54AB45}"/>
+              </a:ext>
+            </a:extLst>
+          </p:cNvPr>
+          <p:cNvPicPr>
+            <a:picLocks noChangeAspect="1"/>
+          </p:cNvPicPr>
+          <p:nvPr/>
+        </p:nvPicPr>
+        <p:blipFill>
+          <a:blip r:embed="rId5">
+            <a:extLst>
+              <a:ext uri="{28A0092B-C50C-407E-A947-70E740481C1C}">
+                <a14:useLocalDpi xmlns:a14="http://schemas.microsoft.com/office/drawing/2010/main" val="0"/>
+              </a:ext>
+            </a:extLst>
+          </a:blip>
+          <a:stretch>
+            <a:fillRect/>
+          </a:stretch>
+        </p:blipFill>
+        <p:spPr>
+          <a:xfrm>
+            <a:off x="5198243" y="3513364"/>
+            <a:ext cx="1795517" cy="2193617"/>
+          </a:xfrm>
+          <a:prstGeom prst="rect">
+            <a:avLst/>
+          </a:prstGeom>
+        </p:spPr>
+      </p:pic>
     </p:spTree>
     <p:extLst>
       <p:ext uri="{BB962C8B-B14F-4D97-AF65-F5344CB8AC3E}">
@@ -8081,7 +7849,7 @@
 </p:sld>
 </file>
 
-<file path=ppt/slides/slide5.xml><?xml version="1.0" encoding="utf-8"?>
+<file path=ppt/slides/slide4.xml><?xml version="1.0" encoding="utf-8"?>
 <p:sld xmlns:a="http://schemas.openxmlformats.org/drawingml/2006/main" xmlns:r="http://schemas.openxmlformats.org/officeDocument/2006/relationships" xmlns:p="http://schemas.openxmlformats.org/presentationml/2006/main">
   <p:cSld>
     <p:spTree>
@@ -8098,124 +7866,6 @@
           <a:chExt cx="0" cy="0"/>
         </a:xfrm>
       </p:grpSpPr>
-      <p:sp>
-        <p:nvSpPr>
-          <p:cNvPr id="3" name="Объект 2">
-            <a:extLst>
-              <a:ext uri="{FF2B5EF4-FFF2-40B4-BE49-F238E27FC236}">
-                <a16:creationId xmlns:a16="http://schemas.microsoft.com/office/drawing/2014/main" id="{A9C26894-D099-46D9-862A-FEC24B670E1F}"/>
-              </a:ext>
-            </a:extLst>
-          </p:cNvPr>
-          <p:cNvSpPr>
-            <a:spLocks noGrp="1"/>
-          </p:cNvSpPr>
-          <p:nvPr>
-            <p:ph idx="1"/>
-          </p:nvPr>
-        </p:nvSpPr>
-        <p:spPr>
-          <a:xfrm>
-            <a:off x="1238426" y="523462"/>
-            <a:ext cx="10178322" cy="3593591"/>
-          </a:xfrm>
-        </p:spPr>
-        <p:txBody>
-          <a:bodyPr/>
-          <a:lstStyle/>
-          <a:p>
-            <a:r>
-              <a:rPr lang="en-US" dirty="0"/>
-              <a:t>Popular Products</a:t>
-            </a:r>
-          </a:p>
-          <a:p>
-            <a:r>
-              <a:rPr lang="en-US" dirty="0"/>
-              <a:t>Account function</a:t>
-            </a:r>
-          </a:p>
-          <a:p>
-            <a:r>
-              <a:rPr lang="en-US" dirty="0"/>
-              <a:t>API</a:t>
-            </a:r>
-            <a:endParaRPr lang="en-GB" dirty="0"/>
-          </a:p>
-        </p:txBody>
-      </p:sp>
-      <p:pic>
-        <p:nvPicPr>
-          <p:cNvPr id="5" name="Рисунок 4">
-            <a:extLst>
-              <a:ext uri="{FF2B5EF4-FFF2-40B4-BE49-F238E27FC236}">
-                <a16:creationId xmlns:a16="http://schemas.microsoft.com/office/drawing/2014/main" id="{5633D415-AC13-4B56-ABEB-0E8FF9B5B37A}"/>
-              </a:ext>
-            </a:extLst>
-          </p:cNvPr>
-          <p:cNvPicPr>
-            <a:picLocks noChangeAspect="1"/>
-          </p:cNvPicPr>
-          <p:nvPr/>
-        </p:nvPicPr>
-        <p:blipFill>
-          <a:blip r:embed="rId2">
-            <a:extLst>
-              <a:ext uri="{28A0092B-C50C-407E-A947-70E740481C1C}">
-                <a14:useLocalDpi xmlns:a14="http://schemas.microsoft.com/office/drawing/2010/main" val="0"/>
-              </a:ext>
-            </a:extLst>
-          </a:blip>
-          <a:stretch>
-            <a:fillRect/>
-          </a:stretch>
-        </p:blipFill>
-        <p:spPr>
-          <a:xfrm>
-            <a:off x="4260117" y="97319"/>
-            <a:ext cx="7779026" cy="3217561"/>
-          </a:xfrm>
-          <a:prstGeom prst="rect">
-            <a:avLst/>
-          </a:prstGeom>
-        </p:spPr>
-      </p:pic>
-      <p:pic>
-        <p:nvPicPr>
-          <p:cNvPr id="7" name="Рисунок 6">
-            <a:extLst>
-              <a:ext uri="{FF2B5EF4-FFF2-40B4-BE49-F238E27FC236}">
-                <a16:creationId xmlns:a16="http://schemas.microsoft.com/office/drawing/2014/main" id="{040A35A2-AC4D-479B-B65E-AADC96E02BD1}"/>
-              </a:ext>
-            </a:extLst>
-          </p:cNvPr>
-          <p:cNvPicPr>
-            <a:picLocks noChangeAspect="1"/>
-          </p:cNvPicPr>
-          <p:nvPr/>
-        </p:nvPicPr>
-        <p:blipFill>
-          <a:blip r:embed="rId3">
-            <a:extLst>
-              <a:ext uri="{28A0092B-C50C-407E-A947-70E740481C1C}">
-                <a14:useLocalDpi xmlns:a14="http://schemas.microsoft.com/office/drawing/2010/main" val="0"/>
-              </a:ext>
-            </a:extLst>
-          </a:blip>
-          <a:stretch>
-            <a:fillRect/>
-          </a:stretch>
-        </p:blipFill>
-        <p:spPr>
-          <a:xfrm>
-            <a:off x="1120104" y="3011281"/>
-            <a:ext cx="6668061" cy="3648793"/>
-          </a:xfrm>
-          <a:prstGeom prst="rect">
-            <a:avLst/>
-          </a:prstGeom>
-        </p:spPr>
-      </p:pic>
     </p:spTree>
     <p:extLst>
       <p:ext uri="{BB962C8B-B14F-4D97-AF65-F5344CB8AC3E}">

--- a/skateshop-baku.pptx
+++ b/skateshop-baku.pptx
@@ -9,6 +9,9 @@
     <p:sldId id="257" r:id="rId3"/>
     <p:sldId id="259" r:id="rId4"/>
     <p:sldId id="260" r:id="rId5"/>
+    <p:sldId id="262" r:id="rId6"/>
+    <p:sldId id="261" r:id="rId7"/>
+    <p:sldId id="263" r:id="rId8"/>
   </p:sldIdLst>
   <p:sldSz cx="12192000" cy="6858000"/>
   <p:notesSz cx="6858000" cy="9144000"/>
@@ -1326,7 +1329,7 @@
           <a:p>
             <a:fld id="{2E9D0A29-368F-4A33-B1F4-0EF4ACC5C815}" type="datetimeFigureOut">
               <a:rPr lang="en-GB" smtClean="0"/>
-              <a:t>02/12/2021</a:t>
+              <a:t>03/12/2021</a:t>
             </a:fld>
             <a:endParaRPr lang="en-GB"/>
           </a:p>
@@ -1564,7 +1567,7 @@
           <a:p>
             <a:fld id="{2E9D0A29-368F-4A33-B1F4-0EF4ACC5C815}" type="datetimeFigureOut">
               <a:rPr lang="en-GB" smtClean="0"/>
-              <a:t>02/12/2021</a:t>
+              <a:t>03/12/2021</a:t>
             </a:fld>
             <a:endParaRPr lang="en-GB"/>
           </a:p>
@@ -1744,7 +1747,7 @@
           <a:p>
             <a:fld id="{2E9D0A29-368F-4A33-B1F4-0EF4ACC5C815}" type="datetimeFigureOut">
               <a:rPr lang="en-GB" smtClean="0"/>
-              <a:t>02/12/2021</a:t>
+              <a:t>03/12/2021</a:t>
             </a:fld>
             <a:endParaRPr lang="en-GB"/>
           </a:p>
@@ -1914,7 +1917,7 @@
           <a:p>
             <a:fld id="{2E9D0A29-368F-4A33-B1F4-0EF4ACC5C815}" type="datetimeFigureOut">
               <a:rPr lang="en-GB" smtClean="0"/>
-              <a:t>02/12/2021</a:t>
+              <a:t>03/12/2021</a:t>
             </a:fld>
             <a:endParaRPr lang="en-GB"/>
           </a:p>
@@ -2190,7 +2193,7 @@
           <a:p>
             <a:fld id="{2E9D0A29-368F-4A33-B1F4-0EF4ACC5C815}" type="datetimeFigureOut">
               <a:rPr lang="en-GB" smtClean="0"/>
-              <a:t>02/12/2021</a:t>
+              <a:t>03/12/2021</a:t>
             </a:fld>
             <a:endParaRPr lang="en-GB"/>
           </a:p>
@@ -3391,7 +3394,7 @@
           <a:p>
             <a:fld id="{2E9D0A29-368F-4A33-B1F4-0EF4ACC5C815}" type="datetimeFigureOut">
               <a:rPr lang="en-GB" smtClean="0"/>
-              <a:t>02/12/2021</a:t>
+              <a:t>03/12/2021</a:t>
             </a:fld>
             <a:endParaRPr lang="en-GB"/>
           </a:p>
@@ -3781,7 +3784,7 @@
           <a:p>
             <a:fld id="{2E9D0A29-368F-4A33-B1F4-0EF4ACC5C815}" type="datetimeFigureOut">
               <a:rPr lang="en-GB" smtClean="0"/>
-              <a:t>02/12/2021</a:t>
+              <a:t>03/12/2021</a:t>
             </a:fld>
             <a:endParaRPr lang="en-GB"/>
           </a:p>
@@ -3904,7 +3907,7 @@
           <a:p>
             <a:fld id="{2E9D0A29-368F-4A33-B1F4-0EF4ACC5C815}" type="datetimeFigureOut">
               <a:rPr lang="en-GB" smtClean="0"/>
-              <a:t>02/12/2021</a:t>
+              <a:t>03/12/2021</a:t>
             </a:fld>
             <a:endParaRPr lang="en-GB"/>
           </a:p>
@@ -3999,7 +4002,7 @@
           <a:p>
             <a:fld id="{2E9D0A29-368F-4A33-B1F4-0EF4ACC5C815}" type="datetimeFigureOut">
               <a:rPr lang="en-GB" smtClean="0"/>
-              <a:t>02/12/2021</a:t>
+              <a:t>03/12/2021</a:t>
             </a:fld>
             <a:endParaRPr lang="en-GB"/>
           </a:p>
@@ -4762,7 +4765,7 @@
           <a:p>
             <a:fld id="{2E9D0A29-368F-4A33-B1F4-0EF4ACC5C815}" type="datetimeFigureOut">
               <a:rPr lang="en-GB" smtClean="0"/>
-              <a:t>02/12/2021</a:t>
+              <a:t>03/12/2021</a:t>
             </a:fld>
             <a:endParaRPr lang="en-GB"/>
           </a:p>
@@ -5602,7 +5605,7 @@
           <a:p>
             <a:fld id="{2E9D0A29-368F-4A33-B1F4-0EF4ACC5C815}" type="datetimeFigureOut">
               <a:rPr lang="en-GB" smtClean="0"/>
-              <a:t>02/12/2021</a:t>
+              <a:t>03/12/2021</a:t>
             </a:fld>
             <a:endParaRPr lang="en-GB"/>
           </a:p>
@@ -5829,7 +5832,7 @@
           <a:p>
             <a:fld id="{2E9D0A29-368F-4A33-B1F4-0EF4ACC5C815}" type="datetimeFigureOut">
               <a:rPr lang="en-GB" smtClean="0"/>
-              <a:t>02/12/2021</a:t>
+              <a:t>03/12/2021</a:t>
             </a:fld>
             <a:endParaRPr lang="en-GB"/>
           </a:p>
@@ -7443,17 +7446,6 @@
             </a:r>
           </a:p>
           <a:p>
-            <a:pPr indent="-228600" defTabSz="914400">
-              <a:spcBef>
-                <a:spcPts val="700"/>
-              </a:spcBef>
-              <a:buClr>
-                <a:schemeClr val="tx2"/>
-              </a:buClr>
-            </a:pPr>
-            <a:endParaRPr lang="en-US" sz="1700" dirty="0"/>
-          </a:p>
-          <a:p>
             <a:pPr marL="57150" indent="-285750" defTabSz="914400">
               <a:spcBef>
                 <a:spcPts val="700"/>
@@ -7465,9 +7457,21 @@
               <a:buChar char="•"/>
             </a:pPr>
             <a:r>
-              <a:rPr lang="en-US" sz="1700" dirty="0"/>
-              <a:t>HTML, CSS</a:t>
-            </a:r>
+              <a:rPr lang="en-US" sz="1700" dirty="0" err="1"/>
+              <a:t>RxJS</a:t>
+            </a:r>
+            <a:endParaRPr lang="en-US" sz="1700" dirty="0"/>
+          </a:p>
+          <a:p>
+            <a:pPr indent="-228600" defTabSz="914400">
+              <a:spcBef>
+                <a:spcPts val="700"/>
+              </a:spcBef>
+              <a:buClr>
+                <a:schemeClr val="tx2"/>
+              </a:buClr>
+            </a:pPr>
+            <a:endParaRPr lang="en-US" sz="1700" dirty="0"/>
           </a:p>
           <a:p>
             <a:pPr marL="57150" indent="-285750" defTabSz="914400">
@@ -7482,7 +7486,7 @@
             </a:pPr>
             <a:r>
               <a:rPr lang="en-US" sz="1700" dirty="0"/>
-              <a:t>BOOTSTRAP</a:t>
+              <a:t>Bootstrap</a:t>
             </a:r>
           </a:p>
           <a:p>
@@ -7541,11 +7545,11 @@
                   </a:schemeClr>
                 </a:solidFill>
               </a:rPr>
-              <a:t>Firebase Hosting &amp; Auth..</a:t>
-            </a:r>
-          </a:p>
-          <a:p>
-            <a:pPr defTabSz="914400">
+              <a:t>Firebase Hosting,  Authentication, Realtime-Database </a:t>
+            </a:r>
+          </a:p>
+          <a:p>
+            <a:pPr indent="-228600" defTabSz="914400">
               <a:spcBef>
                 <a:spcPts val="700"/>
               </a:spcBef>
@@ -7568,34 +7572,7 @@
             </a:pPr>
             <a:r>
               <a:rPr lang="en-US" sz="1700" dirty="0"/>
-              <a:t>JavaScript, JSON</a:t>
-            </a:r>
-          </a:p>
-          <a:p>
-            <a:pPr indent="-228600" defTabSz="914400">
-              <a:spcBef>
-                <a:spcPts val="700"/>
-              </a:spcBef>
-              <a:buClr>
-                <a:schemeClr val="tx2"/>
-              </a:buClr>
-            </a:pPr>
-            <a:endParaRPr lang="en-US" sz="1700" dirty="0"/>
-          </a:p>
-          <a:p>
-            <a:pPr marL="57150" indent="-285750" defTabSz="914400">
-              <a:spcBef>
-                <a:spcPts val="700"/>
-              </a:spcBef>
-              <a:buClr>
-                <a:schemeClr val="tx2"/>
-              </a:buClr>
-              <a:buFont typeface="Arial" panose="020B0604020202020204" pitchFamily="34" charset="0"/>
-              <a:buChar char="•"/>
-            </a:pPr>
-            <a:r>
-              <a:rPr lang="en-US" sz="1700" dirty="0"/>
-              <a:t>FONT-AWESOME</a:t>
+              <a:t>Font-Awesome</a:t>
             </a:r>
           </a:p>
         </p:txBody>
@@ -7628,7 +7605,7 @@
         </p:blipFill>
         <p:spPr>
           <a:xfrm>
-            <a:off x="8050787" y="1600709"/>
+            <a:off x="7449895" y="1936833"/>
             <a:ext cx="3656581" cy="3656581"/>
           </a:xfrm>
           <a:prstGeom prst="rect">
@@ -7678,6 +7655,40 @@
 <file path=ppt/slides/slide3.xml><?xml version="1.0" encoding="utf-8"?>
 <p:sld xmlns:a="http://schemas.openxmlformats.org/drawingml/2006/main" xmlns:r="http://schemas.openxmlformats.org/officeDocument/2006/relationships" xmlns:p="http://schemas.openxmlformats.org/presentationml/2006/main">
   <p:cSld>
+    <p:bg>
+      <p:bgPr>
+        <a:gradFill>
+          <a:gsLst>
+            <a:gs pos="0">
+              <a:schemeClr val="accent1">
+                <a:lumMod val="5000"/>
+                <a:lumOff val="95000"/>
+              </a:schemeClr>
+            </a:gs>
+            <a:gs pos="74000">
+              <a:schemeClr val="accent1">
+                <a:lumMod val="45000"/>
+                <a:lumOff val="55000"/>
+              </a:schemeClr>
+            </a:gs>
+            <a:gs pos="83000">
+              <a:schemeClr val="accent1">
+                <a:lumMod val="45000"/>
+                <a:lumOff val="55000"/>
+              </a:schemeClr>
+            </a:gs>
+            <a:gs pos="100000">
+              <a:schemeClr val="accent1">
+                <a:lumMod val="30000"/>
+                <a:lumOff val="70000"/>
+              </a:schemeClr>
+            </a:gs>
+          </a:gsLst>
+          <a:lin ang="5400000" scaled="1"/>
+        </a:gradFill>
+        <a:effectLst/>
+      </p:bgPr>
+    </p:bg>
     <p:spTree>
       <p:nvGrpSpPr>
         <p:cNvPr id="1" name=""/>
@@ -7692,12 +7703,72 @@
           <a:chExt cx="0" cy="0"/>
         </a:xfrm>
       </p:grpSpPr>
+      <p:sp>
+        <p:nvSpPr>
+          <p:cNvPr id="26" name="Прямоугольник 25">
+            <a:extLst>
+              <a:ext uri="{FF2B5EF4-FFF2-40B4-BE49-F238E27FC236}">
+                <a16:creationId xmlns:a16="http://schemas.microsoft.com/office/drawing/2014/main" id="{430C612C-C5C0-400E-8674-EFCD0CD1DAFA}"/>
+              </a:ext>
+            </a:extLst>
+          </p:cNvPr>
+          <p:cNvSpPr/>
+          <p:nvPr/>
+        </p:nvSpPr>
+        <p:spPr>
+          <a:xfrm>
+            <a:off x="0" y="-31288"/>
+            <a:ext cx="12192000" cy="6889287"/>
+          </a:xfrm>
+          <a:prstGeom prst="rect">
+            <a:avLst/>
+          </a:prstGeom>
+          <a:solidFill>
+            <a:schemeClr val="tx2">
+              <a:lumMod val="90000"/>
+              <a:lumOff val="10000"/>
+            </a:schemeClr>
+          </a:solidFill>
+          <a:ln>
+            <a:solidFill>
+              <a:schemeClr val="tx2">
+                <a:lumMod val="90000"/>
+                <a:lumOff val="10000"/>
+              </a:schemeClr>
+            </a:solidFill>
+          </a:ln>
+        </p:spPr>
+        <p:style>
+          <a:lnRef idx="2">
+            <a:schemeClr val="accent1">
+              <a:shade val="50000"/>
+            </a:schemeClr>
+          </a:lnRef>
+          <a:fillRef idx="1">
+            <a:schemeClr val="accent1"/>
+          </a:fillRef>
+          <a:effectRef idx="0">
+            <a:schemeClr val="accent1"/>
+          </a:effectRef>
+          <a:fontRef idx="minor">
+            <a:schemeClr val="lt1"/>
+          </a:fontRef>
+        </p:style>
+        <p:txBody>
+          <a:bodyPr rtlCol="0" anchor="ctr"/>
+          <a:lstStyle/>
+          <a:p>
+            <a:pPr algn="ctr"/>
+            <a:endParaRPr lang="en-GB"/>
+          </a:p>
+        </p:txBody>
+      </p:sp>
       <p:pic>
         <p:nvPicPr>
-          <p:cNvPr id="5" name="Рисунок 4">
+          <p:cNvPr id="3" name="Рисунок 2" descr="Изображение выглядит как текст&#10;&#10;Автоматически созданное описание">
             <a:extLst>
               <a:ext uri="{FF2B5EF4-FFF2-40B4-BE49-F238E27FC236}">
-                <a16:creationId xmlns:a16="http://schemas.microsoft.com/office/drawing/2014/main" id="{B8C0892A-CEEF-4B1C-A614-E785334E6EC9}"/>
+                <a16:creationId xmlns:a16="http://schemas.microsoft.com/office/drawing/2014/main" id="{4B29FCDE-31CE-4A22-AB20-6346BD9094AC}"/>
               </a:ext>
             </a:extLst>
           </p:cNvPr>
@@ -7720,20 +7791,614 @@
         </p:blipFill>
         <p:spPr>
           <a:xfrm>
-            <a:off x="317290" y="3640186"/>
-            <a:ext cx="5210902" cy="3115110"/>
+            <a:off x="613553" y="0"/>
+            <a:ext cx="10964894" cy="2601281"/>
           </a:xfrm>
           <a:prstGeom prst="rect">
             <a:avLst/>
           </a:prstGeom>
         </p:spPr>
       </p:pic>
+      <p:sp>
+        <p:nvSpPr>
+          <p:cNvPr id="2" name="TextBox 1">
+            <a:extLst>
+              <a:ext uri="{FF2B5EF4-FFF2-40B4-BE49-F238E27FC236}">
+                <a16:creationId xmlns:a16="http://schemas.microsoft.com/office/drawing/2014/main" id="{AC6B7DC2-79E7-44E9-8DE5-5790CAB18C8B}"/>
+              </a:ext>
+            </a:extLst>
+          </p:cNvPr>
+          <p:cNvSpPr txBox="1"/>
+          <p:nvPr/>
+        </p:nvSpPr>
+        <p:spPr>
+          <a:xfrm>
+            <a:off x="5232110" y="-31287"/>
+            <a:ext cx="1569660" cy="369332"/>
+          </a:xfrm>
+          <a:prstGeom prst="rect">
+            <a:avLst/>
+          </a:prstGeom>
+          <a:noFill/>
+        </p:spPr>
+        <p:txBody>
+          <a:bodyPr wrap="none" rtlCol="0">
+            <a:spAutoFit/>
+          </a:bodyPr>
+          <a:lstStyle/>
+          <a:p>
+            <a:r>
+              <a:rPr lang="en-US" dirty="0"/>
+              <a:t>Authentication</a:t>
+            </a:r>
+            <a:endParaRPr lang="en-GB" dirty="0"/>
+          </a:p>
+        </p:txBody>
+      </p:sp>
       <p:pic>
         <p:nvPicPr>
-          <p:cNvPr id="7" name="Рисунок 6">
+          <p:cNvPr id="10" name="Рисунок 9">
             <a:extLst>
               <a:ext uri="{FF2B5EF4-FFF2-40B4-BE49-F238E27FC236}">
-                <a16:creationId xmlns:a16="http://schemas.microsoft.com/office/drawing/2014/main" id="{6401CA35-AD25-4594-BA06-D362366C6571}"/>
+                <a16:creationId xmlns:a16="http://schemas.microsoft.com/office/drawing/2014/main" id="{8B813591-9123-43F1-81AE-7C1D593CD281}"/>
+              </a:ext>
+            </a:extLst>
+          </p:cNvPr>
+          <p:cNvPicPr>
+            <a:picLocks noChangeAspect="1"/>
+          </p:cNvPicPr>
+          <p:nvPr/>
+        </p:nvPicPr>
+        <p:blipFill>
+          <a:blip r:embed="rId3">
+            <a:extLst>
+              <a:ext uri="{BEBA8EAE-BF5A-486C-A8C5-ECC9F3942E4B}">
+                <a14:imgProps xmlns:a14="http://schemas.microsoft.com/office/drawing/2010/main">
+                  <a14:imgLayer r:embed="rId4">
+                    <a14:imgEffect>
+                      <a14:backgroundRemoval t="7229" b="94578" l="4175" r="94307">
+                        <a14:foregroundMark x1="3795" y1="6928" x2="5123" y2="85241"/>
+                        <a14:foregroundMark x1="5123" y1="85241" x2="20304" y2="93675"/>
+                        <a14:foregroundMark x1="20304" y1="93675" x2="40038" y2="92771"/>
+                        <a14:foregroundMark x1="40038" y1="92771" x2="88425" y2="93675"/>
+                        <a14:foregroundMark x1="88425" y1="93675" x2="94687" y2="72289"/>
+                        <a14:foregroundMark x1="94687" y1="72289" x2="95825" y2="26205"/>
+                        <a14:foregroundMark x1="95825" y1="26205" x2="88235" y2="8735"/>
+                        <a14:foregroundMark x1="88235" y1="8735" x2="4364" y2="7229"/>
+                        <a14:foregroundMark x1="29981" y1="14458" x2="21822" y2="25301"/>
+                        <a14:foregroundMark x1="21822" y1="25301" x2="15939" y2="39458"/>
+                        <a14:foregroundMark x1="17837" y1="12651" x2="12524" y2="40060"/>
+                        <a14:foregroundMark x1="10626" y1="16566" x2="11006" y2="31928"/>
+                        <a14:foregroundMark x1="11006" y1="31928" x2="16129" y2="49699"/>
+                        <a14:foregroundMark x1="11575" y1="21084" x2="14991" y2="17470"/>
+                        <a14:foregroundMark x1="8729" y1="16867" x2="29602" y2="35843"/>
+                        <a14:foregroundMark x1="29602" y1="35843" x2="40038" y2="27711"/>
+                        <a14:foregroundMark x1="40038" y1="27711" x2="39279" y2="38554"/>
+                        <a14:foregroundMark x1="41935" y1="28313" x2="37192" y2="42169"/>
+                        <a14:foregroundMark x1="37192" y1="42169" x2="49336" y2="28012"/>
+                        <a14:foregroundMark x1="49336" y1="28012" x2="37571" y2="31928"/>
+                        <a14:foregroundMark x1="22011" y1="23795" x2="45161" y2="20482"/>
+                        <a14:foregroundMark x1="33017" y1="18373" x2="45731" y2="18072"/>
+                        <a14:foregroundMark x1="45731" y1="18072" x2="63947" y2="19277"/>
+                        <a14:foregroundMark x1="64706" y1="20482" x2="74194" y2="21386"/>
+                        <a14:foregroundMark x1="67552" y1="27711" x2="75332" y2="27108"/>
+                        <a14:foregroundMark x1="79696" y1="26506" x2="85389" y2="23494"/>
+                        <a14:foregroundMark x1="85199" y1="19578" x2="83302" y2="31325"/>
+                        <a14:foregroundMark x1="87856" y1="26205" x2="88805" y2="26506"/>
+                        <a14:foregroundMark x1="90323" y1="21386" x2="92220" y2="16867"/>
+                        <a14:foregroundMark x1="92979" y1="16265" x2="93738" y2="13253"/>
+                        <a14:foregroundMark x1="93928" y1="12952" x2="94497" y2="18675"/>
+                        <a14:foregroundMark x1="89753" y1="74096" x2="90323" y2="86747"/>
+                        <a14:foregroundMark x1="89564" y1="75000" x2="87097" y2="86747"/>
+                        <a14:foregroundMark x1="85579" y1="75000" x2="84061" y2="94578"/>
+                        <a14:foregroundMark x1="82732" y1="78313" x2="83871" y2="92470"/>
+                        <a14:foregroundMark x1="84250" y1="72289" x2="78748" y2="88855"/>
+                        <a14:foregroundMark x1="79507" y1="77108" x2="75712" y2="89157"/>
+                        <a14:foregroundMark x1="75142" y1="76506" x2="71537" y2="89458"/>
+                        <a14:foregroundMark x1="73624" y1="76807" x2="69070" y2="86145"/>
+                        <a14:foregroundMark x1="71347" y1="77108" x2="65655" y2="88855"/>
+                      </a14:backgroundRemoval>
+                    </a14:imgEffect>
+                  </a14:imgLayer>
+                </a14:imgProps>
+              </a:ext>
+              <a:ext uri="{28A0092B-C50C-407E-A947-70E740481C1C}">
+                <a14:useLocalDpi xmlns:a14="http://schemas.microsoft.com/office/drawing/2010/main" val="0"/>
+              </a:ext>
+            </a:extLst>
+          </a:blip>
+          <a:stretch>
+            <a:fillRect/>
+          </a:stretch>
+        </p:blipFill>
+        <p:spPr>
+          <a:xfrm>
+            <a:off x="2000057" y="2327498"/>
+            <a:ext cx="5020376" cy="3162741"/>
+          </a:xfrm>
+          <a:prstGeom prst="rect">
+            <a:avLst/>
+          </a:prstGeom>
+          <a:ln>
+            <a:noFill/>
+          </a:ln>
+          <a:effectLst>
+            <a:outerShdw blurRad="190500" algn="tl" rotWithShape="0">
+              <a:srgbClr val="000000">
+                <a:alpha val="70000"/>
+              </a:srgbClr>
+            </a:outerShdw>
+          </a:effectLst>
+        </p:spPr>
+      </p:pic>
+      <p:pic>
+        <p:nvPicPr>
+          <p:cNvPr id="14" name="Рисунок 13">
+            <a:extLst>
+              <a:ext uri="{FF2B5EF4-FFF2-40B4-BE49-F238E27FC236}">
+                <a16:creationId xmlns:a16="http://schemas.microsoft.com/office/drawing/2014/main" id="{1F3B0920-2C5C-41D9-AA0F-CECF6D70EEC9}"/>
+              </a:ext>
+            </a:extLst>
+          </p:cNvPr>
+          <p:cNvPicPr>
+            <a:picLocks noChangeAspect="1"/>
+          </p:cNvPicPr>
+          <p:nvPr/>
+        </p:nvPicPr>
+        <p:blipFill>
+          <a:blip r:embed="rId5">
+            <a:extLst>
+              <a:ext uri="{28A0092B-C50C-407E-A947-70E740481C1C}">
+                <a14:useLocalDpi xmlns:a14="http://schemas.microsoft.com/office/drawing/2010/main" val="0"/>
+              </a:ext>
+            </a:extLst>
+          </a:blip>
+          <a:stretch>
+            <a:fillRect/>
+          </a:stretch>
+        </p:blipFill>
+        <p:spPr>
+          <a:xfrm>
+            <a:off x="112673" y="2601281"/>
+            <a:ext cx="1756130" cy="2218719"/>
+          </a:xfrm>
+          <a:prstGeom prst="rect">
+            <a:avLst/>
+          </a:prstGeom>
+          <a:ln>
+            <a:noFill/>
+          </a:ln>
+          <a:effectLst>
+            <a:outerShdw blurRad="190500" algn="tl" rotWithShape="0">
+              <a:srgbClr val="000000">
+                <a:alpha val="70000"/>
+              </a:srgbClr>
+            </a:outerShdw>
+          </a:effectLst>
+        </p:spPr>
+      </p:pic>
+      <p:pic>
+        <p:nvPicPr>
+          <p:cNvPr id="17" name="Рисунок 16">
+            <a:extLst>
+              <a:ext uri="{FF2B5EF4-FFF2-40B4-BE49-F238E27FC236}">
+                <a16:creationId xmlns:a16="http://schemas.microsoft.com/office/drawing/2014/main" id="{D347E034-F383-4D3D-A0C8-A8130E5B7757}"/>
+              </a:ext>
+            </a:extLst>
+          </p:cNvPr>
+          <p:cNvPicPr>
+            <a:picLocks noChangeAspect="1"/>
+          </p:cNvPicPr>
+          <p:nvPr/>
+        </p:nvPicPr>
+        <p:blipFill>
+          <a:blip r:embed="rId6">
+            <a:extLst>
+              <a:ext uri="{28A0092B-C50C-407E-A947-70E740481C1C}">
+                <a14:useLocalDpi xmlns:a14="http://schemas.microsoft.com/office/drawing/2010/main" val="0"/>
+              </a:ext>
+            </a:extLst>
+          </a:blip>
+          <a:stretch>
+            <a:fillRect/>
+          </a:stretch>
+        </p:blipFill>
+        <p:spPr>
+          <a:xfrm>
+            <a:off x="1133444" y="4442344"/>
+            <a:ext cx="1981477" cy="2267266"/>
+          </a:xfrm>
+          <a:prstGeom prst="rect">
+            <a:avLst/>
+          </a:prstGeom>
+          <a:ln>
+            <a:noFill/>
+          </a:ln>
+          <a:effectLst>
+            <a:outerShdw blurRad="190500" algn="tl" rotWithShape="0">
+              <a:srgbClr val="000000">
+                <a:alpha val="70000"/>
+              </a:srgbClr>
+            </a:outerShdw>
+          </a:effectLst>
+        </p:spPr>
+      </p:pic>
+      <p:pic>
+        <p:nvPicPr>
+          <p:cNvPr id="25" name="Рисунок 24">
+            <a:extLst>
+              <a:ext uri="{FF2B5EF4-FFF2-40B4-BE49-F238E27FC236}">
+                <a16:creationId xmlns:a16="http://schemas.microsoft.com/office/drawing/2014/main" id="{BB39C751-C6AF-4FD3-A087-04A33BA00E92}"/>
+              </a:ext>
+            </a:extLst>
+          </p:cNvPr>
+          <p:cNvPicPr>
+            <a:picLocks noChangeAspect="1"/>
+          </p:cNvPicPr>
+          <p:nvPr/>
+        </p:nvPicPr>
+        <p:blipFill>
+          <a:blip r:embed="rId7">
+            <a:extLst>
+              <a:ext uri="{28A0092B-C50C-407E-A947-70E740481C1C}">
+                <a14:useLocalDpi xmlns:a14="http://schemas.microsoft.com/office/drawing/2010/main" val="0"/>
+              </a:ext>
+            </a:extLst>
+          </a:blip>
+          <a:stretch>
+            <a:fillRect/>
+          </a:stretch>
+        </p:blipFill>
+        <p:spPr>
+          <a:xfrm>
+            <a:off x="6963843" y="3801534"/>
+            <a:ext cx="4896250" cy="2908076"/>
+          </a:xfrm>
+          <a:prstGeom prst="rect">
+            <a:avLst/>
+          </a:prstGeom>
+          <a:ln>
+            <a:noFill/>
+          </a:ln>
+          <a:effectLst>
+            <a:outerShdw blurRad="292100" dist="139700" dir="2700000" algn="tl" rotWithShape="0">
+              <a:srgbClr val="333333">
+                <a:alpha val="65000"/>
+              </a:srgbClr>
+            </a:outerShdw>
+          </a:effectLst>
+        </p:spPr>
+      </p:pic>
+    </p:spTree>
+    <p:extLst>
+      <p:ext uri="{BB962C8B-B14F-4D97-AF65-F5344CB8AC3E}">
+        <p14:creationId xmlns:p14="http://schemas.microsoft.com/office/powerpoint/2010/main" val="832104596"/>
+      </p:ext>
+    </p:extLst>
+  </p:cSld>
+  <p:clrMapOvr>
+    <a:masterClrMapping/>
+  </p:clrMapOvr>
+  <mc:AlternateContent xmlns:mc="http://schemas.openxmlformats.org/markup-compatibility/2006">
+    <mc:Choice xmlns:p159="http://schemas.microsoft.com/office/powerpoint/2015/09/main" Requires="p159">
+      <p:transition xmlns:p14="http://schemas.microsoft.com/office/powerpoint/2010/main" spd="slow" p14:dur="2000">
+        <p159:morph option="byObject"/>
+      </p:transition>
+    </mc:Choice>
+    <mc:Fallback>
+      <p:transition spd="slow">
+        <p:fade/>
+      </p:transition>
+    </mc:Fallback>
+  </mc:AlternateContent>
+</p:sld>
+</file>
+
+<file path=ppt/slides/slide4.xml><?xml version="1.0" encoding="utf-8"?>
+<p:sld xmlns:a="http://schemas.openxmlformats.org/drawingml/2006/main" xmlns:r="http://schemas.openxmlformats.org/officeDocument/2006/relationships" xmlns:p="http://schemas.openxmlformats.org/presentationml/2006/main">
+  <p:cSld>
+    <p:spTree>
+      <p:nvGrpSpPr>
+        <p:cNvPr id="1" name=""/>
+        <p:cNvGrpSpPr/>
+        <p:nvPr/>
+      </p:nvGrpSpPr>
+      <p:grpSpPr>
+        <a:xfrm>
+          <a:off x="0" y="0"/>
+          <a:ext cx="0" cy="0"/>
+          <a:chOff x="0" y="0"/>
+          <a:chExt cx="0" cy="0"/>
+        </a:xfrm>
+      </p:grpSpPr>
+      <p:pic>
+        <p:nvPicPr>
+          <p:cNvPr id="3" name="Рисунок 2">
+            <a:extLst>
+              <a:ext uri="{FF2B5EF4-FFF2-40B4-BE49-F238E27FC236}">
+                <a16:creationId xmlns:a16="http://schemas.microsoft.com/office/drawing/2014/main" id="{A3530626-82BC-447A-AE59-0383C694382D}"/>
+              </a:ext>
+            </a:extLst>
+          </p:cNvPr>
+          <p:cNvPicPr>
+            <a:picLocks noChangeAspect="1"/>
+          </p:cNvPicPr>
+          <p:nvPr/>
+        </p:nvPicPr>
+        <p:blipFill>
+          <a:blip r:embed="rId2">
+            <a:extLst>
+              <a:ext uri="{28A0092B-C50C-407E-A947-70E740481C1C}">
+                <a14:useLocalDpi xmlns:a14="http://schemas.microsoft.com/office/drawing/2010/main" val="0"/>
+              </a:ext>
+            </a:extLst>
+          </a:blip>
+          <a:stretch>
+            <a:fillRect/>
+          </a:stretch>
+        </p:blipFill>
+        <p:spPr>
+          <a:xfrm>
+            <a:off x="106706" y="377432"/>
+            <a:ext cx="11978588" cy="6103135"/>
+          </a:xfrm>
+          <a:prstGeom prst="rect">
+            <a:avLst/>
+          </a:prstGeom>
+          <a:solidFill>
+            <a:srgbClr val="000000">
+              <a:shade val="95000"/>
+            </a:srgbClr>
+          </a:solidFill>
+          <a:ln w="444500" cap="sq">
+            <a:solidFill>
+              <a:srgbClr val="000000"/>
+            </a:solidFill>
+            <a:miter lim="800000"/>
+          </a:ln>
+          <a:effectLst>
+            <a:outerShdw blurRad="254000" dist="190500" dir="2700000" sy="90000" algn="bl" rotWithShape="0">
+              <a:srgbClr val="000000">
+                <a:alpha val="40000"/>
+              </a:srgbClr>
+            </a:outerShdw>
+          </a:effectLst>
+        </p:spPr>
+      </p:pic>
+    </p:spTree>
+    <p:extLst>
+      <p:ext uri="{BB962C8B-B14F-4D97-AF65-F5344CB8AC3E}">
+        <p14:creationId xmlns:p14="http://schemas.microsoft.com/office/powerpoint/2010/main" val="3310023192"/>
+      </p:ext>
+    </p:extLst>
+  </p:cSld>
+  <p:clrMapOvr>
+    <a:masterClrMapping/>
+  </p:clrMapOvr>
+  <p:transition>
+    <p:push dir="u"/>
+  </p:transition>
+</p:sld>
+</file>
+
+<file path=ppt/slides/slide5.xml><?xml version="1.0" encoding="utf-8"?>
+<p:sld xmlns:a="http://schemas.openxmlformats.org/drawingml/2006/main" xmlns:r="http://schemas.openxmlformats.org/officeDocument/2006/relationships" xmlns:p="http://schemas.openxmlformats.org/presentationml/2006/main">
+  <p:cSld>
+    <p:spTree>
+      <p:nvGrpSpPr>
+        <p:cNvPr id="1" name=""/>
+        <p:cNvGrpSpPr/>
+        <p:nvPr/>
+      </p:nvGrpSpPr>
+      <p:grpSpPr>
+        <a:xfrm>
+          <a:off x="0" y="0"/>
+          <a:ext cx="0" cy="0"/>
+          <a:chOff x="0" y="0"/>
+          <a:chExt cx="0" cy="0"/>
+        </a:xfrm>
+      </p:grpSpPr>
+      <p:sp>
+        <p:nvSpPr>
+          <p:cNvPr id="8" name="Прямоугольник 7">
+            <a:extLst>
+              <a:ext uri="{FF2B5EF4-FFF2-40B4-BE49-F238E27FC236}">
+                <a16:creationId xmlns:a16="http://schemas.microsoft.com/office/drawing/2014/main" id="{B377B90C-CBBE-45DB-8CE4-734D032E5D5D}"/>
+              </a:ext>
+            </a:extLst>
+          </p:cNvPr>
+          <p:cNvSpPr/>
+          <p:nvPr/>
+        </p:nvSpPr>
+        <p:spPr>
+          <a:xfrm>
+            <a:off x="0" y="0"/>
+            <a:ext cx="12192000" cy="6858000"/>
+          </a:xfrm>
+          <a:prstGeom prst="rect">
+            <a:avLst/>
+          </a:prstGeom>
+          <a:solidFill>
+            <a:schemeClr val="tx1"/>
+          </a:solidFill>
+          <a:ln>
+            <a:solidFill>
+              <a:schemeClr val="tx1"/>
+            </a:solidFill>
+          </a:ln>
+        </p:spPr>
+        <p:style>
+          <a:lnRef idx="2">
+            <a:schemeClr val="accent1">
+              <a:shade val="50000"/>
+            </a:schemeClr>
+          </a:lnRef>
+          <a:fillRef idx="1">
+            <a:schemeClr val="accent1"/>
+          </a:fillRef>
+          <a:effectRef idx="0">
+            <a:schemeClr val="accent1"/>
+          </a:effectRef>
+          <a:fontRef idx="minor">
+            <a:schemeClr val="lt1"/>
+          </a:fontRef>
+        </p:style>
+        <p:txBody>
+          <a:bodyPr rtlCol="0" anchor="ctr"/>
+          <a:lstStyle/>
+          <a:p>
+            <a:pPr algn="ctr"/>
+            <a:endParaRPr lang="en-GB"/>
+          </a:p>
+        </p:txBody>
+      </p:sp>
+      <p:pic>
+        <p:nvPicPr>
+          <p:cNvPr id="7" name="Рисунок 6" descr="Изображение выглядит как текст&#10;&#10;Автоматически созданное описание">
+            <a:extLst>
+              <a:ext uri="{FF2B5EF4-FFF2-40B4-BE49-F238E27FC236}">
+                <a16:creationId xmlns:a16="http://schemas.microsoft.com/office/drawing/2014/main" id="{1D615181-9CC0-446D-92C0-18D8650F3A8E}"/>
+              </a:ext>
+            </a:extLst>
+          </p:cNvPr>
+          <p:cNvPicPr>
+            <a:picLocks noChangeAspect="1"/>
+          </p:cNvPicPr>
+          <p:nvPr/>
+        </p:nvPicPr>
+        <p:blipFill>
+          <a:blip r:embed="rId2">
+            <a:extLst>
+              <a:ext uri="{28A0092B-C50C-407E-A947-70E740481C1C}">
+                <a14:useLocalDpi xmlns:a14="http://schemas.microsoft.com/office/drawing/2010/main" val="0"/>
+              </a:ext>
+            </a:extLst>
+          </a:blip>
+          <a:stretch>
+            <a:fillRect/>
+          </a:stretch>
+        </p:blipFill>
+        <p:spPr>
+          <a:xfrm>
+            <a:off x="0" y="872985"/>
+            <a:ext cx="12192000" cy="5112030"/>
+          </a:xfrm>
+          <a:prstGeom prst="rect">
+            <a:avLst/>
+          </a:prstGeom>
+          <a:solidFill>
+            <a:srgbClr val="000000">
+              <a:shade val="95000"/>
+            </a:srgbClr>
+          </a:solidFill>
+          <a:ln w="444500" cap="sq">
+            <a:solidFill>
+              <a:srgbClr val="000000"/>
+            </a:solidFill>
+            <a:miter lim="800000"/>
+          </a:ln>
+          <a:effectLst>
+            <a:outerShdw blurRad="254000" dist="190500" dir="2700000" sy="90000" algn="bl" rotWithShape="0">
+              <a:srgbClr val="000000">
+                <a:alpha val="40000"/>
+              </a:srgbClr>
+            </a:outerShdw>
+          </a:effectLst>
+        </p:spPr>
+      </p:pic>
+    </p:spTree>
+    <p:extLst>
+      <p:ext uri="{BB962C8B-B14F-4D97-AF65-F5344CB8AC3E}">
+        <p14:creationId xmlns:p14="http://schemas.microsoft.com/office/powerpoint/2010/main" val="187319385"/>
+      </p:ext>
+    </p:extLst>
+  </p:cSld>
+  <p:clrMapOvr>
+    <a:masterClrMapping/>
+  </p:clrMapOvr>
+  <p:transition>
+    <p:push dir="u"/>
+  </p:transition>
+</p:sld>
+</file>
+
+<file path=ppt/slides/slide6.xml><?xml version="1.0" encoding="utf-8"?>
+<p:sld xmlns:a="http://schemas.openxmlformats.org/drawingml/2006/main" xmlns:r="http://schemas.openxmlformats.org/officeDocument/2006/relationships" xmlns:p="http://schemas.openxmlformats.org/presentationml/2006/main">
+  <p:cSld>
+    <p:spTree>
+      <p:nvGrpSpPr>
+        <p:cNvPr id="1" name=""/>
+        <p:cNvGrpSpPr/>
+        <p:nvPr/>
+      </p:nvGrpSpPr>
+      <p:grpSpPr>
+        <a:xfrm>
+          <a:off x="0" y="0"/>
+          <a:ext cx="0" cy="0"/>
+          <a:chOff x="0" y="0"/>
+          <a:chExt cx="0" cy="0"/>
+        </a:xfrm>
+      </p:grpSpPr>
+      <p:pic>
+        <p:nvPicPr>
+          <p:cNvPr id="5" name="Рисунок 4">
+            <a:extLst>
+              <a:ext uri="{FF2B5EF4-FFF2-40B4-BE49-F238E27FC236}">
+                <a16:creationId xmlns:a16="http://schemas.microsoft.com/office/drawing/2014/main" id="{BA358AEA-7F21-4E28-B6FB-B0CA40B18E5C}"/>
+              </a:ext>
+            </a:extLst>
+          </p:cNvPr>
+          <p:cNvPicPr>
+            <a:picLocks noChangeAspect="1"/>
+          </p:cNvPicPr>
+          <p:nvPr/>
+        </p:nvPicPr>
+        <p:blipFill>
+          <a:blip r:embed="rId2">
+            <a:extLst>
+              <a:ext uri="{28A0092B-C50C-407E-A947-70E740481C1C}">
+                <a14:useLocalDpi xmlns:a14="http://schemas.microsoft.com/office/drawing/2010/main" val="0"/>
+              </a:ext>
+            </a:extLst>
+          </a:blip>
+          <a:stretch>
+            <a:fillRect/>
+          </a:stretch>
+        </p:blipFill>
+        <p:spPr>
+          <a:xfrm>
+            <a:off x="838296" y="-190575"/>
+            <a:ext cx="4857624" cy="7239149"/>
+          </a:xfrm>
+          <a:prstGeom prst="rect">
+            <a:avLst/>
+          </a:prstGeom>
+          <a:solidFill>
+            <a:srgbClr val="000000">
+              <a:shade val="95000"/>
+            </a:srgbClr>
+          </a:solidFill>
+          <a:ln w="444500" cap="sq">
+            <a:solidFill>
+              <a:srgbClr val="000000"/>
+            </a:solidFill>
+            <a:miter lim="800000"/>
+          </a:ln>
+          <a:effectLst>
+            <a:outerShdw blurRad="254000" dist="190500" dir="2700000" sy="90000" algn="bl" rotWithShape="0">
+              <a:srgbClr val="000000">
+                <a:alpha val="40000"/>
+              </a:srgbClr>
+            </a:outerShdw>
+          </a:effectLst>
+        </p:spPr>
+      </p:pic>
+      <p:pic>
+        <p:nvPicPr>
+          <p:cNvPr id="7" name="Рисунок 6" descr="Изображение выглядит как текст&#10;&#10;Автоматически созданное описание">
+            <a:extLst>
+              <a:ext uri="{FF2B5EF4-FFF2-40B4-BE49-F238E27FC236}">
+                <a16:creationId xmlns:a16="http://schemas.microsoft.com/office/drawing/2014/main" id="{D5A270B4-E070-4E49-9ADA-97EBB78B1BE1}"/>
               </a:ext>
             </a:extLst>
           </p:cNvPr>
@@ -7756,102 +8421,221 @@
         </p:blipFill>
         <p:spPr>
           <a:xfrm>
-            <a:off x="6663810" y="3607362"/>
-            <a:ext cx="5329409" cy="3180757"/>
+            <a:off x="6835714" y="0"/>
+            <a:ext cx="4398344" cy="6858000"/>
           </a:xfrm>
           <a:prstGeom prst="rect">
             <a:avLst/>
           </a:prstGeom>
+          <a:solidFill>
+            <a:srgbClr val="000000">
+              <a:shade val="95000"/>
+            </a:srgbClr>
+          </a:solidFill>
+          <a:ln w="444500" cap="sq">
+            <a:solidFill>
+              <a:srgbClr val="000000"/>
+            </a:solidFill>
+            <a:miter lim="800000"/>
+          </a:ln>
+          <a:effectLst>
+            <a:outerShdw blurRad="254000" dist="190500" dir="2700000" sy="90000" algn="bl" rotWithShape="0">
+              <a:srgbClr val="000000">
+                <a:alpha val="40000"/>
+              </a:srgbClr>
+            </a:outerShdw>
+          </a:effectLst>
         </p:spPr>
       </p:pic>
-      <p:pic>
-        <p:nvPicPr>
-          <p:cNvPr id="3" name="Рисунок 2" descr="Изображение выглядит как текст&#10;&#10;Автоматически созданное описание">
+      <p:sp>
+        <p:nvSpPr>
+          <p:cNvPr id="9" name="Прямоугольник 8">
             <a:extLst>
               <a:ext uri="{FF2B5EF4-FFF2-40B4-BE49-F238E27FC236}">
-                <a16:creationId xmlns:a16="http://schemas.microsoft.com/office/drawing/2014/main" id="{4B29FCDE-31CE-4A22-AB20-6346BD9094AC}"/>
+                <a16:creationId xmlns:a16="http://schemas.microsoft.com/office/drawing/2014/main" id="{58FA4537-9E60-419A-80DD-B25D3B5EDA17}"/>
               </a:ext>
             </a:extLst>
           </p:cNvPr>
-          <p:cNvPicPr>
-            <a:picLocks noChangeAspect="1"/>
-          </p:cNvPicPr>
+          <p:cNvSpPr/>
           <p:nvPr/>
-        </p:nvPicPr>
-        <p:blipFill>
-          <a:blip r:embed="rId4">
-            <a:extLst>
-              <a:ext uri="{28A0092B-C50C-407E-A947-70E740481C1C}">
-                <a14:useLocalDpi xmlns:a14="http://schemas.microsoft.com/office/drawing/2010/main" val="0"/>
-              </a:ext>
-            </a:extLst>
-          </a:blip>
-          <a:stretch>
-            <a:fillRect/>
-          </a:stretch>
-        </p:blipFill>
+        </p:nvSpPr>
         <p:spPr>
           <a:xfrm>
-            <a:off x="613553" y="649357"/>
-            <a:ext cx="10964894" cy="2601281"/>
+            <a:off x="5965371" y="-113211"/>
+            <a:ext cx="600892" cy="6971211"/>
           </a:xfrm>
           <a:prstGeom prst="rect">
             <a:avLst/>
           </a:prstGeom>
+          <a:solidFill>
+            <a:schemeClr val="tx1"/>
+          </a:solidFill>
+          <a:ln>
+            <a:solidFill>
+              <a:schemeClr val="tx1"/>
+            </a:solidFill>
+          </a:ln>
         </p:spPr>
-      </p:pic>
-      <p:pic>
-        <p:nvPicPr>
-          <p:cNvPr id="6" name="Рисунок 5">
+        <p:style>
+          <a:lnRef idx="2">
+            <a:schemeClr val="accent1">
+              <a:shade val="50000"/>
+            </a:schemeClr>
+          </a:lnRef>
+          <a:fillRef idx="1">
+            <a:schemeClr val="accent1"/>
+          </a:fillRef>
+          <a:effectRef idx="0">
+            <a:schemeClr val="accent1"/>
+          </a:effectRef>
+          <a:fontRef idx="minor">
+            <a:schemeClr val="lt1"/>
+          </a:fontRef>
+        </p:style>
+        <p:txBody>
+          <a:bodyPr rtlCol="0" anchor="ctr"/>
+          <a:lstStyle/>
+          <a:p>
+            <a:pPr algn="ctr"/>
+            <a:endParaRPr lang="en-GB"/>
+          </a:p>
+        </p:txBody>
+      </p:sp>
+      <p:sp>
+        <p:nvSpPr>
+          <p:cNvPr id="10" name="Прямоугольник 9">
             <a:extLst>
               <a:ext uri="{FF2B5EF4-FFF2-40B4-BE49-F238E27FC236}">
-                <a16:creationId xmlns:a16="http://schemas.microsoft.com/office/drawing/2014/main" id="{5C8604D4-3B6D-47E0-9B59-0A4F7A54AB45}"/>
+                <a16:creationId xmlns:a16="http://schemas.microsoft.com/office/drawing/2014/main" id="{B4A4F1E9-C036-4CAF-BDCE-1AADF20DD8C6}"/>
               </a:ext>
             </a:extLst>
           </p:cNvPr>
-          <p:cNvPicPr>
-            <a:picLocks noChangeAspect="1"/>
-          </p:cNvPicPr>
+          <p:cNvSpPr/>
           <p:nvPr/>
-        </p:nvPicPr>
-        <p:blipFill>
-          <a:blip r:embed="rId5">
-            <a:extLst>
-              <a:ext uri="{28A0092B-C50C-407E-A947-70E740481C1C}">
-                <a14:useLocalDpi xmlns:a14="http://schemas.microsoft.com/office/drawing/2010/main" val="0"/>
-              </a:ext>
-            </a:extLst>
-          </a:blip>
-          <a:stretch>
-            <a:fillRect/>
-          </a:stretch>
-        </p:blipFill>
+        </p:nvSpPr>
         <p:spPr>
           <a:xfrm>
-            <a:off x="5198243" y="3513364"/>
-            <a:ext cx="1795517" cy="2193617"/>
+            <a:off x="11295018" y="-113212"/>
+            <a:ext cx="896982" cy="7062651"/>
           </a:xfrm>
           <a:prstGeom prst="rect">
             <a:avLst/>
           </a:prstGeom>
+          <a:solidFill>
+            <a:schemeClr val="tx1"/>
+          </a:solidFill>
+          <a:ln>
+            <a:solidFill>
+              <a:schemeClr val="tx1"/>
+            </a:solidFill>
+          </a:ln>
         </p:spPr>
-      </p:pic>
+        <p:style>
+          <a:lnRef idx="2">
+            <a:schemeClr val="accent1">
+              <a:shade val="50000"/>
+            </a:schemeClr>
+          </a:lnRef>
+          <a:fillRef idx="1">
+            <a:schemeClr val="accent1"/>
+          </a:fillRef>
+          <a:effectRef idx="0">
+            <a:schemeClr val="accent1"/>
+          </a:effectRef>
+          <a:fontRef idx="minor">
+            <a:schemeClr val="lt1"/>
+          </a:fontRef>
+        </p:style>
+        <p:txBody>
+          <a:bodyPr rtlCol="0" anchor="ctr"/>
+          <a:lstStyle/>
+          <a:p>
+            <a:pPr algn="ctr"/>
+            <a:endParaRPr lang="en-GB" dirty="0"/>
+          </a:p>
+        </p:txBody>
+      </p:sp>
+      <p:sp>
+        <p:nvSpPr>
+          <p:cNvPr id="13" name="Прямоугольник 12">
+            <a:extLst>
+              <a:ext uri="{FF2B5EF4-FFF2-40B4-BE49-F238E27FC236}">
+                <a16:creationId xmlns:a16="http://schemas.microsoft.com/office/drawing/2014/main" id="{A17B1D1B-8242-4D30-A20B-EE0864C66E8A}"/>
+              </a:ext>
+            </a:extLst>
+          </p:cNvPr>
+          <p:cNvSpPr/>
+          <p:nvPr/>
+        </p:nvSpPr>
+        <p:spPr>
+          <a:xfrm>
+            <a:off x="-38572" y="-158932"/>
+            <a:ext cx="896982" cy="7062651"/>
+          </a:xfrm>
+          <a:prstGeom prst="rect">
+            <a:avLst/>
+          </a:prstGeom>
+          <a:solidFill>
+            <a:schemeClr val="tx1"/>
+          </a:solidFill>
+          <a:ln>
+            <a:solidFill>
+              <a:schemeClr val="tx1"/>
+            </a:solidFill>
+          </a:ln>
+        </p:spPr>
+        <p:style>
+          <a:lnRef idx="2">
+            <a:schemeClr val="accent1">
+              <a:shade val="50000"/>
+            </a:schemeClr>
+          </a:lnRef>
+          <a:fillRef idx="1">
+            <a:schemeClr val="accent1"/>
+          </a:fillRef>
+          <a:effectRef idx="0">
+            <a:schemeClr val="accent1"/>
+          </a:effectRef>
+          <a:fontRef idx="minor">
+            <a:schemeClr val="lt1"/>
+          </a:fontRef>
+        </p:style>
+        <p:txBody>
+          <a:bodyPr rtlCol="0" anchor="ctr"/>
+          <a:lstStyle/>
+          <a:p>
+            <a:pPr algn="ctr"/>
+            <a:endParaRPr lang="en-GB" dirty="0"/>
+          </a:p>
+        </p:txBody>
+      </p:sp>
     </p:spTree>
     <p:extLst>
       <p:ext uri="{BB962C8B-B14F-4D97-AF65-F5344CB8AC3E}">
-        <p14:creationId xmlns:p14="http://schemas.microsoft.com/office/powerpoint/2010/main" val="832104596"/>
+        <p14:creationId xmlns:p14="http://schemas.microsoft.com/office/powerpoint/2010/main" val="2039769237"/>
       </p:ext>
     </p:extLst>
   </p:cSld>
   <p:clrMapOvr>
     <a:masterClrMapping/>
   </p:clrMapOvr>
+  <p:transition>
+    <p:push dir="u"/>
+  </p:transition>
 </p:sld>
 </file>
 
-<file path=ppt/slides/slide4.xml><?xml version="1.0" encoding="utf-8"?>
+<file path=ppt/slides/slide7.xml><?xml version="1.0" encoding="utf-8"?>
 <p:sld xmlns:a="http://schemas.openxmlformats.org/drawingml/2006/main" xmlns:r="http://schemas.openxmlformats.org/officeDocument/2006/relationships" xmlns:p="http://schemas.openxmlformats.org/presentationml/2006/main">
   <p:cSld>
+    <p:bg>
+      <p:bgPr>
+        <a:solidFill>
+          <a:schemeClr val="tx1"/>
+        </a:solidFill>
+        <a:effectLst/>
+      </p:bgPr>
+    </p:bg>
     <p:spTree>
       <p:nvGrpSpPr>
         <p:cNvPr id="1" name=""/>
@@ -7866,16 +8650,474 @@
           <a:chExt cx="0" cy="0"/>
         </a:xfrm>
       </p:grpSpPr>
+      <p:sp>
+        <p:nvSpPr>
+          <p:cNvPr id="4" name="TextBox 3">
+            <a:extLst>
+              <a:ext uri="{FF2B5EF4-FFF2-40B4-BE49-F238E27FC236}">
+                <a16:creationId xmlns:a16="http://schemas.microsoft.com/office/drawing/2014/main" id="{A0E5D5C9-6078-4424-98BE-9A8708649CF2}"/>
+              </a:ext>
+            </a:extLst>
+          </p:cNvPr>
+          <p:cNvSpPr txBox="1"/>
+          <p:nvPr/>
+        </p:nvSpPr>
+        <p:spPr>
+          <a:xfrm>
+            <a:off x="4641114" y="142394"/>
+            <a:ext cx="2909771" cy="830997"/>
+          </a:xfrm>
+          <a:prstGeom prst="rect">
+            <a:avLst/>
+          </a:prstGeom>
+          <a:noFill/>
+        </p:spPr>
+        <p:txBody>
+          <a:bodyPr wrap="none" rtlCol="0">
+            <a:spAutoFit/>
+          </a:bodyPr>
+          <a:lstStyle/>
+          <a:p>
+            <a:r>
+              <a:rPr lang="ru-RU" sz="4800" dirty="0">
+                <a:solidFill>
+                  <a:schemeClr val="bg1"/>
+                </a:solidFill>
+                <a:latin typeface="+mj-lt"/>
+              </a:rPr>
+              <a:t>Вопросы?</a:t>
+            </a:r>
+            <a:endParaRPr lang="en-GB" sz="4800" dirty="0">
+              <a:solidFill>
+                <a:schemeClr val="bg1"/>
+              </a:solidFill>
+              <a:latin typeface="+mj-lt"/>
+            </a:endParaRPr>
+          </a:p>
+        </p:txBody>
+      </p:sp>
+      <p:sp>
+        <p:nvSpPr>
+          <p:cNvPr id="6" name="TextBox 5">
+            <a:extLst>
+              <a:ext uri="{FF2B5EF4-FFF2-40B4-BE49-F238E27FC236}">
+                <a16:creationId xmlns:a16="http://schemas.microsoft.com/office/drawing/2014/main" id="{5512B843-A4E8-4EE3-B122-A7197FD03E50}"/>
+              </a:ext>
+            </a:extLst>
+          </p:cNvPr>
+          <p:cNvSpPr txBox="1"/>
+          <p:nvPr/>
+        </p:nvSpPr>
+        <p:spPr>
+          <a:xfrm>
+            <a:off x="1722921" y="5515277"/>
+            <a:ext cx="3980758" cy="1200329"/>
+          </a:xfrm>
+          <a:prstGeom prst="rect">
+            <a:avLst/>
+          </a:prstGeom>
+          <a:noFill/>
+        </p:spPr>
+        <p:txBody>
+          <a:bodyPr wrap="square">
+            <a:spAutoFit/>
+          </a:bodyPr>
+          <a:lstStyle/>
+          <a:p>
+            <a:pPr algn="ctr" rtl="0">
+              <a:spcBef>
+                <a:spcPts val="0"/>
+              </a:spcBef>
+              <a:spcAft>
+                <a:spcPts val="0"/>
+              </a:spcAft>
+            </a:pPr>
+            <a:r>
+              <a:rPr lang="ru-RU" sz="1800" b="0" i="0" u="none" strike="noStrike" dirty="0">
+                <a:solidFill>
+                  <a:schemeClr val="bg1"/>
+                </a:solidFill>
+                <a:effectLst/>
+                <a:latin typeface="Arial" panose="020B0604020202020204" pitchFamily="34" charset="0"/>
+                <a:cs typeface="Arial" panose="020B0604020202020204" pitchFamily="34" charset="0"/>
+              </a:rPr>
+              <a:t>Студент: </a:t>
+            </a:r>
+            <a:r>
+              <a:rPr lang="ru-RU" b="0" i="0" dirty="0">
+                <a:solidFill>
+                  <a:schemeClr val="bg1"/>
+                </a:solidFill>
+                <a:effectLst/>
+                <a:latin typeface="Arial" panose="020B0604020202020204" pitchFamily="34" charset="0"/>
+                <a:cs typeface="Arial" panose="020B0604020202020204" pitchFamily="34" charset="0"/>
+              </a:rPr>
+              <a:t>Маммедзаде Али Джалал</a:t>
+            </a:r>
+            <a:endParaRPr lang="en-US" b="0" i="0" dirty="0">
+              <a:solidFill>
+                <a:schemeClr val="bg1"/>
+              </a:solidFill>
+              <a:effectLst/>
+              <a:latin typeface="Arial" panose="020B0604020202020204" pitchFamily="34" charset="0"/>
+              <a:cs typeface="Arial" panose="020B0604020202020204" pitchFamily="34" charset="0"/>
+            </a:endParaRPr>
+          </a:p>
+          <a:p>
+            <a:pPr algn="ctr" rtl="0">
+              <a:spcBef>
+                <a:spcPts val="0"/>
+              </a:spcBef>
+              <a:spcAft>
+                <a:spcPts val="0"/>
+              </a:spcAft>
+            </a:pPr>
+            <a:r>
+              <a:rPr lang="ru-RU" sz="1800" b="0" i="0" u="none" strike="noStrike" dirty="0">
+                <a:solidFill>
+                  <a:schemeClr val="bg1"/>
+                </a:solidFill>
+                <a:effectLst/>
+                <a:latin typeface="Arial" panose="020B0604020202020204" pitchFamily="34" charset="0"/>
+                <a:cs typeface="Arial" panose="020B0604020202020204" pitchFamily="34" charset="0"/>
+              </a:rPr>
+              <a:t>Группа: WEWA_12011_ru</a:t>
+            </a:r>
+            <a:endParaRPr lang="ru-RU" b="0" dirty="0">
+              <a:solidFill>
+                <a:schemeClr val="bg1"/>
+              </a:solidFill>
+              <a:effectLst/>
+              <a:latin typeface="Arial" panose="020B0604020202020204" pitchFamily="34" charset="0"/>
+              <a:cs typeface="Arial" panose="020B0604020202020204" pitchFamily="34" charset="0"/>
+            </a:endParaRPr>
+          </a:p>
+          <a:p>
+            <a:pPr algn="ctr" rtl="0">
+              <a:spcBef>
+                <a:spcPts val="0"/>
+              </a:spcBef>
+              <a:spcAft>
+                <a:spcPts val="0"/>
+              </a:spcAft>
+            </a:pPr>
+            <a:r>
+              <a:rPr lang="ru-RU" sz="1800" b="0" i="0" u="none" strike="noStrike" dirty="0">
+                <a:solidFill>
+                  <a:schemeClr val="bg1"/>
+                </a:solidFill>
+                <a:effectLst/>
+                <a:latin typeface="Arial" panose="020B0604020202020204" pitchFamily="34" charset="0"/>
+                <a:cs typeface="Arial" panose="020B0604020202020204" pitchFamily="34" charset="0"/>
+              </a:rPr>
+              <a:t>Факультет: Front-</a:t>
+            </a:r>
+            <a:r>
+              <a:rPr lang="ru-RU" sz="1800" b="0" i="0" u="none" strike="noStrike" dirty="0" err="1">
+                <a:solidFill>
+                  <a:schemeClr val="bg1"/>
+                </a:solidFill>
+                <a:effectLst/>
+                <a:latin typeface="Arial" panose="020B0604020202020204" pitchFamily="34" charset="0"/>
+                <a:cs typeface="Arial" panose="020B0604020202020204" pitchFamily="34" charset="0"/>
+              </a:rPr>
+              <a:t>end</a:t>
+            </a:r>
+            <a:r>
+              <a:rPr lang="ru-RU" sz="1800" b="0" i="0" u="none" strike="noStrike" dirty="0">
+                <a:solidFill>
+                  <a:schemeClr val="bg1"/>
+                </a:solidFill>
+                <a:effectLst/>
+                <a:latin typeface="Arial" panose="020B0604020202020204" pitchFamily="34" charset="0"/>
+                <a:cs typeface="Arial" panose="020B0604020202020204" pitchFamily="34" charset="0"/>
+              </a:rPr>
+              <a:t> разработка</a:t>
+            </a:r>
+            <a:endParaRPr lang="ru-RU" b="0" dirty="0">
+              <a:solidFill>
+                <a:schemeClr val="bg1"/>
+              </a:solidFill>
+              <a:effectLst/>
+              <a:latin typeface="Arial" panose="020B0604020202020204" pitchFamily="34" charset="0"/>
+              <a:cs typeface="Arial" panose="020B0604020202020204" pitchFamily="34" charset="0"/>
+            </a:endParaRPr>
+          </a:p>
+          <a:p>
+            <a:pPr algn="ctr" rtl="0">
+              <a:spcBef>
+                <a:spcPts val="0"/>
+              </a:spcBef>
+              <a:spcAft>
+                <a:spcPts val="0"/>
+              </a:spcAft>
+            </a:pPr>
+            <a:r>
+              <a:rPr lang="ru-RU" sz="1800" b="0" i="0" u="none" strike="noStrike" dirty="0">
+                <a:solidFill>
+                  <a:schemeClr val="bg1"/>
+                </a:solidFill>
+                <a:effectLst/>
+                <a:latin typeface="Arial" panose="020B0604020202020204" pitchFamily="34" charset="0"/>
+                <a:cs typeface="Arial" panose="020B0604020202020204" pitchFamily="34" charset="0"/>
+              </a:rPr>
+              <a:t>Преподаватель: </a:t>
+            </a:r>
+            <a:r>
+              <a:rPr lang="ru-RU" sz="1800" b="0" i="0" u="none" strike="noStrike" dirty="0" err="1">
+                <a:solidFill>
+                  <a:schemeClr val="bg1"/>
+                </a:solidFill>
+                <a:effectLst/>
+                <a:latin typeface="Arial" panose="020B0604020202020204" pitchFamily="34" charset="0"/>
+                <a:cs typeface="Arial" panose="020B0604020202020204" pitchFamily="34" charset="0"/>
+              </a:rPr>
+              <a:t>Вахид</a:t>
+            </a:r>
+            <a:r>
+              <a:rPr lang="ru-RU" sz="1800" b="0" i="0" u="none" strike="noStrike" dirty="0">
+                <a:solidFill>
+                  <a:schemeClr val="bg1"/>
+                </a:solidFill>
+                <a:effectLst/>
+                <a:latin typeface="Arial" panose="020B0604020202020204" pitchFamily="34" charset="0"/>
+                <a:cs typeface="Arial" panose="020B0604020202020204" pitchFamily="34" charset="0"/>
+              </a:rPr>
+              <a:t> </a:t>
+            </a:r>
+            <a:r>
+              <a:rPr lang="ru-RU" sz="1800" b="0" i="0" u="none" strike="noStrike" dirty="0" err="1">
+                <a:solidFill>
+                  <a:schemeClr val="bg1"/>
+                </a:solidFill>
+                <a:effectLst/>
+                <a:latin typeface="Arial" panose="020B0604020202020204" pitchFamily="34" charset="0"/>
+                <a:cs typeface="Arial" panose="020B0604020202020204" pitchFamily="34" charset="0"/>
+              </a:rPr>
+              <a:t>Гасымов</a:t>
+            </a:r>
+            <a:endParaRPr lang="ru-RU" b="0" dirty="0">
+              <a:solidFill>
+                <a:schemeClr val="bg1"/>
+              </a:solidFill>
+              <a:effectLst/>
+              <a:latin typeface="Arial" panose="020B0604020202020204" pitchFamily="34" charset="0"/>
+              <a:cs typeface="Arial" panose="020B0604020202020204" pitchFamily="34" charset="0"/>
+            </a:endParaRPr>
+          </a:p>
+        </p:txBody>
+      </p:sp>
+      <p:sp>
+        <p:nvSpPr>
+          <p:cNvPr id="7" name="Прямоугольник 6">
+            <a:extLst>
+              <a:ext uri="{FF2B5EF4-FFF2-40B4-BE49-F238E27FC236}">
+                <a16:creationId xmlns:a16="http://schemas.microsoft.com/office/drawing/2014/main" id="{4321EA7E-6949-4C96-AA0B-70CFA56E5107}"/>
+              </a:ext>
+            </a:extLst>
+          </p:cNvPr>
+          <p:cNvSpPr/>
+          <p:nvPr/>
+        </p:nvSpPr>
+        <p:spPr>
+          <a:xfrm>
+            <a:off x="10469078" y="0"/>
+            <a:ext cx="1722922" cy="6858000"/>
+          </a:xfrm>
+          <a:prstGeom prst="rect">
+            <a:avLst/>
+          </a:prstGeom>
+          <a:solidFill>
+            <a:schemeClr val="tx1"/>
+          </a:solidFill>
+          <a:ln>
+            <a:solidFill>
+              <a:schemeClr val="tx1"/>
+            </a:solidFill>
+          </a:ln>
+        </p:spPr>
+        <p:style>
+          <a:lnRef idx="2">
+            <a:schemeClr val="accent1">
+              <a:shade val="50000"/>
+            </a:schemeClr>
+          </a:lnRef>
+          <a:fillRef idx="1">
+            <a:schemeClr val="accent1"/>
+          </a:fillRef>
+          <a:effectRef idx="0">
+            <a:schemeClr val="accent1"/>
+          </a:effectRef>
+          <a:fontRef idx="minor">
+            <a:schemeClr val="lt1"/>
+          </a:fontRef>
+        </p:style>
+        <p:txBody>
+          <a:bodyPr rtlCol="0" anchor="ctr"/>
+          <a:lstStyle/>
+          <a:p>
+            <a:pPr algn="ctr"/>
+            <a:endParaRPr lang="en-GB"/>
+          </a:p>
+        </p:txBody>
+      </p:sp>
+      <p:sp>
+        <p:nvSpPr>
+          <p:cNvPr id="8" name="Прямоугольник 7">
+            <a:extLst>
+              <a:ext uri="{FF2B5EF4-FFF2-40B4-BE49-F238E27FC236}">
+                <a16:creationId xmlns:a16="http://schemas.microsoft.com/office/drawing/2014/main" id="{C26E191E-205F-4565-96C0-357AACBFF06E}"/>
+              </a:ext>
+            </a:extLst>
+          </p:cNvPr>
+          <p:cNvSpPr/>
+          <p:nvPr/>
+        </p:nvSpPr>
+        <p:spPr>
+          <a:xfrm>
+            <a:off x="-1" y="0"/>
+            <a:ext cx="1722922" cy="6858000"/>
+          </a:xfrm>
+          <a:prstGeom prst="rect">
+            <a:avLst/>
+          </a:prstGeom>
+          <a:solidFill>
+            <a:schemeClr val="tx1"/>
+          </a:solidFill>
+          <a:ln>
+            <a:solidFill>
+              <a:schemeClr val="tx1"/>
+            </a:solidFill>
+          </a:ln>
+        </p:spPr>
+        <p:style>
+          <a:lnRef idx="2">
+            <a:schemeClr val="accent1">
+              <a:shade val="50000"/>
+            </a:schemeClr>
+          </a:lnRef>
+          <a:fillRef idx="1">
+            <a:schemeClr val="accent1"/>
+          </a:fillRef>
+          <a:effectRef idx="0">
+            <a:schemeClr val="accent1"/>
+          </a:effectRef>
+          <a:fontRef idx="minor">
+            <a:schemeClr val="lt1"/>
+          </a:fontRef>
+        </p:style>
+        <p:txBody>
+          <a:bodyPr rtlCol="0" anchor="ctr"/>
+          <a:lstStyle/>
+          <a:p>
+            <a:pPr algn="ctr"/>
+            <a:endParaRPr lang="en-GB"/>
+          </a:p>
+        </p:txBody>
+      </p:sp>
+      <p:sp>
+        <p:nvSpPr>
+          <p:cNvPr id="10" name="TextBox 9">
+            <a:extLst>
+              <a:ext uri="{FF2B5EF4-FFF2-40B4-BE49-F238E27FC236}">
+                <a16:creationId xmlns:a16="http://schemas.microsoft.com/office/drawing/2014/main" id="{F1E017C7-FA4E-48F6-85DF-8E7B0034A827}"/>
+              </a:ext>
+            </a:extLst>
+          </p:cNvPr>
+          <p:cNvSpPr txBox="1"/>
+          <p:nvPr/>
+        </p:nvSpPr>
+        <p:spPr>
+          <a:xfrm>
+            <a:off x="7550885" y="5653776"/>
+            <a:ext cx="3118585" cy="923330"/>
+          </a:xfrm>
+          <a:prstGeom prst="rect">
+            <a:avLst/>
+          </a:prstGeom>
+          <a:noFill/>
+        </p:spPr>
+        <p:txBody>
+          <a:bodyPr wrap="square">
+            <a:spAutoFit/>
+          </a:bodyPr>
+          <a:lstStyle/>
+          <a:p>
+            <a:pPr algn="ctr"/>
+            <a:r>
+              <a:rPr lang="ru-RU" sz="1800" b="0" i="0" u="none" strike="noStrike" dirty="0">
+                <a:solidFill>
+                  <a:schemeClr val="bg1"/>
+                </a:solidFill>
+                <a:effectLst/>
+                <a:latin typeface="Arial" panose="020B0604020202020204" pitchFamily="34" charset="0"/>
+              </a:rPr>
+              <a:t>Мои контакты:</a:t>
+            </a:r>
+          </a:p>
+          <a:p>
+            <a:pPr algn="ctr"/>
+            <a:r>
+              <a:rPr lang="ru-RU" dirty="0">
+                <a:solidFill>
+                  <a:schemeClr val="bg1"/>
+                </a:solidFill>
+                <a:latin typeface="Arial" panose="020B0604020202020204" pitchFamily="34" charset="0"/>
+              </a:rPr>
+              <a:t>(077)</a:t>
+            </a:r>
+            <a:r>
+              <a:rPr lang="ru-RU" sz="1800" b="0" i="0" u="none" strike="noStrike" dirty="0">
+                <a:solidFill>
+                  <a:schemeClr val="bg1"/>
+                </a:solidFill>
+                <a:effectLst/>
+                <a:latin typeface="Arial" panose="020B0604020202020204" pitchFamily="34" charset="0"/>
+              </a:rPr>
+              <a:t> 311-58-11</a:t>
+            </a:r>
+          </a:p>
+          <a:p>
+            <a:pPr algn="ctr"/>
+            <a:r>
+              <a:rPr lang="en-US" dirty="0">
+                <a:solidFill>
+                  <a:schemeClr val="bg1"/>
+                </a:solidFill>
+                <a:latin typeface="Arial" panose="020B0604020202020204" pitchFamily="34" charset="0"/>
+              </a:rPr>
+              <a:t>interestingali.1@gmail.com</a:t>
+            </a:r>
+            <a:endParaRPr lang="en-GB" dirty="0">
+              <a:solidFill>
+                <a:schemeClr val="bg1"/>
+              </a:solidFill>
+            </a:endParaRPr>
+          </a:p>
+        </p:txBody>
+      </p:sp>
     </p:spTree>
     <p:extLst>
       <p:ext uri="{BB962C8B-B14F-4D97-AF65-F5344CB8AC3E}">
-        <p14:creationId xmlns:p14="http://schemas.microsoft.com/office/powerpoint/2010/main" val="3310023192"/>
+        <p14:creationId xmlns:p14="http://schemas.microsoft.com/office/powerpoint/2010/main" val="3957607748"/>
       </p:ext>
     </p:extLst>
   </p:cSld>
   <p:clrMapOvr>
     <a:masterClrMapping/>
   </p:clrMapOvr>
+  <mc:AlternateContent xmlns:mc="http://schemas.openxmlformats.org/markup-compatibility/2006">
+    <mc:Choice xmlns:p14="http://schemas.microsoft.com/office/powerpoint/2010/main" Requires="p14">
+      <p:transition spd="slow" p14:dur="800">
+        <p:circle/>
+      </p:transition>
+    </mc:Choice>
+    <mc:Fallback>
+      <p:transition spd="slow">
+        <p:circle/>
+      </p:transition>
+    </mc:Fallback>
+  </mc:AlternateContent>
 </p:sld>
 </file>
 

--- a/skateshop-baku.pptx
+++ b/skateshop-baku.pptx
@@ -7545,35 +7545,27 @@
                   </a:schemeClr>
                 </a:solidFill>
               </a:rPr>
-              <a:t>Firebase Hosting,  Authentication, Realtime-Database </a:t>
-            </a:r>
-          </a:p>
-          <a:p>
-            <a:pPr indent="-228600" defTabSz="914400">
-              <a:spcBef>
-                <a:spcPts val="700"/>
-              </a:spcBef>
-              <a:buClr>
-                <a:schemeClr val="tx2"/>
-              </a:buClr>
-            </a:pPr>
-            <a:endParaRPr lang="en-US" sz="1700" dirty="0"/>
-          </a:p>
-          <a:p>
-            <a:pPr marL="57150" indent="-285750" defTabSz="914400">
-              <a:spcBef>
-                <a:spcPts val="700"/>
-              </a:spcBef>
-              <a:buClr>
-                <a:schemeClr val="tx2"/>
-              </a:buClr>
-              <a:buFont typeface="Arial" panose="020B0604020202020204" pitchFamily="34" charset="0"/>
-              <a:buChar char="•"/>
-            </a:pPr>
-            <a:r>
-              <a:rPr lang="en-US" sz="1700" dirty="0"/>
-              <a:t>Font-Awesome</a:t>
-            </a:r>
+              <a:t>Firebase Hosting,  Authentication, </a:t>
+            </a:r>
+            <a:r>
+              <a:rPr lang="en-US" sz="1700">
+                <a:solidFill>
+                  <a:schemeClr val="tx2">
+                    <a:lumMod val="75000"/>
+                    <a:lumOff val="25000"/>
+                  </a:schemeClr>
+                </a:solidFill>
+              </a:rPr>
+              <a:t>Realtime-Database </a:t>
+            </a:r>
+            <a:endParaRPr lang="en-US" sz="1700" dirty="0">
+              <a:solidFill>
+                <a:schemeClr val="tx2">
+                  <a:lumMod val="75000"/>
+                  <a:lumOff val="25000"/>
+                </a:schemeClr>
+              </a:solidFill>
+            </a:endParaRPr>
           </a:p>
         </p:txBody>
       </p:sp>
@@ -8079,13 +8071,13 @@
   <p:clrMapOvr>
     <a:masterClrMapping/>
   </p:clrMapOvr>
-  <mc:AlternateContent xmlns:mc="http://schemas.openxmlformats.org/markup-compatibility/2006">
-    <mc:Choice xmlns:p159="http://schemas.microsoft.com/office/powerpoint/2015/09/main" Requires="p159">
+  <mc:AlternateContent xmlns:mc="http://schemas.openxmlformats.org/markup-compatibility/2006" xmlns:p159="http://schemas.microsoft.com/office/powerpoint/2015/09/main">
+    <mc:Choice Requires="p159">
       <p:transition xmlns:p14="http://schemas.microsoft.com/office/powerpoint/2010/main" spd="slow" p14:dur="2000">
         <p159:morph option="byObject"/>
       </p:transition>
     </mc:Choice>
-    <mc:Fallback>
+    <mc:Fallback xmlns="">
       <p:transition spd="slow">
         <p:fade/>
       </p:transition>
@@ -9106,13 +9098,13 @@
   <p:clrMapOvr>
     <a:masterClrMapping/>
   </p:clrMapOvr>
-  <mc:AlternateContent xmlns:mc="http://schemas.openxmlformats.org/markup-compatibility/2006">
-    <mc:Choice xmlns:p14="http://schemas.microsoft.com/office/powerpoint/2010/main" Requires="p14">
+  <mc:AlternateContent xmlns:mc="http://schemas.openxmlformats.org/markup-compatibility/2006" xmlns:p14="http://schemas.microsoft.com/office/powerpoint/2010/main">
+    <mc:Choice Requires="p14">
       <p:transition spd="slow" p14:dur="800">
         <p:circle/>
       </p:transition>
     </mc:Choice>
-    <mc:Fallback>
+    <mc:Fallback xmlns="">
       <p:transition spd="slow">
         <p:circle/>
       </p:transition>

--- a/skateshop-baku.pptx
+++ b/skateshop-baku.pptx
@@ -8,10 +8,14 @@
     <p:sldId id="256" r:id="rId2"/>
     <p:sldId id="257" r:id="rId3"/>
     <p:sldId id="259" r:id="rId4"/>
-    <p:sldId id="260" r:id="rId5"/>
-    <p:sldId id="262" r:id="rId6"/>
-    <p:sldId id="261" r:id="rId7"/>
-    <p:sldId id="263" r:id="rId8"/>
+    <p:sldId id="265" r:id="rId5"/>
+    <p:sldId id="264" r:id="rId6"/>
+    <p:sldId id="266" r:id="rId7"/>
+    <p:sldId id="260" r:id="rId8"/>
+    <p:sldId id="261" r:id="rId9"/>
+    <p:sldId id="262" r:id="rId10"/>
+    <p:sldId id="268" r:id="rId11"/>
+    <p:sldId id="263" r:id="rId12"/>
   </p:sldIdLst>
   <p:sldSz cx="12192000" cy="6858000"/>
   <p:notesSz cx="6858000" cy="9144000"/>
@@ -1329,7 +1333,7 @@
           <a:p>
             <a:fld id="{2E9D0A29-368F-4A33-B1F4-0EF4ACC5C815}" type="datetimeFigureOut">
               <a:rPr lang="en-GB" smtClean="0"/>
-              <a:t>03/12/2021</a:t>
+              <a:t>04/12/2021</a:t>
             </a:fld>
             <a:endParaRPr lang="en-GB"/>
           </a:p>
@@ -1567,7 +1571,7 @@
           <a:p>
             <a:fld id="{2E9D0A29-368F-4A33-B1F4-0EF4ACC5C815}" type="datetimeFigureOut">
               <a:rPr lang="en-GB" smtClean="0"/>
-              <a:t>03/12/2021</a:t>
+              <a:t>04/12/2021</a:t>
             </a:fld>
             <a:endParaRPr lang="en-GB"/>
           </a:p>
@@ -1747,7 +1751,7 @@
           <a:p>
             <a:fld id="{2E9D0A29-368F-4A33-B1F4-0EF4ACC5C815}" type="datetimeFigureOut">
               <a:rPr lang="en-GB" smtClean="0"/>
-              <a:t>03/12/2021</a:t>
+              <a:t>04/12/2021</a:t>
             </a:fld>
             <a:endParaRPr lang="en-GB"/>
           </a:p>
@@ -1917,7 +1921,7 @@
           <a:p>
             <a:fld id="{2E9D0A29-368F-4A33-B1F4-0EF4ACC5C815}" type="datetimeFigureOut">
               <a:rPr lang="en-GB" smtClean="0"/>
-              <a:t>03/12/2021</a:t>
+              <a:t>04/12/2021</a:t>
             </a:fld>
             <a:endParaRPr lang="en-GB"/>
           </a:p>
@@ -2193,7 +2197,7 @@
           <a:p>
             <a:fld id="{2E9D0A29-368F-4A33-B1F4-0EF4ACC5C815}" type="datetimeFigureOut">
               <a:rPr lang="en-GB" smtClean="0"/>
-              <a:t>03/12/2021</a:t>
+              <a:t>04/12/2021</a:t>
             </a:fld>
             <a:endParaRPr lang="en-GB"/>
           </a:p>
@@ -3394,7 +3398,7 @@
           <a:p>
             <a:fld id="{2E9D0A29-368F-4A33-B1F4-0EF4ACC5C815}" type="datetimeFigureOut">
               <a:rPr lang="en-GB" smtClean="0"/>
-              <a:t>03/12/2021</a:t>
+              <a:t>04/12/2021</a:t>
             </a:fld>
             <a:endParaRPr lang="en-GB"/>
           </a:p>
@@ -3784,7 +3788,7 @@
           <a:p>
             <a:fld id="{2E9D0A29-368F-4A33-B1F4-0EF4ACC5C815}" type="datetimeFigureOut">
               <a:rPr lang="en-GB" smtClean="0"/>
-              <a:t>03/12/2021</a:t>
+              <a:t>04/12/2021</a:t>
             </a:fld>
             <a:endParaRPr lang="en-GB"/>
           </a:p>
@@ -3907,7 +3911,7 @@
           <a:p>
             <a:fld id="{2E9D0A29-368F-4A33-B1F4-0EF4ACC5C815}" type="datetimeFigureOut">
               <a:rPr lang="en-GB" smtClean="0"/>
-              <a:t>03/12/2021</a:t>
+              <a:t>04/12/2021</a:t>
             </a:fld>
             <a:endParaRPr lang="en-GB"/>
           </a:p>
@@ -4002,7 +4006,7 @@
           <a:p>
             <a:fld id="{2E9D0A29-368F-4A33-B1F4-0EF4ACC5C815}" type="datetimeFigureOut">
               <a:rPr lang="en-GB" smtClean="0"/>
-              <a:t>03/12/2021</a:t>
+              <a:t>04/12/2021</a:t>
             </a:fld>
             <a:endParaRPr lang="en-GB"/>
           </a:p>
@@ -4765,7 +4769,7 @@
           <a:p>
             <a:fld id="{2E9D0A29-368F-4A33-B1F4-0EF4ACC5C815}" type="datetimeFigureOut">
               <a:rPr lang="en-GB" smtClean="0"/>
-              <a:t>03/12/2021</a:t>
+              <a:t>04/12/2021</a:t>
             </a:fld>
             <a:endParaRPr lang="en-GB"/>
           </a:p>
@@ -5605,7 +5609,7 @@
           <a:p>
             <a:fld id="{2E9D0A29-368F-4A33-B1F4-0EF4ACC5C815}" type="datetimeFigureOut">
               <a:rPr lang="en-GB" smtClean="0"/>
-              <a:t>03/12/2021</a:t>
+              <a:t>04/12/2021</a:t>
             </a:fld>
             <a:endParaRPr lang="en-GB"/>
           </a:p>
@@ -5832,7 +5836,7 @@
           <a:p>
             <a:fld id="{2E9D0A29-368F-4A33-B1F4-0EF4ACC5C815}" type="datetimeFigureOut">
               <a:rPr lang="en-GB" smtClean="0"/>
-              <a:t>03/12/2021</a:t>
+              <a:t>04/12/2021</a:t>
             </a:fld>
             <a:endParaRPr lang="en-GB"/>
           </a:p>
@@ -7315,6 +7319,612 @@
 </p:sld>
 </file>
 
+<file path=ppt/slides/slide10.xml><?xml version="1.0" encoding="utf-8"?>
+<p:sld xmlns:a="http://schemas.openxmlformats.org/drawingml/2006/main" xmlns:r="http://schemas.openxmlformats.org/officeDocument/2006/relationships" xmlns:p="http://schemas.openxmlformats.org/presentationml/2006/main">
+  <p:cSld>
+    <p:spTree>
+      <p:nvGrpSpPr>
+        <p:cNvPr id="1" name=""/>
+        <p:cNvGrpSpPr/>
+        <p:nvPr/>
+      </p:nvGrpSpPr>
+      <p:grpSpPr>
+        <a:xfrm>
+          <a:off x="0" y="0"/>
+          <a:ext cx="0" cy="0"/>
+          <a:chOff x="0" y="0"/>
+          <a:chExt cx="0" cy="0"/>
+        </a:xfrm>
+      </p:grpSpPr>
+      <p:sp>
+        <p:nvSpPr>
+          <p:cNvPr id="4" name="Прямоугольник 3">
+            <a:extLst>
+              <a:ext uri="{FF2B5EF4-FFF2-40B4-BE49-F238E27FC236}">
+                <a16:creationId xmlns:a16="http://schemas.microsoft.com/office/drawing/2014/main" id="{41447499-223E-42D5-8705-177FC9C9B56C}"/>
+              </a:ext>
+            </a:extLst>
+          </p:cNvPr>
+          <p:cNvSpPr/>
+          <p:nvPr/>
+        </p:nvSpPr>
+        <p:spPr>
+          <a:xfrm>
+            <a:off x="0" y="0"/>
+            <a:ext cx="12192000" cy="6858000"/>
+          </a:xfrm>
+          <a:prstGeom prst="rect">
+            <a:avLst/>
+          </a:prstGeom>
+          <a:solidFill>
+            <a:schemeClr val="tx2">
+              <a:lumMod val="75000"/>
+              <a:lumOff val="25000"/>
+            </a:schemeClr>
+          </a:solidFill>
+        </p:spPr>
+        <p:style>
+          <a:lnRef idx="2">
+            <a:schemeClr val="accent1">
+              <a:shade val="50000"/>
+            </a:schemeClr>
+          </a:lnRef>
+          <a:fillRef idx="1">
+            <a:schemeClr val="accent1"/>
+          </a:fillRef>
+          <a:effectRef idx="0">
+            <a:schemeClr val="accent1"/>
+          </a:effectRef>
+          <a:fontRef idx="minor">
+            <a:schemeClr val="lt1"/>
+          </a:fontRef>
+        </p:style>
+        <p:txBody>
+          <a:bodyPr rtlCol="0" anchor="ctr"/>
+          <a:lstStyle/>
+          <a:p>
+            <a:pPr algn="ctr"/>
+            <a:r>
+              <a:rPr lang="en-US" sz="4400" dirty="0">
+                <a:solidFill>
+                  <a:schemeClr val="bg1"/>
+                </a:solidFill>
+                <a:effectLst>
+                  <a:outerShdw blurRad="38100" dist="38100" dir="2700000" algn="tl">
+                    <a:srgbClr val="000000">
+                      <a:alpha val="43137"/>
+                    </a:srgbClr>
+                  </a:outerShdw>
+                </a:effectLst>
+                <a:latin typeface="+mj-lt"/>
+              </a:rPr>
+              <a:t>DEMO</a:t>
+            </a:r>
+            <a:endParaRPr lang="en-GB" sz="4400" dirty="0">
+              <a:solidFill>
+                <a:schemeClr val="bg1"/>
+              </a:solidFill>
+              <a:effectLst>
+                <a:outerShdw blurRad="38100" dist="38100" dir="2700000" algn="tl">
+                  <a:srgbClr val="000000">
+                    <a:alpha val="43137"/>
+                  </a:srgbClr>
+                </a:outerShdw>
+              </a:effectLst>
+              <a:latin typeface="+mj-lt"/>
+            </a:endParaRPr>
+          </a:p>
+        </p:txBody>
+      </p:sp>
+    </p:spTree>
+    <p:extLst>
+      <p:ext uri="{BB962C8B-B14F-4D97-AF65-F5344CB8AC3E}">
+        <p14:creationId xmlns:p14="http://schemas.microsoft.com/office/powerpoint/2010/main" val="1444330586"/>
+      </p:ext>
+    </p:extLst>
+  </p:cSld>
+  <p:clrMapOvr>
+    <a:masterClrMapping/>
+  </p:clrMapOvr>
+</p:sld>
+</file>
+
+<file path=ppt/slides/slide11.xml><?xml version="1.0" encoding="utf-8"?>
+<p:sld xmlns:a="http://schemas.openxmlformats.org/drawingml/2006/main" xmlns:r="http://schemas.openxmlformats.org/officeDocument/2006/relationships" xmlns:p="http://schemas.openxmlformats.org/presentationml/2006/main">
+  <p:cSld>
+    <p:bg>
+      <p:bgPr>
+        <a:solidFill>
+          <a:schemeClr val="tx1"/>
+        </a:solidFill>
+        <a:effectLst/>
+      </p:bgPr>
+    </p:bg>
+    <p:spTree>
+      <p:nvGrpSpPr>
+        <p:cNvPr id="1" name=""/>
+        <p:cNvGrpSpPr/>
+        <p:nvPr/>
+      </p:nvGrpSpPr>
+      <p:grpSpPr>
+        <a:xfrm>
+          <a:off x="0" y="0"/>
+          <a:ext cx="0" cy="0"/>
+          <a:chOff x="0" y="0"/>
+          <a:chExt cx="0" cy="0"/>
+        </a:xfrm>
+      </p:grpSpPr>
+      <p:sp>
+        <p:nvSpPr>
+          <p:cNvPr id="4" name="TextBox 3">
+            <a:extLst>
+              <a:ext uri="{FF2B5EF4-FFF2-40B4-BE49-F238E27FC236}">
+                <a16:creationId xmlns:a16="http://schemas.microsoft.com/office/drawing/2014/main" id="{A0E5D5C9-6078-4424-98BE-9A8708649CF2}"/>
+              </a:ext>
+            </a:extLst>
+          </p:cNvPr>
+          <p:cNvSpPr txBox="1"/>
+          <p:nvPr/>
+        </p:nvSpPr>
+        <p:spPr>
+          <a:xfrm>
+            <a:off x="4641114" y="142394"/>
+            <a:ext cx="2909771" cy="830997"/>
+          </a:xfrm>
+          <a:prstGeom prst="rect">
+            <a:avLst/>
+          </a:prstGeom>
+          <a:noFill/>
+        </p:spPr>
+        <p:txBody>
+          <a:bodyPr wrap="none" rtlCol="0">
+            <a:spAutoFit/>
+          </a:bodyPr>
+          <a:lstStyle/>
+          <a:p>
+            <a:r>
+              <a:rPr lang="ru-RU" sz="4800" dirty="0">
+                <a:solidFill>
+                  <a:schemeClr val="bg1"/>
+                </a:solidFill>
+                <a:latin typeface="+mj-lt"/>
+              </a:rPr>
+              <a:t>Вопросы?</a:t>
+            </a:r>
+            <a:endParaRPr lang="en-GB" sz="4800" dirty="0">
+              <a:solidFill>
+                <a:schemeClr val="bg1"/>
+              </a:solidFill>
+              <a:latin typeface="+mj-lt"/>
+            </a:endParaRPr>
+          </a:p>
+        </p:txBody>
+      </p:sp>
+      <p:sp>
+        <p:nvSpPr>
+          <p:cNvPr id="6" name="TextBox 5">
+            <a:extLst>
+              <a:ext uri="{FF2B5EF4-FFF2-40B4-BE49-F238E27FC236}">
+                <a16:creationId xmlns:a16="http://schemas.microsoft.com/office/drawing/2014/main" id="{5512B843-A4E8-4EE3-B122-A7197FD03E50}"/>
+              </a:ext>
+            </a:extLst>
+          </p:cNvPr>
+          <p:cNvSpPr txBox="1"/>
+          <p:nvPr/>
+        </p:nvSpPr>
+        <p:spPr>
+          <a:xfrm>
+            <a:off x="1722921" y="5515277"/>
+            <a:ext cx="3980758" cy="1200329"/>
+          </a:xfrm>
+          <a:prstGeom prst="rect">
+            <a:avLst/>
+          </a:prstGeom>
+          <a:noFill/>
+        </p:spPr>
+        <p:txBody>
+          <a:bodyPr wrap="square">
+            <a:spAutoFit/>
+          </a:bodyPr>
+          <a:lstStyle/>
+          <a:p>
+            <a:pPr algn="ctr" rtl="0">
+              <a:spcBef>
+                <a:spcPts val="0"/>
+              </a:spcBef>
+              <a:spcAft>
+                <a:spcPts val="0"/>
+              </a:spcAft>
+            </a:pPr>
+            <a:r>
+              <a:rPr lang="ru-RU" sz="1800" b="0" i="0" u="none" strike="noStrike" dirty="0">
+                <a:solidFill>
+                  <a:schemeClr val="bg1"/>
+                </a:solidFill>
+                <a:effectLst/>
+                <a:latin typeface="Arial" panose="020B0604020202020204" pitchFamily="34" charset="0"/>
+                <a:cs typeface="Arial" panose="020B0604020202020204" pitchFamily="34" charset="0"/>
+              </a:rPr>
+              <a:t>Студент: </a:t>
+            </a:r>
+            <a:r>
+              <a:rPr lang="ru-RU" b="0" i="0" dirty="0">
+                <a:solidFill>
+                  <a:schemeClr val="bg1"/>
+                </a:solidFill>
+                <a:effectLst/>
+                <a:latin typeface="Arial" panose="020B0604020202020204" pitchFamily="34" charset="0"/>
+                <a:cs typeface="Arial" panose="020B0604020202020204" pitchFamily="34" charset="0"/>
+              </a:rPr>
+              <a:t>Маммедзаде Али Джалал</a:t>
+            </a:r>
+            <a:endParaRPr lang="en-US" b="0" i="0" dirty="0">
+              <a:solidFill>
+                <a:schemeClr val="bg1"/>
+              </a:solidFill>
+              <a:effectLst/>
+              <a:latin typeface="Arial" panose="020B0604020202020204" pitchFamily="34" charset="0"/>
+              <a:cs typeface="Arial" panose="020B0604020202020204" pitchFamily="34" charset="0"/>
+            </a:endParaRPr>
+          </a:p>
+          <a:p>
+            <a:pPr algn="ctr" rtl="0">
+              <a:spcBef>
+                <a:spcPts val="0"/>
+              </a:spcBef>
+              <a:spcAft>
+                <a:spcPts val="0"/>
+              </a:spcAft>
+            </a:pPr>
+            <a:r>
+              <a:rPr lang="ru-RU" sz="1800" b="0" i="0" u="none" strike="noStrike" dirty="0">
+                <a:solidFill>
+                  <a:schemeClr val="bg1"/>
+                </a:solidFill>
+                <a:effectLst/>
+                <a:latin typeface="Arial" panose="020B0604020202020204" pitchFamily="34" charset="0"/>
+                <a:cs typeface="Arial" panose="020B0604020202020204" pitchFamily="34" charset="0"/>
+              </a:rPr>
+              <a:t>Группа: WEWA_12011_ru</a:t>
+            </a:r>
+            <a:endParaRPr lang="ru-RU" b="0" dirty="0">
+              <a:solidFill>
+                <a:schemeClr val="bg1"/>
+              </a:solidFill>
+              <a:effectLst/>
+              <a:latin typeface="Arial" panose="020B0604020202020204" pitchFamily="34" charset="0"/>
+              <a:cs typeface="Arial" panose="020B0604020202020204" pitchFamily="34" charset="0"/>
+            </a:endParaRPr>
+          </a:p>
+          <a:p>
+            <a:pPr algn="ctr" rtl="0">
+              <a:spcBef>
+                <a:spcPts val="0"/>
+              </a:spcBef>
+              <a:spcAft>
+                <a:spcPts val="0"/>
+              </a:spcAft>
+            </a:pPr>
+            <a:r>
+              <a:rPr lang="ru-RU" sz="1800" b="0" i="0" u="none" strike="noStrike" dirty="0">
+                <a:solidFill>
+                  <a:schemeClr val="bg1"/>
+                </a:solidFill>
+                <a:effectLst/>
+                <a:latin typeface="Arial" panose="020B0604020202020204" pitchFamily="34" charset="0"/>
+                <a:cs typeface="Arial" panose="020B0604020202020204" pitchFamily="34" charset="0"/>
+              </a:rPr>
+              <a:t>Факультет: Front-</a:t>
+            </a:r>
+            <a:r>
+              <a:rPr lang="ru-RU" sz="1800" b="0" i="0" u="none" strike="noStrike" dirty="0" err="1">
+                <a:solidFill>
+                  <a:schemeClr val="bg1"/>
+                </a:solidFill>
+                <a:effectLst/>
+                <a:latin typeface="Arial" panose="020B0604020202020204" pitchFamily="34" charset="0"/>
+                <a:cs typeface="Arial" panose="020B0604020202020204" pitchFamily="34" charset="0"/>
+              </a:rPr>
+              <a:t>end</a:t>
+            </a:r>
+            <a:r>
+              <a:rPr lang="ru-RU" sz="1800" b="0" i="0" u="none" strike="noStrike" dirty="0">
+                <a:solidFill>
+                  <a:schemeClr val="bg1"/>
+                </a:solidFill>
+                <a:effectLst/>
+                <a:latin typeface="Arial" panose="020B0604020202020204" pitchFamily="34" charset="0"/>
+                <a:cs typeface="Arial" panose="020B0604020202020204" pitchFamily="34" charset="0"/>
+              </a:rPr>
+              <a:t> разработка</a:t>
+            </a:r>
+            <a:endParaRPr lang="ru-RU" b="0" dirty="0">
+              <a:solidFill>
+                <a:schemeClr val="bg1"/>
+              </a:solidFill>
+              <a:effectLst/>
+              <a:latin typeface="Arial" panose="020B0604020202020204" pitchFamily="34" charset="0"/>
+              <a:cs typeface="Arial" panose="020B0604020202020204" pitchFamily="34" charset="0"/>
+            </a:endParaRPr>
+          </a:p>
+          <a:p>
+            <a:pPr algn="ctr" rtl="0">
+              <a:spcBef>
+                <a:spcPts val="0"/>
+              </a:spcBef>
+              <a:spcAft>
+                <a:spcPts val="0"/>
+              </a:spcAft>
+            </a:pPr>
+            <a:r>
+              <a:rPr lang="ru-RU" sz="1800" b="0" i="0" u="none" strike="noStrike" dirty="0">
+                <a:solidFill>
+                  <a:schemeClr val="bg1"/>
+                </a:solidFill>
+                <a:effectLst/>
+                <a:latin typeface="Arial" panose="020B0604020202020204" pitchFamily="34" charset="0"/>
+                <a:cs typeface="Arial" panose="020B0604020202020204" pitchFamily="34" charset="0"/>
+              </a:rPr>
+              <a:t>Преподаватель: </a:t>
+            </a:r>
+            <a:r>
+              <a:rPr lang="ru-RU" sz="1800" b="0" i="0" u="none" strike="noStrike" dirty="0" err="1">
+                <a:solidFill>
+                  <a:schemeClr val="bg1"/>
+                </a:solidFill>
+                <a:effectLst/>
+                <a:latin typeface="Arial" panose="020B0604020202020204" pitchFamily="34" charset="0"/>
+                <a:cs typeface="Arial" panose="020B0604020202020204" pitchFamily="34" charset="0"/>
+              </a:rPr>
+              <a:t>Вахид</a:t>
+            </a:r>
+            <a:r>
+              <a:rPr lang="ru-RU" sz="1800" b="0" i="0" u="none" strike="noStrike" dirty="0">
+                <a:solidFill>
+                  <a:schemeClr val="bg1"/>
+                </a:solidFill>
+                <a:effectLst/>
+                <a:latin typeface="Arial" panose="020B0604020202020204" pitchFamily="34" charset="0"/>
+                <a:cs typeface="Arial" panose="020B0604020202020204" pitchFamily="34" charset="0"/>
+              </a:rPr>
+              <a:t> </a:t>
+            </a:r>
+            <a:r>
+              <a:rPr lang="ru-RU" sz="1800" b="0" i="0" u="none" strike="noStrike" dirty="0" err="1">
+                <a:solidFill>
+                  <a:schemeClr val="bg1"/>
+                </a:solidFill>
+                <a:effectLst/>
+                <a:latin typeface="Arial" panose="020B0604020202020204" pitchFamily="34" charset="0"/>
+                <a:cs typeface="Arial" panose="020B0604020202020204" pitchFamily="34" charset="0"/>
+              </a:rPr>
+              <a:t>Гасымов</a:t>
+            </a:r>
+            <a:endParaRPr lang="ru-RU" b="0" dirty="0">
+              <a:solidFill>
+                <a:schemeClr val="bg1"/>
+              </a:solidFill>
+              <a:effectLst/>
+              <a:latin typeface="Arial" panose="020B0604020202020204" pitchFamily="34" charset="0"/>
+              <a:cs typeface="Arial" panose="020B0604020202020204" pitchFamily="34" charset="0"/>
+            </a:endParaRPr>
+          </a:p>
+        </p:txBody>
+      </p:sp>
+      <p:sp>
+        <p:nvSpPr>
+          <p:cNvPr id="7" name="Прямоугольник 6">
+            <a:extLst>
+              <a:ext uri="{FF2B5EF4-FFF2-40B4-BE49-F238E27FC236}">
+                <a16:creationId xmlns:a16="http://schemas.microsoft.com/office/drawing/2014/main" id="{4321EA7E-6949-4C96-AA0B-70CFA56E5107}"/>
+              </a:ext>
+            </a:extLst>
+          </p:cNvPr>
+          <p:cNvSpPr/>
+          <p:nvPr/>
+        </p:nvSpPr>
+        <p:spPr>
+          <a:xfrm>
+            <a:off x="10469078" y="0"/>
+            <a:ext cx="1722922" cy="6858000"/>
+          </a:xfrm>
+          <a:prstGeom prst="rect">
+            <a:avLst/>
+          </a:prstGeom>
+          <a:solidFill>
+            <a:schemeClr val="tx1"/>
+          </a:solidFill>
+          <a:ln>
+            <a:solidFill>
+              <a:schemeClr val="tx1"/>
+            </a:solidFill>
+          </a:ln>
+        </p:spPr>
+        <p:style>
+          <a:lnRef idx="2">
+            <a:schemeClr val="accent1">
+              <a:shade val="50000"/>
+            </a:schemeClr>
+          </a:lnRef>
+          <a:fillRef idx="1">
+            <a:schemeClr val="accent1"/>
+          </a:fillRef>
+          <a:effectRef idx="0">
+            <a:schemeClr val="accent1"/>
+          </a:effectRef>
+          <a:fontRef idx="minor">
+            <a:schemeClr val="lt1"/>
+          </a:fontRef>
+        </p:style>
+        <p:txBody>
+          <a:bodyPr rtlCol="0" anchor="ctr"/>
+          <a:lstStyle/>
+          <a:p>
+            <a:pPr algn="ctr"/>
+            <a:endParaRPr lang="en-GB"/>
+          </a:p>
+        </p:txBody>
+      </p:sp>
+      <p:sp>
+        <p:nvSpPr>
+          <p:cNvPr id="8" name="Прямоугольник 7">
+            <a:extLst>
+              <a:ext uri="{FF2B5EF4-FFF2-40B4-BE49-F238E27FC236}">
+                <a16:creationId xmlns:a16="http://schemas.microsoft.com/office/drawing/2014/main" id="{C26E191E-205F-4565-96C0-357AACBFF06E}"/>
+              </a:ext>
+            </a:extLst>
+          </p:cNvPr>
+          <p:cNvSpPr/>
+          <p:nvPr/>
+        </p:nvSpPr>
+        <p:spPr>
+          <a:xfrm>
+            <a:off x="-1" y="0"/>
+            <a:ext cx="1722922" cy="6858000"/>
+          </a:xfrm>
+          <a:prstGeom prst="rect">
+            <a:avLst/>
+          </a:prstGeom>
+          <a:solidFill>
+            <a:schemeClr val="tx1"/>
+          </a:solidFill>
+          <a:ln>
+            <a:solidFill>
+              <a:schemeClr val="tx1"/>
+            </a:solidFill>
+          </a:ln>
+        </p:spPr>
+        <p:style>
+          <a:lnRef idx="2">
+            <a:schemeClr val="accent1">
+              <a:shade val="50000"/>
+            </a:schemeClr>
+          </a:lnRef>
+          <a:fillRef idx="1">
+            <a:schemeClr val="accent1"/>
+          </a:fillRef>
+          <a:effectRef idx="0">
+            <a:schemeClr val="accent1"/>
+          </a:effectRef>
+          <a:fontRef idx="minor">
+            <a:schemeClr val="lt1"/>
+          </a:fontRef>
+        </p:style>
+        <p:txBody>
+          <a:bodyPr rtlCol="0" anchor="ctr"/>
+          <a:lstStyle/>
+          <a:p>
+            <a:pPr algn="ctr"/>
+            <a:endParaRPr lang="en-GB"/>
+          </a:p>
+        </p:txBody>
+      </p:sp>
+      <p:sp>
+        <p:nvSpPr>
+          <p:cNvPr id="10" name="TextBox 9">
+            <a:extLst>
+              <a:ext uri="{FF2B5EF4-FFF2-40B4-BE49-F238E27FC236}">
+                <a16:creationId xmlns:a16="http://schemas.microsoft.com/office/drawing/2014/main" id="{F1E017C7-FA4E-48F6-85DF-8E7B0034A827}"/>
+              </a:ext>
+            </a:extLst>
+          </p:cNvPr>
+          <p:cNvSpPr txBox="1"/>
+          <p:nvPr/>
+        </p:nvSpPr>
+        <p:spPr>
+          <a:xfrm>
+            <a:off x="7550885" y="5653776"/>
+            <a:ext cx="3118585" cy="923330"/>
+          </a:xfrm>
+          <a:prstGeom prst="rect">
+            <a:avLst/>
+          </a:prstGeom>
+          <a:noFill/>
+        </p:spPr>
+        <p:txBody>
+          <a:bodyPr wrap="square">
+            <a:spAutoFit/>
+          </a:bodyPr>
+          <a:lstStyle/>
+          <a:p>
+            <a:pPr algn="ctr"/>
+            <a:r>
+              <a:rPr lang="ru-RU" sz="1800" b="0" i="0" u="none" strike="noStrike" dirty="0">
+                <a:solidFill>
+                  <a:schemeClr val="bg1"/>
+                </a:solidFill>
+                <a:effectLst/>
+                <a:latin typeface="Arial" panose="020B0604020202020204" pitchFamily="34" charset="0"/>
+              </a:rPr>
+              <a:t>Мои контакты:</a:t>
+            </a:r>
+          </a:p>
+          <a:p>
+            <a:pPr algn="ctr"/>
+            <a:r>
+              <a:rPr lang="ru-RU" dirty="0">
+                <a:solidFill>
+                  <a:schemeClr val="bg1"/>
+                </a:solidFill>
+                <a:latin typeface="Arial" panose="020B0604020202020204" pitchFamily="34" charset="0"/>
+              </a:rPr>
+              <a:t>(077)</a:t>
+            </a:r>
+            <a:r>
+              <a:rPr lang="ru-RU" sz="1800" b="0" i="0" u="none" strike="noStrike" dirty="0">
+                <a:solidFill>
+                  <a:schemeClr val="bg1"/>
+                </a:solidFill>
+                <a:effectLst/>
+                <a:latin typeface="Arial" panose="020B0604020202020204" pitchFamily="34" charset="0"/>
+              </a:rPr>
+              <a:t> 311-58-11</a:t>
+            </a:r>
+          </a:p>
+          <a:p>
+            <a:pPr algn="ctr"/>
+            <a:r>
+              <a:rPr lang="en-US" dirty="0">
+                <a:solidFill>
+                  <a:schemeClr val="bg1"/>
+                </a:solidFill>
+                <a:latin typeface="Arial" panose="020B0604020202020204" pitchFamily="34" charset="0"/>
+              </a:rPr>
+              <a:t>interestingali.1@gmail.com</a:t>
+            </a:r>
+            <a:endParaRPr lang="en-GB" dirty="0">
+              <a:solidFill>
+                <a:schemeClr val="bg1"/>
+              </a:solidFill>
+            </a:endParaRPr>
+          </a:p>
+        </p:txBody>
+      </p:sp>
+    </p:spTree>
+    <p:extLst>
+      <p:ext uri="{BB962C8B-B14F-4D97-AF65-F5344CB8AC3E}">
+        <p14:creationId xmlns:p14="http://schemas.microsoft.com/office/powerpoint/2010/main" val="3957607748"/>
+      </p:ext>
+    </p:extLst>
+  </p:cSld>
+  <p:clrMapOvr>
+    <a:masterClrMapping/>
+  </p:clrMapOvr>
+  <mc:AlternateContent xmlns:mc="http://schemas.openxmlformats.org/markup-compatibility/2006" xmlns:p14="http://schemas.microsoft.com/office/powerpoint/2010/main">
+    <mc:Choice Requires="p14">
+      <p:transition spd="slow" p14:dur="800">
+        <p:circle/>
+      </p:transition>
+    </mc:Choice>
+    <mc:Fallback xmlns="">
+      <p:transition spd="slow">
+        <p:circle/>
+      </p:transition>
+    </mc:Fallback>
+  </mc:AlternateContent>
+</p:sld>
+</file>
+
 <file path=ppt/slides/slide2.xml><?xml version="1.0" encoding="utf-8"?>
 <p:sld xmlns:a="http://schemas.openxmlformats.org/drawingml/2006/main" xmlns:r="http://schemas.openxmlformats.org/officeDocument/2006/relationships" xmlns:p="http://schemas.openxmlformats.org/presentationml/2006/main">
   <p:cSld>
@@ -7805,7 +8415,7 @@
         </p:nvSpPr>
         <p:spPr>
           <a:xfrm>
-            <a:off x="5232110" y="-31287"/>
+            <a:off x="5232110" y="-75887"/>
             <a:ext cx="1569660" cy="369332"/>
           </a:xfrm>
           <a:prstGeom prst="rect">
@@ -8103,6 +8713,338 @@
           <a:chExt cx="0" cy="0"/>
         </a:xfrm>
       </p:grpSpPr>
+      <p:sp>
+        <p:nvSpPr>
+          <p:cNvPr id="4" name="Прямоугольник 3">
+            <a:extLst>
+              <a:ext uri="{FF2B5EF4-FFF2-40B4-BE49-F238E27FC236}">
+                <a16:creationId xmlns:a16="http://schemas.microsoft.com/office/drawing/2014/main" id="{41447499-223E-42D5-8705-177FC9C9B56C}"/>
+              </a:ext>
+            </a:extLst>
+          </p:cNvPr>
+          <p:cNvSpPr/>
+          <p:nvPr/>
+        </p:nvSpPr>
+        <p:spPr>
+          <a:xfrm>
+            <a:off x="0" y="0"/>
+            <a:ext cx="12192000" cy="6858000"/>
+          </a:xfrm>
+          <a:prstGeom prst="rect">
+            <a:avLst/>
+          </a:prstGeom>
+          <a:solidFill>
+            <a:schemeClr val="tx2">
+              <a:lumMod val="75000"/>
+              <a:lumOff val="25000"/>
+            </a:schemeClr>
+          </a:solidFill>
+        </p:spPr>
+        <p:style>
+          <a:lnRef idx="2">
+            <a:schemeClr val="accent1">
+              <a:shade val="50000"/>
+            </a:schemeClr>
+          </a:lnRef>
+          <a:fillRef idx="1">
+            <a:schemeClr val="accent1"/>
+          </a:fillRef>
+          <a:effectRef idx="0">
+            <a:schemeClr val="accent1"/>
+          </a:effectRef>
+          <a:fontRef idx="minor">
+            <a:schemeClr val="lt1"/>
+          </a:fontRef>
+        </p:style>
+        <p:txBody>
+          <a:bodyPr rtlCol="0" anchor="ctr"/>
+          <a:lstStyle/>
+          <a:p>
+            <a:pPr algn="ctr"/>
+            <a:r>
+              <a:rPr lang="en-US" sz="4400" dirty="0">
+                <a:solidFill>
+                  <a:schemeClr val="bg1"/>
+                </a:solidFill>
+                <a:effectLst>
+                  <a:outerShdw blurRad="38100" dist="38100" dir="2700000" algn="tl">
+                    <a:srgbClr val="000000">
+                      <a:alpha val="43137"/>
+                    </a:srgbClr>
+                  </a:outerShdw>
+                </a:effectLst>
+                <a:latin typeface="+mj-lt"/>
+              </a:rPr>
+              <a:t>DEMO</a:t>
+            </a:r>
+            <a:endParaRPr lang="en-GB" sz="4400" dirty="0">
+              <a:solidFill>
+                <a:schemeClr val="bg1"/>
+              </a:solidFill>
+              <a:effectLst>
+                <a:outerShdw blurRad="38100" dist="38100" dir="2700000" algn="tl">
+                  <a:srgbClr val="000000">
+                    <a:alpha val="43137"/>
+                  </a:srgbClr>
+                </a:outerShdw>
+              </a:effectLst>
+              <a:latin typeface="+mj-lt"/>
+            </a:endParaRPr>
+          </a:p>
+        </p:txBody>
+      </p:sp>
+    </p:spTree>
+    <p:extLst>
+      <p:ext uri="{BB962C8B-B14F-4D97-AF65-F5344CB8AC3E}">
+        <p14:creationId xmlns:p14="http://schemas.microsoft.com/office/powerpoint/2010/main" val="932514539"/>
+      </p:ext>
+    </p:extLst>
+  </p:cSld>
+  <p:clrMapOvr>
+    <a:masterClrMapping/>
+  </p:clrMapOvr>
+</p:sld>
+</file>
+
+<file path=ppt/slides/slide5.xml><?xml version="1.0" encoding="utf-8"?>
+<p:sld xmlns:a="http://schemas.openxmlformats.org/drawingml/2006/main" xmlns:r="http://schemas.openxmlformats.org/officeDocument/2006/relationships" xmlns:p="http://schemas.openxmlformats.org/presentationml/2006/main">
+  <p:cSld>
+    <p:spTree>
+      <p:nvGrpSpPr>
+        <p:cNvPr id="1" name=""/>
+        <p:cNvGrpSpPr/>
+        <p:nvPr/>
+      </p:nvGrpSpPr>
+      <p:grpSpPr>
+        <a:xfrm>
+          <a:off x="0" y="0"/>
+          <a:ext cx="0" cy="0"/>
+          <a:chOff x="0" y="0"/>
+          <a:chExt cx="0" cy="0"/>
+        </a:xfrm>
+      </p:grpSpPr>
+      <p:sp>
+        <p:nvSpPr>
+          <p:cNvPr id="6" name="Прямоугольник 5">
+            <a:extLst>
+              <a:ext uri="{FF2B5EF4-FFF2-40B4-BE49-F238E27FC236}">
+                <a16:creationId xmlns:a16="http://schemas.microsoft.com/office/drawing/2014/main" id="{AF55908C-B756-4B56-866D-1D42093F0EA2}"/>
+              </a:ext>
+            </a:extLst>
+          </p:cNvPr>
+          <p:cNvSpPr/>
+          <p:nvPr/>
+        </p:nvSpPr>
+        <p:spPr>
+          <a:xfrm>
+            <a:off x="1" y="1"/>
+            <a:ext cx="12192000" cy="6858000"/>
+          </a:xfrm>
+          <a:prstGeom prst="rect">
+            <a:avLst/>
+          </a:prstGeom>
+        </p:spPr>
+        <p:style>
+          <a:lnRef idx="2">
+            <a:schemeClr val="accent1">
+              <a:shade val="50000"/>
+            </a:schemeClr>
+          </a:lnRef>
+          <a:fillRef idx="1">
+            <a:schemeClr val="accent1"/>
+          </a:fillRef>
+          <a:effectRef idx="0">
+            <a:schemeClr val="accent1"/>
+          </a:effectRef>
+          <a:fontRef idx="minor">
+            <a:schemeClr val="lt1"/>
+          </a:fontRef>
+        </p:style>
+        <p:txBody>
+          <a:bodyPr rtlCol="0" anchor="ctr"/>
+          <a:lstStyle/>
+          <a:p>
+            <a:pPr algn="ctr"/>
+            <a:endParaRPr lang="en-GB"/>
+          </a:p>
+        </p:txBody>
+      </p:sp>
+      <p:pic>
+        <p:nvPicPr>
+          <p:cNvPr id="5" name="Рисунок 4">
+            <a:extLst>
+              <a:ext uri="{FF2B5EF4-FFF2-40B4-BE49-F238E27FC236}">
+                <a16:creationId xmlns:a16="http://schemas.microsoft.com/office/drawing/2014/main" id="{A35B708D-EDAA-43BE-A6B8-4394349A245C}"/>
+              </a:ext>
+            </a:extLst>
+          </p:cNvPr>
+          <p:cNvPicPr>
+            <a:picLocks noChangeAspect="1"/>
+          </p:cNvPicPr>
+          <p:nvPr/>
+        </p:nvPicPr>
+        <p:blipFill>
+          <a:blip r:embed="rId2">
+            <a:extLst>
+              <a:ext uri="{28A0092B-C50C-407E-A947-70E740481C1C}">
+                <a14:useLocalDpi xmlns:a14="http://schemas.microsoft.com/office/drawing/2010/main" val="0"/>
+              </a:ext>
+            </a:extLst>
+          </a:blip>
+          <a:stretch>
+            <a:fillRect/>
+          </a:stretch>
+        </p:blipFill>
+        <p:spPr>
+          <a:xfrm>
+            <a:off x="0" y="0"/>
+            <a:ext cx="11364871" cy="6239932"/>
+          </a:xfrm>
+          <a:prstGeom prst="rect">
+            <a:avLst/>
+          </a:prstGeom>
+        </p:spPr>
+      </p:pic>
+    </p:spTree>
+    <p:extLst>
+      <p:ext uri="{BB962C8B-B14F-4D97-AF65-F5344CB8AC3E}">
+        <p14:creationId xmlns:p14="http://schemas.microsoft.com/office/powerpoint/2010/main" val="2011154265"/>
+      </p:ext>
+    </p:extLst>
+  </p:cSld>
+  <p:clrMapOvr>
+    <a:masterClrMapping/>
+  </p:clrMapOvr>
+</p:sld>
+</file>
+
+<file path=ppt/slides/slide6.xml><?xml version="1.0" encoding="utf-8"?>
+<p:sld xmlns:a="http://schemas.openxmlformats.org/drawingml/2006/main" xmlns:r="http://schemas.openxmlformats.org/officeDocument/2006/relationships" xmlns:p="http://schemas.openxmlformats.org/presentationml/2006/main">
+  <p:cSld>
+    <p:spTree>
+      <p:nvGrpSpPr>
+        <p:cNvPr id="1" name=""/>
+        <p:cNvGrpSpPr/>
+        <p:nvPr/>
+      </p:nvGrpSpPr>
+      <p:grpSpPr>
+        <a:xfrm>
+          <a:off x="0" y="0"/>
+          <a:ext cx="0" cy="0"/>
+          <a:chOff x="0" y="0"/>
+          <a:chExt cx="0" cy="0"/>
+        </a:xfrm>
+      </p:grpSpPr>
+      <p:sp>
+        <p:nvSpPr>
+          <p:cNvPr id="4" name="Прямоугольник 3">
+            <a:extLst>
+              <a:ext uri="{FF2B5EF4-FFF2-40B4-BE49-F238E27FC236}">
+                <a16:creationId xmlns:a16="http://schemas.microsoft.com/office/drawing/2014/main" id="{41447499-223E-42D5-8705-177FC9C9B56C}"/>
+              </a:ext>
+            </a:extLst>
+          </p:cNvPr>
+          <p:cNvSpPr/>
+          <p:nvPr/>
+        </p:nvSpPr>
+        <p:spPr>
+          <a:xfrm>
+            <a:off x="0" y="0"/>
+            <a:ext cx="12192000" cy="6858000"/>
+          </a:xfrm>
+          <a:prstGeom prst="rect">
+            <a:avLst/>
+          </a:prstGeom>
+          <a:solidFill>
+            <a:schemeClr val="tx2">
+              <a:lumMod val="75000"/>
+              <a:lumOff val="25000"/>
+            </a:schemeClr>
+          </a:solidFill>
+        </p:spPr>
+        <p:style>
+          <a:lnRef idx="2">
+            <a:schemeClr val="accent1">
+              <a:shade val="50000"/>
+            </a:schemeClr>
+          </a:lnRef>
+          <a:fillRef idx="1">
+            <a:schemeClr val="accent1"/>
+          </a:fillRef>
+          <a:effectRef idx="0">
+            <a:schemeClr val="accent1"/>
+          </a:effectRef>
+          <a:fontRef idx="minor">
+            <a:schemeClr val="lt1"/>
+          </a:fontRef>
+        </p:style>
+        <p:txBody>
+          <a:bodyPr rtlCol="0" anchor="ctr"/>
+          <a:lstStyle/>
+          <a:p>
+            <a:pPr algn="ctr"/>
+            <a:r>
+              <a:rPr lang="en-US" sz="4400" dirty="0">
+                <a:solidFill>
+                  <a:schemeClr val="bg1"/>
+                </a:solidFill>
+                <a:effectLst>
+                  <a:outerShdw blurRad="38100" dist="38100" dir="2700000" algn="tl">
+                    <a:srgbClr val="000000">
+                      <a:alpha val="43137"/>
+                    </a:srgbClr>
+                  </a:outerShdw>
+                </a:effectLst>
+                <a:latin typeface="+mj-lt"/>
+              </a:rPr>
+              <a:t>DEMO</a:t>
+            </a:r>
+            <a:endParaRPr lang="en-GB" sz="4400" dirty="0">
+              <a:solidFill>
+                <a:schemeClr val="bg1"/>
+              </a:solidFill>
+              <a:effectLst>
+                <a:outerShdw blurRad="38100" dist="38100" dir="2700000" algn="tl">
+                  <a:srgbClr val="000000">
+                    <a:alpha val="43137"/>
+                  </a:srgbClr>
+                </a:outerShdw>
+              </a:effectLst>
+              <a:latin typeface="+mj-lt"/>
+            </a:endParaRPr>
+          </a:p>
+        </p:txBody>
+      </p:sp>
+    </p:spTree>
+    <p:extLst>
+      <p:ext uri="{BB962C8B-B14F-4D97-AF65-F5344CB8AC3E}">
+        <p14:creationId xmlns:p14="http://schemas.microsoft.com/office/powerpoint/2010/main" val="1121049273"/>
+      </p:ext>
+    </p:extLst>
+  </p:cSld>
+  <p:clrMapOvr>
+    <a:masterClrMapping/>
+  </p:clrMapOvr>
+</p:sld>
+</file>
+
+<file path=ppt/slides/slide7.xml><?xml version="1.0" encoding="utf-8"?>
+<p:sld xmlns:a="http://schemas.openxmlformats.org/drawingml/2006/main" xmlns:r="http://schemas.openxmlformats.org/officeDocument/2006/relationships" xmlns:p="http://schemas.openxmlformats.org/presentationml/2006/main">
+  <p:cSld>
+    <p:spTree>
+      <p:nvGrpSpPr>
+        <p:cNvPr id="1" name=""/>
+        <p:cNvGrpSpPr/>
+        <p:nvPr/>
+      </p:nvGrpSpPr>
+      <p:grpSpPr>
+        <a:xfrm>
+          <a:off x="0" y="0"/>
+          <a:ext cx="0" cy="0"/>
+          <a:chOff x="0" y="0"/>
+          <a:chExt cx="0" cy="0"/>
+        </a:xfrm>
+      </p:grpSpPr>
       <p:pic>
         <p:nvPicPr>
           <p:cNvPr id="3" name="Рисунок 2">
@@ -8173,148 +9115,7 @@
 </p:sld>
 </file>
 
-<file path=ppt/slides/slide5.xml><?xml version="1.0" encoding="utf-8"?>
-<p:sld xmlns:a="http://schemas.openxmlformats.org/drawingml/2006/main" xmlns:r="http://schemas.openxmlformats.org/officeDocument/2006/relationships" xmlns:p="http://schemas.openxmlformats.org/presentationml/2006/main">
-  <p:cSld>
-    <p:spTree>
-      <p:nvGrpSpPr>
-        <p:cNvPr id="1" name=""/>
-        <p:cNvGrpSpPr/>
-        <p:nvPr/>
-      </p:nvGrpSpPr>
-      <p:grpSpPr>
-        <a:xfrm>
-          <a:off x="0" y="0"/>
-          <a:ext cx="0" cy="0"/>
-          <a:chOff x="0" y="0"/>
-          <a:chExt cx="0" cy="0"/>
-        </a:xfrm>
-      </p:grpSpPr>
-      <p:sp>
-        <p:nvSpPr>
-          <p:cNvPr id="8" name="Прямоугольник 7">
-            <a:extLst>
-              <a:ext uri="{FF2B5EF4-FFF2-40B4-BE49-F238E27FC236}">
-                <a16:creationId xmlns:a16="http://schemas.microsoft.com/office/drawing/2014/main" id="{B377B90C-CBBE-45DB-8CE4-734D032E5D5D}"/>
-              </a:ext>
-            </a:extLst>
-          </p:cNvPr>
-          <p:cNvSpPr/>
-          <p:nvPr/>
-        </p:nvSpPr>
-        <p:spPr>
-          <a:xfrm>
-            <a:off x="0" y="0"/>
-            <a:ext cx="12192000" cy="6858000"/>
-          </a:xfrm>
-          <a:prstGeom prst="rect">
-            <a:avLst/>
-          </a:prstGeom>
-          <a:solidFill>
-            <a:schemeClr val="tx1"/>
-          </a:solidFill>
-          <a:ln>
-            <a:solidFill>
-              <a:schemeClr val="tx1"/>
-            </a:solidFill>
-          </a:ln>
-        </p:spPr>
-        <p:style>
-          <a:lnRef idx="2">
-            <a:schemeClr val="accent1">
-              <a:shade val="50000"/>
-            </a:schemeClr>
-          </a:lnRef>
-          <a:fillRef idx="1">
-            <a:schemeClr val="accent1"/>
-          </a:fillRef>
-          <a:effectRef idx="0">
-            <a:schemeClr val="accent1"/>
-          </a:effectRef>
-          <a:fontRef idx="minor">
-            <a:schemeClr val="lt1"/>
-          </a:fontRef>
-        </p:style>
-        <p:txBody>
-          <a:bodyPr rtlCol="0" anchor="ctr"/>
-          <a:lstStyle/>
-          <a:p>
-            <a:pPr algn="ctr"/>
-            <a:endParaRPr lang="en-GB"/>
-          </a:p>
-        </p:txBody>
-      </p:sp>
-      <p:pic>
-        <p:nvPicPr>
-          <p:cNvPr id="7" name="Рисунок 6" descr="Изображение выглядит как текст&#10;&#10;Автоматически созданное описание">
-            <a:extLst>
-              <a:ext uri="{FF2B5EF4-FFF2-40B4-BE49-F238E27FC236}">
-                <a16:creationId xmlns:a16="http://schemas.microsoft.com/office/drawing/2014/main" id="{1D615181-9CC0-446D-92C0-18D8650F3A8E}"/>
-              </a:ext>
-            </a:extLst>
-          </p:cNvPr>
-          <p:cNvPicPr>
-            <a:picLocks noChangeAspect="1"/>
-          </p:cNvPicPr>
-          <p:nvPr/>
-        </p:nvPicPr>
-        <p:blipFill>
-          <a:blip r:embed="rId2">
-            <a:extLst>
-              <a:ext uri="{28A0092B-C50C-407E-A947-70E740481C1C}">
-                <a14:useLocalDpi xmlns:a14="http://schemas.microsoft.com/office/drawing/2010/main" val="0"/>
-              </a:ext>
-            </a:extLst>
-          </a:blip>
-          <a:stretch>
-            <a:fillRect/>
-          </a:stretch>
-        </p:blipFill>
-        <p:spPr>
-          <a:xfrm>
-            <a:off x="0" y="872985"/>
-            <a:ext cx="12192000" cy="5112030"/>
-          </a:xfrm>
-          <a:prstGeom prst="rect">
-            <a:avLst/>
-          </a:prstGeom>
-          <a:solidFill>
-            <a:srgbClr val="000000">
-              <a:shade val="95000"/>
-            </a:srgbClr>
-          </a:solidFill>
-          <a:ln w="444500" cap="sq">
-            <a:solidFill>
-              <a:srgbClr val="000000"/>
-            </a:solidFill>
-            <a:miter lim="800000"/>
-          </a:ln>
-          <a:effectLst>
-            <a:outerShdw blurRad="254000" dist="190500" dir="2700000" sy="90000" algn="bl" rotWithShape="0">
-              <a:srgbClr val="000000">
-                <a:alpha val="40000"/>
-              </a:srgbClr>
-            </a:outerShdw>
-          </a:effectLst>
-        </p:spPr>
-      </p:pic>
-    </p:spTree>
-    <p:extLst>
-      <p:ext uri="{BB962C8B-B14F-4D97-AF65-F5344CB8AC3E}">
-        <p14:creationId xmlns:p14="http://schemas.microsoft.com/office/powerpoint/2010/main" val="187319385"/>
-      </p:ext>
-    </p:extLst>
-  </p:cSld>
-  <p:clrMapOvr>
-    <a:masterClrMapping/>
-  </p:clrMapOvr>
-  <p:transition>
-    <p:push dir="u"/>
-  </p:transition>
-</p:sld>
-</file>
-
-<file path=ppt/slides/slide6.xml><?xml version="1.0" encoding="utf-8"?>
+<file path=ppt/slides/slide8.xml><?xml version="1.0" encoding="utf-8"?>
 <p:sld xmlns:a="http://schemas.openxmlformats.org/drawingml/2006/main" xmlns:r="http://schemas.openxmlformats.org/officeDocument/2006/relationships" xmlns:p="http://schemas.openxmlformats.org/presentationml/2006/main">
   <p:cSld>
     <p:spTree>
@@ -8617,17 +9418,9 @@
 </p:sld>
 </file>
 
-<file path=ppt/slides/slide7.xml><?xml version="1.0" encoding="utf-8"?>
+<file path=ppt/slides/slide9.xml><?xml version="1.0" encoding="utf-8"?>
 <p:sld xmlns:a="http://schemas.openxmlformats.org/drawingml/2006/main" xmlns:r="http://schemas.openxmlformats.org/officeDocument/2006/relationships" xmlns:p="http://schemas.openxmlformats.org/presentationml/2006/main">
   <p:cSld>
-    <p:bg>
-      <p:bgPr>
-        <a:solidFill>
-          <a:schemeClr val="tx1"/>
-        </a:solidFill>
-        <a:effectLst/>
-      </p:bgPr>
-    </p:bg>
     <p:spTree>
       <p:nvGrpSpPr>
         <p:cNvPr id="1" name=""/>
@@ -8644,267 +9437,10 @@
       </p:grpSpPr>
       <p:sp>
         <p:nvSpPr>
-          <p:cNvPr id="4" name="TextBox 3">
+          <p:cNvPr id="8" name="Прямоугольник 7">
             <a:extLst>
               <a:ext uri="{FF2B5EF4-FFF2-40B4-BE49-F238E27FC236}">
-                <a16:creationId xmlns:a16="http://schemas.microsoft.com/office/drawing/2014/main" id="{A0E5D5C9-6078-4424-98BE-9A8708649CF2}"/>
-              </a:ext>
-            </a:extLst>
-          </p:cNvPr>
-          <p:cNvSpPr txBox="1"/>
-          <p:nvPr/>
-        </p:nvSpPr>
-        <p:spPr>
-          <a:xfrm>
-            <a:off x="4641114" y="142394"/>
-            <a:ext cx="2909771" cy="830997"/>
-          </a:xfrm>
-          <a:prstGeom prst="rect">
-            <a:avLst/>
-          </a:prstGeom>
-          <a:noFill/>
-        </p:spPr>
-        <p:txBody>
-          <a:bodyPr wrap="none" rtlCol="0">
-            <a:spAutoFit/>
-          </a:bodyPr>
-          <a:lstStyle/>
-          <a:p>
-            <a:r>
-              <a:rPr lang="ru-RU" sz="4800" dirty="0">
-                <a:solidFill>
-                  <a:schemeClr val="bg1"/>
-                </a:solidFill>
-                <a:latin typeface="+mj-lt"/>
-              </a:rPr>
-              <a:t>Вопросы?</a:t>
-            </a:r>
-            <a:endParaRPr lang="en-GB" sz="4800" dirty="0">
-              <a:solidFill>
-                <a:schemeClr val="bg1"/>
-              </a:solidFill>
-              <a:latin typeface="+mj-lt"/>
-            </a:endParaRPr>
-          </a:p>
-        </p:txBody>
-      </p:sp>
-      <p:sp>
-        <p:nvSpPr>
-          <p:cNvPr id="6" name="TextBox 5">
-            <a:extLst>
-              <a:ext uri="{FF2B5EF4-FFF2-40B4-BE49-F238E27FC236}">
-                <a16:creationId xmlns:a16="http://schemas.microsoft.com/office/drawing/2014/main" id="{5512B843-A4E8-4EE3-B122-A7197FD03E50}"/>
-              </a:ext>
-            </a:extLst>
-          </p:cNvPr>
-          <p:cNvSpPr txBox="1"/>
-          <p:nvPr/>
-        </p:nvSpPr>
-        <p:spPr>
-          <a:xfrm>
-            <a:off x="1722921" y="5515277"/>
-            <a:ext cx="3980758" cy="1200329"/>
-          </a:xfrm>
-          <a:prstGeom prst="rect">
-            <a:avLst/>
-          </a:prstGeom>
-          <a:noFill/>
-        </p:spPr>
-        <p:txBody>
-          <a:bodyPr wrap="square">
-            <a:spAutoFit/>
-          </a:bodyPr>
-          <a:lstStyle/>
-          <a:p>
-            <a:pPr algn="ctr" rtl="0">
-              <a:spcBef>
-                <a:spcPts val="0"/>
-              </a:spcBef>
-              <a:spcAft>
-                <a:spcPts val="0"/>
-              </a:spcAft>
-            </a:pPr>
-            <a:r>
-              <a:rPr lang="ru-RU" sz="1800" b="0" i="0" u="none" strike="noStrike" dirty="0">
-                <a:solidFill>
-                  <a:schemeClr val="bg1"/>
-                </a:solidFill>
-                <a:effectLst/>
-                <a:latin typeface="Arial" panose="020B0604020202020204" pitchFamily="34" charset="0"/>
-                <a:cs typeface="Arial" panose="020B0604020202020204" pitchFamily="34" charset="0"/>
-              </a:rPr>
-              <a:t>Студент: </a:t>
-            </a:r>
-            <a:r>
-              <a:rPr lang="ru-RU" b="0" i="0" dirty="0">
-                <a:solidFill>
-                  <a:schemeClr val="bg1"/>
-                </a:solidFill>
-                <a:effectLst/>
-                <a:latin typeface="Arial" panose="020B0604020202020204" pitchFamily="34" charset="0"/>
-                <a:cs typeface="Arial" panose="020B0604020202020204" pitchFamily="34" charset="0"/>
-              </a:rPr>
-              <a:t>Маммедзаде Али Джалал</a:t>
-            </a:r>
-            <a:endParaRPr lang="en-US" b="0" i="0" dirty="0">
-              <a:solidFill>
-                <a:schemeClr val="bg1"/>
-              </a:solidFill>
-              <a:effectLst/>
-              <a:latin typeface="Arial" panose="020B0604020202020204" pitchFamily="34" charset="0"/>
-              <a:cs typeface="Arial" panose="020B0604020202020204" pitchFamily="34" charset="0"/>
-            </a:endParaRPr>
-          </a:p>
-          <a:p>
-            <a:pPr algn="ctr" rtl="0">
-              <a:spcBef>
-                <a:spcPts val="0"/>
-              </a:spcBef>
-              <a:spcAft>
-                <a:spcPts val="0"/>
-              </a:spcAft>
-            </a:pPr>
-            <a:r>
-              <a:rPr lang="ru-RU" sz="1800" b="0" i="0" u="none" strike="noStrike" dirty="0">
-                <a:solidFill>
-                  <a:schemeClr val="bg1"/>
-                </a:solidFill>
-                <a:effectLst/>
-                <a:latin typeface="Arial" panose="020B0604020202020204" pitchFamily="34" charset="0"/>
-                <a:cs typeface="Arial" panose="020B0604020202020204" pitchFamily="34" charset="0"/>
-              </a:rPr>
-              <a:t>Группа: WEWA_12011_ru</a:t>
-            </a:r>
-            <a:endParaRPr lang="ru-RU" b="0" dirty="0">
-              <a:solidFill>
-                <a:schemeClr val="bg1"/>
-              </a:solidFill>
-              <a:effectLst/>
-              <a:latin typeface="Arial" panose="020B0604020202020204" pitchFamily="34" charset="0"/>
-              <a:cs typeface="Arial" panose="020B0604020202020204" pitchFamily="34" charset="0"/>
-            </a:endParaRPr>
-          </a:p>
-          <a:p>
-            <a:pPr algn="ctr" rtl="0">
-              <a:spcBef>
-                <a:spcPts val="0"/>
-              </a:spcBef>
-              <a:spcAft>
-                <a:spcPts val="0"/>
-              </a:spcAft>
-            </a:pPr>
-            <a:r>
-              <a:rPr lang="ru-RU" sz="1800" b="0" i="0" u="none" strike="noStrike" dirty="0">
-                <a:solidFill>
-                  <a:schemeClr val="bg1"/>
-                </a:solidFill>
-                <a:effectLst/>
-                <a:latin typeface="Arial" panose="020B0604020202020204" pitchFamily="34" charset="0"/>
-                <a:cs typeface="Arial" panose="020B0604020202020204" pitchFamily="34" charset="0"/>
-              </a:rPr>
-              <a:t>Факультет: Front-</a:t>
-            </a:r>
-            <a:r>
-              <a:rPr lang="ru-RU" sz="1800" b="0" i="0" u="none" strike="noStrike" dirty="0" err="1">
-                <a:solidFill>
-                  <a:schemeClr val="bg1"/>
-                </a:solidFill>
-                <a:effectLst/>
-                <a:latin typeface="Arial" panose="020B0604020202020204" pitchFamily="34" charset="0"/>
-                <a:cs typeface="Arial" panose="020B0604020202020204" pitchFamily="34" charset="0"/>
-              </a:rPr>
-              <a:t>end</a:t>
-            </a:r>
-            <a:r>
-              <a:rPr lang="ru-RU" sz="1800" b="0" i="0" u="none" strike="noStrike" dirty="0">
-                <a:solidFill>
-                  <a:schemeClr val="bg1"/>
-                </a:solidFill>
-                <a:effectLst/>
-                <a:latin typeface="Arial" panose="020B0604020202020204" pitchFamily="34" charset="0"/>
-                <a:cs typeface="Arial" panose="020B0604020202020204" pitchFamily="34" charset="0"/>
-              </a:rPr>
-              <a:t> разработка</a:t>
-            </a:r>
-            <a:endParaRPr lang="ru-RU" b="0" dirty="0">
-              <a:solidFill>
-                <a:schemeClr val="bg1"/>
-              </a:solidFill>
-              <a:effectLst/>
-              <a:latin typeface="Arial" panose="020B0604020202020204" pitchFamily="34" charset="0"/>
-              <a:cs typeface="Arial" panose="020B0604020202020204" pitchFamily="34" charset="0"/>
-            </a:endParaRPr>
-          </a:p>
-          <a:p>
-            <a:pPr algn="ctr" rtl="0">
-              <a:spcBef>
-                <a:spcPts val="0"/>
-              </a:spcBef>
-              <a:spcAft>
-                <a:spcPts val="0"/>
-              </a:spcAft>
-            </a:pPr>
-            <a:r>
-              <a:rPr lang="ru-RU" sz="1800" b="0" i="0" u="none" strike="noStrike" dirty="0">
-                <a:solidFill>
-                  <a:schemeClr val="bg1"/>
-                </a:solidFill>
-                <a:effectLst/>
-                <a:latin typeface="Arial" panose="020B0604020202020204" pitchFamily="34" charset="0"/>
-                <a:cs typeface="Arial" panose="020B0604020202020204" pitchFamily="34" charset="0"/>
-              </a:rPr>
-              <a:t>Преподаватель: </a:t>
-            </a:r>
-            <a:r>
-              <a:rPr lang="ru-RU" sz="1800" b="0" i="0" u="none" strike="noStrike" dirty="0" err="1">
-                <a:solidFill>
-                  <a:schemeClr val="bg1"/>
-                </a:solidFill>
-                <a:effectLst/>
-                <a:latin typeface="Arial" panose="020B0604020202020204" pitchFamily="34" charset="0"/>
-                <a:cs typeface="Arial" panose="020B0604020202020204" pitchFamily="34" charset="0"/>
-              </a:rPr>
-              <a:t>Вахид</a:t>
-            </a:r>
-            <a:r>
-              <a:rPr lang="ru-RU" sz="1800" b="0" i="0" u="none" strike="noStrike" dirty="0">
-                <a:solidFill>
-                  <a:schemeClr val="bg1"/>
-                </a:solidFill>
-                <a:effectLst/>
-                <a:latin typeface="Arial" panose="020B0604020202020204" pitchFamily="34" charset="0"/>
-                <a:cs typeface="Arial" panose="020B0604020202020204" pitchFamily="34" charset="0"/>
-              </a:rPr>
-              <a:t> </a:t>
-            </a:r>
-            <a:r>
-              <a:rPr lang="ru-RU" sz="1800" b="0" i="0" u="none" strike="noStrike" dirty="0" err="1">
-                <a:solidFill>
-                  <a:schemeClr val="bg1"/>
-                </a:solidFill>
-                <a:effectLst/>
-                <a:latin typeface="Arial" panose="020B0604020202020204" pitchFamily="34" charset="0"/>
-                <a:cs typeface="Arial" panose="020B0604020202020204" pitchFamily="34" charset="0"/>
-              </a:rPr>
-              <a:t>Гасымов</a:t>
-            </a:r>
-            <a:endParaRPr lang="ru-RU" b="0" dirty="0">
-              <a:solidFill>
-                <a:schemeClr val="bg1"/>
-              </a:solidFill>
-              <a:effectLst/>
-              <a:latin typeface="Arial" panose="020B0604020202020204" pitchFamily="34" charset="0"/>
-              <a:cs typeface="Arial" panose="020B0604020202020204" pitchFamily="34" charset="0"/>
-            </a:endParaRPr>
-          </a:p>
-        </p:txBody>
-      </p:sp>
-      <p:sp>
-        <p:nvSpPr>
-          <p:cNvPr id="7" name="Прямоугольник 6">
-            <a:extLst>
-              <a:ext uri="{FF2B5EF4-FFF2-40B4-BE49-F238E27FC236}">
-                <a16:creationId xmlns:a16="http://schemas.microsoft.com/office/drawing/2014/main" id="{4321EA7E-6949-4C96-AA0B-70CFA56E5107}"/>
+                <a16:creationId xmlns:a16="http://schemas.microsoft.com/office/drawing/2014/main" id="{B377B90C-CBBE-45DB-8CE4-734D032E5D5D}"/>
               </a:ext>
             </a:extLst>
           </p:cNvPr>
@@ -8913,8 +9449,8 @@
         </p:nvSpPr>
         <p:spPr>
           <a:xfrm>
-            <a:off x="10469078" y="0"/>
-            <a:ext cx="1722922" cy="6858000"/>
+            <a:off x="0" y="0"/>
+            <a:ext cx="12192000" cy="6858000"/>
           </a:xfrm>
           <a:prstGeom prst="rect">
             <a:avLst/>
@@ -8953,163 +9489,73 @@
           </a:p>
         </p:txBody>
       </p:sp>
-      <p:sp>
-        <p:nvSpPr>
-          <p:cNvPr id="8" name="Прямоугольник 7">
+      <p:pic>
+        <p:nvPicPr>
+          <p:cNvPr id="7" name="Рисунок 6" descr="Изображение выглядит как текст&#10;&#10;Автоматически созданное описание">
             <a:extLst>
               <a:ext uri="{FF2B5EF4-FFF2-40B4-BE49-F238E27FC236}">
-                <a16:creationId xmlns:a16="http://schemas.microsoft.com/office/drawing/2014/main" id="{C26E191E-205F-4565-96C0-357AACBFF06E}"/>
+                <a16:creationId xmlns:a16="http://schemas.microsoft.com/office/drawing/2014/main" id="{1D615181-9CC0-446D-92C0-18D8650F3A8E}"/>
               </a:ext>
             </a:extLst>
           </p:cNvPr>
-          <p:cNvSpPr/>
+          <p:cNvPicPr>
+            <a:picLocks noChangeAspect="1"/>
+          </p:cNvPicPr>
           <p:nvPr/>
-        </p:nvSpPr>
+        </p:nvPicPr>
+        <p:blipFill>
+          <a:blip r:embed="rId2">
+            <a:extLst>
+              <a:ext uri="{28A0092B-C50C-407E-A947-70E740481C1C}">
+                <a14:useLocalDpi xmlns:a14="http://schemas.microsoft.com/office/drawing/2010/main" val="0"/>
+              </a:ext>
+            </a:extLst>
+          </a:blip>
+          <a:stretch>
+            <a:fillRect/>
+          </a:stretch>
+        </p:blipFill>
         <p:spPr>
           <a:xfrm>
-            <a:off x="-1" y="0"/>
-            <a:ext cx="1722922" cy="6858000"/>
+            <a:off x="0" y="872985"/>
+            <a:ext cx="12192000" cy="5112030"/>
           </a:xfrm>
           <a:prstGeom prst="rect">
             <a:avLst/>
           </a:prstGeom>
           <a:solidFill>
-            <a:schemeClr val="tx1"/>
+            <a:srgbClr val="000000">
+              <a:shade val="95000"/>
+            </a:srgbClr>
           </a:solidFill>
-          <a:ln>
+          <a:ln w="444500" cap="sq">
             <a:solidFill>
-              <a:schemeClr val="tx1"/>
+              <a:srgbClr val="000000"/>
             </a:solidFill>
+            <a:miter lim="800000"/>
           </a:ln>
+          <a:effectLst>
+            <a:outerShdw blurRad="254000" dist="190500" dir="2700000" sy="90000" algn="bl" rotWithShape="0">
+              <a:srgbClr val="000000">
+                <a:alpha val="40000"/>
+              </a:srgbClr>
+            </a:outerShdw>
+          </a:effectLst>
         </p:spPr>
-        <p:style>
-          <a:lnRef idx="2">
-            <a:schemeClr val="accent1">
-              <a:shade val="50000"/>
-            </a:schemeClr>
-          </a:lnRef>
-          <a:fillRef idx="1">
-            <a:schemeClr val="accent1"/>
-          </a:fillRef>
-          <a:effectRef idx="0">
-            <a:schemeClr val="accent1"/>
-          </a:effectRef>
-          <a:fontRef idx="minor">
-            <a:schemeClr val="lt1"/>
-          </a:fontRef>
-        </p:style>
-        <p:txBody>
-          <a:bodyPr rtlCol="0" anchor="ctr"/>
-          <a:lstStyle/>
-          <a:p>
-            <a:pPr algn="ctr"/>
-            <a:endParaRPr lang="en-GB"/>
-          </a:p>
-        </p:txBody>
-      </p:sp>
-      <p:sp>
-        <p:nvSpPr>
-          <p:cNvPr id="10" name="TextBox 9">
-            <a:extLst>
-              <a:ext uri="{FF2B5EF4-FFF2-40B4-BE49-F238E27FC236}">
-                <a16:creationId xmlns:a16="http://schemas.microsoft.com/office/drawing/2014/main" id="{F1E017C7-FA4E-48F6-85DF-8E7B0034A827}"/>
-              </a:ext>
-            </a:extLst>
-          </p:cNvPr>
-          <p:cNvSpPr txBox="1"/>
-          <p:nvPr/>
-        </p:nvSpPr>
-        <p:spPr>
-          <a:xfrm>
-            <a:off x="7550885" y="5653776"/>
-            <a:ext cx="3118585" cy="923330"/>
-          </a:xfrm>
-          <a:prstGeom prst="rect">
-            <a:avLst/>
-          </a:prstGeom>
-          <a:noFill/>
-        </p:spPr>
-        <p:txBody>
-          <a:bodyPr wrap="square">
-            <a:spAutoFit/>
-          </a:bodyPr>
-          <a:lstStyle/>
-          <a:p>
-            <a:pPr algn="ctr"/>
-            <a:r>
-              <a:rPr lang="ru-RU" sz="1800" b="0" i="0" u="none" strike="noStrike" dirty="0">
-                <a:solidFill>
-                  <a:schemeClr val="bg1"/>
-                </a:solidFill>
-                <a:effectLst/>
-                <a:latin typeface="Arial" panose="020B0604020202020204" pitchFamily="34" charset="0"/>
-              </a:rPr>
-              <a:t>Мои контакты:</a:t>
-            </a:r>
-          </a:p>
-          <a:p>
-            <a:pPr algn="ctr"/>
-            <a:r>
-              <a:rPr lang="ru-RU" dirty="0">
-                <a:solidFill>
-                  <a:schemeClr val="bg1"/>
-                </a:solidFill>
-                <a:latin typeface="Arial" panose="020B0604020202020204" pitchFamily="34" charset="0"/>
-              </a:rPr>
-              <a:t>(077)</a:t>
-            </a:r>
-            <a:r>
-              <a:rPr lang="ru-RU" sz="1800" b="0" i="0" u="none" strike="noStrike" dirty="0">
-                <a:solidFill>
-                  <a:schemeClr val="bg1"/>
-                </a:solidFill>
-                <a:effectLst/>
-                <a:latin typeface="Arial" panose="020B0604020202020204" pitchFamily="34" charset="0"/>
-              </a:rPr>
-              <a:t> 311-58-11</a:t>
-            </a:r>
-          </a:p>
-          <a:p>
-            <a:pPr algn="ctr"/>
-            <a:r>
-              <a:rPr lang="en-US" dirty="0">
-                <a:solidFill>
-                  <a:schemeClr val="bg1"/>
-                </a:solidFill>
-                <a:latin typeface="Arial" panose="020B0604020202020204" pitchFamily="34" charset="0"/>
-              </a:rPr>
-              <a:t>interestingali.1@gmail.com</a:t>
-            </a:r>
-            <a:endParaRPr lang="en-GB" dirty="0">
-              <a:solidFill>
-                <a:schemeClr val="bg1"/>
-              </a:solidFill>
-            </a:endParaRPr>
-          </a:p>
-        </p:txBody>
-      </p:sp>
+      </p:pic>
     </p:spTree>
     <p:extLst>
       <p:ext uri="{BB962C8B-B14F-4D97-AF65-F5344CB8AC3E}">
-        <p14:creationId xmlns:p14="http://schemas.microsoft.com/office/powerpoint/2010/main" val="3957607748"/>
+        <p14:creationId xmlns:p14="http://schemas.microsoft.com/office/powerpoint/2010/main" val="187319385"/>
       </p:ext>
     </p:extLst>
   </p:cSld>
   <p:clrMapOvr>
     <a:masterClrMapping/>
   </p:clrMapOvr>
-  <mc:AlternateContent xmlns:mc="http://schemas.openxmlformats.org/markup-compatibility/2006" xmlns:p14="http://schemas.microsoft.com/office/powerpoint/2010/main">
-    <mc:Choice Requires="p14">
-      <p:transition spd="slow" p14:dur="800">
-        <p:circle/>
-      </p:transition>
-    </mc:Choice>
-    <mc:Fallback xmlns="">
-      <p:transition spd="slow">
-        <p:circle/>
-      </p:transition>
-    </mc:Fallback>
-  </mc:AlternateContent>
+  <p:transition>
+    <p:push dir="u"/>
+  </p:transition>
 </p:sld>
 </file>
 
